--- a/Loan approval project 3.pptx
+++ b/Loan approval project 3.pptx
@@ -10,14 +10,15 @@
     <p:sldId id="267" r:id="rId4"/>
     <p:sldId id="264" r:id="rId5"/>
     <p:sldId id="266" r:id="rId6"/>
-    <p:sldId id="259" r:id="rId7"/>
-    <p:sldId id="275" r:id="rId8"/>
-    <p:sldId id="273" r:id="rId9"/>
-    <p:sldId id="271" r:id="rId10"/>
-    <p:sldId id="268" r:id="rId11"/>
-    <p:sldId id="270" r:id="rId12"/>
-    <p:sldId id="276" r:id="rId13"/>
-    <p:sldId id="269" r:id="rId14"/>
+    <p:sldId id="275" r:id="rId7"/>
+    <p:sldId id="273" r:id="rId8"/>
+    <p:sldId id="271" r:id="rId9"/>
+    <p:sldId id="268" r:id="rId10"/>
+    <p:sldId id="276" r:id="rId11"/>
+    <p:sldId id="278" r:id="rId12"/>
+    <p:sldId id="277" r:id="rId13"/>
+    <p:sldId id="270" r:id="rId14"/>
+    <p:sldId id="269" r:id="rId15"/>
   </p:sldIdLst>
   <p:sldSz cx="12192000" cy="6858000"/>
   <p:notesSz cx="6858000" cy="9144000"/>
@@ -124,673 +125,6 @@
 </p:presentation>
 </file>
 
-<file path=ppt/ink/ink1.xml><?xml version="1.0" encoding="utf-8"?>
-<inkml:ink xmlns:inkml="http://www.w3.org/2003/InkML">
-  <inkml:definitions>
-    <inkml:context xml:id="ctx0">
-      <inkml:inkSource xml:id="inkSrc0">
-        <inkml:traceFormat>
-          <inkml:channel name="X" type="integer" min="-2.14748E9" max="2.14748E9" units="cm"/>
-          <inkml:channel name="Y" type="integer" min="-2.14748E9" max="2.14748E9" units="cm"/>
-        </inkml:traceFormat>
-        <inkml:channelProperties>
-          <inkml:channelProperty channel="X" name="resolution" value="1000" units="1/cm"/>
-          <inkml:channelProperty channel="Y" name="resolution" value="1000" units="1/cm"/>
-        </inkml:channelProperties>
-      </inkml:inkSource>
-      <inkml:timestamp xml:id="ts0" timeString="2021-02-20T17:06:07.014"/>
-    </inkml:context>
-    <inkml:brush xml:id="br0">
-      <inkml:brushProperty name="width" value="0.2" units="cm"/>
-      <inkml:brushProperty name="height" value="0.4" units="cm"/>
-      <inkml:brushProperty name="color" value="#FFFC00"/>
-      <inkml:brushProperty name="tip" value="rectangle"/>
-      <inkml:brushProperty name="rasterOp" value="maskPen"/>
-      <inkml:brushProperty name="ignorePressure" value="1"/>
-    </inkml:brush>
-  </inkml:definitions>
-  <inkml:trace contextRef="#ctx0" brushRef="#br0">1 152,'29'0,"0"-1,0-1,41-10,-27 2,-15 3,0 0,48-3,-61 8,1 0,-1-1,0-1,0 0,0-1,0-1,-1 0,0-1,20-13,-29 16,9-3,1 1,-1 0,1 1,0 1,0 0,1 1,26-2,115 6,-89 1,38-3,72 4,-175-3,0 1,0-1,0 1,-1-1,1 1,0 0,0 0,0 1,-1-1,1 0,-1 1,1 0,-1 0,0-1,1 1,-1 0,0 1,0-1,0 0,-1 1,3 2,0 4,0 0,0 1,-1-1,3 20,-3-19,0 1,0 0,6 12,0-6</inkml:trace>
-</inkml:ink>
-</file>
-
-<file path=ppt/ink/ink10.xml><?xml version="1.0" encoding="utf-8"?>
-<inkml:ink xmlns:inkml="http://www.w3.org/2003/InkML">
-  <inkml:definitions>
-    <inkml:context xml:id="ctx0">
-      <inkml:inkSource xml:id="inkSrc0">
-        <inkml:traceFormat>
-          <inkml:channel name="X" type="integer" min="-2.14748E9" max="2.14748E9" units="cm"/>
-          <inkml:channel name="Y" type="integer" min="-2.14748E9" max="2.14748E9" units="cm"/>
-        </inkml:traceFormat>
-        <inkml:channelProperties>
-          <inkml:channelProperty channel="X" name="resolution" value="1000" units="1/cm"/>
-          <inkml:channelProperty channel="Y" name="resolution" value="1000" units="1/cm"/>
-        </inkml:channelProperties>
-      </inkml:inkSource>
-      <inkml:timestamp xml:id="ts0" timeString="2021-02-20T17:06:49.296"/>
-    </inkml:context>
-    <inkml:brush xml:id="br0">
-      <inkml:brushProperty name="width" value="0.2" units="cm"/>
-      <inkml:brushProperty name="height" value="0.4" units="cm"/>
-      <inkml:brushProperty name="color" value="#FFFC00"/>
-      <inkml:brushProperty name="tip" value="rectangle"/>
-      <inkml:brushProperty name="rasterOp" value="maskPen"/>
-      <inkml:brushProperty name="ignorePressure" value="1"/>
-    </inkml:brush>
-  </inkml:definitions>
-  <inkml:trace contextRef="#ctx0" brushRef="#br0">1 49,'974'0,"-931"-2,0-2,83-19,-77 15,0 1,0 3,74 3,-102 1</inkml:trace>
-</inkml:ink>
-</file>
-
-<file path=ppt/ink/ink11.xml><?xml version="1.0" encoding="utf-8"?>
-<inkml:ink xmlns:inkml="http://www.w3.org/2003/InkML">
-  <inkml:definitions>
-    <inkml:context xml:id="ctx0">
-      <inkml:inkSource xml:id="inkSrc0">
-        <inkml:traceFormat>
-          <inkml:channel name="X" type="integer" min="-2.14748E9" max="2.14748E9" units="cm"/>
-          <inkml:channel name="Y" type="integer" min="-2.14748E9" max="2.14748E9" units="cm"/>
-        </inkml:traceFormat>
-        <inkml:channelProperties>
-          <inkml:channelProperty channel="X" name="resolution" value="1000" units="1/cm"/>
-          <inkml:channelProperty channel="Y" name="resolution" value="1000" units="1/cm"/>
-        </inkml:channelProperties>
-      </inkml:inkSource>
-      <inkml:timestamp xml:id="ts0" timeString="2021-02-20T17:06:49.712"/>
-    </inkml:context>
-    <inkml:brush xml:id="br0">
-      <inkml:brushProperty name="width" value="0.2" units="cm"/>
-      <inkml:brushProperty name="height" value="0.4" units="cm"/>
-      <inkml:brushProperty name="color" value="#FFFC00"/>
-      <inkml:brushProperty name="tip" value="rectangle"/>
-      <inkml:brushProperty name="rasterOp" value="maskPen"/>
-      <inkml:brushProperty name="ignorePressure" value="1"/>
-    </inkml:brush>
-  </inkml:definitions>
-  <inkml:trace contextRef="#ctx0" brushRef="#br0">1 0,'0'0</inkml:trace>
-</inkml:ink>
-</file>
-
-<file path=ppt/ink/ink12.xml><?xml version="1.0" encoding="utf-8"?>
-<inkml:ink xmlns:inkml="http://www.w3.org/2003/InkML">
-  <inkml:definitions>
-    <inkml:context xml:id="ctx0">
-      <inkml:inkSource xml:id="inkSrc0">
-        <inkml:traceFormat>
-          <inkml:channel name="X" type="integer" min="-2.14748E9" max="2.14748E9" units="cm"/>
-          <inkml:channel name="Y" type="integer" min="-2.14748E9" max="2.14748E9" units="cm"/>
-        </inkml:traceFormat>
-        <inkml:channelProperties>
-          <inkml:channelProperty channel="X" name="resolution" value="1000" units="1/cm"/>
-          <inkml:channelProperty channel="Y" name="resolution" value="1000" units="1/cm"/>
-        </inkml:channelProperties>
-      </inkml:inkSource>
-      <inkml:timestamp xml:id="ts0" timeString="2021-02-20T17:06:56.206"/>
-    </inkml:context>
-    <inkml:brush xml:id="br0">
-      <inkml:brushProperty name="width" value="0.2" units="cm"/>
-      <inkml:brushProperty name="height" value="0.4" units="cm"/>
-      <inkml:brushProperty name="color" value="#FFFC00"/>
-      <inkml:brushProperty name="tip" value="rectangle"/>
-      <inkml:brushProperty name="rasterOp" value="maskPen"/>
-      <inkml:brushProperty name="ignorePressure" value="1"/>
-    </inkml:brush>
-  </inkml:definitions>
-  <inkml:trace contextRef="#ctx0" brushRef="#br0">0 0,'915'0,"-894"0</inkml:trace>
-</inkml:ink>
-</file>
-
-<file path=ppt/ink/ink13.xml><?xml version="1.0" encoding="utf-8"?>
-<inkml:ink xmlns:inkml="http://www.w3.org/2003/InkML">
-  <inkml:definitions>
-    <inkml:context xml:id="ctx0">
-      <inkml:inkSource xml:id="inkSrc0">
-        <inkml:traceFormat>
-          <inkml:channel name="X" type="integer" min="-2.14748E9" max="2.14748E9" units="cm"/>
-          <inkml:channel name="Y" type="integer" min="-2.14748E9" max="2.14748E9" units="cm"/>
-        </inkml:traceFormat>
-        <inkml:channelProperties>
-          <inkml:channelProperty channel="X" name="resolution" value="1000" units="1/cm"/>
-          <inkml:channelProperty channel="Y" name="resolution" value="1000" units="1/cm"/>
-        </inkml:channelProperties>
-      </inkml:inkSource>
-      <inkml:timestamp xml:id="ts0" timeString="2021-02-20T17:06:58.062"/>
-    </inkml:context>
-    <inkml:brush xml:id="br0">
-      <inkml:brushProperty name="width" value="0.2" units="cm"/>
-      <inkml:brushProperty name="height" value="0.4" units="cm"/>
-      <inkml:brushProperty name="color" value="#FFFC00"/>
-      <inkml:brushProperty name="tip" value="rectangle"/>
-      <inkml:brushProperty name="rasterOp" value="maskPen"/>
-      <inkml:brushProperty name="ignorePressure" value="1"/>
-    </inkml:brush>
-  </inkml:definitions>
-  <inkml:trace contextRef="#ctx0" brushRef="#br0">0 99,'109'-6,"212"-38,-237 30,-41 9,49 0,-26 2,47-17,-89 18</inkml:trace>
-</inkml:ink>
-</file>
-
-<file path=ppt/ink/ink14.xml><?xml version="1.0" encoding="utf-8"?>
-<inkml:ink xmlns:inkml="http://www.w3.org/2003/InkML">
-  <inkml:definitions>
-    <inkml:context xml:id="ctx0">
-      <inkml:inkSource xml:id="inkSrc0">
-        <inkml:traceFormat>
-          <inkml:channel name="X" type="integer" min="-2.14748E9" max="2.14748E9" units="cm"/>
-          <inkml:channel name="Y" type="integer" min="-2.14748E9" max="2.14748E9" units="cm"/>
-        </inkml:traceFormat>
-        <inkml:channelProperties>
-          <inkml:channelProperty channel="X" name="resolution" value="1000" units="1/cm"/>
-          <inkml:channelProperty channel="Y" name="resolution" value="1000" units="1/cm"/>
-        </inkml:channelProperties>
-      </inkml:inkSource>
-      <inkml:timestamp xml:id="ts0" timeString="2021-02-20T17:06:58.465"/>
-    </inkml:context>
-    <inkml:brush xml:id="br0">
-      <inkml:brushProperty name="width" value="0.2" units="cm"/>
-      <inkml:brushProperty name="height" value="0.4" units="cm"/>
-      <inkml:brushProperty name="color" value="#FFFC00"/>
-      <inkml:brushProperty name="tip" value="rectangle"/>
-      <inkml:brushProperty name="rasterOp" value="maskPen"/>
-      <inkml:brushProperty name="ignorePressure" value="1"/>
-    </inkml:brush>
-  </inkml:definitions>
-  <inkml:trace contextRef="#ctx0" brushRef="#br0">0 1,'0'0</inkml:trace>
-</inkml:ink>
-</file>
-
-<file path=ppt/ink/ink15.xml><?xml version="1.0" encoding="utf-8"?>
-<inkml:ink xmlns:inkml="http://www.w3.org/2003/InkML">
-  <inkml:definitions>
-    <inkml:context xml:id="ctx0">
-      <inkml:inkSource xml:id="inkSrc0">
-        <inkml:traceFormat>
-          <inkml:channel name="X" type="integer" min="-2.14748E9" max="2.14748E9" units="cm"/>
-          <inkml:channel name="Y" type="integer" min="-2.14748E9" max="2.14748E9" units="cm"/>
-        </inkml:traceFormat>
-        <inkml:channelProperties>
-          <inkml:channelProperty channel="X" name="resolution" value="1000" units="1/cm"/>
-          <inkml:channelProperty channel="Y" name="resolution" value="1000" units="1/cm"/>
-        </inkml:channelProperties>
-      </inkml:inkSource>
-      <inkml:timestamp xml:id="ts0" timeString="2021-02-20T17:07:01.873"/>
-    </inkml:context>
-    <inkml:brush xml:id="br0">
-      <inkml:brushProperty name="width" value="0.2" units="cm"/>
-      <inkml:brushProperty name="height" value="0.4" units="cm"/>
-      <inkml:brushProperty name="color" value="#FFFC00"/>
-      <inkml:brushProperty name="tip" value="rectangle"/>
-      <inkml:brushProperty name="rasterOp" value="maskPen"/>
-      <inkml:brushProperty name="ignorePressure" value="1"/>
-    </inkml:brush>
-  </inkml:definitions>
-  <inkml:trace contextRef="#ctx0" brushRef="#br0">0 1,'841'0,"-820"0</inkml:trace>
-</inkml:ink>
-</file>
-
-<file path=ppt/ink/ink16.xml><?xml version="1.0" encoding="utf-8"?>
-<inkml:ink xmlns:inkml="http://www.w3.org/2003/InkML">
-  <inkml:definitions>
-    <inkml:context xml:id="ctx0">
-      <inkml:inkSource xml:id="inkSrc0">
-        <inkml:traceFormat>
-          <inkml:channel name="X" type="integer" min="-2.14748E9" max="2.14748E9" units="cm"/>
-          <inkml:channel name="Y" type="integer" min="-2.14748E9" max="2.14748E9" units="cm"/>
-        </inkml:traceFormat>
-        <inkml:channelProperties>
-          <inkml:channelProperty channel="X" name="resolution" value="1000" units="1/cm"/>
-          <inkml:channelProperty channel="Y" name="resolution" value="1000" units="1/cm"/>
-        </inkml:channelProperties>
-      </inkml:inkSource>
-      <inkml:timestamp xml:id="ts0" timeString="2021-02-20T17:07:19.471"/>
-    </inkml:context>
-    <inkml:brush xml:id="br0">
-      <inkml:brushProperty name="width" value="0.2" units="cm"/>
-      <inkml:brushProperty name="height" value="0.4" units="cm"/>
-      <inkml:brushProperty name="color" value="#FFFC00"/>
-      <inkml:brushProperty name="tip" value="rectangle"/>
-      <inkml:brushProperty name="rasterOp" value="maskPen"/>
-      <inkml:brushProperty name="ignorePressure" value="1"/>
-    </inkml:brush>
-  </inkml:definitions>
-  <inkml:trace contextRef="#ctx0" brushRef="#br0">0 1,'914'0,"-889"1,-1 2,28 5,34 4,371-9,-235-6,343 3,-554 1,1 0,-1 1,0 0,12 4,-11-2,1-1,23 2,-16-4,-4 0,0 0,1 1,-1 0,0 1,23 8,-14-3,0-1,0-1,1-2,47 3,109-8,-72-1,332 2,-425-1,-1-2,1 1,-1-2,0 0,0-1,28-13,-26 11,0 0,0 1,1 0,34-4,2 8,-32 2</inkml:trace>
-</inkml:ink>
-</file>
-
-<file path=ppt/ink/ink17.xml><?xml version="1.0" encoding="utf-8"?>
-<inkml:ink xmlns:inkml="http://www.w3.org/2003/InkML">
-  <inkml:definitions>
-    <inkml:context xml:id="ctx0">
-      <inkml:inkSource xml:id="inkSrc0">
-        <inkml:traceFormat>
-          <inkml:channel name="X" type="integer" min="-2.14748E9" max="2.14748E9" units="cm"/>
-          <inkml:channel name="Y" type="integer" min="-2.14748E9" max="2.14748E9" units="cm"/>
-        </inkml:traceFormat>
-        <inkml:channelProperties>
-          <inkml:channelProperty channel="X" name="resolution" value="1000" units="1/cm"/>
-          <inkml:channelProperty channel="Y" name="resolution" value="1000" units="1/cm"/>
-        </inkml:channelProperties>
-      </inkml:inkSource>
-      <inkml:timestamp xml:id="ts0" timeString="2021-02-20T17:07:24.631"/>
-    </inkml:context>
-    <inkml:brush xml:id="br0">
-      <inkml:brushProperty name="width" value="0.2" units="cm"/>
-      <inkml:brushProperty name="height" value="0.4" units="cm"/>
-      <inkml:brushProperty name="color" value="#FFFC00"/>
-      <inkml:brushProperty name="tip" value="rectangle"/>
-      <inkml:brushProperty name="rasterOp" value="maskPen"/>
-      <inkml:brushProperty name="ignorePressure" value="1"/>
-    </inkml:brush>
-  </inkml:definitions>
-  <inkml:trace contextRef="#ctx0" brushRef="#br0">1 315,'1557'0,"-1532"-2,-1 0,0-2,42-12,-36 8,56-7,-74 14,8 0,0-1,-1-1,1-1,24-8,7-6,1 2,1 3,0 2,0 2,109-3,-71 14,65-4,-141 0,1-2,-1 0,1 0,-1-2,15-7,-11 5,0 1,24-6,-2 6,0 3,0 1,46 3,-53 1,0-1,0-1,0-2,0-2,47-12,-47 5,1 2,0 2,0 1,0 1,65 0,-62 6,0 2,-1-3,1-1,56-10,-90 11,0 1,-1-1,1 0,0 1,0 0,0 0,0 0,0 0,0 1,-1-1,1 1,0 0,0 0,6 3,4 6</inkml:trace>
-</inkml:ink>
-</file>
-
-<file path=ppt/ink/ink18.xml><?xml version="1.0" encoding="utf-8"?>
-<inkml:ink xmlns:inkml="http://www.w3.org/2003/InkML">
-  <inkml:definitions>
-    <inkml:context xml:id="ctx0">
-      <inkml:inkSource xml:id="inkSrc0">
-        <inkml:traceFormat>
-          <inkml:channel name="X" type="integer" min="-2.14748E9" max="2.14748E9" units="cm"/>
-          <inkml:channel name="Y" type="integer" min="-2.14748E9" max="2.14748E9" units="cm"/>
-        </inkml:traceFormat>
-        <inkml:channelProperties>
-          <inkml:channelProperty channel="X" name="resolution" value="1000" units="1/cm"/>
-          <inkml:channelProperty channel="Y" name="resolution" value="1000" units="1/cm"/>
-        </inkml:channelProperties>
-      </inkml:inkSource>
-      <inkml:timestamp xml:id="ts0" timeString="2021-02-20T17:07:38.411"/>
-    </inkml:context>
-    <inkml:brush xml:id="br0">
-      <inkml:brushProperty name="width" value="0.2" units="cm"/>
-      <inkml:brushProperty name="height" value="0.4" units="cm"/>
-      <inkml:brushProperty name="color" value="#FFFC00"/>
-      <inkml:brushProperty name="tip" value="rectangle"/>
-      <inkml:brushProperty name="rasterOp" value="maskPen"/>
-      <inkml:brushProperty name="ignorePressure" value="1"/>
-    </inkml:brush>
-  </inkml:definitions>
-  <inkml:trace contextRef="#ctx0" brushRef="#br0">1 0,'469'0,"-446"2,1 0,32 7,-31-3,45 2,-56-8,0 1,0 1,0 0,0 1,-1 1,1 0,-1 1,0 0,0 1,20 13,12 12,-28-15</inkml:trace>
-</inkml:ink>
-</file>
-
-<file path=ppt/ink/ink19.xml><?xml version="1.0" encoding="utf-8"?>
-<inkml:ink xmlns:inkml="http://www.w3.org/2003/InkML">
-  <inkml:definitions>
-    <inkml:context xml:id="ctx0">
-      <inkml:inkSource xml:id="inkSrc0">
-        <inkml:traceFormat>
-          <inkml:channel name="X" type="integer" min="-2.14748E9" max="2.14748E9" units="cm"/>
-          <inkml:channel name="Y" type="integer" min="-2.14748E9" max="2.14748E9" units="cm"/>
-        </inkml:traceFormat>
-        <inkml:channelProperties>
-          <inkml:channelProperty channel="X" name="resolution" value="1000" units="1/cm"/>
-          <inkml:channelProperty channel="Y" name="resolution" value="1000" units="1/cm"/>
-        </inkml:channelProperties>
-      </inkml:inkSource>
-      <inkml:timestamp xml:id="ts0" timeString="2021-02-20T17:07:42.451"/>
-    </inkml:context>
-    <inkml:brush xml:id="br0">
-      <inkml:brushProperty name="width" value="0.2" units="cm"/>
-      <inkml:brushProperty name="height" value="0.4" units="cm"/>
-      <inkml:brushProperty name="color" value="#FFFC00"/>
-      <inkml:brushProperty name="tip" value="rectangle"/>
-      <inkml:brushProperty name="rasterOp" value="maskPen"/>
-      <inkml:brushProperty name="ignorePressure" value="1"/>
-    </inkml:brush>
-  </inkml:definitions>
-  <inkml:trace contextRef="#ctx0" brushRef="#br0">0 76,'1462'0,"-1448"-1,0-1,0 0,0-1,0-1,-1 0,1-1,19-10,-16 7,-1 1,1 1,0 1,22-4,-3 5,71 4,-77 1,-6-1</inkml:trace>
-</inkml:ink>
-</file>
-
-<file path=ppt/ink/ink2.xml><?xml version="1.0" encoding="utf-8"?>
-<inkml:ink xmlns:inkml="http://www.w3.org/2003/InkML">
-  <inkml:definitions>
-    <inkml:context xml:id="ctx0">
-      <inkml:inkSource xml:id="inkSrc0">
-        <inkml:traceFormat>
-          <inkml:channel name="X" type="integer" min="-2.14748E9" max="2.14748E9" units="cm"/>
-          <inkml:channel name="Y" type="integer" min="-2.14748E9" max="2.14748E9" units="cm"/>
-        </inkml:traceFormat>
-        <inkml:channelProperties>
-          <inkml:channelProperty channel="X" name="resolution" value="1000" units="1/cm"/>
-          <inkml:channelProperty channel="Y" name="resolution" value="1000" units="1/cm"/>
-        </inkml:channelProperties>
-      </inkml:inkSource>
-      <inkml:timestamp xml:id="ts0" timeString="2021-02-20T17:06:12.044"/>
-    </inkml:context>
-    <inkml:brush xml:id="br0">
-      <inkml:brushProperty name="width" value="0.2" units="cm"/>
-      <inkml:brushProperty name="height" value="0.4" units="cm"/>
-      <inkml:brushProperty name="color" value="#FFFC00"/>
-      <inkml:brushProperty name="tip" value="rectangle"/>
-      <inkml:brushProperty name="rasterOp" value="maskPen"/>
-      <inkml:brushProperty name="ignorePressure" value="1"/>
-    </inkml:brush>
-  </inkml:definitions>
-  <inkml:trace contextRef="#ctx0" brushRef="#br0">1 1,'1127'0,"-1076"4,-34 2</inkml:trace>
-</inkml:ink>
-</file>
-
-<file path=ppt/ink/ink20.xml><?xml version="1.0" encoding="utf-8"?>
-<inkml:ink xmlns:inkml="http://www.w3.org/2003/InkML">
-  <inkml:definitions>
-    <inkml:context xml:id="ctx0">
-      <inkml:inkSource xml:id="inkSrc0">
-        <inkml:traceFormat>
-          <inkml:channel name="X" type="integer" min="-2.14748E9" max="2.14748E9" units="cm"/>
-          <inkml:channel name="Y" type="integer" min="-2.14748E9" max="2.14748E9" units="cm"/>
-        </inkml:traceFormat>
-        <inkml:channelProperties>
-          <inkml:channelProperty channel="X" name="resolution" value="1000" units="1/cm"/>
-          <inkml:channelProperty channel="Y" name="resolution" value="1000" units="1/cm"/>
-        </inkml:channelProperties>
-      </inkml:inkSource>
-      <inkml:timestamp xml:id="ts0" timeString="2021-02-20T17:07:51.686"/>
-    </inkml:context>
-    <inkml:brush xml:id="br0">
-      <inkml:brushProperty name="width" value="0.2" units="cm"/>
-      <inkml:brushProperty name="height" value="0.4" units="cm"/>
-      <inkml:brushProperty name="color" value="#FFFC00"/>
-      <inkml:brushProperty name="tip" value="rectangle"/>
-      <inkml:brushProperty name="rasterOp" value="maskPen"/>
-      <inkml:brushProperty name="ignorePressure" value="1"/>
-    </inkml:brush>
-  </inkml:definitions>
-  <inkml:trace contextRef="#ctx0" brushRef="#br0">0 169,'54'-2,"-1"-1,1-3,91-23,-125 25,-1 2,1 0,33 1,-34 2,-1-2,1 0,-1-1,30-6,15-12,-30 9,-1 1,2 2,44-6,-64 12,0-1,0 0,0-1,20-8,10-4,-22 10</inkml:trace>
-</inkml:ink>
-</file>
-
-<file path=ppt/ink/ink21.xml><?xml version="1.0" encoding="utf-8"?>
-<inkml:ink xmlns:inkml="http://www.w3.org/2003/InkML">
-  <inkml:definitions>
-    <inkml:context xml:id="ctx0">
-      <inkml:inkSource xml:id="inkSrc0">
-        <inkml:traceFormat>
-          <inkml:channel name="X" type="integer" min="-2.14748E9" max="2.14748E9" units="cm"/>
-          <inkml:channel name="Y" type="integer" min="-2.14748E9" max="2.14748E9" units="cm"/>
-        </inkml:traceFormat>
-        <inkml:channelProperties>
-          <inkml:channelProperty channel="X" name="resolution" value="1000" units="1/cm"/>
-          <inkml:channelProperty channel="Y" name="resolution" value="1000" units="1/cm"/>
-        </inkml:channelProperties>
-      </inkml:inkSource>
-      <inkml:timestamp xml:id="ts0" timeString="2021-02-20T17:07:57.928"/>
-    </inkml:context>
-    <inkml:brush xml:id="br0">
-      <inkml:brushProperty name="width" value="0.2" units="cm"/>
-      <inkml:brushProperty name="height" value="0.4" units="cm"/>
-      <inkml:brushProperty name="color" value="#FFFC00"/>
-      <inkml:brushProperty name="tip" value="rectangle"/>
-      <inkml:brushProperty name="rasterOp" value="maskPen"/>
-      <inkml:brushProperty name="ignorePressure" value="1"/>
-    </inkml:brush>
-  </inkml:definitions>
-  <inkml:trace contextRef="#ctx0" brushRef="#br0">0 0,'914'0,"-893"0</inkml:trace>
-</inkml:ink>
-</file>
-
-<file path=ppt/ink/ink22.xml><?xml version="1.0" encoding="utf-8"?>
-<inkml:ink xmlns:inkml="http://www.w3.org/2003/InkML">
-  <inkml:definitions>
-    <inkml:context xml:id="ctx0">
-      <inkml:inkSource xml:id="inkSrc0">
-        <inkml:traceFormat>
-          <inkml:channel name="X" type="integer" min="-2.14748E9" max="2.14748E9" units="cm"/>
-          <inkml:channel name="Y" type="integer" min="-2.14748E9" max="2.14748E9" units="cm"/>
-        </inkml:traceFormat>
-        <inkml:channelProperties>
-          <inkml:channelProperty channel="X" name="resolution" value="1000" units="1/cm"/>
-          <inkml:channelProperty channel="Y" name="resolution" value="1000" units="1/cm"/>
-        </inkml:channelProperties>
-      </inkml:inkSource>
-      <inkml:timestamp xml:id="ts0" timeString="2021-02-20T17:08:06.125"/>
-    </inkml:context>
-    <inkml:brush xml:id="br0">
-      <inkml:brushProperty name="width" value="0.2" units="cm"/>
-      <inkml:brushProperty name="height" value="0.4" units="cm"/>
-      <inkml:brushProperty name="color" value="#FFFC00"/>
-      <inkml:brushProperty name="tip" value="rectangle"/>
-      <inkml:brushProperty name="rasterOp" value="maskPen"/>
-      <inkml:brushProperty name="ignorePressure" value="1"/>
-    </inkml:brush>
-  </inkml:definitions>
-  <inkml:trace contextRef="#ctx0" brushRef="#br0">1 3,'79'0,"-13"-2,-1 3,1 3,92 17,25 6,-180-26,41 8,-24-5</inkml:trace>
-</inkml:ink>
-</file>
-
-<file path=ppt/ink/ink23.xml><?xml version="1.0" encoding="utf-8"?>
-<inkml:ink xmlns:inkml="http://www.w3.org/2003/InkML">
-  <inkml:definitions>
-    <inkml:context xml:id="ctx0">
-      <inkml:inkSource xml:id="inkSrc0">
-        <inkml:traceFormat>
-          <inkml:channel name="X" type="integer" min="-2.14748E9" max="2.14748E9" units="cm"/>
-          <inkml:channel name="Y" type="integer" min="-2.14748E9" max="2.14748E9" units="cm"/>
-        </inkml:traceFormat>
-        <inkml:channelProperties>
-          <inkml:channelProperty channel="X" name="resolution" value="1000" units="1/cm"/>
-          <inkml:channelProperty channel="Y" name="resolution" value="1000" units="1/cm"/>
-        </inkml:channelProperties>
-      </inkml:inkSource>
-      <inkml:timestamp xml:id="ts0" timeString="2021-02-20T17:08:08.279"/>
-    </inkml:context>
-    <inkml:brush xml:id="br0">
-      <inkml:brushProperty name="width" value="0.2" units="cm"/>
-      <inkml:brushProperty name="height" value="0.4" units="cm"/>
-      <inkml:brushProperty name="color" value="#FFFC00"/>
-      <inkml:brushProperty name="tip" value="rectangle"/>
-      <inkml:brushProperty name="rasterOp" value="maskPen"/>
-      <inkml:brushProperty name="ignorePressure" value="1"/>
-    </inkml:brush>
-  </inkml:definitions>
-  <inkml:trace contextRef="#ctx0" brushRef="#br0">0 1,'564'0,"-540"0</inkml:trace>
-</inkml:ink>
-</file>
-
-<file path=ppt/ink/ink3.xml><?xml version="1.0" encoding="utf-8"?>
-<inkml:ink xmlns:inkml="http://www.w3.org/2003/InkML">
-  <inkml:definitions>
-    <inkml:context xml:id="ctx0">
-      <inkml:inkSource xml:id="inkSrc0">
-        <inkml:traceFormat>
-          <inkml:channel name="X" type="integer" min="-2.14748E9" max="2.14748E9" units="cm"/>
-          <inkml:channel name="Y" type="integer" min="-2.14748E9" max="2.14748E9" units="cm"/>
-        </inkml:traceFormat>
-        <inkml:channelProperties>
-          <inkml:channelProperty channel="X" name="resolution" value="1000" units="1/cm"/>
-          <inkml:channelProperty channel="Y" name="resolution" value="1000" units="1/cm"/>
-        </inkml:channelProperties>
-      </inkml:inkSource>
-      <inkml:timestamp xml:id="ts0" timeString="2021-02-20T17:06:15.306"/>
-    </inkml:context>
-    <inkml:brush xml:id="br0">
-      <inkml:brushProperty name="width" value="0.2" units="cm"/>
-      <inkml:brushProperty name="height" value="0.4" units="cm"/>
-      <inkml:brushProperty name="color" value="#FFFC00"/>
-      <inkml:brushProperty name="tip" value="rectangle"/>
-      <inkml:brushProperty name="rasterOp" value="maskPen"/>
-      <inkml:brushProperty name="ignorePressure" value="1"/>
-    </inkml:brush>
-  </inkml:definitions>
-  <inkml:trace contextRef="#ctx0" brushRef="#br0">1 1,'0'0</inkml:trace>
-</inkml:ink>
-</file>
-
-<file path=ppt/ink/ink4.xml><?xml version="1.0" encoding="utf-8"?>
-<inkml:ink xmlns:inkml="http://www.w3.org/2003/InkML">
-  <inkml:definitions>
-    <inkml:context xml:id="ctx0">
-      <inkml:inkSource xml:id="inkSrc0">
-        <inkml:traceFormat>
-          <inkml:channel name="X" type="integer" min="-2.14748E9" max="2.14748E9" units="cm"/>
-          <inkml:channel name="Y" type="integer" min="-2.14748E9" max="2.14748E9" units="cm"/>
-        </inkml:traceFormat>
-        <inkml:channelProperties>
-          <inkml:channelProperty channel="X" name="resolution" value="1000" units="1/cm"/>
-          <inkml:channelProperty channel="Y" name="resolution" value="1000" units="1/cm"/>
-        </inkml:channelProperties>
-      </inkml:inkSource>
-      <inkml:timestamp xml:id="ts0" timeString="2021-02-20T17:06:17.676"/>
-    </inkml:context>
-    <inkml:brush xml:id="br0">
-      <inkml:brushProperty name="width" value="0.2" units="cm"/>
-      <inkml:brushProperty name="height" value="0.4" units="cm"/>
-      <inkml:brushProperty name="color" value="#FFFC00"/>
-      <inkml:brushProperty name="tip" value="rectangle"/>
-      <inkml:brushProperty name="rasterOp" value="maskPen"/>
-      <inkml:brushProperty name="ignorePressure" value="1"/>
-    </inkml:brush>
-  </inkml:definitions>
-  <inkml:trace contextRef="#ctx0" brushRef="#br0">1 35,'219'13,"12"0,-150-12,80-4,-82-8,-53 6,46-3,45 9,45-2,-140-1,-1-1,0-1,0-1,27-9,-34 8</inkml:trace>
-</inkml:ink>
-</file>
-
-<file path=ppt/ink/ink5.xml><?xml version="1.0" encoding="utf-8"?>
-<inkml:ink xmlns:inkml="http://www.w3.org/2003/InkML">
-  <inkml:definitions>
-    <inkml:context xml:id="ctx0">
-      <inkml:inkSource xml:id="inkSrc0">
-        <inkml:traceFormat>
-          <inkml:channel name="X" type="integer" min="-2.14748E9" max="2.14748E9" units="cm"/>
-          <inkml:channel name="Y" type="integer" min="-2.14748E9" max="2.14748E9" units="cm"/>
-        </inkml:traceFormat>
-        <inkml:channelProperties>
-          <inkml:channelProperty channel="X" name="resolution" value="1000" units="1/cm"/>
-          <inkml:channelProperty channel="Y" name="resolution" value="1000" units="1/cm"/>
-        </inkml:channelProperties>
-      </inkml:inkSource>
-      <inkml:timestamp xml:id="ts0" timeString="2021-02-20T17:06:21.344"/>
-    </inkml:context>
-    <inkml:brush xml:id="br0">
-      <inkml:brushProperty name="width" value="0.2" units="cm"/>
-      <inkml:brushProperty name="height" value="0.4" units="cm"/>
-      <inkml:brushProperty name="color" value="#FFFC00"/>
-      <inkml:brushProperty name="tip" value="rectangle"/>
-      <inkml:brushProperty name="rasterOp" value="maskPen"/>
-      <inkml:brushProperty name="ignorePressure" value="1"/>
-    </inkml:brush>
-  </inkml:definitions>
-  <inkml:trace contextRef="#ctx0" brushRef="#br0">1 53,'746'0,"-736"0,-1 0,0-1,1 0,-1 0,0-1,0-1,0 1,0-1,0-1,16-8,-17 8,0 0,1 1,0 0,0 0,0 1,0 0,0 1,11-1,80 3,-53 1,323-1,-332-1</inkml:trace>
-</inkml:ink>
-</file>
-
-<file path=ppt/ink/ink6.xml><?xml version="1.0" encoding="utf-8"?>
-<inkml:ink xmlns:inkml="http://www.w3.org/2003/InkML">
-  <inkml:definitions>
-    <inkml:context xml:id="ctx0">
-      <inkml:inkSource xml:id="inkSrc0">
-        <inkml:traceFormat>
-          <inkml:channel name="X" type="integer" min="-2.14748E9" max="2.14748E9" units="cm"/>
-          <inkml:channel name="Y" type="integer" min="-2.14748E9" max="2.14748E9" units="cm"/>
-        </inkml:traceFormat>
-        <inkml:channelProperties>
-          <inkml:channelProperty channel="X" name="resolution" value="1000" units="1/cm"/>
-          <inkml:channelProperty channel="Y" name="resolution" value="1000" units="1/cm"/>
-        </inkml:channelProperties>
-      </inkml:inkSource>
-      <inkml:timestamp xml:id="ts0" timeString="2021-02-20T17:06:24.978"/>
-    </inkml:context>
-    <inkml:brush xml:id="br0">
-      <inkml:brushProperty name="width" value="0.2" units="cm"/>
-      <inkml:brushProperty name="height" value="0.4" units="cm"/>
-      <inkml:brushProperty name="color" value="#FFFC00"/>
-      <inkml:brushProperty name="tip" value="rectangle"/>
-      <inkml:brushProperty name="rasterOp" value="maskPen"/>
-      <inkml:brushProperty name="ignorePressure" value="1"/>
-    </inkml:brush>
-  </inkml:definitions>
-  <inkml:trace contextRef="#ctx0" brushRef="#br0">0 76,'147'-12,"-26"0,256 11,-197 2,-136-4,0-2,71-17,-71 14,-1 2,1 2,56 1,-79 3</inkml:trace>
-</inkml:ink>
-</file>
-
-<file path=ppt/ink/ink7.xml><?xml version="1.0" encoding="utf-8"?>
-<inkml:ink xmlns:inkml="http://www.w3.org/2003/InkML">
-  <inkml:definitions>
-    <inkml:context xml:id="ctx0">
-      <inkml:inkSource xml:id="inkSrc0">
-        <inkml:traceFormat>
-          <inkml:channel name="X" type="integer" min="-2.14748E9" max="2.14748E9" units="cm"/>
-          <inkml:channel name="Y" type="integer" min="-2.14748E9" max="2.14748E9" units="cm"/>
-        </inkml:traceFormat>
-        <inkml:channelProperties>
-          <inkml:channelProperty channel="X" name="resolution" value="1000" units="1/cm"/>
-          <inkml:channelProperty channel="Y" name="resolution" value="1000" units="1/cm"/>
-        </inkml:channelProperties>
-      </inkml:inkSource>
-      <inkml:timestamp xml:id="ts0" timeString="2021-02-20T17:06:30.466"/>
-    </inkml:context>
-    <inkml:brush xml:id="br0">
-      <inkml:brushProperty name="width" value="0.2" units="cm"/>
-      <inkml:brushProperty name="height" value="0.4" units="cm"/>
-      <inkml:brushProperty name="color" value="#FFFC00"/>
-      <inkml:brushProperty name="tip" value="rectangle"/>
-      <inkml:brushProperty name="rasterOp" value="maskPen"/>
-      <inkml:brushProperty name="ignorePressure" value="1"/>
-    </inkml:brush>
-  </inkml:definitions>
-  <inkml:trace contextRef="#ctx0" brushRef="#br0">1 0,'14'1,"0"1,0 0,19 6,12 2,80 21,-88-21,-17-6,0 0,-1-2,37 0,-32-1,0 0,26 5,2 2,53 1,29 5,-80-7,-24-3,0 1,0 1,42 15,-56-15</inkml:trace>
-</inkml:ink>
-</file>
-
-<file path=ppt/ink/ink8.xml><?xml version="1.0" encoding="utf-8"?>
-<inkml:ink xmlns:inkml="http://www.w3.org/2003/InkML">
-  <inkml:definitions>
-    <inkml:context xml:id="ctx0">
-      <inkml:inkSource xml:id="inkSrc0">
-        <inkml:traceFormat>
-          <inkml:channel name="X" type="integer" min="-2.14748E9" max="2.14748E9" units="cm"/>
-          <inkml:channel name="Y" type="integer" min="-2.14748E9" max="2.14748E9" units="cm"/>
-        </inkml:traceFormat>
-        <inkml:channelProperties>
-          <inkml:channelProperty channel="X" name="resolution" value="1000" units="1/cm"/>
-          <inkml:channelProperty channel="Y" name="resolution" value="1000" units="1/cm"/>
-        </inkml:channelProperties>
-      </inkml:inkSource>
-      <inkml:timestamp xml:id="ts0" timeString="2021-02-20T17:06:37.868"/>
-    </inkml:context>
-    <inkml:brush xml:id="br0">
-      <inkml:brushProperty name="width" value="0.2" units="cm"/>
-      <inkml:brushProperty name="height" value="0.4" units="cm"/>
-      <inkml:brushProperty name="color" value="#FFFC00"/>
-      <inkml:brushProperty name="tip" value="rectangle"/>
-      <inkml:brushProperty name="rasterOp" value="maskPen"/>
-      <inkml:brushProperty name="ignorePressure" value="1"/>
-    </inkml:brush>
-  </inkml:definitions>
-  <inkml:trace contextRef="#ctx0" brushRef="#br0">0 65,'113'-1,"119"3,-225-1,0 0,0 0,-1 1,1 0,0 0,-1 1,1 0,-1 0,0 0,0 1,0 0,0 0,-1 0,0 1,7 8,22 15,-23-20,1-1,1 0,-1-1,1 0,0-1,25 6,-27-9,0 1,-1 0,1 1,-1 0,1 1,-1 0,0 1,-1 0,0 0,0 1,14 13,41 44,-48-51,-2 1,0 1,0 0,-1 0,-1 1,10 18,-18-26,1-1,1 0,0-1,0 1,0-1,1 0,13 9,25 24,-40-33,20 19,-25-24,1-1,-1 0,1 1,-1-1,1 0,-1 0,1 1,-1-1,1 0,0 0,-1 0,1 0,-1 1,1-1,-1 0,1 0,0 0,-1 0,1 0,-1 0,1-1,-1 1,1 0,0 0,-1 0,1-1,-1 1,1 0,-1 0,1-1,-1 1,1 0,-1-1,0 1,1-1,-1 1,1 0,-1-1,0 1,1-1,-1 1,0-1,0 1,1-1,-1 0,0 1,0-1,0 1,0-1,0 1,0-1,0 0,3-16,-1 1,-1 0,0 0,-1-1,-1 1,-1 0,0-1,-7-24,3 13,-3-50,9 35,1 20,-2 0,-5-32,5 47,-1 1,0 0,0 0,-1 0,0 0,0 0,-1 0,1 1,-2-1,1 1,-8-8,9 11,-5-6,0 0,-1 1,0 1,-14-11,19 17,1-1,-1 0,1 1,-1-1,1 1,-1 0,0 1,0-1,1 0,-1 1,0 0,0 0,0 0,0 1,1-1,-1 1,-7 2,-26 10,-42 22,56-24,0 0,-1-2,0 0,0-2,-46 8,46-10,0 0,0 1,1 2,-39 16,37-13,0-1,-1-1,-41 8,59-16,-1 0,1 1,0 0,0 0,0 1,-11 5,17-7,-1 1,1 0,-1 0,1 0,0 0,0 0,0 1,0-1,0 1,1-1,-1 1,1 0,-1-1,1 1,0 0,0 0,1 0,-1 0,0 0,1 0,0 3,-1 13,1 0,1 0,0 0,2 0,6 24,-1-1,-8-22,2 9,-2-28,0 0,0 0,0 0,1 0,-1 0,1 0,-1 0,0 0,1-1,-1 1,1 0,0 0,-1-1,1 1,0 0,-1-1,1 1,0-1,0 1,0-1,-1 1,1-1,0 1,0-1,2 1,15 1,1 0,34-1,7 0,92 19,-95-10,1-3,58-1,-108-6,0-1,0 2,0-1,0 1,0 0,-1 1,1 0,0 0,-1 1,1 0,-1 0,0 0,0 1,-1 0,8 5,0 0,1-1,0-1,0-1,1 0,25 6,-16-5,31 13,-46-15,1 0,-1 0,1 0,0-1,0-1,23 4,-9-5</inkml:trace>
-</inkml:ink>
-</file>
-
-<file path=ppt/ink/ink9.xml><?xml version="1.0" encoding="utf-8"?>
-<inkml:ink xmlns:inkml="http://www.w3.org/2003/InkML">
-  <inkml:definitions>
-    <inkml:context xml:id="ctx0">
-      <inkml:inkSource xml:id="inkSrc0">
-        <inkml:traceFormat>
-          <inkml:channel name="X" type="integer" min="-2.14748E9" max="2.14748E9" units="cm"/>
-          <inkml:channel name="Y" type="integer" min="-2.14748E9" max="2.14748E9" units="cm"/>
-        </inkml:traceFormat>
-        <inkml:channelProperties>
-          <inkml:channelProperty channel="X" name="resolution" value="1000" units="1/cm"/>
-          <inkml:channelProperty channel="Y" name="resolution" value="1000" units="1/cm"/>
-        </inkml:channelProperties>
-      </inkml:inkSource>
-      <inkml:timestamp xml:id="ts0" timeString="2021-02-20T17:06:45.011"/>
-    </inkml:context>
-    <inkml:brush xml:id="br0">
-      <inkml:brushProperty name="width" value="0.2" units="cm"/>
-      <inkml:brushProperty name="height" value="0.4" units="cm"/>
-      <inkml:brushProperty name="color" value="#FFFC00"/>
-      <inkml:brushProperty name="tip" value="rectangle"/>
-      <inkml:brushProperty name="rasterOp" value="maskPen"/>
-      <inkml:brushProperty name="ignorePressure" value="1"/>
-    </inkml:brush>
-  </inkml:definitions>
-  <inkml:trace contextRef="#ctx0" brushRef="#br0">1 53,'490'0,"-468"-1,0-2,0 0,0-1,25-9,-21 5,0 2,37-4,292 6,-189 6,499-2,-641 1,0 2,30 5,-29-3,44 3,15-10,-57 1,1 0,-1 2,43 6,-49-1</inkml:trace>
-</inkml:ink>
-</file>
-
 <file path=ppt/slideLayouts/slideLayout1.xml><?xml version="1.0" encoding="utf-8"?>
 <p:sldLayout xmlns:a="http://schemas.openxmlformats.org/drawingml/2006/main" xmlns:r="http://schemas.openxmlformats.org/officeDocument/2006/relationships" xmlns:p="http://schemas.openxmlformats.org/presentationml/2006/main" type="title" preserve="1">
   <p:cSld name="Title Slide">
@@ -938,7 +272,7 @@
           <a:p>
             <a:fld id="{F0037C11-A992-43DC-841C-4ED15B44942C}" type="datetimeFigureOut">
               <a:rPr lang="en-US" smtClean="0"/>
-              <a:t>2/22/2021</a:t>
+              <a:t>2/23/2021</a:t>
             </a:fld>
             <a:endParaRPr lang="en-US" dirty="0"/>
           </a:p>
@@ -1136,7 +470,7 @@
           <a:p>
             <a:fld id="{F0037C11-A992-43DC-841C-4ED15B44942C}" type="datetimeFigureOut">
               <a:rPr lang="en-US" smtClean="0"/>
-              <a:t>2/22/2021</a:t>
+              <a:t>2/23/2021</a:t>
             </a:fld>
             <a:endParaRPr lang="en-US" dirty="0"/>
           </a:p>
@@ -1344,7 +678,7 @@
           <a:p>
             <a:fld id="{F0037C11-A992-43DC-841C-4ED15B44942C}" type="datetimeFigureOut">
               <a:rPr lang="en-US" smtClean="0"/>
-              <a:t>2/22/2021</a:t>
+              <a:t>2/23/2021</a:t>
             </a:fld>
             <a:endParaRPr lang="en-US" dirty="0"/>
           </a:p>
@@ -1542,7 +876,7 @@
           <a:p>
             <a:fld id="{F0037C11-A992-43DC-841C-4ED15B44942C}" type="datetimeFigureOut">
               <a:rPr lang="en-US" smtClean="0"/>
-              <a:t>2/22/2021</a:t>
+              <a:t>2/23/2021</a:t>
             </a:fld>
             <a:endParaRPr lang="en-US" dirty="0"/>
           </a:p>
@@ -1817,7 +1151,7 @@
           <a:p>
             <a:fld id="{F0037C11-A992-43DC-841C-4ED15B44942C}" type="datetimeFigureOut">
               <a:rPr lang="en-US" smtClean="0"/>
-              <a:t>2/22/2021</a:t>
+              <a:t>2/23/2021</a:t>
             </a:fld>
             <a:endParaRPr lang="en-US" dirty="0"/>
           </a:p>
@@ -2082,7 +1416,7 @@
           <a:p>
             <a:fld id="{F0037C11-A992-43DC-841C-4ED15B44942C}" type="datetimeFigureOut">
               <a:rPr lang="en-US" smtClean="0"/>
-              <a:t>2/22/2021</a:t>
+              <a:t>2/23/2021</a:t>
             </a:fld>
             <a:endParaRPr lang="en-US" dirty="0"/>
           </a:p>
@@ -2494,7 +1828,7 @@
           <a:p>
             <a:fld id="{F0037C11-A992-43DC-841C-4ED15B44942C}" type="datetimeFigureOut">
               <a:rPr lang="en-US" smtClean="0"/>
-              <a:t>2/22/2021</a:t>
+              <a:t>2/23/2021</a:t>
             </a:fld>
             <a:endParaRPr lang="en-US" dirty="0"/>
           </a:p>
@@ -2635,7 +1969,7 @@
           <a:p>
             <a:fld id="{F0037C11-A992-43DC-841C-4ED15B44942C}" type="datetimeFigureOut">
               <a:rPr lang="en-US" smtClean="0"/>
-              <a:t>2/22/2021</a:t>
+              <a:t>2/23/2021</a:t>
             </a:fld>
             <a:endParaRPr lang="en-US" dirty="0"/>
           </a:p>
@@ -2748,7 +2082,7 @@
           <a:p>
             <a:fld id="{F0037C11-A992-43DC-841C-4ED15B44942C}" type="datetimeFigureOut">
               <a:rPr lang="en-US" smtClean="0"/>
-              <a:t>2/22/2021</a:t>
+              <a:t>2/23/2021</a:t>
             </a:fld>
             <a:endParaRPr lang="en-US" dirty="0"/>
           </a:p>
@@ -3059,7 +2393,7 @@
           <a:p>
             <a:fld id="{F0037C11-A992-43DC-841C-4ED15B44942C}" type="datetimeFigureOut">
               <a:rPr lang="en-US" smtClean="0"/>
-              <a:t>2/22/2021</a:t>
+              <a:t>2/23/2021</a:t>
             </a:fld>
             <a:endParaRPr lang="en-US" dirty="0"/>
           </a:p>
@@ -3347,7 +2681,7 @@
           <a:p>
             <a:fld id="{F0037C11-A992-43DC-841C-4ED15B44942C}" type="datetimeFigureOut">
               <a:rPr lang="en-US" smtClean="0"/>
-              <a:t>2/22/2021</a:t>
+              <a:t>2/23/2021</a:t>
             </a:fld>
             <a:endParaRPr lang="en-US" dirty="0"/>
           </a:p>
@@ -3591,7 +2925,7 @@
           <a:p>
             <a:fld id="{F0037C11-A992-43DC-841C-4ED15B44942C}" type="datetimeFigureOut">
               <a:rPr lang="en-US" smtClean="0"/>
-              <a:t>2/22/2021</a:t>
+              <a:t>2/23/2021</a:t>
             </a:fld>
             <a:endParaRPr lang="en-US" dirty="0"/>
           </a:p>
@@ -4332,14 +3666,6 @@
 <file path=ppt/slides/slide10.xml><?xml version="1.0" encoding="utf-8"?>
 <p:sld xmlns:a="http://schemas.openxmlformats.org/drawingml/2006/main" xmlns:r="http://schemas.openxmlformats.org/officeDocument/2006/relationships" xmlns:p="http://schemas.openxmlformats.org/presentationml/2006/main">
   <p:cSld>
-    <p:bg>
-      <p:bgPr>
-        <a:solidFill>
-          <a:schemeClr val="bg1"/>
-        </a:solidFill>
-        <a:effectLst/>
-      </p:bgPr>
-    </p:bg>
     <p:spTree>
       <p:nvGrpSpPr>
         <p:cNvPr id="1" name=""/>
@@ -4356,7 +3682,7 @@
       </p:grpSpPr>
       <p:sp>
         <p:nvSpPr>
-          <p:cNvPr id="17" name="Rectangle 16">
+          <p:cNvPr id="21" name="Rectangle 20">
             <a:extLst>
               <a:ext uri="{FF2B5EF4-FFF2-40B4-BE49-F238E27FC236}">
                 <a16:creationId xmlns:a16="http://schemas.microsoft.com/office/drawing/2014/main" id="{823AC064-BC96-4F32-8AE1-B2FD38754823}"/>
@@ -4421,10 +3747,10 @@
       </p:sp>
       <p:sp>
         <p:nvSpPr>
-          <p:cNvPr id="2" name="Title 1">
-            <a:extLst>
-              <a:ext uri="{FF2B5EF4-FFF2-40B4-BE49-F238E27FC236}">
-                <a16:creationId xmlns:a16="http://schemas.microsoft.com/office/drawing/2014/main" id="{F61E1822-5204-43CF-AF8A-BD75BC97F90C}"/>
+          <p:cNvPr id="16" name="Title 15">
+            <a:extLst>
+              <a:ext uri="{FF2B5EF4-FFF2-40B4-BE49-F238E27FC236}">
+                <a16:creationId xmlns:a16="http://schemas.microsoft.com/office/drawing/2014/main" id="{B929BC2A-BCB3-433F-ADC4-291281DD2987}"/>
               </a:ext>
             </a:extLst>
           </p:cNvPr>
@@ -4449,19 +3775,19 @@
           <a:p>
             <a:pPr algn="ctr"/>
             <a:r>
-              <a:rPr lang="en-US" sz="2000" dirty="0">
+              <a:rPr lang="en-US" sz="5400" dirty="0">
                 <a:solidFill>
                   <a:srgbClr val="FFFFFF"/>
                 </a:solidFill>
               </a:rPr>
-              <a:t>Featured factors in loan approval are credit history,  loan amount, applicant and co-applicant income. When credit history is removed importance expands to suburban location and  those with 2-3 dependents</a:t>
+              <a:t>Conclusion</a:t>
             </a:r>
           </a:p>
         </p:txBody>
       </p:sp>
       <p:cxnSp>
         <p:nvCxnSpPr>
-          <p:cNvPr id="19" name="Straight Connector 18">
+          <p:cNvPr id="23" name="Straight Connector 22">
             <a:extLst>
               <a:ext uri="{FF2B5EF4-FFF2-40B4-BE49-F238E27FC236}">
                 <a16:creationId xmlns:a16="http://schemas.microsoft.com/office/drawing/2014/main" id="{7E7C77BC-7138-40B1-A15B-20F57A494629}"/>
@@ -4511,47 +3837,9 @@
           </a:fontRef>
         </p:style>
       </p:cxnSp>
-      <p:pic>
-        <p:nvPicPr>
-          <p:cNvPr id="12" name="Content Placeholder 11" descr="Chart, bar chart&#10;&#10;Description automatically generated">
-            <a:extLst>
-              <a:ext uri="{FF2B5EF4-FFF2-40B4-BE49-F238E27FC236}">
-                <a16:creationId xmlns:a16="http://schemas.microsoft.com/office/drawing/2014/main" id="{95D31784-AB94-4AE8-AB35-4B71D60F1999}"/>
-              </a:ext>
-            </a:extLst>
-          </p:cNvPr>
-          <p:cNvPicPr>
-            <a:picLocks noGrp="1" noChangeAspect="1"/>
-          </p:cNvPicPr>
-          <p:nvPr>
-            <p:ph sz="half" idx="2"/>
-          </p:nvPr>
-        </p:nvPicPr>
-        <p:blipFill>
-          <a:blip r:embed="rId2">
-            <a:extLst>
-              <a:ext uri="{28A0092B-C50C-407E-A947-70E740481C1C}">
-                <a14:useLocalDpi xmlns:a14="http://schemas.microsoft.com/office/drawing/2010/main" val="0"/>
-              </a:ext>
-            </a:extLst>
-          </a:blip>
-          <a:stretch>
-            <a:fillRect/>
-          </a:stretch>
-        </p:blipFill>
-        <p:spPr>
-          <a:xfrm>
-            <a:off x="748752" y="2426818"/>
-            <a:ext cx="4621546" cy="3997637"/>
-          </a:xfrm>
-          <a:prstGeom prst="rect">
-            <a:avLst/>
-          </a:prstGeom>
-        </p:spPr>
-      </p:pic>
       <p:cxnSp>
         <p:nvCxnSpPr>
-          <p:cNvPr id="21" name="Straight Connector 20">
+          <p:cNvPr id="25" name="Straight Connector 24">
             <a:extLst>
               <a:ext uri="{FF2B5EF4-FFF2-40B4-BE49-F238E27FC236}">
                 <a16:creationId xmlns:a16="http://schemas.microsoft.com/office/drawing/2014/main" id="{DB146403-F3D6-484B-B2ED-97F9565D0370}"/>
@@ -4601,48 +3889,121 @@
           </a:fontRef>
         </p:style>
       </p:cxnSp>
-      <p:pic>
-        <p:nvPicPr>
-          <p:cNvPr id="6" name="Content Placeholder 5" descr="Graphical user interface&#10;&#10;Description automatically generated with low confidence">
-            <a:extLst>
-              <a:ext uri="{FF2B5EF4-FFF2-40B4-BE49-F238E27FC236}">
-                <a16:creationId xmlns:a16="http://schemas.microsoft.com/office/drawing/2014/main" id="{F343D4C4-8663-47E8-B673-E288593D5E92}"/>
-              </a:ext>
-            </a:extLst>
-          </p:cNvPr>
-          <p:cNvPicPr>
-            <a:picLocks noGrp="1" noChangeAspect="1"/>
-          </p:cNvPicPr>
-          <p:nvPr>
-            <p:ph sz="half" idx="1"/>
-          </p:nvPr>
-        </p:nvPicPr>
-        <p:blipFill>
-          <a:blip r:embed="rId3">
-            <a:extLst>
-              <a:ext uri="{28A0092B-C50C-407E-A947-70E740481C1C}">
-                <a14:useLocalDpi xmlns:a14="http://schemas.microsoft.com/office/drawing/2010/main" val="0"/>
-              </a:ext>
-            </a:extLst>
-          </a:blip>
-          <a:stretch>
-            <a:fillRect/>
-          </a:stretch>
-        </p:blipFill>
+      <p:sp>
+        <p:nvSpPr>
+          <p:cNvPr id="35" name="TextBox 34">
+            <a:extLst>
+              <a:ext uri="{FF2B5EF4-FFF2-40B4-BE49-F238E27FC236}">
+                <a16:creationId xmlns:a16="http://schemas.microsoft.com/office/drawing/2014/main" id="{5FFED852-6577-4CA2-A3F0-0741198D0AEE}"/>
+              </a:ext>
+            </a:extLst>
+          </p:cNvPr>
+          <p:cNvSpPr txBox="1"/>
+          <p:nvPr/>
+        </p:nvSpPr>
         <p:spPr>
           <a:xfrm>
-            <a:off x="6445073" y="2897980"/>
-            <a:ext cx="5455917" cy="3055313"/>
+            <a:off x="893342" y="2780526"/>
+            <a:ext cx="4542166" cy="1569660"/>
           </a:xfrm>
           <a:prstGeom prst="rect">
             <a:avLst/>
           </a:prstGeom>
+          <a:noFill/>
         </p:spPr>
-      </p:pic>
+        <p:txBody>
+          <a:bodyPr wrap="square" rtlCol="0">
+            <a:spAutoFit/>
+          </a:bodyPr>
+          <a:lstStyle/>
+          <a:p>
+            <a:r>
+              <a:rPr lang="en-US" sz="2400" dirty="0"/>
+              <a:t>The statistical model appears to agree with descriptive data, allowing us to predict loan approval with an accuracy of .85</a:t>
+            </a:r>
+          </a:p>
+        </p:txBody>
+      </p:sp>
+      <p:sp>
+        <p:nvSpPr>
+          <p:cNvPr id="37" name="TextBox 36">
+            <a:extLst>
+              <a:ext uri="{FF2B5EF4-FFF2-40B4-BE49-F238E27FC236}">
+                <a16:creationId xmlns:a16="http://schemas.microsoft.com/office/drawing/2014/main" id="{42262C61-BB00-4BBD-B874-84A537CAF99F}"/>
+              </a:ext>
+            </a:extLst>
+          </p:cNvPr>
+          <p:cNvSpPr txBox="1"/>
+          <p:nvPr/>
+        </p:nvSpPr>
+        <p:spPr>
+          <a:xfrm>
+            <a:off x="6797049" y="2596836"/>
+            <a:ext cx="4501596" cy="646331"/>
+          </a:xfrm>
+          <a:prstGeom prst="rect">
+            <a:avLst/>
+          </a:prstGeom>
+          <a:noFill/>
+        </p:spPr>
+        <p:txBody>
+          <a:bodyPr wrap="square" rtlCol="0">
+            <a:spAutoFit/>
+          </a:bodyPr>
+          <a:lstStyle/>
+          <a:p>
+            <a:endParaRPr lang="en-US" dirty="0"/>
+          </a:p>
+          <a:p>
+            <a:endParaRPr lang="en-US" dirty="0"/>
+          </a:p>
+        </p:txBody>
+      </p:sp>
+      <p:sp>
+        <p:nvSpPr>
+          <p:cNvPr id="2" name="TextBox 1">
+            <a:extLst>
+              <a:ext uri="{FF2B5EF4-FFF2-40B4-BE49-F238E27FC236}">
+                <a16:creationId xmlns:a16="http://schemas.microsoft.com/office/drawing/2014/main" id="{2654886E-1117-420D-BEA0-89B64B282B79}"/>
+              </a:ext>
+            </a:extLst>
+          </p:cNvPr>
+          <p:cNvSpPr txBox="1"/>
+          <p:nvPr/>
+        </p:nvSpPr>
+        <p:spPr>
+          <a:xfrm>
+            <a:off x="6503841" y="2780526"/>
+            <a:ext cx="5182364" cy="1938992"/>
+          </a:xfrm>
+          <a:prstGeom prst="rect">
+            <a:avLst/>
+          </a:prstGeom>
+          <a:noFill/>
+        </p:spPr>
+        <p:txBody>
+          <a:bodyPr wrap="square" rtlCol="0">
+            <a:spAutoFit/>
+          </a:bodyPr>
+          <a:lstStyle/>
+          <a:p>
+            <a:r>
+              <a:rPr lang="en-US" sz="2400" dirty="0"/>
+              <a:t>Our hypothesis appears not to be proven; </a:t>
+            </a:r>
+          </a:p>
+          <a:p>
+            <a:r>
+              <a:rPr lang="en-US" sz="2400" dirty="0"/>
+              <a:t>neither gender nor property location type appear in the top dependent variables</a:t>
+            </a:r>
+          </a:p>
+        </p:txBody>
+      </p:sp>
     </p:spTree>
     <p:extLst>
       <p:ext uri="{BB962C8B-B14F-4D97-AF65-F5344CB8AC3E}">
-        <p14:creationId xmlns:p14="http://schemas.microsoft.com/office/powerpoint/2010/main" val="3585113251"/>
+        <p14:creationId xmlns:p14="http://schemas.microsoft.com/office/powerpoint/2010/main" val="901060256"/>
       </p:ext>
     </p:extLst>
   </p:cSld>
@@ -4927,7 +4288,7 @@
     </p:spTree>
     <p:extLst>
       <p:ext uri="{BB962C8B-B14F-4D97-AF65-F5344CB8AC3E}">
-        <p14:creationId xmlns:p14="http://schemas.microsoft.com/office/powerpoint/2010/main" val="2713977886"/>
+        <p14:creationId xmlns:p14="http://schemas.microsoft.com/office/powerpoint/2010/main" val="2905486674"/>
       </p:ext>
     </p:extLst>
   </p:cSld>
@@ -4940,6 +4301,14 @@
 <file path=ppt/slides/slide12.xml><?xml version="1.0" encoding="utf-8"?>
 <p:sld xmlns:a="http://schemas.openxmlformats.org/drawingml/2006/main" xmlns:r="http://schemas.openxmlformats.org/officeDocument/2006/relationships" xmlns:p="http://schemas.openxmlformats.org/presentationml/2006/main">
   <p:cSld>
+    <p:bg>
+      <p:bgPr>
+        <a:solidFill>
+          <a:schemeClr val="bg1"/>
+        </a:solidFill>
+        <a:effectLst/>
+      </p:bgPr>
+    </p:bg>
     <p:spTree>
       <p:nvGrpSpPr>
         <p:cNvPr id="1" name=""/>
@@ -4956,10 +4325,10 @@
       </p:grpSpPr>
       <p:sp>
         <p:nvSpPr>
-          <p:cNvPr id="21" name="Rectangle 20">
-            <a:extLst>
-              <a:ext uri="{FF2B5EF4-FFF2-40B4-BE49-F238E27FC236}">
-                <a16:creationId xmlns:a16="http://schemas.microsoft.com/office/drawing/2014/main" id="{823AC064-BC96-4F32-8AE1-B2FD38754823}"/>
+          <p:cNvPr id="16" name="Down Arrow 7">
+            <a:extLst>
+              <a:ext uri="{FF2B5EF4-FFF2-40B4-BE49-F238E27FC236}">
+                <a16:creationId xmlns:a16="http://schemas.microsoft.com/office/drawing/2014/main" id="{D4771268-CB57-404A-9271-370EB28F6090}"/>
               </a:ext>
               <a:ext uri="{C183D7F6-B498-43B3-948B-1728B52AA6E4}">
                 <adec:decorative xmlns:adec="http://schemas.microsoft.com/office/drawing/2017/decorative" val="1"/>
@@ -4977,21 +4346,22 @@
             </p:extLst>
           </p:nvPr>
         </p:nvSpPr>
-        <p:spPr bwMode="ltGray">
-          <a:xfrm>
-            <a:off x="396882" y="280374"/>
-            <a:ext cx="11438793" cy="1844256"/>
+        <p:spPr>
+          <a:xfrm rot="16200000">
+            <a:off x="800100" y="1491343"/>
+            <a:ext cx="3333749" cy="3499103"/>
           </a:xfrm>
-          <a:prstGeom prst="rect">
-            <a:avLst/>
+          <a:prstGeom prst="downArrow">
+            <a:avLst>
+              <a:gd name="adj1" fmla="val 100000"/>
+              <a:gd name="adj2" fmla="val 15788"/>
+            </a:avLst>
           </a:prstGeom>
           <a:solidFill>
             <a:srgbClr val="404040"/>
           </a:solidFill>
-          <a:ln w="127000" cap="sq" cmpd="thinThick">
-            <a:solidFill>
-              <a:srgbClr val="404040"/>
-            </a:solidFill>
+          <a:ln w="53975">
+            <a:noFill/>
           </a:ln>
         </p:spPr>
         <p:style>
@@ -5021,10 +4391,10 @@
       </p:sp>
       <p:sp>
         <p:nvSpPr>
-          <p:cNvPr id="16" name="Title 15">
-            <a:extLst>
-              <a:ext uri="{FF2B5EF4-FFF2-40B4-BE49-F238E27FC236}">
-                <a16:creationId xmlns:a16="http://schemas.microsoft.com/office/drawing/2014/main" id="{B929BC2A-BCB3-433F-ADC4-291281DD2987}"/>
+          <p:cNvPr id="2" name="Title 1">
+            <a:extLst>
+              <a:ext uri="{FF2B5EF4-FFF2-40B4-BE49-F238E27FC236}">
+                <a16:creationId xmlns:a16="http://schemas.microsoft.com/office/drawing/2014/main" id="{D1A5408C-81E2-4CF8-8A28-A61053F6420F}"/>
               </a:ext>
             </a:extLst>
           </p:cNvPr>
@@ -5037,138 +4407,76 @@
         </p:nvSpPr>
         <p:spPr>
           <a:xfrm>
-            <a:off x="546351" y="433545"/>
-            <a:ext cx="11139854" cy="930447"/>
+            <a:off x="1028700" y="1967266"/>
+            <a:ext cx="2628900" cy="2547257"/>
           </a:xfrm>
+          <a:noFill/>
         </p:spPr>
         <p:txBody>
-          <a:bodyPr vert="horz" lIns="91440" tIns="45720" rIns="91440" bIns="45720" rtlCol="0" anchor="b">
+          <a:bodyPr vert="horz" lIns="91440" tIns="45720" rIns="91440" bIns="45720" rtlCol="0" anchor="ctr">
             <a:normAutofit/>
           </a:bodyPr>
           <a:lstStyle/>
           <a:p>
             <a:pPr algn="ctr"/>
             <a:r>
-              <a:rPr lang="en-US" sz="5400" dirty="0">
+              <a:rPr lang="en-US" sz="2800" kern="1200" dirty="0">
                 <a:solidFill>
                   <a:srgbClr val="FFFFFF"/>
                 </a:solidFill>
+                <a:latin typeface="+mj-lt"/>
+                <a:ea typeface="+mj-ea"/>
+                <a:cs typeface="+mj-cs"/>
               </a:rPr>
-              <a:t>Conclusion</a:t>
+              <a:t>Model saved and loaded into app</a:t>
             </a:r>
           </a:p>
         </p:txBody>
       </p:sp>
-      <p:cxnSp>
-        <p:nvCxnSpPr>
-          <p:cNvPr id="23" name="Straight Connector 22">
-            <a:extLst>
-              <a:ext uri="{FF2B5EF4-FFF2-40B4-BE49-F238E27FC236}">
-                <a16:creationId xmlns:a16="http://schemas.microsoft.com/office/drawing/2014/main" id="{7E7C77BC-7138-40B1-A15B-20F57A494629}"/>
-              </a:ext>
-              <a:ext uri="{C183D7F6-B498-43B3-948B-1728B52AA6E4}">
-                <adec:decorative xmlns:adec="http://schemas.microsoft.com/office/drawing/2017/decorative" val="1"/>
-              </a:ext>
-            </a:extLst>
-          </p:cNvPr>
-          <p:cNvCxnSpPr>
-            <a:cxnSpLocks noGrp="1" noRot="1" noChangeAspect="1" noMove="1" noResize="1" noEditPoints="1" noAdjustHandles="1" noChangeArrowheads="1" noChangeShapeType="1"/>
-          </p:cNvCxnSpPr>
-          <p:nvPr>
-            <p:extLst>
-              <p:ext uri="{386F3935-93C4-4BCD-93E2-E3B085C9AB24}">
-                <p16:designElem xmlns:p16="http://schemas.microsoft.com/office/powerpoint/2015/main" val="1"/>
-              </p:ext>
-            </p:extLst>
-          </p:nvPr>
-        </p:nvCxnSpPr>
+      <p:pic>
+        <p:nvPicPr>
+          <p:cNvPr id="7" name="Content Placeholder 6" descr="Text&#10;&#10;Description automatically generated">
+            <a:extLst>
+              <a:ext uri="{FF2B5EF4-FFF2-40B4-BE49-F238E27FC236}">
+                <a16:creationId xmlns:a16="http://schemas.microsoft.com/office/drawing/2014/main" id="{EE32D2C1-BB77-4B57-8023-231BC95EA9CF}"/>
+              </a:ext>
+            </a:extLst>
+          </p:cNvPr>
+          <p:cNvPicPr>
+            <a:picLocks noGrp="1" noChangeAspect="1"/>
+          </p:cNvPicPr>
+          <p:nvPr>
+            <p:ph idx="1"/>
+          </p:nvPr>
+        </p:nvPicPr>
+        <p:blipFill>
+          <a:blip r:embed="rId2">
+            <a:extLst>
+              <a:ext uri="{28A0092B-C50C-407E-A947-70E740481C1C}">
+                <a14:useLocalDpi xmlns:a14="http://schemas.microsoft.com/office/drawing/2010/main" val="0"/>
+              </a:ext>
+            </a:extLst>
+          </a:blip>
+          <a:stretch>
+            <a:fillRect/>
+          </a:stretch>
+        </p:blipFill>
         <p:spPr>
           <a:xfrm>
-            <a:off x="2230078" y="1522292"/>
-            <a:ext cx="7772400" cy="0"/>
+            <a:off x="4777316" y="749459"/>
+            <a:ext cx="6780700" cy="5356753"/>
           </a:xfrm>
-          <a:prstGeom prst="line">
+          <a:prstGeom prst="rect">
             <a:avLst/>
           </a:prstGeom>
-          <a:ln w="22225">
-            <a:solidFill>
-              <a:srgbClr val="D9D9D9"/>
-            </a:solidFill>
-          </a:ln>
         </p:spPr>
-        <p:style>
-          <a:lnRef idx="1">
-            <a:schemeClr val="accent1"/>
-          </a:lnRef>
-          <a:fillRef idx="0">
-            <a:schemeClr val="accent1"/>
-          </a:fillRef>
-          <a:effectRef idx="0">
-            <a:schemeClr val="accent1"/>
-          </a:effectRef>
-          <a:fontRef idx="minor">
-            <a:schemeClr val="tx1"/>
-          </a:fontRef>
-        </p:style>
-      </p:cxnSp>
-      <p:cxnSp>
-        <p:nvCxnSpPr>
-          <p:cNvPr id="25" name="Straight Connector 24">
-            <a:extLst>
-              <a:ext uri="{FF2B5EF4-FFF2-40B4-BE49-F238E27FC236}">
-                <a16:creationId xmlns:a16="http://schemas.microsoft.com/office/drawing/2014/main" id="{DB146403-F3D6-484B-B2ED-97F9565D0370}"/>
-              </a:ext>
-              <a:ext uri="{C183D7F6-B498-43B3-948B-1728B52AA6E4}">
-                <adec:decorative xmlns:adec="http://schemas.microsoft.com/office/drawing/2017/decorative" val="1"/>
-              </a:ext>
-            </a:extLst>
-          </p:cNvPr>
-          <p:cNvCxnSpPr>
-            <a:cxnSpLocks noGrp="1" noRot="1" noChangeAspect="1" noMove="1" noResize="1" noEditPoints="1" noAdjustHandles="1" noChangeArrowheads="1" noChangeShapeType="1"/>
-          </p:cNvCxnSpPr>
-          <p:nvPr>
-            <p:extLst>
-              <p:ext uri="{386F3935-93C4-4BCD-93E2-E3B085C9AB24}">
-                <p16:designElem xmlns:p16="http://schemas.microsoft.com/office/powerpoint/2015/main" val="1"/>
-              </p:ext>
-            </p:extLst>
-          </p:nvPr>
-        </p:nvCxnSpPr>
-        <p:spPr>
-          <a:xfrm>
-            <a:off x="6116278" y="2596836"/>
-            <a:ext cx="0" cy="3657600"/>
-          </a:xfrm>
-          <a:prstGeom prst="line">
-            <a:avLst/>
-          </a:prstGeom>
-          <a:ln w="101600" cmpd="dbl">
-            <a:solidFill>
-              <a:srgbClr val="595959"/>
-            </a:solidFill>
-          </a:ln>
-        </p:spPr>
-        <p:style>
-          <a:lnRef idx="1">
-            <a:schemeClr val="accent1"/>
-          </a:lnRef>
-          <a:fillRef idx="0">
-            <a:schemeClr val="accent1"/>
-          </a:fillRef>
-          <a:effectRef idx="0">
-            <a:schemeClr val="accent1"/>
-          </a:effectRef>
-          <a:fontRef idx="minor">
-            <a:schemeClr val="tx1"/>
-          </a:fontRef>
-        </p:style>
-      </p:cxnSp>
+      </p:pic>
       <p:sp>
         <p:nvSpPr>
-          <p:cNvPr id="35" name="TextBox 34">
-            <a:extLst>
-              <a:ext uri="{FF2B5EF4-FFF2-40B4-BE49-F238E27FC236}">
-                <a16:creationId xmlns:a16="http://schemas.microsoft.com/office/drawing/2014/main" id="{5FFED852-6577-4CA2-A3F0-0741198D0AEE}"/>
+          <p:cNvPr id="8" name="TextBox 7">
+            <a:extLst>
+              <a:ext uri="{FF2B5EF4-FFF2-40B4-BE49-F238E27FC236}">
+                <a16:creationId xmlns:a16="http://schemas.microsoft.com/office/drawing/2014/main" id="{19FCFD76-3DB8-40EA-92BD-38520829E834}"/>
               </a:ext>
             </a:extLst>
           </p:cNvPr>
@@ -5177,8 +4485,8 @@
         </p:nvSpPr>
         <p:spPr>
           <a:xfrm>
-            <a:off x="893342" y="2780526"/>
-            <a:ext cx="4542166" cy="1569660"/>
+            <a:off x="381740" y="284085"/>
+            <a:ext cx="5140171" cy="369332"/>
           </a:xfrm>
           <a:prstGeom prst="rect">
             <a:avLst/>
@@ -5192,51 +4500,16 @@
           <a:lstStyle/>
           <a:p>
             <a:r>
-              <a:rPr lang="en-US" sz="2400" dirty="0"/>
-              <a:t>The statistical model appears to agree with descriptive data, allowing us to predict loan approval with an accuracy of .85</a:t>
-            </a:r>
-          </a:p>
-        </p:txBody>
-      </p:sp>
-      <p:sp>
-        <p:nvSpPr>
-          <p:cNvPr id="37" name="TextBox 36">
-            <a:extLst>
-              <a:ext uri="{FF2B5EF4-FFF2-40B4-BE49-F238E27FC236}">
-                <a16:creationId xmlns:a16="http://schemas.microsoft.com/office/drawing/2014/main" id="{42262C61-BB00-4BBD-B874-84A537CAF99F}"/>
-              </a:ext>
-            </a:extLst>
-          </p:cNvPr>
-          <p:cNvSpPr txBox="1"/>
-          <p:nvPr/>
-        </p:nvSpPr>
-        <p:spPr>
-          <a:xfrm>
-            <a:off x="6797049" y="2596836"/>
-            <a:ext cx="4501596" cy="646331"/>
-          </a:xfrm>
-          <a:prstGeom prst="rect">
-            <a:avLst/>
-          </a:prstGeom>
-          <a:noFill/>
-        </p:spPr>
-        <p:txBody>
-          <a:bodyPr wrap="square" rtlCol="0">
-            <a:spAutoFit/>
-          </a:bodyPr>
-          <a:lstStyle/>
-          <a:p>
-            <a:endParaRPr lang="en-US" dirty="0"/>
-          </a:p>
-          <a:p>
-            <a:endParaRPr lang="en-US" dirty="0"/>
+              <a:rPr lang="en-US" dirty="0"/>
+              <a:t>Creation of loan application based on model</a:t>
+            </a:r>
           </a:p>
         </p:txBody>
       </p:sp>
     </p:spTree>
     <p:extLst>
       <p:ext uri="{BB962C8B-B14F-4D97-AF65-F5344CB8AC3E}">
-        <p14:creationId xmlns:p14="http://schemas.microsoft.com/office/powerpoint/2010/main" val="901060256"/>
+        <p14:creationId xmlns:p14="http://schemas.microsoft.com/office/powerpoint/2010/main" val="2262863810"/>
       </p:ext>
     </p:extLst>
   </p:cSld>
@@ -5247,6 +4520,214 @@
 </file>
 
 <file path=ppt/slides/slide13.xml><?xml version="1.0" encoding="utf-8"?>
+<p:sld xmlns:a="http://schemas.openxmlformats.org/drawingml/2006/main" xmlns:r="http://schemas.openxmlformats.org/officeDocument/2006/relationships" xmlns:p="http://schemas.openxmlformats.org/presentationml/2006/main">
+  <p:cSld>
+    <p:bg>
+      <p:bgPr>
+        <a:solidFill>
+          <a:schemeClr val="bg1"/>
+        </a:solidFill>
+        <a:effectLst/>
+      </p:bgPr>
+    </p:bg>
+    <p:spTree>
+      <p:nvGrpSpPr>
+        <p:cNvPr id="1" name=""/>
+        <p:cNvGrpSpPr/>
+        <p:nvPr/>
+      </p:nvGrpSpPr>
+      <p:grpSpPr>
+        <a:xfrm>
+          <a:off x="0" y="0"/>
+          <a:ext cx="0" cy="0"/>
+          <a:chOff x="0" y="0"/>
+          <a:chExt cx="0" cy="0"/>
+        </a:xfrm>
+      </p:grpSpPr>
+      <p:sp>
+        <p:nvSpPr>
+          <p:cNvPr id="18" name="Down Arrow 7">
+            <a:extLst>
+              <a:ext uri="{FF2B5EF4-FFF2-40B4-BE49-F238E27FC236}">
+                <a16:creationId xmlns:a16="http://schemas.microsoft.com/office/drawing/2014/main" id="{73DE2CFE-42F2-48F0-8706-5264E012B10C}"/>
+              </a:ext>
+              <a:ext uri="{C183D7F6-B498-43B3-948B-1728B52AA6E4}">
+                <adec:decorative xmlns:adec="http://schemas.microsoft.com/office/drawing/2017/decorative" val="1"/>
+              </a:ext>
+            </a:extLst>
+          </p:cNvPr>
+          <p:cNvSpPr>
+            <a:spLocks noGrp="1" noRot="1" noChangeAspect="1" noMove="1" noResize="1" noEditPoints="1" noAdjustHandles="1" noChangeArrowheads="1" noChangeShapeType="1" noTextEdit="1"/>
+          </p:cNvSpPr>
+          <p:nvPr>
+            <p:extLst>
+              <p:ext uri="{386F3935-93C4-4BCD-93E2-E3B085C9AB24}">
+                <p16:designElem xmlns:p16="http://schemas.microsoft.com/office/powerpoint/2015/main" val="1"/>
+              </p:ext>
+            </p:extLst>
+          </p:nvPr>
+        </p:nvSpPr>
+        <p:spPr>
+          <a:xfrm rot="16200000">
+            <a:off x="1288521" y="381403"/>
+            <a:ext cx="2200313" cy="3342508"/>
+          </a:xfrm>
+          <a:prstGeom prst="downArrow">
+            <a:avLst>
+              <a:gd name="adj1" fmla="val 100000"/>
+              <a:gd name="adj2" fmla="val 15788"/>
+            </a:avLst>
+          </a:prstGeom>
+          <a:solidFill>
+            <a:srgbClr val="404040"/>
+          </a:solidFill>
+          <a:ln w="53975">
+            <a:noFill/>
+          </a:ln>
+        </p:spPr>
+        <p:style>
+          <a:lnRef idx="2">
+            <a:schemeClr val="accent1">
+              <a:shade val="50000"/>
+            </a:schemeClr>
+          </a:lnRef>
+          <a:fillRef idx="1">
+            <a:schemeClr val="accent1"/>
+          </a:fillRef>
+          <a:effectRef idx="0">
+            <a:schemeClr val="accent1"/>
+          </a:effectRef>
+          <a:fontRef idx="minor">
+            <a:schemeClr val="lt1"/>
+          </a:fontRef>
+        </p:style>
+        <p:txBody>
+          <a:bodyPr rtlCol="0" anchor="ctr"/>
+          <a:lstStyle/>
+          <a:p>
+            <a:pPr marL="0" marR="0" lvl="0" indent="0" algn="ctr" defTabSz="914400" rtl="0" eaLnBrk="1" fontAlgn="auto" latinLnBrk="0" hangingPunct="1">
+              <a:lnSpc>
+                <a:spcPct val="100000"/>
+              </a:lnSpc>
+              <a:spcBef>
+                <a:spcPts val="0"/>
+              </a:spcBef>
+              <a:spcAft>
+                <a:spcPts val="0"/>
+              </a:spcAft>
+              <a:buClrTx/>
+              <a:buSzTx/>
+              <a:buFontTx/>
+              <a:buNone/>
+              <a:tabLst/>
+              <a:defRPr/>
+            </a:pPr>
+            <a:endParaRPr kumimoji="0" lang="en-US" sz="1800" b="0" i="0" u="none" strike="noStrike" kern="1200" cap="none" spc="0" normalizeH="0" baseline="0" noProof="0">
+              <a:ln>
+                <a:noFill/>
+              </a:ln>
+              <a:solidFill>
+                <a:prstClr val="white"/>
+              </a:solidFill>
+              <a:effectLst/>
+              <a:uLnTx/>
+              <a:uFillTx/>
+              <a:latin typeface="Calibri" panose="020F0502020204030204"/>
+              <a:ea typeface="+mn-ea"/>
+              <a:cs typeface="+mn-cs"/>
+            </a:endParaRPr>
+          </a:p>
+        </p:txBody>
+      </p:sp>
+      <p:sp>
+        <p:nvSpPr>
+          <p:cNvPr id="2" name="Title 1">
+            <a:extLst>
+              <a:ext uri="{FF2B5EF4-FFF2-40B4-BE49-F238E27FC236}">
+                <a16:creationId xmlns:a16="http://schemas.microsoft.com/office/drawing/2014/main" id="{D1A5408C-81E2-4CF8-8A28-A61053F6420F}"/>
+              </a:ext>
+            </a:extLst>
+          </p:cNvPr>
+          <p:cNvSpPr>
+            <a:spLocks noGrp="1"/>
+          </p:cNvSpPr>
+          <p:nvPr>
+            <p:ph type="title"/>
+          </p:nvPr>
+        </p:nvSpPr>
+        <p:spPr>
+          <a:xfrm>
+            <a:off x="966952" y="1204108"/>
+            <a:ext cx="2669406" cy="1781175"/>
+          </a:xfrm>
+        </p:spPr>
+        <p:txBody>
+          <a:bodyPr vert="horz" lIns="91440" tIns="45720" rIns="91440" bIns="45720" rtlCol="0">
+            <a:normAutofit fontScale="90000"/>
+          </a:bodyPr>
+          <a:lstStyle/>
+          <a:p>
+            <a:r>
+              <a:rPr lang="en-US" sz="3200" dirty="0">
+                <a:solidFill>
+                  <a:srgbClr val="FFFFFF"/>
+                </a:solidFill>
+              </a:rPr>
+              <a:t>Inputs from model used to code loan application app</a:t>
+            </a:r>
+          </a:p>
+        </p:txBody>
+      </p:sp>
+      <p:pic>
+        <p:nvPicPr>
+          <p:cNvPr id="8" name="Content Placeholder 7" descr="Text&#10;&#10;Description automatically generated">
+            <a:extLst>
+              <a:ext uri="{FF2B5EF4-FFF2-40B4-BE49-F238E27FC236}">
+                <a16:creationId xmlns:a16="http://schemas.microsoft.com/office/drawing/2014/main" id="{58E923AD-83E2-4109-9672-A9666F494A4E}"/>
+              </a:ext>
+            </a:extLst>
+          </p:cNvPr>
+          <p:cNvPicPr>
+            <a:picLocks noChangeAspect="1"/>
+          </p:cNvPicPr>
+          <p:nvPr/>
+        </p:nvPicPr>
+        <p:blipFill>
+          <a:blip r:embed="rId2">
+            <a:extLst>
+              <a:ext uri="{28A0092B-C50C-407E-A947-70E740481C1C}">
+                <a14:useLocalDpi xmlns:a14="http://schemas.microsoft.com/office/drawing/2010/main" val="0"/>
+              </a:ext>
+            </a:extLst>
+          </a:blip>
+          <a:stretch>
+            <a:fillRect/>
+          </a:stretch>
+        </p:blipFill>
+        <p:spPr>
+          <a:xfrm>
+            <a:off x="4662102" y="1210068"/>
+            <a:ext cx="6903723" cy="4314826"/>
+          </a:xfrm>
+          <a:prstGeom prst="rect">
+            <a:avLst/>
+          </a:prstGeom>
+        </p:spPr>
+      </p:pic>
+    </p:spTree>
+    <p:extLst>
+      <p:ext uri="{BB962C8B-B14F-4D97-AF65-F5344CB8AC3E}">
+        <p14:creationId xmlns:p14="http://schemas.microsoft.com/office/powerpoint/2010/main" val="2713977886"/>
+      </p:ext>
+    </p:extLst>
+  </p:cSld>
+  <p:clrMapOvr>
+    <a:masterClrMapping/>
+  </p:clrMapOvr>
+</p:sld>
+</file>
+
+<file path=ppt/slides/slide14.xml><?xml version="1.0" encoding="utf-8"?>
 <p:sld xmlns:a="http://schemas.openxmlformats.org/drawingml/2006/main" xmlns:r="http://schemas.openxmlformats.org/officeDocument/2006/relationships" xmlns:p="http://schemas.openxmlformats.org/presentationml/2006/main">
   <p:cSld>
     <p:bg>
@@ -8408,1494 +7889,6 @@
           <a:p>
             <a:pPr algn="ctr"/>
             <a:r>
-              <a:rPr lang="en-US" sz="5400">
-                <a:solidFill>
-                  <a:srgbClr val="FFFFFF"/>
-                </a:solidFill>
-              </a:rPr>
-              <a:t>Salaries vs loan amount</a:t>
-            </a:r>
-          </a:p>
-        </p:txBody>
-      </p:sp>
-      <p:cxnSp>
-        <p:nvCxnSpPr>
-          <p:cNvPr id="23" name="Straight Connector 22">
-            <a:extLst>
-              <a:ext uri="{FF2B5EF4-FFF2-40B4-BE49-F238E27FC236}">
-                <a16:creationId xmlns:a16="http://schemas.microsoft.com/office/drawing/2014/main" id="{7E7C77BC-7138-40B1-A15B-20F57A494629}"/>
-              </a:ext>
-              <a:ext uri="{C183D7F6-B498-43B3-948B-1728B52AA6E4}">
-                <adec:decorative xmlns:adec="http://schemas.microsoft.com/office/drawing/2017/decorative" val="1"/>
-              </a:ext>
-            </a:extLst>
-          </p:cNvPr>
-          <p:cNvCxnSpPr>
-            <a:cxnSpLocks noGrp="1" noRot="1" noChangeAspect="1" noMove="1" noResize="1" noEditPoints="1" noAdjustHandles="1" noChangeArrowheads="1" noChangeShapeType="1"/>
-          </p:cNvCxnSpPr>
-          <p:nvPr>
-            <p:extLst>
-              <p:ext uri="{386F3935-93C4-4BCD-93E2-E3B085C9AB24}">
-                <p16:designElem xmlns:p16="http://schemas.microsoft.com/office/powerpoint/2015/main" val="1"/>
-              </p:ext>
-            </p:extLst>
-          </p:nvPr>
-        </p:nvCxnSpPr>
-        <p:spPr>
-          <a:xfrm>
-            <a:off x="2230078" y="1522292"/>
-            <a:ext cx="7772400" cy="0"/>
-          </a:xfrm>
-          <a:prstGeom prst="line">
-            <a:avLst/>
-          </a:prstGeom>
-          <a:ln w="22225">
-            <a:solidFill>
-              <a:srgbClr val="D9D9D9"/>
-            </a:solidFill>
-          </a:ln>
-        </p:spPr>
-        <p:style>
-          <a:lnRef idx="1">
-            <a:schemeClr val="accent1"/>
-          </a:lnRef>
-          <a:fillRef idx="0">
-            <a:schemeClr val="accent1"/>
-          </a:fillRef>
-          <a:effectRef idx="0">
-            <a:schemeClr val="accent1"/>
-          </a:effectRef>
-          <a:fontRef idx="minor">
-            <a:schemeClr val="tx1"/>
-          </a:fontRef>
-        </p:style>
-      </p:cxnSp>
-      <p:pic>
-        <p:nvPicPr>
-          <p:cNvPr id="15" name="Content Placeholder 14" descr="Table&#10;&#10;Description automatically generated">
-            <a:extLst>
-              <a:ext uri="{FF2B5EF4-FFF2-40B4-BE49-F238E27FC236}">
-                <a16:creationId xmlns:a16="http://schemas.microsoft.com/office/drawing/2014/main" id="{D0D97FE1-0C87-4A84-BA01-AC927B79ABC9}"/>
-              </a:ext>
-            </a:extLst>
-          </p:cNvPr>
-          <p:cNvPicPr>
-            <a:picLocks noGrp="1" noChangeAspect="1"/>
-          </p:cNvPicPr>
-          <p:nvPr>
-            <p:ph sz="half" idx="2"/>
-          </p:nvPr>
-        </p:nvPicPr>
-        <p:blipFill>
-          <a:blip r:embed="rId2">
-            <a:extLst>
-              <a:ext uri="{28A0092B-C50C-407E-A947-70E740481C1C}">
-                <a14:useLocalDpi xmlns:a14="http://schemas.microsoft.com/office/drawing/2010/main" val="0"/>
-              </a:ext>
-            </a:extLst>
-          </a:blip>
-          <a:stretch>
-            <a:fillRect/>
-          </a:stretch>
-        </p:blipFill>
-        <p:spPr>
-          <a:xfrm>
-            <a:off x="880907" y="2426818"/>
-            <a:ext cx="5092531" cy="3997637"/>
-          </a:xfrm>
-          <a:prstGeom prst="rect">
-            <a:avLst/>
-          </a:prstGeom>
-        </p:spPr>
-      </p:pic>
-      <p:cxnSp>
-        <p:nvCxnSpPr>
-          <p:cNvPr id="25" name="Straight Connector 24">
-            <a:extLst>
-              <a:ext uri="{FF2B5EF4-FFF2-40B4-BE49-F238E27FC236}">
-                <a16:creationId xmlns:a16="http://schemas.microsoft.com/office/drawing/2014/main" id="{DB146403-F3D6-484B-B2ED-97F9565D0370}"/>
-              </a:ext>
-              <a:ext uri="{C183D7F6-B498-43B3-948B-1728B52AA6E4}">
-                <adec:decorative xmlns:adec="http://schemas.microsoft.com/office/drawing/2017/decorative" val="1"/>
-              </a:ext>
-            </a:extLst>
-          </p:cNvPr>
-          <p:cNvCxnSpPr>
-            <a:cxnSpLocks noGrp="1" noRot="1" noChangeAspect="1" noMove="1" noResize="1" noEditPoints="1" noAdjustHandles="1" noChangeArrowheads="1" noChangeShapeType="1"/>
-          </p:cNvCxnSpPr>
-          <p:nvPr>
-            <p:extLst>
-              <p:ext uri="{386F3935-93C4-4BCD-93E2-E3B085C9AB24}">
-                <p16:designElem xmlns:p16="http://schemas.microsoft.com/office/powerpoint/2015/main" val="1"/>
-              </p:ext>
-            </p:extLst>
-          </p:nvPr>
-        </p:nvCxnSpPr>
-        <p:spPr>
-          <a:xfrm>
-            <a:off x="6116278" y="2596836"/>
-            <a:ext cx="0" cy="3657600"/>
-          </a:xfrm>
-          <a:prstGeom prst="line">
-            <a:avLst/>
-          </a:prstGeom>
-          <a:ln w="101600" cmpd="dbl">
-            <a:solidFill>
-              <a:srgbClr val="595959"/>
-            </a:solidFill>
-          </a:ln>
-        </p:spPr>
-        <p:style>
-          <a:lnRef idx="1">
-            <a:schemeClr val="accent1"/>
-          </a:lnRef>
-          <a:fillRef idx="0">
-            <a:schemeClr val="accent1"/>
-          </a:fillRef>
-          <a:effectRef idx="0">
-            <a:schemeClr val="accent1"/>
-          </a:effectRef>
-          <a:fontRef idx="minor">
-            <a:schemeClr val="tx1"/>
-          </a:fontRef>
-        </p:style>
-      </p:cxnSp>
-      <p:pic>
-        <p:nvPicPr>
-          <p:cNvPr id="9" name="Content Placeholder 8" descr="Table&#10;&#10;Description automatically generated">
-            <a:extLst>
-              <a:ext uri="{FF2B5EF4-FFF2-40B4-BE49-F238E27FC236}">
-                <a16:creationId xmlns:a16="http://schemas.microsoft.com/office/drawing/2014/main" id="{BD0C05ED-35D3-4710-BA45-531E30336773}"/>
-              </a:ext>
-            </a:extLst>
-          </p:cNvPr>
-          <p:cNvPicPr>
-            <a:picLocks noGrp="1" noChangeAspect="1"/>
-          </p:cNvPicPr>
-          <p:nvPr>
-            <p:ph sz="half" idx="1"/>
-          </p:nvPr>
-        </p:nvPicPr>
-        <p:blipFill>
-          <a:blip r:embed="rId3">
-            <a:extLst>
-              <a:ext uri="{28A0092B-C50C-407E-A947-70E740481C1C}">
-                <a14:useLocalDpi xmlns:a14="http://schemas.microsoft.com/office/drawing/2010/main" val="0"/>
-              </a:ext>
-            </a:extLst>
-          </a:blip>
-          <a:stretch>
-            <a:fillRect/>
-          </a:stretch>
-        </p:blipFill>
-        <p:spPr>
-          <a:xfrm>
-            <a:off x="6534327" y="2426818"/>
-            <a:ext cx="5277408" cy="3997637"/>
-          </a:xfrm>
-          <a:prstGeom prst="rect">
-            <a:avLst/>
-          </a:prstGeom>
-        </p:spPr>
-      </p:pic>
-      <mc:AlternateContent xmlns:mc="http://schemas.openxmlformats.org/markup-compatibility/2006" xmlns:p14="http://schemas.microsoft.com/office/powerpoint/2010/main">
-        <mc:Choice Requires="p14">
-          <p:contentPart p14:bwMode="auto" r:id="rId4">
-            <p14:nvContentPartPr>
-              <p14:cNvPr id="2" name="Ink 1">
-                <a:extLst>
-                  <a:ext uri="{FF2B5EF4-FFF2-40B4-BE49-F238E27FC236}">
-                    <a16:creationId xmlns:a16="http://schemas.microsoft.com/office/drawing/2014/main" id="{5D5CCF2E-4952-4C7C-9A38-5E36362C2BFC}"/>
-                  </a:ext>
-                </a:extLst>
-              </p14:cNvPr>
-              <p14:cNvContentPartPr/>
-              <p14:nvPr/>
-            </p14:nvContentPartPr>
-            <p14:xfrm>
-              <a:off x="5334990" y="4117348"/>
-              <a:ext cx="455400" cy="64440"/>
-            </p14:xfrm>
-          </p:contentPart>
-        </mc:Choice>
-        <mc:Fallback xmlns="">
-          <p:pic>
-            <p:nvPicPr>
-              <p:cNvPr id="2" name="Ink 1">
-                <a:extLst>
-                  <a:ext uri="{FF2B5EF4-FFF2-40B4-BE49-F238E27FC236}">
-                    <a16:creationId xmlns:a16="http://schemas.microsoft.com/office/drawing/2014/main" id="{5D5CCF2E-4952-4C7C-9A38-5E36362C2BFC}"/>
-                  </a:ext>
-                </a:extLst>
-              </p:cNvPr>
-              <p:cNvPicPr/>
-              <p:nvPr/>
-            </p:nvPicPr>
-            <p:blipFill>
-              <a:blip r:embed="rId5"/>
-              <a:stretch>
-                <a:fillRect/>
-              </a:stretch>
-            </p:blipFill>
-            <p:spPr>
-              <a:xfrm>
-                <a:off x="5299350" y="4045348"/>
-                <a:ext cx="527040" cy="208080"/>
-              </a:xfrm>
-              <a:prstGeom prst="rect">
-                <a:avLst/>
-              </a:prstGeom>
-            </p:spPr>
-          </p:pic>
-        </mc:Fallback>
-      </mc:AlternateContent>
-      <mc:AlternateContent xmlns:mc="http://schemas.openxmlformats.org/markup-compatibility/2006" xmlns:p14="http://schemas.microsoft.com/office/powerpoint/2010/main">
-        <mc:Choice Requires="p14">
-          <p:contentPart p14:bwMode="auto" r:id="rId6">
-            <p14:nvContentPartPr>
-              <p14:cNvPr id="3" name="Ink 2">
-                <a:extLst>
-                  <a:ext uri="{FF2B5EF4-FFF2-40B4-BE49-F238E27FC236}">
-                    <a16:creationId xmlns:a16="http://schemas.microsoft.com/office/drawing/2014/main" id="{99AE00E7-CA10-41A3-B55D-DDED3883F7FA}"/>
-                  </a:ext>
-                </a:extLst>
-              </p14:cNvPr>
-              <p14:cNvContentPartPr/>
-              <p14:nvPr/>
-            </p14:nvContentPartPr>
-            <p14:xfrm>
-              <a:off x="4829190" y="6089428"/>
-              <a:ext cx="430920" cy="3960"/>
-            </p14:xfrm>
-          </p:contentPart>
-        </mc:Choice>
-        <mc:Fallback xmlns="">
-          <p:pic>
-            <p:nvPicPr>
-              <p:cNvPr id="3" name="Ink 2">
-                <a:extLst>
-                  <a:ext uri="{FF2B5EF4-FFF2-40B4-BE49-F238E27FC236}">
-                    <a16:creationId xmlns:a16="http://schemas.microsoft.com/office/drawing/2014/main" id="{99AE00E7-CA10-41A3-B55D-DDED3883F7FA}"/>
-                  </a:ext>
-                </a:extLst>
-              </p:cNvPr>
-              <p:cNvPicPr/>
-              <p:nvPr/>
-            </p:nvPicPr>
-            <p:blipFill>
-              <a:blip r:embed="rId7"/>
-              <a:stretch>
-                <a:fillRect/>
-              </a:stretch>
-            </p:blipFill>
-            <p:spPr>
-              <a:xfrm>
-                <a:off x="4793550" y="6017788"/>
-                <a:ext cx="502560" cy="147600"/>
-              </a:xfrm>
-              <a:prstGeom prst="rect">
-                <a:avLst/>
-              </a:prstGeom>
-            </p:spPr>
-          </p:pic>
-        </mc:Fallback>
-      </mc:AlternateContent>
-      <mc:AlternateContent xmlns:mc="http://schemas.openxmlformats.org/markup-compatibility/2006" xmlns:p14="http://schemas.microsoft.com/office/powerpoint/2010/main">
-        <mc:Choice Requires="p14">
-          <p:contentPart p14:bwMode="auto" r:id="rId8">
-            <p14:nvContentPartPr>
-              <p14:cNvPr id="4" name="Ink 3">
-                <a:extLst>
-                  <a:ext uri="{FF2B5EF4-FFF2-40B4-BE49-F238E27FC236}">
-                    <a16:creationId xmlns:a16="http://schemas.microsoft.com/office/drawing/2014/main" id="{FAEEE3B4-640F-46E4-A4D1-8B6A337C01B2}"/>
-                  </a:ext>
-                </a:extLst>
-              </p14:cNvPr>
-              <p14:cNvContentPartPr/>
-              <p14:nvPr/>
-            </p14:nvContentPartPr>
-            <p14:xfrm>
-              <a:off x="4775910" y="4704508"/>
-              <a:ext cx="360" cy="360"/>
-            </p14:xfrm>
-          </p:contentPart>
-        </mc:Choice>
-        <mc:Fallback xmlns="">
-          <p:pic>
-            <p:nvPicPr>
-              <p:cNvPr id="4" name="Ink 3">
-                <a:extLst>
-                  <a:ext uri="{FF2B5EF4-FFF2-40B4-BE49-F238E27FC236}">
-                    <a16:creationId xmlns:a16="http://schemas.microsoft.com/office/drawing/2014/main" id="{FAEEE3B4-640F-46E4-A4D1-8B6A337C01B2}"/>
-                  </a:ext>
-                </a:extLst>
-              </p:cNvPr>
-              <p:cNvPicPr/>
-              <p:nvPr/>
-            </p:nvPicPr>
-            <p:blipFill>
-              <a:blip r:embed="rId9"/>
-              <a:stretch>
-                <a:fillRect/>
-              </a:stretch>
-            </p:blipFill>
-            <p:spPr>
-              <a:xfrm>
-                <a:off x="4740270" y="4632868"/>
-                <a:ext cx="72000" cy="144000"/>
-              </a:xfrm>
-              <a:prstGeom prst="rect">
-                <a:avLst/>
-              </a:prstGeom>
-            </p:spPr>
-          </p:pic>
-        </mc:Fallback>
-      </mc:AlternateContent>
-      <mc:AlternateContent xmlns:mc="http://schemas.openxmlformats.org/markup-compatibility/2006" xmlns:p14="http://schemas.microsoft.com/office/powerpoint/2010/main">
-        <mc:Choice Requires="p14">
-          <p:contentPart p14:bwMode="auto" r:id="rId10">
-            <p14:nvContentPartPr>
-              <p14:cNvPr id="5" name="Ink 4">
-                <a:extLst>
-                  <a:ext uri="{FF2B5EF4-FFF2-40B4-BE49-F238E27FC236}">
-                    <a16:creationId xmlns:a16="http://schemas.microsoft.com/office/drawing/2014/main" id="{3066CFE6-DE32-45DD-8635-6178A0CC08F0}"/>
-                  </a:ext>
-                </a:extLst>
-              </p14:cNvPr>
-              <p14:cNvContentPartPr/>
-              <p14:nvPr/>
-            </p14:nvContentPartPr>
-            <p14:xfrm>
-              <a:off x="4811190" y="4718908"/>
-              <a:ext cx="466560" cy="22320"/>
-            </p14:xfrm>
-          </p:contentPart>
-        </mc:Choice>
-        <mc:Fallback xmlns="">
-          <p:pic>
-            <p:nvPicPr>
-              <p:cNvPr id="5" name="Ink 4">
-                <a:extLst>
-                  <a:ext uri="{FF2B5EF4-FFF2-40B4-BE49-F238E27FC236}">
-                    <a16:creationId xmlns:a16="http://schemas.microsoft.com/office/drawing/2014/main" id="{3066CFE6-DE32-45DD-8635-6178A0CC08F0}"/>
-                  </a:ext>
-                </a:extLst>
-              </p:cNvPr>
-              <p:cNvPicPr/>
-              <p:nvPr/>
-            </p:nvPicPr>
-            <p:blipFill>
-              <a:blip r:embed="rId11"/>
-              <a:stretch>
-                <a:fillRect/>
-              </a:stretch>
-            </p:blipFill>
-            <p:spPr>
-              <a:xfrm>
-                <a:off x="4775550" y="4647268"/>
-                <a:ext cx="538200" cy="165960"/>
-              </a:xfrm>
-              <a:prstGeom prst="rect">
-                <a:avLst/>
-              </a:prstGeom>
-            </p:spPr>
-          </p:pic>
-        </mc:Fallback>
-      </mc:AlternateContent>
-      <mc:AlternateContent xmlns:mc="http://schemas.openxmlformats.org/markup-compatibility/2006" xmlns:p14="http://schemas.microsoft.com/office/powerpoint/2010/main">
-        <mc:Choice Requires="p14">
-          <p:contentPart p14:bwMode="auto" r:id="rId12">
-            <p14:nvContentPartPr>
-              <p14:cNvPr id="6" name="Ink 5">
-                <a:extLst>
-                  <a:ext uri="{FF2B5EF4-FFF2-40B4-BE49-F238E27FC236}">
-                    <a16:creationId xmlns:a16="http://schemas.microsoft.com/office/drawing/2014/main" id="{84B35F45-F317-4ADB-940F-757CA6A3D77D}"/>
-                  </a:ext>
-                </a:extLst>
-              </p14:cNvPr>
-              <p14:cNvContentPartPr/>
-              <p14:nvPr/>
-            </p14:nvContentPartPr>
-            <p14:xfrm>
-              <a:off x="4740270" y="4144348"/>
-              <a:ext cx="543240" cy="19440"/>
-            </p14:xfrm>
-          </p:contentPart>
-        </mc:Choice>
-        <mc:Fallback xmlns="">
-          <p:pic>
-            <p:nvPicPr>
-              <p:cNvPr id="6" name="Ink 5">
-                <a:extLst>
-                  <a:ext uri="{FF2B5EF4-FFF2-40B4-BE49-F238E27FC236}">
-                    <a16:creationId xmlns:a16="http://schemas.microsoft.com/office/drawing/2014/main" id="{84B35F45-F317-4ADB-940F-757CA6A3D77D}"/>
-                  </a:ext>
-                </a:extLst>
-              </p:cNvPr>
-              <p:cNvPicPr/>
-              <p:nvPr/>
-            </p:nvPicPr>
-            <p:blipFill>
-              <a:blip r:embed="rId13"/>
-              <a:stretch>
-                <a:fillRect/>
-              </a:stretch>
-            </p:blipFill>
-            <p:spPr>
-              <a:xfrm>
-                <a:off x="4704630" y="4072348"/>
-                <a:ext cx="614880" cy="163080"/>
-              </a:xfrm>
-              <a:prstGeom prst="rect">
-                <a:avLst/>
-              </a:prstGeom>
-            </p:spPr>
-          </p:pic>
-        </mc:Fallback>
-      </mc:AlternateContent>
-      <mc:AlternateContent xmlns:mc="http://schemas.openxmlformats.org/markup-compatibility/2006" xmlns:p14="http://schemas.microsoft.com/office/powerpoint/2010/main">
-        <mc:Choice Requires="p14">
-          <p:contentPart p14:bwMode="auto" r:id="rId14">
-            <p14:nvContentPartPr>
-              <p14:cNvPr id="7" name="Ink 6">
-                <a:extLst>
-                  <a:ext uri="{FF2B5EF4-FFF2-40B4-BE49-F238E27FC236}">
-                    <a16:creationId xmlns:a16="http://schemas.microsoft.com/office/drawing/2014/main" id="{7D2DA016-7A56-45EE-BDA8-FE971CC28DB9}"/>
-                  </a:ext>
-                </a:extLst>
-              </p14:cNvPr>
-              <p14:cNvContentPartPr/>
-              <p14:nvPr/>
-            </p14:nvContentPartPr>
-            <p14:xfrm>
-              <a:off x="4784910" y="4002868"/>
-              <a:ext cx="461160" cy="27360"/>
-            </p14:xfrm>
-          </p:contentPart>
-        </mc:Choice>
-        <mc:Fallback xmlns="">
-          <p:pic>
-            <p:nvPicPr>
-              <p:cNvPr id="7" name="Ink 6">
-                <a:extLst>
-                  <a:ext uri="{FF2B5EF4-FFF2-40B4-BE49-F238E27FC236}">
-                    <a16:creationId xmlns:a16="http://schemas.microsoft.com/office/drawing/2014/main" id="{7D2DA016-7A56-45EE-BDA8-FE971CC28DB9}"/>
-                  </a:ext>
-                </a:extLst>
-              </p:cNvPr>
-              <p:cNvPicPr/>
-              <p:nvPr/>
-            </p:nvPicPr>
-            <p:blipFill>
-              <a:blip r:embed="rId15"/>
-              <a:stretch>
-                <a:fillRect/>
-              </a:stretch>
-            </p:blipFill>
-            <p:spPr>
-              <a:xfrm>
-                <a:off x="4748910" y="3931228"/>
-                <a:ext cx="532800" cy="171000"/>
-              </a:xfrm>
-              <a:prstGeom prst="rect">
-                <a:avLst/>
-              </a:prstGeom>
-            </p:spPr>
-          </p:pic>
-        </mc:Fallback>
-      </mc:AlternateContent>
-      <mc:AlternateContent xmlns:mc="http://schemas.openxmlformats.org/markup-compatibility/2006" xmlns:p14="http://schemas.microsoft.com/office/powerpoint/2010/main">
-        <mc:Choice Requires="p14">
-          <p:contentPart p14:bwMode="auto" r:id="rId16">
-            <p14:nvContentPartPr>
-              <p14:cNvPr id="8" name="Ink 7">
-                <a:extLst>
-                  <a:ext uri="{FF2B5EF4-FFF2-40B4-BE49-F238E27FC236}">
-                    <a16:creationId xmlns:a16="http://schemas.microsoft.com/office/drawing/2014/main" id="{38E1DEA5-15C6-4898-8234-572A6A369FEF}"/>
-                  </a:ext>
-                </a:extLst>
-              </p14:cNvPr>
-              <p14:cNvContentPartPr/>
-              <p14:nvPr/>
-            </p14:nvContentPartPr>
-            <p14:xfrm>
-              <a:off x="5405910" y="6222988"/>
-              <a:ext cx="366840" cy="59400"/>
-            </p14:xfrm>
-          </p:contentPart>
-        </mc:Choice>
-        <mc:Fallback xmlns="">
-          <p:pic>
-            <p:nvPicPr>
-              <p:cNvPr id="8" name="Ink 7">
-                <a:extLst>
-                  <a:ext uri="{FF2B5EF4-FFF2-40B4-BE49-F238E27FC236}">
-                    <a16:creationId xmlns:a16="http://schemas.microsoft.com/office/drawing/2014/main" id="{38E1DEA5-15C6-4898-8234-572A6A369FEF}"/>
-                  </a:ext>
-                </a:extLst>
-              </p:cNvPr>
-              <p:cNvPicPr/>
-              <p:nvPr/>
-            </p:nvPicPr>
-            <p:blipFill>
-              <a:blip r:embed="rId17"/>
-              <a:stretch>
-                <a:fillRect/>
-              </a:stretch>
-            </p:blipFill>
-            <p:spPr>
-              <a:xfrm>
-                <a:off x="5370270" y="6150988"/>
-                <a:ext cx="438480" cy="203040"/>
-              </a:xfrm>
-              <a:prstGeom prst="rect">
-                <a:avLst/>
-              </a:prstGeom>
-            </p:spPr>
-          </p:pic>
-        </mc:Fallback>
-      </mc:AlternateContent>
-      <mc:AlternateContent xmlns:mc="http://schemas.openxmlformats.org/markup-compatibility/2006" xmlns:p14="http://schemas.microsoft.com/office/powerpoint/2010/main">
-        <mc:Choice Requires="p14">
-          <p:contentPart p14:bwMode="auto" r:id="rId18">
-            <p14:nvContentPartPr>
-              <p14:cNvPr id="10" name="Ink 9">
-                <a:extLst>
-                  <a:ext uri="{FF2B5EF4-FFF2-40B4-BE49-F238E27FC236}">
-                    <a16:creationId xmlns:a16="http://schemas.microsoft.com/office/drawing/2014/main" id="{9A21BAB1-D200-4081-8783-033007CCFD97}"/>
-                  </a:ext>
-                </a:extLst>
-              </p14:cNvPr>
-              <p14:cNvContentPartPr/>
-              <p14:nvPr/>
-            </p14:nvContentPartPr>
-            <p14:xfrm>
-              <a:off x="4855830" y="5338468"/>
-              <a:ext cx="420120" cy="263880"/>
-            </p14:xfrm>
-          </p:contentPart>
-        </mc:Choice>
-        <mc:Fallback xmlns="">
-          <p:pic>
-            <p:nvPicPr>
-              <p:cNvPr id="10" name="Ink 9">
-                <a:extLst>
-                  <a:ext uri="{FF2B5EF4-FFF2-40B4-BE49-F238E27FC236}">
-                    <a16:creationId xmlns:a16="http://schemas.microsoft.com/office/drawing/2014/main" id="{9A21BAB1-D200-4081-8783-033007CCFD97}"/>
-                  </a:ext>
-                </a:extLst>
-              </p:cNvPr>
-              <p:cNvPicPr/>
-              <p:nvPr/>
-            </p:nvPicPr>
-            <p:blipFill>
-              <a:blip r:embed="rId19"/>
-              <a:stretch>
-                <a:fillRect/>
-              </a:stretch>
-            </p:blipFill>
-            <p:spPr>
-              <a:xfrm>
-                <a:off x="4819830" y="5266468"/>
-                <a:ext cx="491760" cy="407520"/>
-              </a:xfrm>
-              <a:prstGeom prst="rect">
-                <a:avLst/>
-              </a:prstGeom>
-            </p:spPr>
-          </p:pic>
-        </mc:Fallback>
-      </mc:AlternateContent>
-      <mc:AlternateContent xmlns:mc="http://schemas.openxmlformats.org/markup-compatibility/2006" xmlns:p14="http://schemas.microsoft.com/office/powerpoint/2010/main">
-        <mc:Choice Requires="p14">
-          <p:contentPart p14:bwMode="auto" r:id="rId20">
-            <p14:nvContentPartPr>
-              <p14:cNvPr id="11" name="Ink 10">
-                <a:extLst>
-                  <a:ext uri="{FF2B5EF4-FFF2-40B4-BE49-F238E27FC236}">
-                    <a16:creationId xmlns:a16="http://schemas.microsoft.com/office/drawing/2014/main" id="{2B47175A-5816-4F1E-9DB3-622A66BE75F7}"/>
-                  </a:ext>
-                </a:extLst>
-              </p14:cNvPr>
-              <p14:cNvContentPartPr/>
-              <p14:nvPr/>
-            </p14:nvContentPartPr>
-            <p14:xfrm>
-              <a:off x="7776510" y="2564308"/>
-              <a:ext cx="856800" cy="19080"/>
-            </p14:xfrm>
-          </p:contentPart>
-        </mc:Choice>
-        <mc:Fallback xmlns="">
-          <p:pic>
-            <p:nvPicPr>
-              <p:cNvPr id="11" name="Ink 10">
-                <a:extLst>
-                  <a:ext uri="{FF2B5EF4-FFF2-40B4-BE49-F238E27FC236}">
-                    <a16:creationId xmlns:a16="http://schemas.microsoft.com/office/drawing/2014/main" id="{2B47175A-5816-4F1E-9DB3-622A66BE75F7}"/>
-                  </a:ext>
-                </a:extLst>
-              </p:cNvPr>
-              <p:cNvPicPr/>
-              <p:nvPr/>
-            </p:nvPicPr>
-            <p:blipFill>
-              <a:blip r:embed="rId21"/>
-              <a:stretch>
-                <a:fillRect/>
-              </a:stretch>
-            </p:blipFill>
-            <p:spPr>
-              <a:xfrm>
-                <a:off x="7740870" y="2492668"/>
-                <a:ext cx="928440" cy="162720"/>
-              </a:xfrm>
-              <a:prstGeom prst="rect">
-                <a:avLst/>
-              </a:prstGeom>
-            </p:spPr>
-          </p:pic>
-        </mc:Fallback>
-      </mc:AlternateContent>
-      <mc:AlternateContent xmlns:mc="http://schemas.openxmlformats.org/markup-compatibility/2006" xmlns:p14="http://schemas.microsoft.com/office/powerpoint/2010/main">
-        <mc:Choice Requires="p14">
-          <p:contentPart p14:bwMode="auto" r:id="rId22">
-            <p14:nvContentPartPr>
-              <p14:cNvPr id="12" name="Ink 11">
-                <a:extLst>
-                  <a:ext uri="{FF2B5EF4-FFF2-40B4-BE49-F238E27FC236}">
-                    <a16:creationId xmlns:a16="http://schemas.microsoft.com/office/drawing/2014/main" id="{1FE53C5B-E7FA-4ACC-9E61-5F8EC4B69D28}"/>
-                  </a:ext>
-                </a:extLst>
-              </p14:cNvPr>
-              <p14:cNvContentPartPr/>
-              <p14:nvPr/>
-            </p14:nvContentPartPr>
-            <p14:xfrm>
-              <a:off x="1517550" y="2556388"/>
-              <a:ext cx="532080" cy="18000"/>
-            </p14:xfrm>
-          </p:contentPart>
-        </mc:Choice>
-        <mc:Fallback xmlns="">
-          <p:pic>
-            <p:nvPicPr>
-              <p:cNvPr id="12" name="Ink 11">
-                <a:extLst>
-                  <a:ext uri="{FF2B5EF4-FFF2-40B4-BE49-F238E27FC236}">
-                    <a16:creationId xmlns:a16="http://schemas.microsoft.com/office/drawing/2014/main" id="{1FE53C5B-E7FA-4ACC-9E61-5F8EC4B69D28}"/>
-                  </a:ext>
-                </a:extLst>
-              </p:cNvPr>
-              <p:cNvPicPr/>
-              <p:nvPr/>
-            </p:nvPicPr>
-            <p:blipFill>
-              <a:blip r:embed="rId23"/>
-              <a:stretch>
-                <a:fillRect/>
-              </a:stretch>
-            </p:blipFill>
-            <p:spPr>
-              <a:xfrm>
-                <a:off x="1481910" y="2484388"/>
-                <a:ext cx="603720" cy="161640"/>
-              </a:xfrm>
-              <a:prstGeom prst="rect">
-                <a:avLst/>
-              </a:prstGeom>
-            </p:spPr>
-          </p:pic>
-        </mc:Fallback>
-      </mc:AlternateContent>
-      <mc:AlternateContent xmlns:mc="http://schemas.openxmlformats.org/markup-compatibility/2006" xmlns:p14="http://schemas.microsoft.com/office/powerpoint/2010/main">
-        <mc:Choice Requires="p14">
-          <p:contentPart p14:bwMode="auto" r:id="rId24">
-            <p14:nvContentPartPr>
-              <p14:cNvPr id="13" name="Ink 12">
-                <a:extLst>
-                  <a:ext uri="{FF2B5EF4-FFF2-40B4-BE49-F238E27FC236}">
-                    <a16:creationId xmlns:a16="http://schemas.microsoft.com/office/drawing/2014/main" id="{C5F47B05-08D1-4BCC-B21E-FC83A29F1789}"/>
-                  </a:ext>
-                </a:extLst>
-              </p14:cNvPr>
-              <p14:cNvContentPartPr/>
-              <p14:nvPr/>
-            </p14:nvContentPartPr>
-            <p14:xfrm>
-              <a:off x="2059350" y="2556388"/>
-              <a:ext cx="360" cy="360"/>
-            </p14:xfrm>
-          </p:contentPart>
-        </mc:Choice>
-        <mc:Fallback xmlns="">
-          <p:pic>
-            <p:nvPicPr>
-              <p:cNvPr id="13" name="Ink 12">
-                <a:extLst>
-                  <a:ext uri="{FF2B5EF4-FFF2-40B4-BE49-F238E27FC236}">
-                    <a16:creationId xmlns:a16="http://schemas.microsoft.com/office/drawing/2014/main" id="{C5F47B05-08D1-4BCC-B21E-FC83A29F1789}"/>
-                  </a:ext>
-                </a:extLst>
-              </p:cNvPr>
-              <p:cNvPicPr/>
-              <p:nvPr/>
-            </p:nvPicPr>
-            <p:blipFill>
-              <a:blip r:embed="rId9"/>
-              <a:stretch>
-                <a:fillRect/>
-              </a:stretch>
-            </p:blipFill>
-            <p:spPr>
-              <a:xfrm>
-                <a:off x="2023710" y="2484388"/>
-                <a:ext cx="72000" cy="144000"/>
-              </a:xfrm>
-              <a:prstGeom prst="rect">
-                <a:avLst/>
-              </a:prstGeom>
-            </p:spPr>
-          </p:pic>
-        </mc:Fallback>
-      </mc:AlternateContent>
-      <mc:AlternateContent xmlns:mc="http://schemas.openxmlformats.org/markup-compatibility/2006" xmlns:p14="http://schemas.microsoft.com/office/powerpoint/2010/main">
-        <mc:Choice Requires="p14">
-          <p:contentPart p14:bwMode="auto" r:id="rId25">
-            <p14:nvContentPartPr>
-              <p14:cNvPr id="14" name="Ink 13">
-                <a:extLst>
-                  <a:ext uri="{FF2B5EF4-FFF2-40B4-BE49-F238E27FC236}">
-                    <a16:creationId xmlns:a16="http://schemas.microsoft.com/office/drawing/2014/main" id="{01242EB0-C586-4F0B-A96E-33A9D56FE090}"/>
-                  </a:ext>
-                </a:extLst>
-              </p14:cNvPr>
-              <p14:cNvContentPartPr/>
-              <p14:nvPr/>
-            </p14:nvContentPartPr>
-            <p14:xfrm>
-              <a:off x="10093470" y="3843748"/>
-              <a:ext cx="337320" cy="360"/>
-            </p14:xfrm>
-          </p:contentPart>
-        </mc:Choice>
-        <mc:Fallback xmlns="">
-          <p:pic>
-            <p:nvPicPr>
-              <p:cNvPr id="14" name="Ink 13">
-                <a:extLst>
-                  <a:ext uri="{FF2B5EF4-FFF2-40B4-BE49-F238E27FC236}">
-                    <a16:creationId xmlns:a16="http://schemas.microsoft.com/office/drawing/2014/main" id="{01242EB0-C586-4F0B-A96E-33A9D56FE090}"/>
-                  </a:ext>
-                </a:extLst>
-              </p:cNvPr>
-              <p:cNvPicPr/>
-              <p:nvPr/>
-            </p:nvPicPr>
-            <p:blipFill>
-              <a:blip r:embed="rId26"/>
-              <a:stretch>
-                <a:fillRect/>
-              </a:stretch>
-            </p:blipFill>
-            <p:spPr>
-              <a:xfrm>
-                <a:off x="10057470" y="3771748"/>
-                <a:ext cx="408960" cy="144000"/>
-              </a:xfrm>
-              <a:prstGeom prst="rect">
-                <a:avLst/>
-              </a:prstGeom>
-            </p:spPr>
-          </p:pic>
-        </mc:Fallback>
-      </mc:AlternateContent>
-      <mc:AlternateContent xmlns:mc="http://schemas.openxmlformats.org/markup-compatibility/2006" xmlns:p14="http://schemas.microsoft.com/office/powerpoint/2010/main">
-        <mc:Choice Requires="p14">
-          <p:contentPart p14:bwMode="auto" r:id="rId27">
-            <p14:nvContentPartPr>
-              <p14:cNvPr id="17" name="Ink 16">
-                <a:extLst>
-                  <a:ext uri="{FF2B5EF4-FFF2-40B4-BE49-F238E27FC236}">
-                    <a16:creationId xmlns:a16="http://schemas.microsoft.com/office/drawing/2014/main" id="{879F566A-7731-4744-8972-E839B9649082}"/>
-                  </a:ext>
-                </a:extLst>
-              </p14:cNvPr>
-              <p14:cNvContentPartPr/>
-              <p14:nvPr/>
-            </p14:nvContentPartPr>
-            <p14:xfrm>
-              <a:off x="10129110" y="4358908"/>
-              <a:ext cx="307080" cy="36000"/>
-            </p14:xfrm>
-          </p:contentPart>
-        </mc:Choice>
-        <mc:Fallback xmlns="">
-          <p:pic>
-            <p:nvPicPr>
-              <p:cNvPr id="17" name="Ink 16">
-                <a:extLst>
-                  <a:ext uri="{FF2B5EF4-FFF2-40B4-BE49-F238E27FC236}">
-                    <a16:creationId xmlns:a16="http://schemas.microsoft.com/office/drawing/2014/main" id="{879F566A-7731-4744-8972-E839B9649082}"/>
-                  </a:ext>
-                </a:extLst>
-              </p:cNvPr>
-              <p:cNvPicPr/>
-              <p:nvPr/>
-            </p:nvPicPr>
-            <p:blipFill>
-              <a:blip r:embed="rId28"/>
-              <a:stretch>
-                <a:fillRect/>
-              </a:stretch>
-            </p:blipFill>
-            <p:spPr>
-              <a:xfrm>
-                <a:off x="10093110" y="4286908"/>
-                <a:ext cx="378720" cy="179640"/>
-              </a:xfrm>
-              <a:prstGeom prst="rect">
-                <a:avLst/>
-              </a:prstGeom>
-            </p:spPr>
-          </p:pic>
-        </mc:Fallback>
-      </mc:AlternateContent>
-      <mc:AlternateContent xmlns:mc="http://schemas.openxmlformats.org/markup-compatibility/2006" xmlns:p14="http://schemas.microsoft.com/office/powerpoint/2010/main">
-        <mc:Choice Requires="p14">
-          <p:contentPart p14:bwMode="auto" r:id="rId29">
-            <p14:nvContentPartPr>
-              <p14:cNvPr id="18" name="Ink 17">
-                <a:extLst>
-                  <a:ext uri="{FF2B5EF4-FFF2-40B4-BE49-F238E27FC236}">
-                    <a16:creationId xmlns:a16="http://schemas.microsoft.com/office/drawing/2014/main" id="{E57368C0-BE6E-4B0A-995C-37ADD28D8357}"/>
-                  </a:ext>
-                </a:extLst>
-              </p14:cNvPr>
-              <p14:cNvContentPartPr/>
-              <p14:nvPr/>
-            </p14:nvContentPartPr>
-            <p14:xfrm>
-              <a:off x="10448790" y="4358548"/>
-              <a:ext cx="360" cy="360"/>
-            </p14:xfrm>
-          </p:contentPart>
-        </mc:Choice>
-        <mc:Fallback xmlns="">
-          <p:pic>
-            <p:nvPicPr>
-              <p:cNvPr id="18" name="Ink 17">
-                <a:extLst>
-                  <a:ext uri="{FF2B5EF4-FFF2-40B4-BE49-F238E27FC236}">
-                    <a16:creationId xmlns:a16="http://schemas.microsoft.com/office/drawing/2014/main" id="{E57368C0-BE6E-4B0A-995C-37ADD28D8357}"/>
-                  </a:ext>
-                </a:extLst>
-              </p:cNvPr>
-              <p:cNvPicPr/>
-              <p:nvPr/>
-            </p:nvPicPr>
-            <p:blipFill>
-              <a:blip r:embed="rId9"/>
-              <a:stretch>
-                <a:fillRect/>
-              </a:stretch>
-            </p:blipFill>
-            <p:spPr>
-              <a:xfrm>
-                <a:off x="10412790" y="4286908"/>
-                <a:ext cx="72000" cy="144000"/>
-              </a:xfrm>
-              <a:prstGeom prst="rect">
-                <a:avLst/>
-              </a:prstGeom>
-            </p:spPr>
-          </p:pic>
-        </mc:Fallback>
-      </mc:AlternateContent>
-      <mc:AlternateContent xmlns:mc="http://schemas.openxmlformats.org/markup-compatibility/2006" xmlns:p14="http://schemas.microsoft.com/office/powerpoint/2010/main">
-        <mc:Choice Requires="p14">
-          <p:contentPart p14:bwMode="auto" r:id="rId30">
-            <p14:nvContentPartPr>
-              <p14:cNvPr id="19" name="Ink 18">
-                <a:extLst>
-                  <a:ext uri="{FF2B5EF4-FFF2-40B4-BE49-F238E27FC236}">
-                    <a16:creationId xmlns:a16="http://schemas.microsoft.com/office/drawing/2014/main" id="{60F160C8-2E2A-43EE-B582-980112349754}"/>
-                  </a:ext>
-                </a:extLst>
-              </p14:cNvPr>
-              <p14:cNvContentPartPr/>
-              <p14:nvPr/>
-            </p14:nvContentPartPr>
-            <p14:xfrm>
-              <a:off x="10617270" y="5077468"/>
-              <a:ext cx="310320" cy="360"/>
-            </p14:xfrm>
-          </p:contentPart>
-        </mc:Choice>
-        <mc:Fallback xmlns="">
-          <p:pic>
-            <p:nvPicPr>
-              <p:cNvPr id="19" name="Ink 18">
-                <a:extLst>
-                  <a:ext uri="{FF2B5EF4-FFF2-40B4-BE49-F238E27FC236}">
-                    <a16:creationId xmlns:a16="http://schemas.microsoft.com/office/drawing/2014/main" id="{60F160C8-2E2A-43EE-B582-980112349754}"/>
-                  </a:ext>
-                </a:extLst>
-              </p:cNvPr>
-              <p:cNvPicPr/>
-              <p:nvPr/>
-            </p:nvPicPr>
-            <p:blipFill>
-              <a:blip r:embed="rId31"/>
-              <a:stretch>
-                <a:fillRect/>
-              </a:stretch>
-            </p:blipFill>
-            <p:spPr>
-              <a:xfrm>
-                <a:off x="10581270" y="5005828"/>
-                <a:ext cx="381960" cy="144000"/>
-              </a:xfrm>
-              <a:prstGeom prst="rect">
-                <a:avLst/>
-              </a:prstGeom>
-            </p:spPr>
-          </p:pic>
-        </mc:Fallback>
-      </mc:AlternateContent>
-      <mc:AlternateContent xmlns:mc="http://schemas.openxmlformats.org/markup-compatibility/2006" xmlns:p14="http://schemas.microsoft.com/office/powerpoint/2010/main">
-        <mc:Choice Requires="p14">
-          <p:contentPart p14:bwMode="auto" r:id="rId32">
-            <p14:nvContentPartPr>
-              <p14:cNvPr id="20" name="Ink 19">
-                <a:extLst>
-                  <a:ext uri="{FF2B5EF4-FFF2-40B4-BE49-F238E27FC236}">
-                    <a16:creationId xmlns:a16="http://schemas.microsoft.com/office/drawing/2014/main" id="{132C0B86-B6C2-4D63-ACE8-1159641D56C1}"/>
-                  </a:ext>
-                </a:extLst>
-              </p14:cNvPr>
-              <p14:cNvContentPartPr/>
-              <p14:nvPr/>
-            </p14:nvContentPartPr>
-            <p14:xfrm>
-              <a:off x="9623310" y="5406148"/>
-              <a:ext cx="1392840" cy="36720"/>
-            </p14:xfrm>
-          </p:contentPart>
-        </mc:Choice>
-        <mc:Fallback xmlns="">
-          <p:pic>
-            <p:nvPicPr>
-              <p:cNvPr id="20" name="Ink 19">
-                <a:extLst>
-                  <a:ext uri="{FF2B5EF4-FFF2-40B4-BE49-F238E27FC236}">
-                    <a16:creationId xmlns:a16="http://schemas.microsoft.com/office/drawing/2014/main" id="{132C0B86-B6C2-4D63-ACE8-1159641D56C1}"/>
-                  </a:ext>
-                </a:extLst>
-              </p:cNvPr>
-              <p:cNvPicPr/>
-              <p:nvPr/>
-            </p:nvPicPr>
-            <p:blipFill>
-              <a:blip r:embed="rId33"/>
-              <a:stretch>
-                <a:fillRect/>
-              </a:stretch>
-            </p:blipFill>
-            <p:spPr>
-              <a:xfrm>
-                <a:off x="9587310" y="5334508"/>
-                <a:ext cx="1464480" cy="180360"/>
-              </a:xfrm>
-              <a:prstGeom prst="rect">
-                <a:avLst/>
-              </a:prstGeom>
-            </p:spPr>
-          </p:pic>
-        </mc:Fallback>
-      </mc:AlternateContent>
-      <mc:AlternateContent xmlns:mc="http://schemas.openxmlformats.org/markup-compatibility/2006" xmlns:p14="http://schemas.microsoft.com/office/powerpoint/2010/main">
-        <mc:Choice Requires="p14">
-          <p:contentPart p14:bwMode="auto" r:id="rId34">
-            <p14:nvContentPartPr>
-              <p14:cNvPr id="22" name="Ink 21">
-                <a:extLst>
-                  <a:ext uri="{FF2B5EF4-FFF2-40B4-BE49-F238E27FC236}">
-                    <a16:creationId xmlns:a16="http://schemas.microsoft.com/office/drawing/2014/main" id="{5D1FDB9A-5798-454E-8E93-99B01137BA17}"/>
-                  </a:ext>
-                </a:extLst>
-              </p14:cNvPr>
-              <p14:cNvContentPartPr/>
-              <p14:nvPr/>
-            </p14:nvContentPartPr>
-            <p14:xfrm>
-              <a:off x="9613950" y="5709988"/>
-              <a:ext cx="1391400" cy="113400"/>
-            </p14:xfrm>
-          </p:contentPart>
-        </mc:Choice>
-        <mc:Fallback xmlns="">
-          <p:pic>
-            <p:nvPicPr>
-              <p:cNvPr id="22" name="Ink 21">
-                <a:extLst>
-                  <a:ext uri="{FF2B5EF4-FFF2-40B4-BE49-F238E27FC236}">
-                    <a16:creationId xmlns:a16="http://schemas.microsoft.com/office/drawing/2014/main" id="{5D1FDB9A-5798-454E-8E93-99B01137BA17}"/>
-                  </a:ext>
-                </a:extLst>
-              </p:cNvPr>
-              <p:cNvPicPr/>
-              <p:nvPr/>
-            </p:nvPicPr>
-            <p:blipFill>
-              <a:blip r:embed="rId35"/>
-              <a:stretch>
-                <a:fillRect/>
-              </a:stretch>
-            </p:blipFill>
-            <p:spPr>
-              <a:xfrm>
-                <a:off x="9578310" y="5638348"/>
-                <a:ext cx="1463040" cy="257040"/>
-              </a:xfrm>
-              <a:prstGeom prst="rect">
-                <a:avLst/>
-              </a:prstGeom>
-            </p:spPr>
-          </p:pic>
-        </mc:Fallback>
-      </mc:AlternateContent>
-      <mc:AlternateContent xmlns:mc="http://schemas.openxmlformats.org/markup-compatibility/2006" xmlns:p14="http://schemas.microsoft.com/office/powerpoint/2010/main">
-        <mc:Choice Requires="p14">
-          <p:contentPart p14:bwMode="auto" r:id="rId36">
-            <p14:nvContentPartPr>
-              <p14:cNvPr id="24" name="Ink 23">
-                <a:extLst>
-                  <a:ext uri="{FF2B5EF4-FFF2-40B4-BE49-F238E27FC236}">
-                    <a16:creationId xmlns:a16="http://schemas.microsoft.com/office/drawing/2014/main" id="{BF02C559-0405-4C64-BDBF-D2FFE7C16767}"/>
-                  </a:ext>
-                </a:extLst>
-              </p14:cNvPr>
-              <p14:cNvContentPartPr/>
-              <p14:nvPr/>
-            </p14:nvContentPartPr>
-            <p14:xfrm>
-              <a:off x="7226070" y="5397148"/>
-              <a:ext cx="323640" cy="45000"/>
-            </p14:xfrm>
-          </p:contentPart>
-        </mc:Choice>
-        <mc:Fallback xmlns="">
-          <p:pic>
-            <p:nvPicPr>
-              <p:cNvPr id="24" name="Ink 23">
-                <a:extLst>
-                  <a:ext uri="{FF2B5EF4-FFF2-40B4-BE49-F238E27FC236}">
-                    <a16:creationId xmlns:a16="http://schemas.microsoft.com/office/drawing/2014/main" id="{BF02C559-0405-4C64-BDBF-D2FFE7C16767}"/>
-                  </a:ext>
-                </a:extLst>
-              </p:cNvPr>
-              <p:cNvPicPr/>
-              <p:nvPr/>
-            </p:nvPicPr>
-            <p:blipFill>
-              <a:blip r:embed="rId37"/>
-              <a:stretch>
-                <a:fillRect/>
-              </a:stretch>
-            </p:blipFill>
-            <p:spPr>
-              <a:xfrm>
-                <a:off x="7190430" y="5325148"/>
-                <a:ext cx="395280" cy="188640"/>
-              </a:xfrm>
-              <a:prstGeom prst="rect">
-                <a:avLst/>
-              </a:prstGeom>
-            </p:spPr>
-          </p:pic>
-        </mc:Fallback>
-      </mc:AlternateContent>
-      <mc:AlternateContent xmlns:mc="http://schemas.openxmlformats.org/markup-compatibility/2006" xmlns:p14="http://schemas.microsoft.com/office/powerpoint/2010/main">
-        <mc:Choice Requires="p14">
-          <p:contentPart p14:bwMode="auto" r:id="rId38">
-            <p14:nvContentPartPr>
-              <p14:cNvPr id="26" name="Ink 25">
-                <a:extLst>
-                  <a:ext uri="{FF2B5EF4-FFF2-40B4-BE49-F238E27FC236}">
-                    <a16:creationId xmlns:a16="http://schemas.microsoft.com/office/drawing/2014/main" id="{95D58305-366E-4941-A7F7-D999800F0936}"/>
-                  </a:ext>
-                </a:extLst>
-              </p14:cNvPr>
-              <p14:cNvContentPartPr/>
-              <p14:nvPr/>
-            </p14:nvContentPartPr>
-            <p14:xfrm>
-              <a:off x="8548710" y="5725108"/>
-              <a:ext cx="682560" cy="27360"/>
-            </p14:xfrm>
-          </p:contentPart>
-        </mc:Choice>
-        <mc:Fallback xmlns="">
-          <p:pic>
-            <p:nvPicPr>
-              <p:cNvPr id="26" name="Ink 25">
-                <a:extLst>
-                  <a:ext uri="{FF2B5EF4-FFF2-40B4-BE49-F238E27FC236}">
-                    <a16:creationId xmlns:a16="http://schemas.microsoft.com/office/drawing/2014/main" id="{95D58305-366E-4941-A7F7-D999800F0936}"/>
-                  </a:ext>
-                </a:extLst>
-              </p:cNvPr>
-              <p:cNvPicPr/>
-              <p:nvPr/>
-            </p:nvPicPr>
-            <p:blipFill>
-              <a:blip r:embed="rId39"/>
-              <a:stretch>
-                <a:fillRect/>
-              </a:stretch>
-            </p:blipFill>
-            <p:spPr>
-              <a:xfrm>
-                <a:off x="8512710" y="5653468"/>
-                <a:ext cx="754200" cy="171000"/>
-              </a:xfrm>
-              <a:prstGeom prst="rect">
-                <a:avLst/>
-              </a:prstGeom>
-            </p:spPr>
-          </p:pic>
-        </mc:Fallback>
-      </mc:AlternateContent>
-      <mc:AlternateContent xmlns:mc="http://schemas.openxmlformats.org/markup-compatibility/2006" xmlns:p14="http://schemas.microsoft.com/office/powerpoint/2010/main">
-        <mc:Choice Requires="p14">
-          <p:contentPart p14:bwMode="auto" r:id="rId40">
-            <p14:nvContentPartPr>
-              <p14:cNvPr id="27" name="Ink 26">
-                <a:extLst>
-                  <a:ext uri="{FF2B5EF4-FFF2-40B4-BE49-F238E27FC236}">
-                    <a16:creationId xmlns:a16="http://schemas.microsoft.com/office/drawing/2014/main" id="{33C17877-3933-4920-B26E-1FFC166F0E50}"/>
-                  </a:ext>
-                </a:extLst>
-              </p14:cNvPr>
-              <p14:cNvContentPartPr/>
-              <p14:nvPr/>
-            </p14:nvContentPartPr>
-            <p14:xfrm>
-              <a:off x="7847430" y="5736268"/>
-              <a:ext cx="336960" cy="61200"/>
-            </p14:xfrm>
-          </p:contentPart>
-        </mc:Choice>
-        <mc:Fallback xmlns="">
-          <p:pic>
-            <p:nvPicPr>
-              <p:cNvPr id="27" name="Ink 26">
-                <a:extLst>
-                  <a:ext uri="{FF2B5EF4-FFF2-40B4-BE49-F238E27FC236}">
-                    <a16:creationId xmlns:a16="http://schemas.microsoft.com/office/drawing/2014/main" id="{33C17877-3933-4920-B26E-1FFC166F0E50}"/>
-                  </a:ext>
-                </a:extLst>
-              </p:cNvPr>
-              <p:cNvPicPr/>
-              <p:nvPr/>
-            </p:nvPicPr>
-            <p:blipFill>
-              <a:blip r:embed="rId41"/>
-              <a:stretch>
-                <a:fillRect/>
-              </a:stretch>
-            </p:blipFill>
-            <p:spPr>
-              <a:xfrm>
-                <a:off x="7811430" y="5664268"/>
-                <a:ext cx="408600" cy="204840"/>
-              </a:xfrm>
-              <a:prstGeom prst="rect">
-                <a:avLst/>
-              </a:prstGeom>
-            </p:spPr>
-          </p:pic>
-        </mc:Fallback>
-      </mc:AlternateContent>
-      <mc:AlternateContent xmlns:mc="http://schemas.openxmlformats.org/markup-compatibility/2006" xmlns:p14="http://schemas.microsoft.com/office/powerpoint/2010/main">
-        <mc:Choice Requires="p14">
-          <p:contentPart p14:bwMode="auto" r:id="rId42">
-            <p14:nvContentPartPr>
-              <p14:cNvPr id="28" name="Ink 27">
-                <a:extLst>
-                  <a:ext uri="{FF2B5EF4-FFF2-40B4-BE49-F238E27FC236}">
-                    <a16:creationId xmlns:a16="http://schemas.microsoft.com/office/drawing/2014/main" id="{432DF3E1-33C0-4973-BBBD-76FA39BAB796}"/>
-                  </a:ext>
-                </a:extLst>
-              </p14:cNvPr>
-              <p14:cNvContentPartPr/>
-              <p14:nvPr/>
-            </p14:nvContentPartPr>
-            <p14:xfrm>
-              <a:off x="7883070" y="3666268"/>
-              <a:ext cx="336600" cy="360"/>
-            </p14:xfrm>
-          </p:contentPart>
-        </mc:Choice>
-        <mc:Fallback xmlns="">
-          <p:pic>
-            <p:nvPicPr>
-              <p:cNvPr id="28" name="Ink 27">
-                <a:extLst>
-                  <a:ext uri="{FF2B5EF4-FFF2-40B4-BE49-F238E27FC236}">
-                    <a16:creationId xmlns:a16="http://schemas.microsoft.com/office/drawing/2014/main" id="{432DF3E1-33C0-4973-BBBD-76FA39BAB796}"/>
-                  </a:ext>
-                </a:extLst>
-              </p:cNvPr>
-              <p:cNvPicPr/>
-              <p:nvPr/>
-            </p:nvPicPr>
-            <p:blipFill>
-              <a:blip r:embed="rId43"/>
-              <a:stretch>
-                <a:fillRect/>
-              </a:stretch>
-            </p:blipFill>
-            <p:spPr>
-              <a:xfrm>
-                <a:off x="7847070" y="3594268"/>
-                <a:ext cx="408240" cy="144000"/>
-              </a:xfrm>
-              <a:prstGeom prst="rect">
-                <a:avLst/>
-              </a:prstGeom>
-            </p:spPr>
-          </p:pic>
-        </mc:Fallback>
-      </mc:AlternateContent>
-      <mc:AlternateContent xmlns:mc="http://schemas.openxmlformats.org/markup-compatibility/2006" xmlns:p14="http://schemas.microsoft.com/office/powerpoint/2010/main">
-        <mc:Choice Requires="p14">
-          <p:contentPart p14:bwMode="auto" r:id="rId44">
-            <p14:nvContentPartPr>
-              <p14:cNvPr id="29" name="Ink 28">
-                <a:extLst>
-                  <a:ext uri="{FF2B5EF4-FFF2-40B4-BE49-F238E27FC236}">
-                    <a16:creationId xmlns:a16="http://schemas.microsoft.com/office/drawing/2014/main" id="{369CDE1D-827B-40C0-AF3B-A48D181B09EE}"/>
-                  </a:ext>
-                </a:extLst>
-              </p14:cNvPr>
-              <p14:cNvContentPartPr/>
-              <p14:nvPr/>
-            </p14:nvContentPartPr>
-            <p14:xfrm>
-              <a:off x="7261350" y="4029148"/>
-              <a:ext cx="246600" cy="24840"/>
-            </p14:xfrm>
-          </p:contentPart>
-        </mc:Choice>
-        <mc:Fallback xmlns="">
-          <p:pic>
-            <p:nvPicPr>
-              <p:cNvPr id="29" name="Ink 28">
-                <a:extLst>
-                  <a:ext uri="{FF2B5EF4-FFF2-40B4-BE49-F238E27FC236}">
-                    <a16:creationId xmlns:a16="http://schemas.microsoft.com/office/drawing/2014/main" id="{369CDE1D-827B-40C0-AF3B-A48D181B09EE}"/>
-                  </a:ext>
-                </a:extLst>
-              </p:cNvPr>
-              <p:cNvPicPr/>
-              <p:nvPr/>
-            </p:nvPicPr>
-            <p:blipFill>
-              <a:blip r:embed="rId45"/>
-              <a:stretch>
-                <a:fillRect/>
-              </a:stretch>
-            </p:blipFill>
-            <p:spPr>
-              <a:xfrm>
-                <a:off x="7225710" y="3957508"/>
-                <a:ext cx="318240" cy="168480"/>
-              </a:xfrm>
-              <a:prstGeom prst="rect">
-                <a:avLst/>
-              </a:prstGeom>
-            </p:spPr>
-          </p:pic>
-        </mc:Fallback>
-      </mc:AlternateContent>
-      <mc:AlternateContent xmlns:mc="http://schemas.openxmlformats.org/markup-compatibility/2006" xmlns:p14="http://schemas.microsoft.com/office/powerpoint/2010/main">
-        <mc:Choice Requires="p14">
-          <p:contentPart p14:bwMode="auto" r:id="rId46">
-            <p14:nvContentPartPr>
-              <p14:cNvPr id="30" name="Ink 29">
-                <a:extLst>
-                  <a:ext uri="{FF2B5EF4-FFF2-40B4-BE49-F238E27FC236}">
-                    <a16:creationId xmlns:a16="http://schemas.microsoft.com/office/drawing/2014/main" id="{CC57858C-D1EA-478D-AB31-2EE995CA338D}"/>
-                  </a:ext>
-                </a:extLst>
-              </p14:cNvPr>
-              <p14:cNvContentPartPr/>
-              <p14:nvPr/>
-            </p14:nvContentPartPr>
-            <p14:xfrm>
-              <a:off x="7918710" y="4394188"/>
-              <a:ext cx="211680" cy="360"/>
-            </p14:xfrm>
-          </p:contentPart>
-        </mc:Choice>
-        <mc:Fallback xmlns="">
-          <p:pic>
-            <p:nvPicPr>
-              <p:cNvPr id="30" name="Ink 29">
-                <a:extLst>
-                  <a:ext uri="{FF2B5EF4-FFF2-40B4-BE49-F238E27FC236}">
-                    <a16:creationId xmlns:a16="http://schemas.microsoft.com/office/drawing/2014/main" id="{CC57858C-D1EA-478D-AB31-2EE995CA338D}"/>
-                  </a:ext>
-                </a:extLst>
-              </p:cNvPr>
-              <p:cNvPicPr/>
-              <p:nvPr/>
-            </p:nvPicPr>
-            <p:blipFill>
-              <a:blip r:embed="rId47"/>
-              <a:stretch>
-                <a:fillRect/>
-              </a:stretch>
-            </p:blipFill>
-            <p:spPr>
-              <a:xfrm>
-                <a:off x="7882710" y="4322548"/>
-                <a:ext cx="283320" cy="144000"/>
-              </a:xfrm>
-              <a:prstGeom prst="rect">
-                <a:avLst/>
-              </a:prstGeom>
-            </p:spPr>
-          </p:pic>
-        </mc:Fallback>
-      </mc:AlternateContent>
-    </p:spTree>
-    <p:extLst>
-      <p:ext uri="{BB962C8B-B14F-4D97-AF65-F5344CB8AC3E}">
-        <p14:creationId xmlns:p14="http://schemas.microsoft.com/office/powerpoint/2010/main" val="4132632800"/>
-      </p:ext>
-    </p:extLst>
-  </p:cSld>
-  <p:clrMapOvr>
-    <a:masterClrMapping/>
-  </p:clrMapOvr>
-</p:sld>
-</file>
-
-<file path=ppt/slides/slide7.xml><?xml version="1.0" encoding="utf-8"?>
-<p:sld xmlns:a="http://schemas.openxmlformats.org/drawingml/2006/main" xmlns:r="http://schemas.openxmlformats.org/officeDocument/2006/relationships" xmlns:p="http://schemas.openxmlformats.org/presentationml/2006/main">
-  <p:cSld>
-    <p:spTree>
-      <p:nvGrpSpPr>
-        <p:cNvPr id="1" name=""/>
-        <p:cNvGrpSpPr/>
-        <p:nvPr/>
-      </p:nvGrpSpPr>
-      <p:grpSpPr>
-        <a:xfrm>
-          <a:off x="0" y="0"/>
-          <a:ext cx="0" cy="0"/>
-          <a:chOff x="0" y="0"/>
-          <a:chExt cx="0" cy="0"/>
-        </a:xfrm>
-      </p:grpSpPr>
-      <p:sp>
-        <p:nvSpPr>
-          <p:cNvPr id="21" name="Rectangle 20">
-            <a:extLst>
-              <a:ext uri="{FF2B5EF4-FFF2-40B4-BE49-F238E27FC236}">
-                <a16:creationId xmlns:a16="http://schemas.microsoft.com/office/drawing/2014/main" id="{823AC064-BC96-4F32-8AE1-B2FD38754823}"/>
-              </a:ext>
-              <a:ext uri="{C183D7F6-B498-43B3-948B-1728B52AA6E4}">
-                <adec:decorative xmlns:adec="http://schemas.microsoft.com/office/drawing/2017/decorative" val="1"/>
-              </a:ext>
-            </a:extLst>
-          </p:cNvPr>
-          <p:cNvSpPr>
-            <a:spLocks noGrp="1" noRot="1" noChangeAspect="1" noMove="1" noResize="1" noEditPoints="1" noAdjustHandles="1" noChangeArrowheads="1" noChangeShapeType="1" noTextEdit="1"/>
-          </p:cNvSpPr>
-          <p:nvPr>
-            <p:extLst>
-              <p:ext uri="{386F3935-93C4-4BCD-93E2-E3B085C9AB24}">
-                <p16:designElem xmlns:p16="http://schemas.microsoft.com/office/powerpoint/2015/main" val="1"/>
-              </p:ext>
-            </p:extLst>
-          </p:nvPr>
-        </p:nvSpPr>
-        <p:spPr bwMode="ltGray">
-          <a:xfrm>
-            <a:off x="396882" y="280374"/>
-            <a:ext cx="11438793" cy="1844256"/>
-          </a:xfrm>
-          <a:prstGeom prst="rect">
-            <a:avLst/>
-          </a:prstGeom>
-          <a:solidFill>
-            <a:srgbClr val="404040"/>
-          </a:solidFill>
-          <a:ln w="127000" cap="sq" cmpd="thinThick">
-            <a:solidFill>
-              <a:srgbClr val="404040"/>
-            </a:solidFill>
-          </a:ln>
-        </p:spPr>
-        <p:style>
-          <a:lnRef idx="2">
-            <a:schemeClr val="accent1">
-              <a:shade val="50000"/>
-            </a:schemeClr>
-          </a:lnRef>
-          <a:fillRef idx="1">
-            <a:schemeClr val="accent1"/>
-          </a:fillRef>
-          <a:effectRef idx="0">
-            <a:schemeClr val="accent1"/>
-          </a:effectRef>
-          <a:fontRef idx="minor">
-            <a:schemeClr val="lt1"/>
-          </a:fontRef>
-        </p:style>
-        <p:txBody>
-          <a:bodyPr rtlCol="0" anchor="ctr"/>
-          <a:lstStyle/>
-          <a:p>
-            <a:pPr algn="ctr"/>
-            <a:endParaRPr lang="en-US"/>
-          </a:p>
-        </p:txBody>
-      </p:sp>
-      <p:sp>
-        <p:nvSpPr>
-          <p:cNvPr id="16" name="Title 15">
-            <a:extLst>
-              <a:ext uri="{FF2B5EF4-FFF2-40B4-BE49-F238E27FC236}">
-                <a16:creationId xmlns:a16="http://schemas.microsoft.com/office/drawing/2014/main" id="{B929BC2A-BCB3-433F-ADC4-291281DD2987}"/>
-              </a:ext>
-            </a:extLst>
-          </p:cNvPr>
-          <p:cNvSpPr>
-            <a:spLocks noGrp="1"/>
-          </p:cNvSpPr>
-          <p:nvPr>
-            <p:ph type="title"/>
-          </p:nvPr>
-        </p:nvSpPr>
-        <p:spPr>
-          <a:xfrm>
-            <a:off x="546351" y="433545"/>
-            <a:ext cx="11139854" cy="930447"/>
-          </a:xfrm>
-        </p:spPr>
-        <p:txBody>
-          <a:bodyPr vert="horz" lIns="91440" tIns="45720" rIns="91440" bIns="45720" rtlCol="0" anchor="b">
-            <a:normAutofit/>
-          </a:bodyPr>
-          <a:lstStyle/>
-          <a:p>
-            <a:pPr algn="ctr"/>
-            <a:r>
               <a:rPr lang="en-US" sz="5400" dirty="0">
                 <a:solidFill>
                   <a:srgbClr val="FFFFFF"/>
@@ -10117,7 +8110,7 @@
 </p:sld>
 </file>
 
-<file path=ppt/slides/slide8.xml><?xml version="1.0" encoding="utf-8"?>
+<file path=ppt/slides/slide7.xml><?xml version="1.0" encoding="utf-8"?>
 <p:sld xmlns:a="http://schemas.openxmlformats.org/drawingml/2006/main" xmlns:r="http://schemas.openxmlformats.org/officeDocument/2006/relationships" xmlns:p="http://schemas.openxmlformats.org/presentationml/2006/main">
   <p:cSld>
     <p:bg>
@@ -10767,7 +8760,7 @@
 </p:sld>
 </file>
 
-<file path=ppt/slides/slide9.xml><?xml version="1.0" encoding="utf-8"?>
+<file path=ppt/slides/slide8.xml><?xml version="1.0" encoding="utf-8"?>
 <p:sld xmlns:a="http://schemas.openxmlformats.org/drawingml/2006/main" xmlns:r="http://schemas.openxmlformats.org/officeDocument/2006/relationships" xmlns:p="http://schemas.openxmlformats.org/presentationml/2006/main">
   <p:cSld>
     <p:bg>
@@ -11543,6 +9536,329 @@
     <p:extLst>
       <p:ext uri="{BB962C8B-B14F-4D97-AF65-F5344CB8AC3E}">
         <p14:creationId xmlns:p14="http://schemas.microsoft.com/office/powerpoint/2010/main" val="2484267060"/>
+      </p:ext>
+    </p:extLst>
+  </p:cSld>
+  <p:clrMapOvr>
+    <a:masterClrMapping/>
+  </p:clrMapOvr>
+</p:sld>
+</file>
+
+<file path=ppt/slides/slide9.xml><?xml version="1.0" encoding="utf-8"?>
+<p:sld xmlns:a="http://schemas.openxmlformats.org/drawingml/2006/main" xmlns:r="http://schemas.openxmlformats.org/officeDocument/2006/relationships" xmlns:p="http://schemas.openxmlformats.org/presentationml/2006/main">
+  <p:cSld>
+    <p:bg>
+      <p:bgPr>
+        <a:solidFill>
+          <a:schemeClr val="bg1"/>
+        </a:solidFill>
+        <a:effectLst/>
+      </p:bgPr>
+    </p:bg>
+    <p:spTree>
+      <p:nvGrpSpPr>
+        <p:cNvPr id="1" name=""/>
+        <p:cNvGrpSpPr/>
+        <p:nvPr/>
+      </p:nvGrpSpPr>
+      <p:grpSpPr>
+        <a:xfrm>
+          <a:off x="0" y="0"/>
+          <a:ext cx="0" cy="0"/>
+          <a:chOff x="0" y="0"/>
+          <a:chExt cx="0" cy="0"/>
+        </a:xfrm>
+      </p:grpSpPr>
+      <p:sp>
+        <p:nvSpPr>
+          <p:cNvPr id="17" name="Rectangle 16">
+            <a:extLst>
+              <a:ext uri="{FF2B5EF4-FFF2-40B4-BE49-F238E27FC236}">
+                <a16:creationId xmlns:a16="http://schemas.microsoft.com/office/drawing/2014/main" id="{823AC064-BC96-4F32-8AE1-B2FD38754823}"/>
+              </a:ext>
+              <a:ext uri="{C183D7F6-B498-43B3-948B-1728B52AA6E4}">
+                <adec:decorative xmlns:adec="http://schemas.microsoft.com/office/drawing/2017/decorative" val="1"/>
+              </a:ext>
+            </a:extLst>
+          </p:cNvPr>
+          <p:cNvSpPr>
+            <a:spLocks noGrp="1" noRot="1" noChangeAspect="1" noMove="1" noResize="1" noEditPoints="1" noAdjustHandles="1" noChangeArrowheads="1" noChangeShapeType="1" noTextEdit="1"/>
+          </p:cNvSpPr>
+          <p:nvPr>
+            <p:extLst>
+              <p:ext uri="{386F3935-93C4-4BCD-93E2-E3B085C9AB24}">
+                <p16:designElem xmlns:p16="http://schemas.microsoft.com/office/powerpoint/2015/main" val="1"/>
+              </p:ext>
+            </p:extLst>
+          </p:nvPr>
+        </p:nvSpPr>
+        <p:spPr bwMode="ltGray">
+          <a:xfrm>
+            <a:off x="396882" y="280374"/>
+            <a:ext cx="11438793" cy="1844256"/>
+          </a:xfrm>
+          <a:prstGeom prst="rect">
+            <a:avLst/>
+          </a:prstGeom>
+          <a:solidFill>
+            <a:srgbClr val="404040"/>
+          </a:solidFill>
+          <a:ln w="127000" cap="sq" cmpd="thinThick">
+            <a:solidFill>
+              <a:srgbClr val="404040"/>
+            </a:solidFill>
+          </a:ln>
+        </p:spPr>
+        <p:style>
+          <a:lnRef idx="2">
+            <a:schemeClr val="accent1">
+              <a:shade val="50000"/>
+            </a:schemeClr>
+          </a:lnRef>
+          <a:fillRef idx="1">
+            <a:schemeClr val="accent1"/>
+          </a:fillRef>
+          <a:effectRef idx="0">
+            <a:schemeClr val="accent1"/>
+          </a:effectRef>
+          <a:fontRef idx="minor">
+            <a:schemeClr val="lt1"/>
+          </a:fontRef>
+        </p:style>
+        <p:txBody>
+          <a:bodyPr rtlCol="0" anchor="ctr"/>
+          <a:lstStyle/>
+          <a:p>
+            <a:pPr algn="ctr"/>
+            <a:endParaRPr lang="en-US"/>
+          </a:p>
+        </p:txBody>
+      </p:sp>
+      <p:sp>
+        <p:nvSpPr>
+          <p:cNvPr id="2" name="Title 1">
+            <a:extLst>
+              <a:ext uri="{FF2B5EF4-FFF2-40B4-BE49-F238E27FC236}">
+                <a16:creationId xmlns:a16="http://schemas.microsoft.com/office/drawing/2014/main" id="{F61E1822-5204-43CF-AF8A-BD75BC97F90C}"/>
+              </a:ext>
+            </a:extLst>
+          </p:cNvPr>
+          <p:cNvSpPr>
+            <a:spLocks noGrp="1"/>
+          </p:cNvSpPr>
+          <p:nvPr>
+            <p:ph type="title"/>
+          </p:nvPr>
+        </p:nvSpPr>
+        <p:spPr>
+          <a:xfrm>
+            <a:off x="546351" y="433545"/>
+            <a:ext cx="11139854" cy="930447"/>
+          </a:xfrm>
+        </p:spPr>
+        <p:txBody>
+          <a:bodyPr vert="horz" lIns="91440" tIns="45720" rIns="91440" bIns="45720" rtlCol="0" anchor="b">
+            <a:normAutofit/>
+          </a:bodyPr>
+          <a:lstStyle/>
+          <a:p>
+            <a:pPr algn="ctr"/>
+            <a:r>
+              <a:rPr lang="en-US" sz="2000" dirty="0">
+                <a:solidFill>
+                  <a:srgbClr val="FFFFFF"/>
+                </a:solidFill>
+              </a:rPr>
+              <a:t>Featured factors in loan approval are credit history,  loan amount, applicant and co-applicant income. When credit history is removed importance expands to suburban location and  those with 2-3 dependents</a:t>
+            </a:r>
+          </a:p>
+        </p:txBody>
+      </p:sp>
+      <p:cxnSp>
+        <p:nvCxnSpPr>
+          <p:cNvPr id="19" name="Straight Connector 18">
+            <a:extLst>
+              <a:ext uri="{FF2B5EF4-FFF2-40B4-BE49-F238E27FC236}">
+                <a16:creationId xmlns:a16="http://schemas.microsoft.com/office/drawing/2014/main" id="{7E7C77BC-7138-40B1-A15B-20F57A494629}"/>
+              </a:ext>
+              <a:ext uri="{C183D7F6-B498-43B3-948B-1728B52AA6E4}">
+                <adec:decorative xmlns:adec="http://schemas.microsoft.com/office/drawing/2017/decorative" val="1"/>
+              </a:ext>
+            </a:extLst>
+          </p:cNvPr>
+          <p:cNvCxnSpPr>
+            <a:cxnSpLocks noGrp="1" noRot="1" noChangeAspect="1" noMove="1" noResize="1" noEditPoints="1" noAdjustHandles="1" noChangeArrowheads="1" noChangeShapeType="1"/>
+          </p:cNvCxnSpPr>
+          <p:nvPr>
+            <p:extLst>
+              <p:ext uri="{386F3935-93C4-4BCD-93E2-E3B085C9AB24}">
+                <p16:designElem xmlns:p16="http://schemas.microsoft.com/office/powerpoint/2015/main" val="1"/>
+              </p:ext>
+            </p:extLst>
+          </p:nvPr>
+        </p:nvCxnSpPr>
+        <p:spPr>
+          <a:xfrm>
+            <a:off x="2230078" y="1522292"/>
+            <a:ext cx="7772400" cy="0"/>
+          </a:xfrm>
+          <a:prstGeom prst="line">
+            <a:avLst/>
+          </a:prstGeom>
+          <a:ln w="22225">
+            <a:solidFill>
+              <a:srgbClr val="D9D9D9"/>
+            </a:solidFill>
+          </a:ln>
+        </p:spPr>
+        <p:style>
+          <a:lnRef idx="1">
+            <a:schemeClr val="accent1"/>
+          </a:lnRef>
+          <a:fillRef idx="0">
+            <a:schemeClr val="accent1"/>
+          </a:fillRef>
+          <a:effectRef idx="0">
+            <a:schemeClr val="accent1"/>
+          </a:effectRef>
+          <a:fontRef idx="minor">
+            <a:schemeClr val="tx1"/>
+          </a:fontRef>
+        </p:style>
+      </p:cxnSp>
+      <p:pic>
+        <p:nvPicPr>
+          <p:cNvPr id="12" name="Content Placeholder 11" descr="Chart, bar chart&#10;&#10;Description automatically generated">
+            <a:extLst>
+              <a:ext uri="{FF2B5EF4-FFF2-40B4-BE49-F238E27FC236}">
+                <a16:creationId xmlns:a16="http://schemas.microsoft.com/office/drawing/2014/main" id="{95D31784-AB94-4AE8-AB35-4B71D60F1999}"/>
+              </a:ext>
+            </a:extLst>
+          </p:cNvPr>
+          <p:cNvPicPr>
+            <a:picLocks noGrp="1" noChangeAspect="1"/>
+          </p:cNvPicPr>
+          <p:nvPr>
+            <p:ph sz="half" idx="2"/>
+          </p:nvPr>
+        </p:nvPicPr>
+        <p:blipFill>
+          <a:blip r:embed="rId2">
+            <a:extLst>
+              <a:ext uri="{28A0092B-C50C-407E-A947-70E740481C1C}">
+                <a14:useLocalDpi xmlns:a14="http://schemas.microsoft.com/office/drawing/2010/main" val="0"/>
+              </a:ext>
+            </a:extLst>
+          </a:blip>
+          <a:stretch>
+            <a:fillRect/>
+          </a:stretch>
+        </p:blipFill>
+        <p:spPr>
+          <a:xfrm>
+            <a:off x="748752" y="2426818"/>
+            <a:ext cx="4621546" cy="3997637"/>
+          </a:xfrm>
+          <a:prstGeom prst="rect">
+            <a:avLst/>
+          </a:prstGeom>
+        </p:spPr>
+      </p:pic>
+      <p:cxnSp>
+        <p:nvCxnSpPr>
+          <p:cNvPr id="21" name="Straight Connector 20">
+            <a:extLst>
+              <a:ext uri="{FF2B5EF4-FFF2-40B4-BE49-F238E27FC236}">
+                <a16:creationId xmlns:a16="http://schemas.microsoft.com/office/drawing/2014/main" id="{DB146403-F3D6-484B-B2ED-97F9565D0370}"/>
+              </a:ext>
+              <a:ext uri="{C183D7F6-B498-43B3-948B-1728B52AA6E4}">
+                <adec:decorative xmlns:adec="http://schemas.microsoft.com/office/drawing/2017/decorative" val="1"/>
+              </a:ext>
+            </a:extLst>
+          </p:cNvPr>
+          <p:cNvCxnSpPr>
+            <a:cxnSpLocks noGrp="1" noRot="1" noChangeAspect="1" noMove="1" noResize="1" noEditPoints="1" noAdjustHandles="1" noChangeArrowheads="1" noChangeShapeType="1"/>
+          </p:cNvCxnSpPr>
+          <p:nvPr>
+            <p:extLst>
+              <p:ext uri="{386F3935-93C4-4BCD-93E2-E3B085C9AB24}">
+                <p16:designElem xmlns:p16="http://schemas.microsoft.com/office/powerpoint/2015/main" val="1"/>
+              </p:ext>
+            </p:extLst>
+          </p:nvPr>
+        </p:nvCxnSpPr>
+        <p:spPr>
+          <a:xfrm>
+            <a:off x="6116278" y="2596836"/>
+            <a:ext cx="0" cy="3657600"/>
+          </a:xfrm>
+          <a:prstGeom prst="line">
+            <a:avLst/>
+          </a:prstGeom>
+          <a:ln w="101600" cmpd="dbl">
+            <a:solidFill>
+              <a:srgbClr val="595959"/>
+            </a:solidFill>
+          </a:ln>
+        </p:spPr>
+        <p:style>
+          <a:lnRef idx="1">
+            <a:schemeClr val="accent1"/>
+          </a:lnRef>
+          <a:fillRef idx="0">
+            <a:schemeClr val="accent1"/>
+          </a:fillRef>
+          <a:effectRef idx="0">
+            <a:schemeClr val="accent1"/>
+          </a:effectRef>
+          <a:fontRef idx="minor">
+            <a:schemeClr val="tx1"/>
+          </a:fontRef>
+        </p:style>
+      </p:cxnSp>
+      <p:pic>
+        <p:nvPicPr>
+          <p:cNvPr id="6" name="Content Placeholder 5" descr="Graphical user interface&#10;&#10;Description automatically generated with low confidence">
+            <a:extLst>
+              <a:ext uri="{FF2B5EF4-FFF2-40B4-BE49-F238E27FC236}">
+                <a16:creationId xmlns:a16="http://schemas.microsoft.com/office/drawing/2014/main" id="{F343D4C4-8663-47E8-B673-E288593D5E92}"/>
+              </a:ext>
+            </a:extLst>
+          </p:cNvPr>
+          <p:cNvPicPr>
+            <a:picLocks noGrp="1" noChangeAspect="1"/>
+          </p:cNvPicPr>
+          <p:nvPr>
+            <p:ph sz="half" idx="1"/>
+          </p:nvPr>
+        </p:nvPicPr>
+        <p:blipFill>
+          <a:blip r:embed="rId3">
+            <a:extLst>
+              <a:ext uri="{28A0092B-C50C-407E-A947-70E740481C1C}">
+                <a14:useLocalDpi xmlns:a14="http://schemas.microsoft.com/office/drawing/2010/main" val="0"/>
+              </a:ext>
+            </a:extLst>
+          </a:blip>
+          <a:stretch>
+            <a:fillRect/>
+          </a:stretch>
+        </p:blipFill>
+        <p:spPr>
+          <a:xfrm>
+            <a:off x="6445073" y="2897980"/>
+            <a:ext cx="5455917" cy="3055313"/>
+          </a:xfrm>
+          <a:prstGeom prst="rect">
+            <a:avLst/>
+          </a:prstGeom>
+        </p:spPr>
+      </p:pic>
+    </p:spTree>
+    <p:extLst>
+      <p:ext uri="{BB962C8B-B14F-4D97-AF65-F5344CB8AC3E}">
+        <p14:creationId xmlns:p14="http://schemas.microsoft.com/office/powerpoint/2010/main" val="3585113251"/>
       </p:ext>
     </p:extLst>
   </p:cSld>

--- a/Loan approval project 3.pptx
+++ b/Loan approval project 3.pptx
@@ -3904,7 +3904,7 @@
         <p:spPr>
           <a:xfrm>
             <a:off x="893342" y="2780526"/>
-            <a:ext cx="4542166" cy="1569660"/>
+            <a:ext cx="4229071" cy="1569660"/>
           </a:xfrm>
           <a:prstGeom prst="rect">
             <a:avLst/>
@@ -3974,7 +3974,7 @@
         <p:spPr>
           <a:xfrm>
             <a:off x="6503841" y="2780526"/>
-            <a:ext cx="5182364" cy="1938992"/>
+            <a:ext cx="4974985" cy="1569660"/>
           </a:xfrm>
           <a:prstGeom prst="rect">
             <a:avLst/>
@@ -3989,13 +3989,15 @@
           <a:p>
             <a:r>
               <a:rPr lang="en-US" sz="2400" dirty="0"/>
-              <a:t>Our hypothesis appears not to be proven; </a:t>
-            </a:r>
-          </a:p>
-          <a:p>
+              <a:t>Our hypothesis appears not to be proven; neither gender nor property location type appear in the top </a:t>
+            </a:r>
+            <a:r>
+              <a:rPr lang="en-US" altLang="zh-CN" sz="2400" dirty="0"/>
+              <a:t>predictive</a:t>
+            </a:r>
             <a:r>
               <a:rPr lang="en-US" sz="2400" dirty="0"/>
-              <a:t>neither gender nor property location type appear in the top dependent variables</a:t>
+              <a:t> variables.</a:t>
             </a:r>
           </a:p>
         </p:txBody>
@@ -4773,8 +4775,8 @@
         </p:nvSpPr>
         <p:spPr>
           <a:xfrm>
-            <a:off x="7464614" y="1783959"/>
-            <a:ext cx="4087306" cy="2889114"/>
+            <a:off x="6566615" y="1508751"/>
+            <a:ext cx="5708341" cy="2889114"/>
           </a:xfrm>
         </p:spPr>
         <p:txBody>
@@ -4783,6 +4785,7 @@
           </a:bodyPr>
           <a:lstStyle/>
           <a:p>
+            <a:pPr algn="ctr"/>
             <a:r>
               <a:rPr lang="en-US" sz="4000" dirty="0"/>
               <a:t>Demonstration:</a:t>
@@ -5009,6 +5012,44 @@
           </a:custGeom>
         </p:spPr>
       </p:pic>
+      <p:sp>
+        <p:nvSpPr>
+          <p:cNvPr id="3" name="TextBox 2">
+            <a:extLst>
+              <a:ext uri="{FF2B5EF4-FFF2-40B4-BE49-F238E27FC236}">
+                <a16:creationId xmlns:a16="http://schemas.microsoft.com/office/drawing/2014/main" id="{6FD23739-613F-41F9-BBB4-0A158F60096D}"/>
+              </a:ext>
+            </a:extLst>
+          </p:cNvPr>
+          <p:cNvSpPr txBox="1"/>
+          <p:nvPr/>
+        </p:nvSpPr>
+        <p:spPr>
+          <a:xfrm>
+            <a:off x="6566615" y="5149048"/>
+            <a:ext cx="5334987" cy="461665"/>
+          </a:xfrm>
+          <a:prstGeom prst="rect">
+            <a:avLst/>
+          </a:prstGeom>
+          <a:noFill/>
+        </p:spPr>
+        <p:txBody>
+          <a:bodyPr wrap="none" rtlCol="0">
+            <a:spAutoFit/>
+          </a:bodyPr>
+          <a:lstStyle/>
+          <a:p>
+            <a:r>
+              <a:rPr lang="en-US" sz="2400" dirty="0">
+                <a:hlinkClick r:id="rId3"/>
+              </a:rPr>
+              <a:t>https://loan-predictions.herokuapp.com/</a:t>
+            </a:r>
+            <a:endParaRPr lang="en-US" sz="2400" dirty="0"/>
+          </a:p>
+        </p:txBody>
+      </p:sp>
     </p:spTree>
     <p:extLst>
       <p:ext uri="{BB962C8B-B14F-4D97-AF65-F5344CB8AC3E}">
@@ -7591,30 +7632,6 @@
                 <a:cs typeface="+mj-cs"/>
               </a:rPr>
             </a:br>
-            <a:r>
-              <a:rPr lang="en-US" sz="2200" b="0" i="0" kern="1200" dirty="0">
-                <a:solidFill>
-                  <a:schemeClr val="bg1"/>
-                </a:solidFill>
-                <a:effectLst/>
-                <a:latin typeface="+mj-lt"/>
-                <a:ea typeface="+mj-ea"/>
-                <a:cs typeface="+mj-cs"/>
-              </a:rPr>
-              <a:t>https://public.tableau.com/profile/</a:t>
-            </a:r>
-            <a:r>
-              <a:rPr lang="en-US" sz="2200" b="0" i="0" u="none" strike="noStrike" kern="1200" dirty="0">
-                <a:solidFill>
-                  <a:schemeClr val="bg1"/>
-                </a:solidFill>
-                <a:effectLst/>
-                <a:latin typeface="+mj-lt"/>
-                <a:ea typeface="+mj-ea"/>
-                <a:cs typeface="+mj-cs"/>
-              </a:rPr>
-              <a:t>ireneokada</a:t>
-            </a:r>
             <a:endParaRPr lang="en-US" sz="2200" kern="1200" dirty="0">
               <a:solidFill>
                 <a:schemeClr val="bg1"/>
@@ -8017,8 +8034,8 @@
         </p:nvSpPr>
         <p:spPr>
           <a:xfrm>
-            <a:off x="893342" y="2780526"/>
-            <a:ext cx="4542166" cy="2585323"/>
+            <a:off x="546351" y="2596836"/>
+            <a:ext cx="4889170" cy="2862322"/>
           </a:xfrm>
           <a:prstGeom prst="rect">
             <a:avLst/>
@@ -8031,28 +8048,28 @@
           </a:bodyPr>
           <a:lstStyle/>
           <a:p>
-            <a:endParaRPr lang="en-US" dirty="0"/>
-          </a:p>
-          <a:p>
-            <a:r>
-              <a:rPr lang="en-US" dirty="0"/>
+            <a:endParaRPr lang="en-US" sz="2000" dirty="0"/>
+          </a:p>
+          <a:p>
+            <a:r>
+              <a:rPr lang="en-US" sz="2000" dirty="0"/>
               <a:t>Overall:  approval rates were higher for men, those who are married,  suburbanites, graduates and those with a co-applicant </a:t>
             </a:r>
           </a:p>
           <a:p>
-            <a:endParaRPr lang="en-US" dirty="0"/>
-          </a:p>
-          <a:p>
-            <a:endParaRPr lang="en-US" dirty="0"/>
-          </a:p>
-          <a:p>
-            <a:endParaRPr lang="en-US" dirty="0"/>
-          </a:p>
-          <a:p>
-            <a:endParaRPr lang="en-US" dirty="0"/>
-          </a:p>
-          <a:p>
-            <a:endParaRPr lang="en-US" dirty="0"/>
+            <a:endParaRPr lang="en-US" sz="2000" dirty="0"/>
+          </a:p>
+          <a:p>
+            <a:endParaRPr lang="en-US" sz="2000" dirty="0"/>
+          </a:p>
+          <a:p>
+            <a:endParaRPr lang="en-US" sz="2000" dirty="0"/>
+          </a:p>
+          <a:p>
+            <a:endParaRPr lang="en-US" sz="2000" dirty="0"/>
+          </a:p>
+          <a:p>
+            <a:endParaRPr lang="en-US" sz="2000" dirty="0"/>
           </a:p>
         </p:txBody>
       </p:sp>
@@ -8071,7 +8088,7 @@
         <p:spPr>
           <a:xfrm>
             <a:off x="6797049" y="2596836"/>
-            <a:ext cx="4501596" cy="1477328"/>
+            <a:ext cx="4501596" cy="1631216"/>
           </a:xfrm>
           <a:prstGeom prst="rect">
             <a:avLst/>
@@ -8084,15 +8101,66 @@
           </a:bodyPr>
           <a:lstStyle/>
           <a:p>
-            <a:endParaRPr lang="en-US" dirty="0"/>
-          </a:p>
-          <a:p>
-            <a:r>
-              <a:rPr lang="en-US" dirty="0"/>
+            <a:endParaRPr lang="en-US" sz="2000" dirty="0"/>
+          </a:p>
+          <a:p>
+            <a:r>
+              <a:rPr lang="en-US" sz="2000" dirty="0"/>
               <a:t>Overall: average loan amounts seem higher for graduates, those with a co applicant and those with &gt;1 dependent</a:t>
             </a:r>
           </a:p>
           <a:p>
+            <a:endParaRPr lang="en-US" sz="2000" dirty="0"/>
+          </a:p>
+        </p:txBody>
+      </p:sp>
+      <p:sp>
+        <p:nvSpPr>
+          <p:cNvPr id="9" name="TextBox 8">
+            <a:hlinkClick r:id="rId2"/>
+            <a:extLst>
+              <a:ext uri="{FF2B5EF4-FFF2-40B4-BE49-F238E27FC236}">
+                <a16:creationId xmlns:a16="http://schemas.microsoft.com/office/drawing/2014/main" id="{0200A289-A7A1-45B5-BFD9-26C3327F5384}"/>
+              </a:ext>
+            </a:extLst>
+          </p:cNvPr>
+          <p:cNvSpPr txBox="1"/>
+          <p:nvPr/>
+        </p:nvSpPr>
+        <p:spPr>
+          <a:xfrm>
+            <a:off x="702529" y="6221728"/>
+            <a:ext cx="6094520" cy="369332"/>
+          </a:xfrm>
+          <a:prstGeom prst="rect">
+            <a:avLst/>
+          </a:prstGeom>
+          <a:noFill/>
+        </p:spPr>
+        <p:txBody>
+          <a:bodyPr wrap="square">
+            <a:spAutoFit/>
+          </a:bodyPr>
+          <a:lstStyle/>
+          <a:p>
+            <a:r>
+              <a:rPr lang="en-US" sz="1800" b="0" i="0" kern="1200" dirty="0">
+                <a:effectLst/>
+                <a:latin typeface="+mj-lt"/>
+                <a:ea typeface="+mj-ea"/>
+                <a:cs typeface="+mj-cs"/>
+              </a:rPr>
+              <a:t>https://public.tableau.com/profile/</a:t>
+            </a:r>
+            <a:r>
+              <a:rPr lang="en-US" sz="1800" b="0" i="0" u="none" strike="noStrike" kern="1200" dirty="0">
+                <a:effectLst/>
+                <a:latin typeface="+mj-lt"/>
+                <a:ea typeface="+mj-ea"/>
+                <a:cs typeface="+mj-cs"/>
+              </a:rPr>
+              <a:t>ireneokada</a:t>
+            </a:r>
             <a:endParaRPr lang="en-US" dirty="0"/>
           </a:p>
         </p:txBody>

--- a/Loan approval project 3.pptx
+++ b/Loan approval project 3.pptx
@@ -18,7 +18,8 @@
     <p:sldId id="278" r:id="rId12"/>
     <p:sldId id="277" r:id="rId13"/>
     <p:sldId id="270" r:id="rId14"/>
-    <p:sldId id="269" r:id="rId15"/>
+    <p:sldId id="280" r:id="rId15"/>
+    <p:sldId id="269" r:id="rId16"/>
   </p:sldIdLst>
   <p:sldSz cx="12192000" cy="6858000"/>
   <p:notesSz cx="6858000" cy="9144000"/>
@@ -272,7 +273,7 @@
           <a:p>
             <a:fld id="{F0037C11-A992-43DC-841C-4ED15B44942C}" type="datetimeFigureOut">
               <a:rPr lang="en-US" smtClean="0"/>
-              <a:t>2/23/2021</a:t>
+              <a:t>2/24/2021</a:t>
             </a:fld>
             <a:endParaRPr lang="en-US" dirty="0"/>
           </a:p>
@@ -470,7 +471,7 @@
           <a:p>
             <a:fld id="{F0037C11-A992-43DC-841C-4ED15B44942C}" type="datetimeFigureOut">
               <a:rPr lang="en-US" smtClean="0"/>
-              <a:t>2/23/2021</a:t>
+              <a:t>2/24/2021</a:t>
             </a:fld>
             <a:endParaRPr lang="en-US" dirty="0"/>
           </a:p>
@@ -678,7 +679,7 @@
           <a:p>
             <a:fld id="{F0037C11-A992-43DC-841C-4ED15B44942C}" type="datetimeFigureOut">
               <a:rPr lang="en-US" smtClean="0"/>
-              <a:t>2/23/2021</a:t>
+              <a:t>2/24/2021</a:t>
             </a:fld>
             <a:endParaRPr lang="en-US" dirty="0"/>
           </a:p>
@@ -876,7 +877,7 @@
           <a:p>
             <a:fld id="{F0037C11-A992-43DC-841C-4ED15B44942C}" type="datetimeFigureOut">
               <a:rPr lang="en-US" smtClean="0"/>
-              <a:t>2/23/2021</a:t>
+              <a:t>2/24/2021</a:t>
             </a:fld>
             <a:endParaRPr lang="en-US" dirty="0"/>
           </a:p>
@@ -1151,7 +1152,7 @@
           <a:p>
             <a:fld id="{F0037C11-A992-43DC-841C-4ED15B44942C}" type="datetimeFigureOut">
               <a:rPr lang="en-US" smtClean="0"/>
-              <a:t>2/23/2021</a:t>
+              <a:t>2/24/2021</a:t>
             </a:fld>
             <a:endParaRPr lang="en-US" dirty="0"/>
           </a:p>
@@ -1416,7 +1417,7 @@
           <a:p>
             <a:fld id="{F0037C11-A992-43DC-841C-4ED15B44942C}" type="datetimeFigureOut">
               <a:rPr lang="en-US" smtClean="0"/>
-              <a:t>2/23/2021</a:t>
+              <a:t>2/24/2021</a:t>
             </a:fld>
             <a:endParaRPr lang="en-US" dirty="0"/>
           </a:p>
@@ -1828,7 +1829,7 @@
           <a:p>
             <a:fld id="{F0037C11-A992-43DC-841C-4ED15B44942C}" type="datetimeFigureOut">
               <a:rPr lang="en-US" smtClean="0"/>
-              <a:t>2/23/2021</a:t>
+              <a:t>2/24/2021</a:t>
             </a:fld>
             <a:endParaRPr lang="en-US" dirty="0"/>
           </a:p>
@@ -1969,7 +1970,7 @@
           <a:p>
             <a:fld id="{F0037C11-A992-43DC-841C-4ED15B44942C}" type="datetimeFigureOut">
               <a:rPr lang="en-US" smtClean="0"/>
-              <a:t>2/23/2021</a:t>
+              <a:t>2/24/2021</a:t>
             </a:fld>
             <a:endParaRPr lang="en-US" dirty="0"/>
           </a:p>
@@ -2082,7 +2083,7 @@
           <a:p>
             <a:fld id="{F0037C11-A992-43DC-841C-4ED15B44942C}" type="datetimeFigureOut">
               <a:rPr lang="en-US" smtClean="0"/>
-              <a:t>2/23/2021</a:t>
+              <a:t>2/24/2021</a:t>
             </a:fld>
             <a:endParaRPr lang="en-US" dirty="0"/>
           </a:p>
@@ -2393,7 +2394,7 @@
           <a:p>
             <a:fld id="{F0037C11-A992-43DC-841C-4ED15B44942C}" type="datetimeFigureOut">
               <a:rPr lang="en-US" smtClean="0"/>
-              <a:t>2/23/2021</a:t>
+              <a:t>2/24/2021</a:t>
             </a:fld>
             <a:endParaRPr lang="en-US" dirty="0"/>
           </a:p>
@@ -2681,7 +2682,7 @@
           <a:p>
             <a:fld id="{F0037C11-A992-43DC-841C-4ED15B44942C}" type="datetimeFigureOut">
               <a:rPr lang="en-US" smtClean="0"/>
-              <a:t>2/23/2021</a:t>
+              <a:t>2/24/2021</a:t>
             </a:fld>
             <a:endParaRPr lang="en-US" dirty="0"/>
           </a:p>
@@ -2925,7 +2926,7 @@
           <a:p>
             <a:fld id="{F0037C11-A992-43DC-841C-4ED15B44942C}" type="datetimeFigureOut">
               <a:rPr lang="en-US" smtClean="0"/>
-              <a:t>2/23/2021</a:t>
+              <a:t>2/24/2021</a:t>
             </a:fld>
             <a:endParaRPr lang="en-US" dirty="0"/>
           </a:p>
@@ -4730,6 +4731,291 @@
 </file>
 
 <file path=ppt/slides/slide14.xml><?xml version="1.0" encoding="utf-8"?>
+<p:sld xmlns:a="http://schemas.openxmlformats.org/drawingml/2006/main" xmlns:r="http://schemas.openxmlformats.org/officeDocument/2006/relationships" xmlns:p="http://schemas.openxmlformats.org/presentationml/2006/main">
+  <p:cSld>
+    <p:bg>
+      <p:bgPr>
+        <a:solidFill>
+          <a:schemeClr val="bg1">
+            <a:tint val="95000"/>
+            <a:satMod val="170000"/>
+          </a:schemeClr>
+        </a:solidFill>
+        <a:effectLst/>
+      </p:bgPr>
+    </p:bg>
+    <p:spTree>
+      <p:nvGrpSpPr>
+        <p:cNvPr id="1" name=""/>
+        <p:cNvGrpSpPr/>
+        <p:nvPr/>
+      </p:nvGrpSpPr>
+      <p:grpSpPr>
+        <a:xfrm>
+          <a:off x="0" y="0"/>
+          <a:ext cx="0" cy="0"/>
+          <a:chOff x="0" y="0"/>
+          <a:chExt cx="0" cy="0"/>
+        </a:xfrm>
+      </p:grpSpPr>
+      <p:sp>
+        <p:nvSpPr>
+          <p:cNvPr id="2" name="Title 1">
+            <a:extLst>
+              <a:ext uri="{FF2B5EF4-FFF2-40B4-BE49-F238E27FC236}">
+                <a16:creationId xmlns:a16="http://schemas.microsoft.com/office/drawing/2014/main" id="{D1A5408C-81E2-4CF8-8A28-A61053F6420F}"/>
+              </a:ext>
+            </a:extLst>
+          </p:cNvPr>
+          <p:cNvSpPr>
+            <a:spLocks noGrp="1"/>
+          </p:cNvSpPr>
+          <p:nvPr>
+            <p:ph type="title"/>
+          </p:nvPr>
+        </p:nvSpPr>
+        <p:spPr>
+          <a:xfrm>
+            <a:off x="7464614" y="1783959"/>
+            <a:ext cx="4087306" cy="2889114"/>
+          </a:xfrm>
+        </p:spPr>
+        <p:txBody>
+          <a:bodyPr vert="horz" lIns="91440" tIns="45720" rIns="91440" bIns="45720" rtlCol="0" anchor="b">
+            <a:normAutofit/>
+          </a:bodyPr>
+          <a:lstStyle/>
+          <a:p>
+            <a:r>
+              <a:rPr lang="en-US" sz="4200"/>
+              <a:t>Installing the application libraries from GitHub to Heroku</a:t>
+            </a:r>
+          </a:p>
+        </p:txBody>
+      </p:sp>
+      <p:sp>
+        <p:nvSpPr>
+          <p:cNvPr id="20" name="Freeform: Shape 19">
+            <a:extLst>
+              <a:ext uri="{FF2B5EF4-FFF2-40B4-BE49-F238E27FC236}">
+                <a16:creationId xmlns:a16="http://schemas.microsoft.com/office/drawing/2014/main" id="{E49CC64F-7275-4E33-961B-0C5CDC439875}"/>
+              </a:ext>
+              <a:ext uri="{C183D7F6-B498-43B3-948B-1728B52AA6E4}">
+                <adec:decorative xmlns:adec="http://schemas.microsoft.com/office/drawing/2017/decorative" val="1"/>
+              </a:ext>
+            </a:extLst>
+          </p:cNvPr>
+          <p:cNvSpPr>
+            <a:spLocks noGrp="1" noRot="1" noChangeAspect="1" noMove="1" noResize="1" noEditPoints="1" noAdjustHandles="1" noChangeArrowheads="1" noChangeShapeType="1" noTextEdit="1"/>
+          </p:cNvSpPr>
+          <p:nvPr>
+            <p:extLst>
+              <p:ext uri="{386F3935-93C4-4BCD-93E2-E3B085C9AB24}">
+                <p16:designElem xmlns:p16="http://schemas.microsoft.com/office/powerpoint/2015/main" val="1"/>
+              </p:ext>
+            </p:extLst>
+          </p:nvPr>
+        </p:nvSpPr>
+        <p:spPr>
+          <a:xfrm flipH="1" flipV="1">
+            <a:off x="1" y="0"/>
+            <a:ext cx="7188051" cy="6858000"/>
+          </a:xfrm>
+          <a:custGeom>
+            <a:avLst/>
+            <a:gdLst>
+              <a:gd name="connsiteX0" fmla="*/ 7188051 w 7188051"/>
+              <a:gd name="connsiteY0" fmla="*/ 6858000 h 6858000"/>
+              <a:gd name="connsiteX1" fmla="*/ 108694 w 7188051"/>
+              <a:gd name="connsiteY1" fmla="*/ 6858000 h 6858000"/>
+              <a:gd name="connsiteX2" fmla="*/ 79127 w 7188051"/>
+              <a:gd name="connsiteY2" fmla="*/ 6681235 h 6858000"/>
+              <a:gd name="connsiteX3" fmla="*/ 0 w 7188051"/>
+              <a:gd name="connsiteY3" fmla="*/ 5565888 h 6858000"/>
+              <a:gd name="connsiteX4" fmla="*/ 2190696 w 7188051"/>
+              <a:gd name="connsiteY4" fmla="*/ 145339 h 6858000"/>
+              <a:gd name="connsiteX5" fmla="*/ 2339431 w 7188051"/>
+              <a:gd name="connsiteY5" fmla="*/ 0 h 6858000"/>
+              <a:gd name="connsiteX6" fmla="*/ 7188051 w 7188051"/>
+              <a:gd name="connsiteY6" fmla="*/ 0 h 6858000"/>
+            </a:gdLst>
+            <a:ahLst/>
+            <a:cxnLst>
+              <a:cxn ang="0">
+                <a:pos x="connsiteX0" y="connsiteY0"/>
+              </a:cxn>
+              <a:cxn ang="0">
+                <a:pos x="connsiteX1" y="connsiteY1"/>
+              </a:cxn>
+              <a:cxn ang="0">
+                <a:pos x="connsiteX2" y="connsiteY2"/>
+              </a:cxn>
+              <a:cxn ang="0">
+                <a:pos x="connsiteX3" y="connsiteY3"/>
+              </a:cxn>
+              <a:cxn ang="0">
+                <a:pos x="connsiteX4" y="connsiteY4"/>
+              </a:cxn>
+              <a:cxn ang="0">
+                <a:pos x="connsiteX5" y="connsiteY5"/>
+              </a:cxn>
+              <a:cxn ang="0">
+                <a:pos x="connsiteX6" y="connsiteY6"/>
+              </a:cxn>
+            </a:cxnLst>
+            <a:rect l="l" t="t" r="r" b="b"/>
+            <a:pathLst>
+              <a:path w="7188051" h="6858000">
+                <a:moveTo>
+                  <a:pt x="7188051" y="6858000"/>
+                </a:moveTo>
+                <a:lnTo>
+                  <a:pt x="108694" y="6858000"/>
+                </a:lnTo>
+                <a:lnTo>
+                  <a:pt x="79127" y="6681235"/>
+                </a:lnTo>
+                <a:cubicBezTo>
+                  <a:pt x="26981" y="6316967"/>
+                  <a:pt x="0" y="5944579"/>
+                  <a:pt x="0" y="5565888"/>
+                </a:cubicBezTo>
+                <a:cubicBezTo>
+                  <a:pt x="0" y="3459953"/>
+                  <a:pt x="834428" y="1548908"/>
+                  <a:pt x="2190696" y="145339"/>
+                </a:cubicBezTo>
+                <a:lnTo>
+                  <a:pt x="2339431" y="0"/>
+                </a:lnTo>
+                <a:lnTo>
+                  <a:pt x="7188051" y="0"/>
+                </a:lnTo>
+                <a:close/>
+              </a:path>
+            </a:pathLst>
+          </a:custGeom>
+          <a:solidFill>
+            <a:schemeClr val="tx1">
+              <a:alpha val="80000"/>
+            </a:schemeClr>
+          </a:solidFill>
+          <a:ln>
+            <a:noFill/>
+          </a:ln>
+        </p:spPr>
+        <p:style>
+          <a:lnRef idx="2">
+            <a:schemeClr val="accent1">
+              <a:shade val="50000"/>
+            </a:schemeClr>
+          </a:lnRef>
+          <a:fillRef idx="1">
+            <a:schemeClr val="accent1"/>
+          </a:fillRef>
+          <a:effectRef idx="0">
+            <a:schemeClr val="accent1"/>
+          </a:effectRef>
+          <a:fontRef idx="minor">
+            <a:schemeClr val="lt1"/>
+          </a:fontRef>
+        </p:style>
+        <p:txBody>
+          <a:bodyPr wrap="square" rtlCol="0" anchor="ctr">
+            <a:noAutofit/>
+          </a:bodyPr>
+          <a:lstStyle/>
+          <a:p>
+            <a:pPr algn="ctr"/>
+            <a:endParaRPr lang="en-US"/>
+          </a:p>
+        </p:txBody>
+      </p:sp>
+      <p:pic>
+        <p:nvPicPr>
+          <p:cNvPr id="10" name="Content Placeholder 9" descr="Graphical user interface, text, application, email&#10;&#10;Description automatically generated">
+            <a:extLst>
+              <a:ext uri="{FF2B5EF4-FFF2-40B4-BE49-F238E27FC236}">
+                <a16:creationId xmlns:a16="http://schemas.microsoft.com/office/drawing/2014/main" id="{572CD9E2-AA2F-4FA4-9B39-70490CC3ED4F}"/>
+              </a:ext>
+            </a:extLst>
+          </p:cNvPr>
+          <p:cNvPicPr>
+            <a:picLocks noGrp="1" noChangeAspect="1"/>
+          </p:cNvPicPr>
+          <p:nvPr>
+            <p:ph idx="1"/>
+          </p:nvPr>
+        </p:nvPicPr>
+        <p:blipFill rotWithShape="1">
+          <a:blip r:embed="rId2">
+            <a:extLst>
+              <a:ext uri="{28A0092B-C50C-407E-A947-70E740481C1C}">
+                <a14:useLocalDpi xmlns:a14="http://schemas.microsoft.com/office/drawing/2010/main" val="0"/>
+              </a:ext>
+            </a:extLst>
+          </a:blip>
+          <a:srcRect l="7399" r="40333" b="1"/>
+          <a:stretch/>
+        </p:blipFill>
+        <p:spPr>
+          <a:xfrm>
+            <a:off x="1" y="10"/>
+            <a:ext cx="7028495" cy="6857990"/>
+          </a:xfrm>
+          <a:custGeom>
+            <a:avLst/>
+            <a:gdLst/>
+            <a:ahLst/>
+            <a:cxnLst/>
+            <a:rect l="l" t="t" r="r" b="b"/>
+            <a:pathLst>
+              <a:path w="7028495" h="6858000">
+                <a:moveTo>
+                  <a:pt x="0" y="0"/>
+                </a:moveTo>
+                <a:lnTo>
+                  <a:pt x="6915668" y="0"/>
+                </a:lnTo>
+                <a:lnTo>
+                  <a:pt x="6952411" y="219663"/>
+                </a:lnTo>
+                <a:cubicBezTo>
+                  <a:pt x="7002551" y="569921"/>
+                  <a:pt x="7028495" y="927986"/>
+                  <a:pt x="7028495" y="1292112"/>
+                </a:cubicBezTo>
+                <a:cubicBezTo>
+                  <a:pt x="7028495" y="3343346"/>
+                  <a:pt x="6205186" y="5202289"/>
+                  <a:pt x="4870994" y="6556512"/>
+                </a:cubicBezTo>
+                <a:lnTo>
+                  <a:pt x="4556185" y="6858000"/>
+                </a:lnTo>
+                <a:lnTo>
+                  <a:pt x="0" y="6858000"/>
+                </a:lnTo>
+                <a:close/>
+              </a:path>
+            </a:pathLst>
+          </a:custGeom>
+        </p:spPr>
+      </p:pic>
+    </p:spTree>
+    <p:extLst>
+      <p:ext uri="{BB962C8B-B14F-4D97-AF65-F5344CB8AC3E}">
+        <p14:creationId xmlns:p14="http://schemas.microsoft.com/office/powerpoint/2010/main" val="2488687694"/>
+      </p:ext>
+    </p:extLst>
+  </p:cSld>
+  <p:clrMapOvr>
+    <a:overrideClrMapping bg1="dk1" tx1="lt1" bg2="dk2" tx2="lt2" accent1="accent1" accent2="accent2" accent3="accent3" accent4="accent4" accent5="accent5" accent6="accent6" hlink="hlink" folHlink="folHlink"/>
+  </p:clrMapOvr>
+</p:sld>
+</file>
+
+<file path=ppt/slides/slide15.xml><?xml version="1.0" encoding="utf-8"?>
 <p:sld xmlns:a="http://schemas.openxmlformats.org/drawingml/2006/main" xmlns:r="http://schemas.openxmlformats.org/officeDocument/2006/relationships" xmlns:p="http://schemas.openxmlformats.org/presentationml/2006/main">
   <p:cSld>
     <p:bg>

--- a/Loan approval project 3.pptx
+++ b/Loan approval project 3.pptx
@@ -4,6 +4,9 @@
   <p:sldMasterIdLst>
     <p:sldMasterId id="2147483648" r:id="rId1"/>
   </p:sldMasterIdLst>
+  <p:notesMasterIdLst>
+    <p:notesMasterId r:id="rId17"/>
+  </p:notesMasterIdLst>
   <p:sldIdLst>
     <p:sldId id="256" r:id="rId2"/>
     <p:sldId id="272" r:id="rId3"/>
@@ -126,6 +129,562 @@
 </p:presentation>
 </file>
 
+<file path=ppt/notesMasters/notesMaster1.xml><?xml version="1.0" encoding="utf-8"?>
+<p:notesMaster xmlns:a="http://schemas.openxmlformats.org/drawingml/2006/main" xmlns:r="http://schemas.openxmlformats.org/officeDocument/2006/relationships" xmlns:p="http://schemas.openxmlformats.org/presentationml/2006/main">
+  <p:cSld>
+    <p:bg>
+      <p:bgRef idx="1001">
+        <a:schemeClr val="bg1"/>
+      </p:bgRef>
+    </p:bg>
+    <p:spTree>
+      <p:nvGrpSpPr>
+        <p:cNvPr id="1" name=""/>
+        <p:cNvGrpSpPr/>
+        <p:nvPr/>
+      </p:nvGrpSpPr>
+      <p:grpSpPr>
+        <a:xfrm>
+          <a:off x="0" y="0"/>
+          <a:ext cx="0" cy="0"/>
+          <a:chOff x="0" y="0"/>
+          <a:chExt cx="0" cy="0"/>
+        </a:xfrm>
+      </p:grpSpPr>
+      <p:sp>
+        <p:nvSpPr>
+          <p:cNvPr id="2" name="Header Placeholder 1"/>
+          <p:cNvSpPr>
+            <a:spLocks noGrp="1"/>
+          </p:cNvSpPr>
+          <p:nvPr>
+            <p:ph type="hdr" sz="quarter"/>
+          </p:nvPr>
+        </p:nvSpPr>
+        <p:spPr>
+          <a:xfrm>
+            <a:off x="0" y="0"/>
+            <a:ext cx="2971800" cy="458788"/>
+          </a:xfrm>
+          <a:prstGeom prst="rect">
+            <a:avLst/>
+          </a:prstGeom>
+        </p:spPr>
+        <p:txBody>
+          <a:bodyPr vert="horz" lIns="91440" tIns="45720" rIns="91440" bIns="45720" rtlCol="0"/>
+          <a:lstStyle>
+            <a:lvl1pPr algn="l">
+              <a:defRPr sz="1200"/>
+            </a:lvl1pPr>
+          </a:lstStyle>
+          <a:p>
+            <a:endParaRPr lang="en-US"/>
+          </a:p>
+        </p:txBody>
+      </p:sp>
+      <p:sp>
+        <p:nvSpPr>
+          <p:cNvPr id="3" name="Date Placeholder 2"/>
+          <p:cNvSpPr>
+            <a:spLocks noGrp="1"/>
+          </p:cNvSpPr>
+          <p:nvPr>
+            <p:ph type="dt" idx="1"/>
+          </p:nvPr>
+        </p:nvSpPr>
+        <p:spPr>
+          <a:xfrm>
+            <a:off x="3884613" y="0"/>
+            <a:ext cx="2971800" cy="458788"/>
+          </a:xfrm>
+          <a:prstGeom prst="rect">
+            <a:avLst/>
+          </a:prstGeom>
+        </p:spPr>
+        <p:txBody>
+          <a:bodyPr vert="horz" lIns="91440" tIns="45720" rIns="91440" bIns="45720" rtlCol="0"/>
+          <a:lstStyle>
+            <a:lvl1pPr algn="r">
+              <a:defRPr sz="1200"/>
+            </a:lvl1pPr>
+          </a:lstStyle>
+          <a:p>
+            <a:fld id="{6CF55F94-BEC6-1147-918F-329F1030B0F3}" type="datetimeFigureOut">
+              <a:rPr lang="en-US" smtClean="0"/>
+              <a:t>2/24/21</a:t>
+            </a:fld>
+            <a:endParaRPr lang="en-US"/>
+          </a:p>
+        </p:txBody>
+      </p:sp>
+      <p:sp>
+        <p:nvSpPr>
+          <p:cNvPr id="4" name="Slide Image Placeholder 3"/>
+          <p:cNvSpPr>
+            <a:spLocks noGrp="1" noRot="1" noChangeAspect="1"/>
+          </p:cNvSpPr>
+          <p:nvPr>
+            <p:ph type="sldImg" idx="2"/>
+          </p:nvPr>
+        </p:nvSpPr>
+        <p:spPr>
+          <a:xfrm>
+            <a:off x="685800" y="1143000"/>
+            <a:ext cx="5486400" cy="3086100"/>
+          </a:xfrm>
+          <a:prstGeom prst="rect">
+            <a:avLst/>
+          </a:prstGeom>
+          <a:noFill/>
+          <a:ln w="12700">
+            <a:solidFill>
+              <a:prstClr val="black"/>
+            </a:solidFill>
+          </a:ln>
+        </p:spPr>
+        <p:txBody>
+          <a:bodyPr vert="horz" lIns="91440" tIns="45720" rIns="91440" bIns="45720" rtlCol="0" anchor="ctr"/>
+          <a:lstStyle/>
+          <a:p>
+            <a:endParaRPr lang="en-US"/>
+          </a:p>
+        </p:txBody>
+      </p:sp>
+      <p:sp>
+        <p:nvSpPr>
+          <p:cNvPr id="5" name="Notes Placeholder 4"/>
+          <p:cNvSpPr>
+            <a:spLocks noGrp="1"/>
+          </p:cNvSpPr>
+          <p:nvPr>
+            <p:ph type="body" sz="quarter" idx="3"/>
+          </p:nvPr>
+        </p:nvSpPr>
+        <p:spPr>
+          <a:xfrm>
+            <a:off x="685800" y="4400550"/>
+            <a:ext cx="5486400" cy="3600450"/>
+          </a:xfrm>
+          <a:prstGeom prst="rect">
+            <a:avLst/>
+          </a:prstGeom>
+        </p:spPr>
+        <p:txBody>
+          <a:bodyPr vert="horz" lIns="91440" tIns="45720" rIns="91440" bIns="45720" rtlCol="0"/>
+          <a:lstStyle/>
+          <a:p>
+            <a:pPr lvl="0"/>
+            <a:r>
+              <a:rPr lang="en-US"/>
+              <a:t>Click to edit Master text styles</a:t>
+            </a:r>
+          </a:p>
+          <a:p>
+            <a:pPr lvl="1"/>
+            <a:r>
+              <a:rPr lang="en-US"/>
+              <a:t>Second level</a:t>
+            </a:r>
+          </a:p>
+          <a:p>
+            <a:pPr lvl="2"/>
+            <a:r>
+              <a:rPr lang="en-US"/>
+              <a:t>Third level</a:t>
+            </a:r>
+          </a:p>
+          <a:p>
+            <a:pPr lvl="3"/>
+            <a:r>
+              <a:rPr lang="en-US"/>
+              <a:t>Fourth level</a:t>
+            </a:r>
+          </a:p>
+          <a:p>
+            <a:pPr lvl="4"/>
+            <a:r>
+              <a:rPr lang="en-US"/>
+              <a:t>Fifth level</a:t>
+            </a:r>
+          </a:p>
+        </p:txBody>
+      </p:sp>
+      <p:sp>
+        <p:nvSpPr>
+          <p:cNvPr id="6" name="Footer Placeholder 5"/>
+          <p:cNvSpPr>
+            <a:spLocks noGrp="1"/>
+          </p:cNvSpPr>
+          <p:nvPr>
+            <p:ph type="ftr" sz="quarter" idx="4"/>
+          </p:nvPr>
+        </p:nvSpPr>
+        <p:spPr>
+          <a:xfrm>
+            <a:off x="0" y="8685213"/>
+            <a:ext cx="2971800" cy="458787"/>
+          </a:xfrm>
+          <a:prstGeom prst="rect">
+            <a:avLst/>
+          </a:prstGeom>
+        </p:spPr>
+        <p:txBody>
+          <a:bodyPr vert="horz" lIns="91440" tIns="45720" rIns="91440" bIns="45720" rtlCol="0" anchor="b"/>
+          <a:lstStyle>
+            <a:lvl1pPr algn="l">
+              <a:defRPr sz="1200"/>
+            </a:lvl1pPr>
+          </a:lstStyle>
+          <a:p>
+            <a:endParaRPr lang="en-US"/>
+          </a:p>
+        </p:txBody>
+      </p:sp>
+      <p:sp>
+        <p:nvSpPr>
+          <p:cNvPr id="7" name="Slide Number Placeholder 6"/>
+          <p:cNvSpPr>
+            <a:spLocks noGrp="1"/>
+          </p:cNvSpPr>
+          <p:nvPr>
+            <p:ph type="sldNum" sz="quarter" idx="5"/>
+          </p:nvPr>
+        </p:nvSpPr>
+        <p:spPr>
+          <a:xfrm>
+            <a:off x="3884613" y="8685213"/>
+            <a:ext cx="2971800" cy="458787"/>
+          </a:xfrm>
+          <a:prstGeom prst="rect">
+            <a:avLst/>
+          </a:prstGeom>
+        </p:spPr>
+        <p:txBody>
+          <a:bodyPr vert="horz" lIns="91440" tIns="45720" rIns="91440" bIns="45720" rtlCol="0" anchor="b"/>
+          <a:lstStyle>
+            <a:lvl1pPr algn="r">
+              <a:defRPr sz="1200"/>
+            </a:lvl1pPr>
+          </a:lstStyle>
+          <a:p>
+            <a:fld id="{F7E85EFE-828A-A74F-92A0-E2EA5D7C862F}" type="slidenum">
+              <a:rPr lang="en-US" smtClean="0"/>
+              <a:t>‹#›</a:t>
+            </a:fld>
+            <a:endParaRPr lang="en-US"/>
+          </a:p>
+        </p:txBody>
+      </p:sp>
+    </p:spTree>
+    <p:extLst>
+      <p:ext uri="{BB962C8B-B14F-4D97-AF65-F5344CB8AC3E}">
+        <p14:creationId xmlns:p14="http://schemas.microsoft.com/office/powerpoint/2010/main" val="2757324750"/>
+      </p:ext>
+    </p:extLst>
+  </p:cSld>
+  <p:clrMap bg1="lt1" tx1="dk1" bg2="lt2" tx2="dk2" accent1="accent1" accent2="accent2" accent3="accent3" accent4="accent4" accent5="accent5" accent6="accent6" hlink="hlink" folHlink="folHlink"/>
+  <p:notesStyle>
+    <a:lvl1pPr marL="0" algn="l" defTabSz="914400" rtl="0" eaLnBrk="1" latinLnBrk="0" hangingPunct="1">
+      <a:defRPr sz="1200" kern="1200">
+        <a:solidFill>
+          <a:schemeClr val="tx1"/>
+        </a:solidFill>
+        <a:latin typeface="+mn-lt"/>
+        <a:ea typeface="+mn-ea"/>
+        <a:cs typeface="+mn-cs"/>
+      </a:defRPr>
+    </a:lvl1pPr>
+    <a:lvl2pPr marL="457200" algn="l" defTabSz="914400" rtl="0" eaLnBrk="1" latinLnBrk="0" hangingPunct="1">
+      <a:defRPr sz="1200" kern="1200">
+        <a:solidFill>
+          <a:schemeClr val="tx1"/>
+        </a:solidFill>
+        <a:latin typeface="+mn-lt"/>
+        <a:ea typeface="+mn-ea"/>
+        <a:cs typeface="+mn-cs"/>
+      </a:defRPr>
+    </a:lvl2pPr>
+    <a:lvl3pPr marL="914400" algn="l" defTabSz="914400" rtl="0" eaLnBrk="1" latinLnBrk="0" hangingPunct="1">
+      <a:defRPr sz="1200" kern="1200">
+        <a:solidFill>
+          <a:schemeClr val="tx1"/>
+        </a:solidFill>
+        <a:latin typeface="+mn-lt"/>
+        <a:ea typeface="+mn-ea"/>
+        <a:cs typeface="+mn-cs"/>
+      </a:defRPr>
+    </a:lvl3pPr>
+    <a:lvl4pPr marL="1371600" algn="l" defTabSz="914400" rtl="0" eaLnBrk="1" latinLnBrk="0" hangingPunct="1">
+      <a:defRPr sz="1200" kern="1200">
+        <a:solidFill>
+          <a:schemeClr val="tx1"/>
+        </a:solidFill>
+        <a:latin typeface="+mn-lt"/>
+        <a:ea typeface="+mn-ea"/>
+        <a:cs typeface="+mn-cs"/>
+      </a:defRPr>
+    </a:lvl4pPr>
+    <a:lvl5pPr marL="1828800" algn="l" defTabSz="914400" rtl="0" eaLnBrk="1" latinLnBrk="0" hangingPunct="1">
+      <a:defRPr sz="1200" kern="1200">
+        <a:solidFill>
+          <a:schemeClr val="tx1"/>
+        </a:solidFill>
+        <a:latin typeface="+mn-lt"/>
+        <a:ea typeface="+mn-ea"/>
+        <a:cs typeface="+mn-cs"/>
+      </a:defRPr>
+    </a:lvl5pPr>
+    <a:lvl6pPr marL="2286000" algn="l" defTabSz="914400" rtl="0" eaLnBrk="1" latinLnBrk="0" hangingPunct="1">
+      <a:defRPr sz="1200" kern="1200">
+        <a:solidFill>
+          <a:schemeClr val="tx1"/>
+        </a:solidFill>
+        <a:latin typeface="+mn-lt"/>
+        <a:ea typeface="+mn-ea"/>
+        <a:cs typeface="+mn-cs"/>
+      </a:defRPr>
+    </a:lvl6pPr>
+    <a:lvl7pPr marL="2743200" algn="l" defTabSz="914400" rtl="0" eaLnBrk="1" latinLnBrk="0" hangingPunct="1">
+      <a:defRPr sz="1200" kern="1200">
+        <a:solidFill>
+          <a:schemeClr val="tx1"/>
+        </a:solidFill>
+        <a:latin typeface="+mn-lt"/>
+        <a:ea typeface="+mn-ea"/>
+        <a:cs typeface="+mn-cs"/>
+      </a:defRPr>
+    </a:lvl7pPr>
+    <a:lvl8pPr marL="3200400" algn="l" defTabSz="914400" rtl="0" eaLnBrk="1" latinLnBrk="0" hangingPunct="1">
+      <a:defRPr sz="1200" kern="1200">
+        <a:solidFill>
+          <a:schemeClr val="tx1"/>
+        </a:solidFill>
+        <a:latin typeface="+mn-lt"/>
+        <a:ea typeface="+mn-ea"/>
+        <a:cs typeface="+mn-cs"/>
+      </a:defRPr>
+    </a:lvl8pPr>
+    <a:lvl9pPr marL="3657600" algn="l" defTabSz="914400" rtl="0" eaLnBrk="1" latinLnBrk="0" hangingPunct="1">
+      <a:defRPr sz="1200" kern="1200">
+        <a:solidFill>
+          <a:schemeClr val="tx1"/>
+        </a:solidFill>
+        <a:latin typeface="+mn-lt"/>
+        <a:ea typeface="+mn-ea"/>
+        <a:cs typeface="+mn-cs"/>
+      </a:defRPr>
+    </a:lvl9pPr>
+  </p:notesStyle>
+</p:notesMaster>
+</file>
+
+<file path=ppt/notesSlides/notesSlide1.xml><?xml version="1.0" encoding="utf-8"?>
+<p:notes xmlns:a="http://schemas.openxmlformats.org/drawingml/2006/main" xmlns:r="http://schemas.openxmlformats.org/officeDocument/2006/relationships" xmlns:p="http://schemas.openxmlformats.org/presentationml/2006/main">
+  <p:cSld>
+    <p:spTree>
+      <p:nvGrpSpPr>
+        <p:cNvPr id="1" name=""/>
+        <p:cNvGrpSpPr/>
+        <p:nvPr/>
+      </p:nvGrpSpPr>
+      <p:grpSpPr>
+        <a:xfrm>
+          <a:off x="0" y="0"/>
+          <a:ext cx="0" cy="0"/>
+          <a:chOff x="0" y="0"/>
+          <a:chExt cx="0" cy="0"/>
+        </a:xfrm>
+      </p:grpSpPr>
+      <p:sp>
+        <p:nvSpPr>
+          <p:cNvPr id="2" name="Slide Image Placeholder 1"/>
+          <p:cNvSpPr>
+            <a:spLocks noGrp="1" noRot="1" noChangeAspect="1"/>
+          </p:cNvSpPr>
+          <p:nvPr>
+            <p:ph type="sldImg"/>
+          </p:nvPr>
+        </p:nvSpPr>
+        <p:spPr/>
+      </p:sp>
+      <p:sp>
+        <p:nvSpPr>
+          <p:cNvPr id="3" name="Notes Placeholder 2"/>
+          <p:cNvSpPr>
+            <a:spLocks noGrp="1"/>
+          </p:cNvSpPr>
+          <p:nvPr>
+            <p:ph type="body" idx="1"/>
+          </p:nvPr>
+        </p:nvSpPr>
+        <p:spPr/>
+        <p:txBody>
+          <a:bodyPr/>
+          <a:lstStyle/>
+          <a:p>
+            <a:endParaRPr lang="en-US" dirty="0"/>
+          </a:p>
+        </p:txBody>
+      </p:sp>
+      <p:sp>
+        <p:nvSpPr>
+          <p:cNvPr id="4" name="Slide Number Placeholder 3"/>
+          <p:cNvSpPr>
+            <a:spLocks noGrp="1"/>
+          </p:cNvSpPr>
+          <p:nvPr>
+            <p:ph type="sldNum" sz="quarter" idx="5"/>
+          </p:nvPr>
+        </p:nvSpPr>
+        <p:spPr/>
+        <p:txBody>
+          <a:bodyPr/>
+          <a:lstStyle/>
+          <a:p>
+            <a:fld id="{F7E85EFE-828A-A74F-92A0-E2EA5D7C862F}" type="slidenum">
+              <a:rPr lang="en-US" smtClean="0"/>
+              <a:t>6</a:t>
+            </a:fld>
+            <a:endParaRPr lang="en-US"/>
+          </a:p>
+        </p:txBody>
+      </p:sp>
+    </p:spTree>
+    <p:extLst>
+      <p:ext uri="{BB962C8B-B14F-4D97-AF65-F5344CB8AC3E}">
+        <p14:creationId xmlns:p14="http://schemas.microsoft.com/office/powerpoint/2010/main" val="1116778918"/>
+      </p:ext>
+    </p:extLst>
+  </p:cSld>
+  <p:clrMapOvr>
+    <a:masterClrMapping/>
+  </p:clrMapOvr>
+</p:notes>
+</file>
+
+<file path=ppt/notesSlides/notesSlide2.xml><?xml version="1.0" encoding="utf-8"?>
+<p:notes xmlns:a="http://schemas.openxmlformats.org/drawingml/2006/main" xmlns:r="http://schemas.openxmlformats.org/officeDocument/2006/relationships" xmlns:p="http://schemas.openxmlformats.org/presentationml/2006/main">
+  <p:cSld>
+    <p:spTree>
+      <p:nvGrpSpPr>
+        <p:cNvPr id="1" name=""/>
+        <p:cNvGrpSpPr/>
+        <p:nvPr/>
+      </p:nvGrpSpPr>
+      <p:grpSpPr>
+        <a:xfrm>
+          <a:off x="0" y="0"/>
+          <a:ext cx="0" cy="0"/>
+          <a:chOff x="0" y="0"/>
+          <a:chExt cx="0" cy="0"/>
+        </a:xfrm>
+      </p:grpSpPr>
+      <p:sp>
+        <p:nvSpPr>
+          <p:cNvPr id="2" name="Slide Image Placeholder 1"/>
+          <p:cNvSpPr>
+            <a:spLocks noGrp="1" noRot="1" noChangeAspect="1"/>
+          </p:cNvSpPr>
+          <p:nvPr>
+            <p:ph type="sldImg"/>
+          </p:nvPr>
+        </p:nvSpPr>
+        <p:spPr/>
+      </p:sp>
+      <p:sp>
+        <p:nvSpPr>
+          <p:cNvPr id="3" name="Notes Placeholder 2"/>
+          <p:cNvSpPr>
+            <a:spLocks noGrp="1"/>
+          </p:cNvSpPr>
+          <p:nvPr>
+            <p:ph type="body" idx="1"/>
+          </p:nvPr>
+        </p:nvSpPr>
+        <p:spPr/>
+        <p:txBody>
+          <a:bodyPr/>
+          <a:lstStyle/>
+          <a:p>
+            <a:r>
+              <a:rPr lang="en-US" b="1" dirty="0"/>
+              <a:t>One-Hot Encoded:</a:t>
+            </a:r>
+          </a:p>
+          <a:p>
+            <a:r>
+              <a:rPr lang="en-US" dirty="0"/>
+              <a:t>0 Gender (Male/Female)</a:t>
+            </a:r>
+          </a:p>
+          <a:p>
+            <a:r>
+              <a:rPr lang="en-US" dirty="0"/>
+              <a:t>1 Married (Y/N)</a:t>
+            </a:r>
+          </a:p>
+          <a:p>
+            <a:r>
+              <a:rPr lang="en-US" dirty="0"/>
+              <a:t>2 Dependents (0, 1, 2, 3+)</a:t>
+            </a:r>
+          </a:p>
+          <a:p>
+            <a:r>
+              <a:rPr lang="en-US" dirty="0"/>
+              <a:t>3 Education (Graduate/Not Graduate)</a:t>
+            </a:r>
+          </a:p>
+          <a:p>
+            <a:r>
+              <a:rPr lang="en-US" dirty="0"/>
+              <a:t>4 Self-Employed (Y/N)</a:t>
+            </a:r>
+          </a:p>
+          <a:p>
+            <a:r>
+              <a:rPr lang="en-US" dirty="0"/>
+              <a:t>5 Property type (Urban, Semiurban, Rural)</a:t>
+            </a:r>
+          </a:p>
+        </p:txBody>
+      </p:sp>
+      <p:sp>
+        <p:nvSpPr>
+          <p:cNvPr id="4" name="Slide Number Placeholder 3"/>
+          <p:cNvSpPr>
+            <a:spLocks noGrp="1"/>
+          </p:cNvSpPr>
+          <p:nvPr>
+            <p:ph type="sldNum" sz="quarter" idx="5"/>
+          </p:nvPr>
+        </p:nvSpPr>
+        <p:spPr/>
+        <p:txBody>
+          <a:bodyPr/>
+          <a:lstStyle/>
+          <a:p>
+            <a:fld id="{F7E85EFE-828A-A74F-92A0-E2EA5D7C862F}" type="slidenum">
+              <a:rPr lang="en-US" smtClean="0"/>
+              <a:t>9</a:t>
+            </a:fld>
+            <a:endParaRPr lang="en-US"/>
+          </a:p>
+        </p:txBody>
+      </p:sp>
+    </p:spTree>
+    <p:extLst>
+      <p:ext uri="{BB962C8B-B14F-4D97-AF65-F5344CB8AC3E}">
+        <p14:creationId xmlns:p14="http://schemas.microsoft.com/office/powerpoint/2010/main" val="2795357878"/>
+      </p:ext>
+    </p:extLst>
+  </p:cSld>
+  <p:clrMapOvr>
+    <a:masterClrMapping/>
+  </p:clrMapOvr>
+</p:notes>
+</file>
+
 <file path=ppt/slideLayouts/slideLayout1.xml><?xml version="1.0" encoding="utf-8"?>
 <p:sldLayout xmlns:a="http://schemas.openxmlformats.org/drawingml/2006/main" xmlns:r="http://schemas.openxmlformats.org/officeDocument/2006/relationships" xmlns:p="http://schemas.openxmlformats.org/presentationml/2006/main" type="title" preserve="1">
   <p:cSld name="Title Slide">
@@ -273,7 +832,7 @@
           <a:p>
             <a:fld id="{F0037C11-A992-43DC-841C-4ED15B44942C}" type="datetimeFigureOut">
               <a:rPr lang="en-US" smtClean="0"/>
-              <a:t>2/24/2021</a:t>
+              <a:t>2/24/21</a:t>
             </a:fld>
             <a:endParaRPr lang="en-US" dirty="0"/>
           </a:p>
@@ -471,7 +1030,7 @@
           <a:p>
             <a:fld id="{F0037C11-A992-43DC-841C-4ED15B44942C}" type="datetimeFigureOut">
               <a:rPr lang="en-US" smtClean="0"/>
-              <a:t>2/24/2021</a:t>
+              <a:t>2/24/21</a:t>
             </a:fld>
             <a:endParaRPr lang="en-US" dirty="0"/>
           </a:p>
@@ -679,7 +1238,7 @@
           <a:p>
             <a:fld id="{F0037C11-A992-43DC-841C-4ED15B44942C}" type="datetimeFigureOut">
               <a:rPr lang="en-US" smtClean="0"/>
-              <a:t>2/24/2021</a:t>
+              <a:t>2/24/21</a:t>
             </a:fld>
             <a:endParaRPr lang="en-US" dirty="0"/>
           </a:p>
@@ -877,7 +1436,7 @@
           <a:p>
             <a:fld id="{F0037C11-A992-43DC-841C-4ED15B44942C}" type="datetimeFigureOut">
               <a:rPr lang="en-US" smtClean="0"/>
-              <a:t>2/24/2021</a:t>
+              <a:t>2/24/21</a:t>
             </a:fld>
             <a:endParaRPr lang="en-US" dirty="0"/>
           </a:p>
@@ -1152,7 +1711,7 @@
           <a:p>
             <a:fld id="{F0037C11-A992-43DC-841C-4ED15B44942C}" type="datetimeFigureOut">
               <a:rPr lang="en-US" smtClean="0"/>
-              <a:t>2/24/2021</a:t>
+              <a:t>2/24/21</a:t>
             </a:fld>
             <a:endParaRPr lang="en-US" dirty="0"/>
           </a:p>
@@ -1417,7 +1976,7 @@
           <a:p>
             <a:fld id="{F0037C11-A992-43DC-841C-4ED15B44942C}" type="datetimeFigureOut">
               <a:rPr lang="en-US" smtClean="0"/>
-              <a:t>2/24/2021</a:t>
+              <a:t>2/24/21</a:t>
             </a:fld>
             <a:endParaRPr lang="en-US" dirty="0"/>
           </a:p>
@@ -1829,7 +2388,7 @@
           <a:p>
             <a:fld id="{F0037C11-A992-43DC-841C-4ED15B44942C}" type="datetimeFigureOut">
               <a:rPr lang="en-US" smtClean="0"/>
-              <a:t>2/24/2021</a:t>
+              <a:t>2/24/21</a:t>
             </a:fld>
             <a:endParaRPr lang="en-US" dirty="0"/>
           </a:p>
@@ -1970,7 +2529,7 @@
           <a:p>
             <a:fld id="{F0037C11-A992-43DC-841C-4ED15B44942C}" type="datetimeFigureOut">
               <a:rPr lang="en-US" smtClean="0"/>
-              <a:t>2/24/2021</a:t>
+              <a:t>2/24/21</a:t>
             </a:fld>
             <a:endParaRPr lang="en-US" dirty="0"/>
           </a:p>
@@ -2083,7 +2642,7 @@
           <a:p>
             <a:fld id="{F0037C11-A992-43DC-841C-4ED15B44942C}" type="datetimeFigureOut">
               <a:rPr lang="en-US" smtClean="0"/>
-              <a:t>2/24/2021</a:t>
+              <a:t>2/24/21</a:t>
             </a:fld>
             <a:endParaRPr lang="en-US" dirty="0"/>
           </a:p>
@@ -2394,7 +2953,7 @@
           <a:p>
             <a:fld id="{F0037C11-A992-43DC-841C-4ED15B44942C}" type="datetimeFigureOut">
               <a:rPr lang="en-US" smtClean="0"/>
-              <a:t>2/24/2021</a:t>
+              <a:t>2/24/21</a:t>
             </a:fld>
             <a:endParaRPr lang="en-US" dirty="0"/>
           </a:p>
@@ -2682,7 +3241,7 @@
           <a:p>
             <a:fld id="{F0037C11-A992-43DC-841C-4ED15B44942C}" type="datetimeFigureOut">
               <a:rPr lang="en-US" smtClean="0"/>
-              <a:t>2/24/2021</a:t>
+              <a:t>2/24/21</a:t>
             </a:fld>
             <a:endParaRPr lang="en-US" dirty="0"/>
           </a:p>
@@ -2926,7 +3485,7 @@
           <a:p>
             <a:fld id="{F0037C11-A992-43DC-841C-4ED15B44942C}" type="datetimeFigureOut">
               <a:rPr lang="en-US" smtClean="0"/>
-              <a:t>2/24/2021</a:t>
+              <a:t>2/24/21</a:t>
             </a:fld>
             <a:endParaRPr lang="en-US" dirty="0"/>
           </a:p>
@@ -3366,7 +3925,7 @@
         </p:blipFill>
         <p:spPr>
           <a:xfrm>
-            <a:off x="20" y="10"/>
+            <a:off x="-10613" y="10"/>
             <a:ext cx="12191980" cy="6857990"/>
           </a:xfrm>
           <a:prstGeom prst="rect">
@@ -3559,39 +4118,20 @@
           <a:p>
             <a:pPr algn="l"/>
             <a:r>
+              <a:rPr lang="en-US" sz="2000" b="1" dirty="0">
+                <a:solidFill>
+                  <a:schemeClr val="tx2"/>
+                </a:solidFill>
+              </a:rPr>
+              <a:t>Team Members</a:t>
+            </a:r>
+            <a:r>
               <a:rPr lang="en-US" sz="2000" dirty="0">
                 <a:solidFill>
                   <a:schemeClr val="tx2"/>
                 </a:solidFill>
               </a:rPr>
-              <a:t>Team Members: Desiree Diaz, Medina </a:t>
-            </a:r>
-            <a:r>
-              <a:rPr lang="en-US" sz="2000" dirty="0" err="1">
-                <a:solidFill>
-                  <a:schemeClr val="tx2"/>
-                </a:solidFill>
-              </a:rPr>
-              <a:t>Izgutdina</a:t>
-            </a:r>
-            <a:r>
-              <a:rPr lang="en-US" sz="2000" dirty="0">
-                <a:solidFill>
-                  <a:schemeClr val="tx2"/>
-                </a:solidFill>
-              </a:rPr>
-              <a:t>,</a:t>
-            </a:r>
-          </a:p>
-          <a:p>
-            <a:pPr algn="l"/>
-            <a:r>
-              <a:rPr lang="en-US" sz="2000" dirty="0">
-                <a:solidFill>
-                  <a:schemeClr val="tx2"/>
-                </a:solidFill>
-              </a:rPr>
-              <a:t> Irene Okada, Wei Zhu</a:t>
+              <a:t>: Desiree Diaz, Medina Izgutdina,  Irene Okada, Wei Zhu</a:t>
             </a:r>
           </a:p>
         </p:txBody>
@@ -3904,7 +4444,7 @@
         </p:nvSpPr>
         <p:spPr>
           <a:xfrm>
-            <a:off x="893342" y="2780526"/>
+            <a:off x="893355" y="2780526"/>
             <a:ext cx="4229071" cy="1569660"/>
           </a:xfrm>
           <a:prstGeom prst="rect">
@@ -3974,7 +4514,7 @@
         </p:nvSpPr>
         <p:spPr>
           <a:xfrm>
-            <a:off x="6503841" y="2780526"/>
+            <a:off x="6711220" y="2780526"/>
             <a:ext cx="4974985" cy="1569660"/>
           </a:xfrm>
           <a:prstGeom prst="rect">
@@ -4073,8 +4613,8 @@
           <a:lstStyle/>
           <a:p>
             <a:r>
-              <a:rPr lang="en-US" sz="4000" dirty="0"/>
-              <a:t>The model had an accuracy of .85</a:t>
+              <a:rPr lang="en-US" sz="4000" b="1" dirty="0"/>
+              <a:t>The model has an accuracy of .85</a:t>
             </a:r>
           </a:p>
         </p:txBody>
@@ -4421,7 +4961,6 @@
           </a:bodyPr>
           <a:lstStyle/>
           <a:p>
-            <a:pPr algn="ctr"/>
             <a:r>
               <a:rPr lang="en-US" sz="2800" kern="1200" dirty="0">
                 <a:solidFill>
@@ -4488,8 +5027,8 @@
         </p:nvSpPr>
         <p:spPr>
           <a:xfrm>
-            <a:off x="381740" y="284085"/>
-            <a:ext cx="5140171" cy="369332"/>
+            <a:off x="717422" y="4907769"/>
+            <a:ext cx="2940178" cy="1200329"/>
           </a:xfrm>
           <a:prstGeom prst="rect">
             <a:avLst/>
@@ -4503,8 +5042,28 @@
           <a:lstStyle/>
           <a:p>
             <a:r>
-              <a:rPr lang="en-US" dirty="0"/>
-              <a:t>Creation of loan application based on model</a:t>
+              <a:rPr lang="en-US" sz="2400" dirty="0">
+                <a:solidFill>
+                  <a:schemeClr val="tx2"/>
+                </a:solidFill>
+              </a:rPr>
+              <a:t>Based on the model, </a:t>
+            </a:r>
+            <a:r>
+              <a:rPr lang="en-US" sz="2400" b="1" dirty="0">
+                <a:solidFill>
+                  <a:schemeClr val="tx2"/>
+                </a:solidFill>
+              </a:rPr>
+              <a:t>Loan Application</a:t>
+            </a:r>
+            <a:r>
+              <a:rPr lang="en-US" sz="2400" dirty="0">
+                <a:solidFill>
+                  <a:schemeClr val="tx2"/>
+                </a:solidFill>
+              </a:rPr>
+              <a:t> was designed</a:t>
             </a:r>
           </a:p>
         </p:txBody>
@@ -5073,7 +5632,7 @@
           <a:p>
             <a:pPr algn="ctr"/>
             <a:r>
-              <a:rPr lang="en-US" sz="4000" dirty="0"/>
+              <a:rPr lang="en-US" sz="4000" b="1" dirty="0"/>
               <a:t>Demonstration:</a:t>
             </a:r>
             <a:br>
@@ -7489,20 +8048,12 @@
               <a:buNone/>
             </a:pPr>
             <a:r>
-              <a:rPr lang="en-US" sz="2400" u="sng" dirty="0">
-                <a:solidFill>
-                  <a:schemeClr val="tx2"/>
-                </a:solidFill>
-              </a:rPr>
-              <a:t>Data source </a:t>
-            </a:r>
-            <a:r>
               <a:rPr lang="en-US" sz="2400" dirty="0">
                 <a:solidFill>
                   <a:schemeClr val="tx2"/>
                 </a:solidFill>
               </a:rPr>
-              <a:t>: </a:t>
+              <a:t>Data source: </a:t>
             </a:r>
           </a:p>
           <a:p>
@@ -7557,11 +8108,7 @@
                   <a:schemeClr val="tx2"/>
                 </a:solidFill>
               </a:rPr>
-              <a:t> </a:t>
-            </a:r>
-            <a:r>
-              <a:rPr lang="en-US" sz="2400" dirty="0"/>
-              <a:t>Credit history, Loan amount, Loan term, Applicant salary, Co applicant salary, Resident location type (rural, urban, suburban), #Dependents, Marriage status, Graduate status, Employment status, approval status</a:t>
+              <a:t>Credit history, Loan amount, Loan term, Applicant salary, Co-applicant salary, Resident location type (Rural, Urban, Suburban), Number of Dependents, Marriage status, Graduate status, Employment status, Approval status</a:t>
             </a:r>
           </a:p>
           <a:p>
@@ -7730,7 +8277,7 @@
         </p:blipFill>
         <p:spPr>
           <a:xfrm>
-            <a:off x="568960" y="317022"/>
+            <a:off x="568960" y="194007"/>
             <a:ext cx="5327015" cy="6245703"/>
           </a:xfrm>
         </p:spPr>
@@ -7759,7 +8306,7 @@
         </p:blipFill>
         <p:spPr>
           <a:xfrm>
-            <a:off x="6709741" y="643239"/>
+            <a:off x="6374765" y="193097"/>
             <a:ext cx="5248275" cy="6229928"/>
           </a:xfrm>
           <a:prstGeom prst="rect">
@@ -7908,24 +8455,6 @@
               </a:rPr>
               <a:t>Income vs Loan amount: 2 incomes more consistent with higher loan</a:t>
             </a:r>
-            <a:br>
-              <a:rPr lang="en-US" sz="2200" kern="1200" dirty="0">
-                <a:solidFill>
-                  <a:schemeClr val="bg1"/>
-                </a:solidFill>
-                <a:latin typeface="+mj-lt"/>
-                <a:ea typeface="+mj-ea"/>
-                <a:cs typeface="+mj-cs"/>
-              </a:rPr>
-            </a:br>
-            <a:endParaRPr lang="en-US" sz="2200" kern="1200" dirty="0">
-              <a:solidFill>
-                <a:schemeClr val="bg1"/>
-              </a:solidFill>
-              <a:latin typeface="+mj-lt"/>
-              <a:ea typeface="+mj-ea"/>
-              <a:cs typeface="+mj-cs"/>
-            </a:endParaRPr>
           </a:p>
         </p:txBody>
       </p:sp>
@@ -8067,6 +8596,81 @@
           </a:prstGeom>
         </p:spPr>
       </p:pic>
+      <p:sp>
+        <p:nvSpPr>
+          <p:cNvPr id="4" name="TextBox 3">
+            <a:hlinkClick r:id="rId4"/>
+            <a:extLst>
+              <a:ext uri="{FF2B5EF4-FFF2-40B4-BE49-F238E27FC236}">
+                <a16:creationId xmlns:a16="http://schemas.microsoft.com/office/drawing/2014/main" id="{141B29ED-2F0F-F24A-854C-7585EEDE1018}"/>
+              </a:ext>
+            </a:extLst>
+          </p:cNvPr>
+          <p:cNvSpPr txBox="1"/>
+          <p:nvPr/>
+        </p:nvSpPr>
+        <p:spPr>
+          <a:xfrm>
+            <a:off x="5609215" y="6365724"/>
+            <a:ext cx="4473153" cy="307777"/>
+          </a:xfrm>
+          <a:prstGeom prst="rect">
+            <a:avLst/>
+          </a:prstGeom>
+          <a:noFill/>
+        </p:spPr>
+        <p:txBody>
+          <a:bodyPr wrap="square">
+            <a:spAutoFit/>
+          </a:bodyPr>
+          <a:lstStyle/>
+          <a:p>
+            <a:r>
+              <a:rPr lang="en-US" sz="1400" b="0" i="0" kern="1200" dirty="0">
+                <a:solidFill>
+                  <a:schemeClr val="tx2"/>
+                </a:solidFill>
+                <a:effectLst/>
+                <a:latin typeface="+mj-lt"/>
+                <a:ea typeface="+mj-ea"/>
+                <a:cs typeface="+mj-cs"/>
+                <a:hlinkClick r:id="rId4"/>
+              </a:rPr>
+              <a:t>https://public.tableau.com/profile/</a:t>
+            </a:r>
+            <a:r>
+              <a:rPr lang="en-US" sz="1400" b="0" i="0" u="none" strike="noStrike" kern="1200" dirty="0">
+                <a:solidFill>
+                  <a:schemeClr val="tx2"/>
+                </a:solidFill>
+                <a:effectLst/>
+                <a:latin typeface="+mj-lt"/>
+                <a:ea typeface="+mj-ea"/>
+                <a:cs typeface="+mj-cs"/>
+                <a:hlinkClick r:id="rId4"/>
+              </a:rPr>
+              <a:t>ireneokada</a:t>
+            </a:r>
+            <a:r>
+              <a:rPr lang="en-US" sz="1400" b="0" i="0" u="none" strike="noStrike" kern="1200" dirty="0">
+                <a:solidFill>
+                  <a:schemeClr val="tx2"/>
+                </a:solidFill>
+                <a:effectLst/>
+                <a:latin typeface="+mj-lt"/>
+                <a:ea typeface="+mj-ea"/>
+                <a:cs typeface="+mj-cs"/>
+              </a:rPr>
+              <a:t> </a:t>
+            </a:r>
+            <a:endParaRPr lang="en-US" sz="1400" dirty="0">
+              <a:solidFill>
+                <a:schemeClr val="tx2"/>
+              </a:solidFill>
+            </a:endParaRPr>
+          </a:p>
+        </p:txBody>
+      </p:sp>
     </p:spTree>
     <p:extLst>
       <p:ext uri="{BB962C8B-B14F-4D97-AF65-F5344CB8AC3E}">
@@ -8320,7 +8924,7 @@
         </p:nvSpPr>
         <p:spPr>
           <a:xfrm>
-            <a:off x="546351" y="2596836"/>
+            <a:off x="505794" y="2596836"/>
             <a:ext cx="4889170" cy="2862322"/>
           </a:xfrm>
           <a:prstGeom prst="rect">
@@ -8339,7 +8943,7 @@
           <a:p>
             <a:r>
               <a:rPr lang="en-US" sz="2000" dirty="0"/>
-              <a:t>Overall:  approval rates were higher for men, those who are married,  suburbanites, graduates and those with a co-applicant </a:t>
+              <a:t>Overall: approval rates were higher for men, those who are married,  suburbanites, graduates and those with a co-applicant </a:t>
             </a:r>
           </a:p>
           <a:p>
@@ -8361,10 +8965,10 @@
       </p:sp>
       <p:sp>
         <p:nvSpPr>
-          <p:cNvPr id="37" name="TextBox 36">
-            <a:extLst>
-              <a:ext uri="{FF2B5EF4-FFF2-40B4-BE49-F238E27FC236}">
-                <a16:creationId xmlns:a16="http://schemas.microsoft.com/office/drawing/2014/main" id="{42262C61-BB00-4BBD-B874-84A537CAF99F}"/>
+          <p:cNvPr id="10" name="TextBox 9">
+            <a:extLst>
+              <a:ext uri="{FF2B5EF4-FFF2-40B4-BE49-F238E27FC236}">
+                <a16:creationId xmlns:a16="http://schemas.microsoft.com/office/drawing/2014/main" id="{A95FE2A4-2326-4245-A00E-DD939689F2AB}"/>
               </a:ext>
             </a:extLst>
           </p:cNvPr>
@@ -8373,8 +8977,8 @@
         </p:nvSpPr>
         <p:spPr>
           <a:xfrm>
-            <a:off x="6797049" y="2596836"/>
-            <a:ext cx="4501596" cy="1631216"/>
+            <a:off x="6797036" y="2598768"/>
+            <a:ext cx="4889170" cy="2862322"/>
           </a:xfrm>
           <a:prstGeom prst="rect">
             <a:avLst/>
@@ -8392,62 +8996,23 @@
           <a:p>
             <a:r>
               <a:rPr lang="en-US" sz="2000" dirty="0"/>
-              <a:t>Overall: average loan amounts seem higher for graduates, those with a co applicant and those with &gt;1 dependent</a:t>
+              <a:t>Overall: average loan amounts seem higher for graduates, those with a co-applicant and those with &gt;1 dependent</a:t>
             </a:r>
           </a:p>
           <a:p>
             <a:endParaRPr lang="en-US" sz="2000" dirty="0"/>
           </a:p>
-        </p:txBody>
-      </p:sp>
-      <p:sp>
-        <p:nvSpPr>
-          <p:cNvPr id="9" name="TextBox 8">
-            <a:hlinkClick r:id="rId2"/>
-            <a:extLst>
-              <a:ext uri="{FF2B5EF4-FFF2-40B4-BE49-F238E27FC236}">
-                <a16:creationId xmlns:a16="http://schemas.microsoft.com/office/drawing/2014/main" id="{0200A289-A7A1-45B5-BFD9-26C3327F5384}"/>
-              </a:ext>
-            </a:extLst>
-          </p:cNvPr>
-          <p:cNvSpPr txBox="1"/>
-          <p:nvPr/>
-        </p:nvSpPr>
-        <p:spPr>
-          <a:xfrm>
-            <a:off x="702529" y="6221728"/>
-            <a:ext cx="6094520" cy="369332"/>
-          </a:xfrm>
-          <a:prstGeom prst="rect">
-            <a:avLst/>
-          </a:prstGeom>
-          <a:noFill/>
-        </p:spPr>
-        <p:txBody>
-          <a:bodyPr wrap="square">
-            <a:spAutoFit/>
-          </a:bodyPr>
-          <a:lstStyle/>
-          <a:p>
-            <a:r>
-              <a:rPr lang="en-US" sz="1800" b="0" i="0" kern="1200" dirty="0">
-                <a:effectLst/>
-                <a:latin typeface="+mj-lt"/>
-                <a:ea typeface="+mj-ea"/>
-                <a:cs typeface="+mj-cs"/>
-              </a:rPr>
-              <a:t>https://public.tableau.com/profile/</a:t>
-            </a:r>
-            <a:r>
-              <a:rPr lang="en-US" sz="1800" b="0" i="0" u="none" strike="noStrike" kern="1200" dirty="0">
-                <a:effectLst/>
-                <a:latin typeface="+mj-lt"/>
-                <a:ea typeface="+mj-ea"/>
-                <a:cs typeface="+mj-cs"/>
-              </a:rPr>
-              <a:t>ireneokada</a:t>
-            </a:r>
-            <a:endParaRPr lang="en-US" dirty="0"/>
+          <a:p>
+            <a:endParaRPr lang="en-US" sz="2000" dirty="0"/>
+          </a:p>
+          <a:p>
+            <a:endParaRPr lang="en-US" sz="2000" dirty="0"/>
+          </a:p>
+          <a:p>
+            <a:endParaRPr lang="en-US" sz="2000" dirty="0"/>
+          </a:p>
+          <a:p>
+            <a:endParaRPr lang="en-US" sz="2000" dirty="0"/>
           </a:p>
         </p:txBody>
       </p:sp>
@@ -8567,7 +9132,7 @@
         </p:nvSpPr>
         <p:spPr>
           <a:xfrm>
-            <a:off x="4850296" y="365126"/>
+            <a:off x="5165984" y="212722"/>
             <a:ext cx="6503502" cy="628788"/>
           </a:xfrm>
         </p:spPr>
@@ -8578,7 +9143,11 @@
           <a:lstStyle/>
           <a:p>
             <a:r>
-              <a:rPr lang="en-US" dirty="0"/>
+              <a:rPr lang="en-US" b="1" dirty="0">
+                <a:solidFill>
+                  <a:schemeClr val="tx2"/>
+                </a:solidFill>
+              </a:rPr>
               <a:t>Explanatory model</a:t>
             </a:r>
           </a:p>
@@ -8990,17 +9559,29 @@
           <a:lstStyle/>
           <a:p>
             <a:r>
-              <a:rPr lang="en-US" sz="1800" dirty="0"/>
-              <a:t>Dependent variable (Y): Loan Approval (Y/N)</a:t>
-            </a:r>
-          </a:p>
-          <a:p>
-            <a:endParaRPr lang="en-US" sz="1800" dirty="0"/>
-          </a:p>
-          <a:p>
-            <a:r>
-              <a:rPr lang="en-US" sz="1800" dirty="0"/>
-              <a:t>Independent/predictor variables:</a:t>
+              <a:rPr lang="en-US" sz="1800" dirty="0">
+                <a:solidFill>
+                  <a:schemeClr val="tx2"/>
+                </a:solidFill>
+              </a:rPr>
+              <a:t>Dependent variable (y): Loan Approval (Y/N)</a:t>
+            </a:r>
+          </a:p>
+          <a:p>
+            <a:endParaRPr lang="en-US" sz="1800" dirty="0">
+              <a:solidFill>
+                <a:schemeClr val="tx2"/>
+              </a:solidFill>
+            </a:endParaRPr>
+          </a:p>
+          <a:p>
+            <a:r>
+              <a:rPr lang="en-US" sz="1800" dirty="0">
+                <a:solidFill>
+                  <a:schemeClr val="tx2"/>
+                </a:solidFill>
+              </a:rPr>
+              <a:t>Independent/predictor variables (X):</a:t>
             </a:r>
           </a:p>
           <a:p>
@@ -9008,7 +9589,11 @@
               <a:buNone/>
             </a:pPr>
             <a:r>
-              <a:rPr lang="en-US" sz="1800" dirty="0"/>
+              <a:rPr lang="en-US" sz="1800" dirty="0">
+                <a:solidFill>
+                  <a:schemeClr val="tx2"/>
+                </a:solidFill>
+              </a:rPr>
               <a:t>	Credit history</a:t>
             </a:r>
           </a:p>
@@ -9017,7 +9602,11 @@
               <a:buNone/>
             </a:pPr>
             <a:r>
-              <a:rPr lang="en-US" sz="1800" dirty="0"/>
+              <a:rPr lang="en-US" sz="1800" dirty="0">
+                <a:solidFill>
+                  <a:schemeClr val="tx2"/>
+                </a:solidFill>
+              </a:rPr>
               <a:t>	Loan amount</a:t>
             </a:r>
           </a:p>
@@ -9026,7 +9615,11 @@
               <a:buNone/>
             </a:pPr>
             <a:r>
-              <a:rPr lang="en-US" sz="1800" dirty="0"/>
+              <a:rPr lang="en-US" sz="1800" dirty="0">
+                <a:solidFill>
+                  <a:schemeClr val="tx2"/>
+                </a:solidFill>
+              </a:rPr>
               <a:t>	Loan term</a:t>
             </a:r>
           </a:p>
@@ -9035,7 +9628,11 @@
               <a:buNone/>
             </a:pPr>
             <a:r>
-              <a:rPr lang="en-US" sz="1800" dirty="0"/>
+              <a:rPr lang="en-US" sz="1800" dirty="0">
+                <a:solidFill>
+                  <a:schemeClr val="tx2"/>
+                </a:solidFill>
+              </a:rPr>
               <a:t>	Applicant salary</a:t>
             </a:r>
           </a:p>
@@ -9044,8 +9641,12 @@
               <a:buNone/>
             </a:pPr>
             <a:r>
-              <a:rPr lang="en-US" sz="1800" dirty="0"/>
-              <a:t>	Co applicant salary</a:t>
+              <a:rPr lang="en-US" sz="1800" dirty="0">
+                <a:solidFill>
+                  <a:schemeClr val="tx2"/>
+                </a:solidFill>
+              </a:rPr>
+              <a:t>	Co-applicant salary</a:t>
             </a:r>
           </a:p>
           <a:p>
@@ -9053,8 +9654,12 @@
               <a:buNone/>
             </a:pPr>
             <a:r>
-              <a:rPr lang="en-US" sz="1800" dirty="0"/>
-              <a:t>	Resident location type (rural, urban, suburban)</a:t>
+              <a:rPr lang="en-US" sz="1800" dirty="0">
+                <a:solidFill>
+                  <a:schemeClr val="tx2"/>
+                </a:solidFill>
+              </a:rPr>
+              <a:t>	Resident location type (Rural, Urban, Suburban)</a:t>
             </a:r>
           </a:p>
           <a:p>
@@ -9062,8 +9667,12 @@
               <a:buNone/>
             </a:pPr>
             <a:r>
-              <a:rPr lang="en-US" sz="1800" dirty="0"/>
-              <a:t>	#Dependents</a:t>
+              <a:rPr lang="en-US" sz="1800" dirty="0">
+                <a:solidFill>
+                  <a:schemeClr val="tx2"/>
+                </a:solidFill>
+              </a:rPr>
+              <a:t>	Number of Dependents</a:t>
             </a:r>
           </a:p>
           <a:p>
@@ -9071,7 +9680,11 @@
               <a:buNone/>
             </a:pPr>
             <a:r>
-              <a:rPr lang="en-US" sz="1800" dirty="0"/>
+              <a:rPr lang="en-US" sz="1800" dirty="0">
+                <a:solidFill>
+                  <a:schemeClr val="tx2"/>
+                </a:solidFill>
+              </a:rPr>
               <a:t>	Marriage status</a:t>
             </a:r>
           </a:p>
@@ -9080,7 +9693,11 @@
               <a:buNone/>
             </a:pPr>
             <a:r>
-              <a:rPr lang="en-US" sz="1800" dirty="0"/>
+              <a:rPr lang="en-US" sz="1800" dirty="0">
+                <a:solidFill>
+                  <a:schemeClr val="tx2"/>
+                </a:solidFill>
+              </a:rPr>
               <a:t>	Graduate or not</a:t>
             </a:r>
           </a:p>
@@ -9089,8 +9706,12 @@
               <a:buNone/>
             </a:pPr>
             <a:r>
-              <a:rPr lang="en-US" sz="1800" dirty="0"/>
-              <a:t>	Employed vs self-employed</a:t>
+              <a:rPr lang="en-US" sz="1800" dirty="0">
+                <a:solidFill>
+                  <a:schemeClr val="tx2"/>
+                </a:solidFill>
+              </a:rPr>
+              <a:t>	Self-employed or not</a:t>
             </a:r>
           </a:p>
           <a:p>
@@ -9722,12 +10343,12 @@
           <a:lstStyle/>
           <a:p>
             <a:r>
-              <a:rPr lang="en-US" sz="4000">
+              <a:rPr lang="en-US" sz="4000" dirty="0">
                 <a:solidFill>
                   <a:srgbClr val="FFFFFF"/>
                 </a:solidFill>
               </a:rPr>
-              <a:t>Model used: Gradient Boosting classifier with pipeline ML workflow</a:t>
+              <a:t>Model: Gradient Boosting Classifier with Pipeline ML workflow</a:t>
             </a:r>
           </a:p>
         </p:txBody>
@@ -9767,7 +10388,17 @@
               <a:rPr lang="en-US" sz="1800" i="0" dirty="0">
                 <a:effectLst/>
               </a:rPr>
-              <a:t>•Model Used: Gradient boosting classifier</a:t>
+              <a:t>•Model Used: Gradient Boosting </a:t>
+            </a:r>
+            <a:r>
+              <a:rPr lang="en-US" sz="1800" dirty="0"/>
+              <a:t>C</a:t>
+            </a:r>
+            <a:r>
+              <a:rPr lang="en-US" sz="1800" i="0" dirty="0">
+                <a:effectLst/>
+              </a:rPr>
+              <a:t>lassifier</a:t>
             </a:r>
             <a:br>
               <a:rPr lang="en-US" sz="1800" dirty="0"/>
@@ -9797,7 +10428,7 @@
               <a:rPr lang="en-US" sz="1800" i="0" dirty="0">
                 <a:effectLst/>
               </a:rPr>
-              <a:t>•This helped with preprocessing our data and transforming categorical data</a:t>
+              <a:t>•This helped with pre-processing of our data and transforming of categorical data</a:t>
             </a:r>
             <a:br>
               <a:rPr lang="en-US" sz="1800" dirty="0"/>
@@ -9815,7 +10446,7 @@
               <a:rPr lang="en-US" sz="1800" i="0" dirty="0">
                 <a:effectLst/>
               </a:rPr>
-              <a:t>•ML model created through the training process</a:t>
+              <a:t>•Created ML model was trained on the existing dataset</a:t>
             </a:r>
             <a:br>
               <a:rPr lang="en-US" sz="1800" dirty="0"/>
@@ -9824,7 +10455,7 @@
               <a:rPr lang="en-US" sz="1800" i="0" dirty="0">
                 <a:effectLst/>
               </a:rPr>
-              <a:t>•The learning algorithm finds patterns in training the data that maps input data to the target (or outcome to be predicted)</a:t>
+              <a:t>•The learning algorithm finds patterns in training data that maps input data to the target (or outcome to be predicted)</a:t>
             </a:r>
             <a:br>
               <a:rPr lang="en-US" sz="1800" dirty="0"/>
@@ -9841,15 +10472,15 @@
       </p:sp>
       <p:pic>
         <p:nvPicPr>
-          <p:cNvPr id="2050" name="Picture 2" descr="Image result for diagram pipeline ml">
-            <a:extLst>
-              <a:ext uri="{FF2B5EF4-FFF2-40B4-BE49-F238E27FC236}">
-                <a16:creationId xmlns:a16="http://schemas.microsoft.com/office/drawing/2014/main" id="{4BBB5768-EC73-405A-9E92-6DB3ECB2740A}"/>
+          <p:cNvPr id="9" name="Content Placeholder 8" descr="Diagram&#10;&#10;Description automatically generated">
+            <a:extLst>
+              <a:ext uri="{FF2B5EF4-FFF2-40B4-BE49-F238E27FC236}">
+                <a16:creationId xmlns:a16="http://schemas.microsoft.com/office/drawing/2014/main" id="{C16FB944-49A1-9B42-968F-F233F95AFE59}"/>
               </a:ext>
             </a:extLst>
           </p:cNvPr>
           <p:cNvPicPr>
-            <a:picLocks noGrp="1" noChangeAspect="1" noChangeArrowheads="1"/>
+            <a:picLocks noGrp="1" noChangeAspect="1"/>
           </p:cNvPicPr>
           <p:nvPr>
             <p:ph sz="half" idx="2"/>
@@ -9857,33 +10488,30 @@
         </p:nvPicPr>
         <p:blipFill rotWithShape="1">
           <a:blip r:embed="rId2">
+            <a:clrChange>
+              <a:clrFrom>
+                <a:srgbClr val="D8D9D9"/>
+              </a:clrFrom>
+              <a:clrTo>
+                <a:srgbClr val="D8D9D9">
+                  <a:alpha val="0"/>
+                </a:srgbClr>
+              </a:clrTo>
+            </a:clrChange>
             <a:extLst>
               <a:ext uri="{28A0092B-C50C-407E-A947-70E740481C1C}">
                 <a14:useLocalDpi xmlns:a14="http://schemas.microsoft.com/office/drawing/2010/main" val="0"/>
               </a:ext>
             </a:extLst>
           </a:blip>
-          <a:srcRect t="5176"/>
+          <a:srcRect t="8173"/>
           <a:stretch/>
         </p:blipFill>
-        <p:spPr bwMode="auto">
+        <p:spPr>
           <a:xfrm>
-            <a:off x="6098892" y="2492376"/>
-            <a:ext cx="4802404" cy="3563372"/>
+            <a:off x="6172200" y="2209457"/>
+            <a:ext cx="5181600" cy="3722504"/>
           </a:xfrm>
-          <a:prstGeom prst="rect">
-            <a:avLst/>
-          </a:prstGeom>
-          <a:noFill/>
-          <a:extLst>
-            <a:ext uri="{909E8E84-426E-40DD-AFC4-6F175D3DCCD1}">
-              <a14:hiddenFill xmlns:a14="http://schemas.microsoft.com/office/drawing/2010/main">
-                <a:solidFill>
-                  <a:srgbClr val="FFFFFF"/>
-                </a:solidFill>
-              </a14:hiddenFill>
-            </a:ext>
-          </a:extLst>
         </p:spPr>
       </p:pic>
     </p:spTree>
@@ -10024,7 +10652,7 @@
                   <a:srgbClr val="FFFFFF"/>
                 </a:solidFill>
               </a:rPr>
-              <a:t>Featured factors in loan approval are credit history,  loan amount, applicant and co-applicant income. When credit history is removed importance expands to suburban location and  those with 2-3 dependents</a:t>
+              <a:t>Featured factors in loan approval are Credit History, Loan Amount, Applicant and Co-applicant Income. When Credit History is removed importance expands to Suburban location and those with 2-3 Dependents</a:t>
             </a:r>
           </a:p>
         </p:txBody>
@@ -10081,44 +10709,6 @@
           </a:fontRef>
         </p:style>
       </p:cxnSp>
-      <p:pic>
-        <p:nvPicPr>
-          <p:cNvPr id="12" name="Content Placeholder 11" descr="Chart, bar chart&#10;&#10;Description automatically generated">
-            <a:extLst>
-              <a:ext uri="{FF2B5EF4-FFF2-40B4-BE49-F238E27FC236}">
-                <a16:creationId xmlns:a16="http://schemas.microsoft.com/office/drawing/2014/main" id="{95D31784-AB94-4AE8-AB35-4B71D60F1999}"/>
-              </a:ext>
-            </a:extLst>
-          </p:cNvPr>
-          <p:cNvPicPr>
-            <a:picLocks noGrp="1" noChangeAspect="1"/>
-          </p:cNvPicPr>
-          <p:nvPr>
-            <p:ph sz="half" idx="2"/>
-          </p:nvPr>
-        </p:nvPicPr>
-        <p:blipFill>
-          <a:blip r:embed="rId2">
-            <a:extLst>
-              <a:ext uri="{28A0092B-C50C-407E-A947-70E740481C1C}">
-                <a14:useLocalDpi xmlns:a14="http://schemas.microsoft.com/office/drawing/2010/main" val="0"/>
-              </a:ext>
-            </a:extLst>
-          </a:blip>
-          <a:stretch>
-            <a:fillRect/>
-          </a:stretch>
-        </p:blipFill>
-        <p:spPr>
-          <a:xfrm>
-            <a:off x="748752" y="2426818"/>
-            <a:ext cx="4621546" cy="3997637"/>
-          </a:xfrm>
-          <a:prstGeom prst="rect">
-            <a:avLst/>
-          </a:prstGeom>
-        </p:spPr>
-      </p:pic>
       <p:cxnSp>
         <p:nvCxnSpPr>
           <p:cNvPr id="21" name="Straight Connector 20">
@@ -10173,19 +10763,17 @@
       </p:cxnSp>
       <p:pic>
         <p:nvPicPr>
-          <p:cNvPr id="6" name="Content Placeholder 5" descr="Graphical user interface&#10;&#10;Description automatically generated with low confidence">
-            <a:extLst>
-              <a:ext uri="{FF2B5EF4-FFF2-40B4-BE49-F238E27FC236}">
-                <a16:creationId xmlns:a16="http://schemas.microsoft.com/office/drawing/2014/main" id="{F343D4C4-8663-47E8-B673-E288593D5E92}"/>
+          <p:cNvPr id="20" name="Picture 19">
+            <a:extLst>
+              <a:ext uri="{FF2B5EF4-FFF2-40B4-BE49-F238E27FC236}">
+                <a16:creationId xmlns:a16="http://schemas.microsoft.com/office/drawing/2014/main" id="{2072415A-65B3-7F4B-B9C9-52EB5260CFF7}"/>
               </a:ext>
             </a:extLst>
           </p:cNvPr>
           <p:cNvPicPr>
-            <a:picLocks noGrp="1" noChangeAspect="1"/>
+            <a:picLocks noChangeAspect="1"/>
           </p:cNvPicPr>
-          <p:nvPr>
-            <p:ph sz="half" idx="1"/>
-          </p:nvPr>
+          <p:nvPr/>
         </p:nvPicPr>
         <p:blipFill>
           <a:blip r:embed="rId3">
@@ -10201,14 +10789,110 @@
         </p:blipFill>
         <p:spPr>
           <a:xfrm>
-            <a:off x="6445073" y="2897980"/>
-            <a:ext cx="5455917" cy="3055313"/>
+            <a:off x="6589746" y="2184132"/>
+            <a:ext cx="4874618" cy="4728313"/>
           </a:xfrm>
           <a:prstGeom prst="rect">
             <a:avLst/>
           </a:prstGeom>
         </p:spPr>
       </p:pic>
+      <p:grpSp>
+        <p:nvGrpSpPr>
+          <p:cNvPr id="23" name="Group 22">
+            <a:extLst>
+              <a:ext uri="{FF2B5EF4-FFF2-40B4-BE49-F238E27FC236}">
+                <a16:creationId xmlns:a16="http://schemas.microsoft.com/office/drawing/2014/main" id="{AB7141BF-ABB9-5345-9DEE-3BE9F4D4626E}"/>
+              </a:ext>
+            </a:extLst>
+          </p:cNvPr>
+          <p:cNvGrpSpPr/>
+          <p:nvPr/>
+        </p:nvGrpSpPr>
+        <p:grpSpPr>
+          <a:xfrm>
+            <a:off x="874530" y="2184790"/>
+            <a:ext cx="4744217" cy="4678870"/>
+            <a:chOff x="874530" y="2184790"/>
+            <a:chExt cx="4744217" cy="4678870"/>
+          </a:xfrm>
+        </p:grpSpPr>
+        <p:pic>
+          <p:nvPicPr>
+            <p:cNvPr id="15" name="Picture 14">
+              <a:extLst>
+                <a:ext uri="{FF2B5EF4-FFF2-40B4-BE49-F238E27FC236}">
+                  <a16:creationId xmlns:a16="http://schemas.microsoft.com/office/drawing/2014/main" id="{8B9323F5-273F-A140-8068-97EB48AC55A6}"/>
+                </a:ext>
+              </a:extLst>
+            </p:cNvPr>
+            <p:cNvPicPr>
+              <a:picLocks noChangeAspect="1"/>
+            </p:cNvPicPr>
+            <p:nvPr/>
+          </p:nvPicPr>
+          <p:blipFill>
+            <a:blip r:embed="rId4">
+              <a:extLst>
+                <a:ext uri="{28A0092B-C50C-407E-A947-70E740481C1C}">
+                  <a14:useLocalDpi xmlns:a14="http://schemas.microsoft.com/office/drawing/2010/main" val="0"/>
+                </a:ext>
+              </a:extLst>
+            </a:blip>
+            <a:stretch>
+              <a:fillRect/>
+            </a:stretch>
+          </p:blipFill>
+          <p:spPr>
+            <a:xfrm>
+              <a:off x="874530" y="2184790"/>
+              <a:ext cx="4744217" cy="4678870"/>
+            </a:xfrm>
+            <a:prstGeom prst="rect">
+              <a:avLst/>
+            </a:prstGeom>
+          </p:spPr>
+        </p:pic>
+        <p:sp>
+          <p:nvSpPr>
+            <p:cNvPr id="22" name="TextBox 21">
+              <a:extLst>
+                <a:ext uri="{FF2B5EF4-FFF2-40B4-BE49-F238E27FC236}">
+                  <a16:creationId xmlns:a16="http://schemas.microsoft.com/office/drawing/2014/main" id="{B7176D66-F260-AD40-8236-5DE18415FA6B}"/>
+                </a:ext>
+              </a:extLst>
+            </p:cNvPr>
+            <p:cNvSpPr txBox="1"/>
+            <p:nvPr/>
+          </p:nvSpPr>
+          <p:spPr>
+            <a:xfrm>
+              <a:off x="1684421" y="2489114"/>
+              <a:ext cx="269625" cy="215444"/>
+            </a:xfrm>
+            <a:prstGeom prst="rect">
+              <a:avLst/>
+            </a:prstGeom>
+            <a:noFill/>
+          </p:spPr>
+          <p:txBody>
+            <a:bodyPr wrap="square" rtlCol="0">
+              <a:spAutoFit/>
+            </a:bodyPr>
+            <a:lstStyle/>
+            <a:p>
+              <a:r>
+                <a:rPr lang="en-US" sz="800" dirty="0">
+                  <a:solidFill>
+                    <a:schemeClr val="accent1"/>
+                  </a:solidFill>
+                </a:rPr>
+                <a:t>✱</a:t>
+              </a:r>
+            </a:p>
+          </p:txBody>
+        </p:sp>
+      </p:grpSp>
     </p:spTree>
     <p:extLst>
       <p:ext uri="{BB962C8B-B14F-4D97-AF65-F5344CB8AC3E}">
@@ -10515,4 +11199,299 @@
     </a:ext>
   </a:extLst>
 </a:theme>
+</file>
+
+<file path=ppt/theme/theme2.xml><?xml version="1.0" encoding="utf-8"?>
+<a:theme xmlns:a="http://schemas.openxmlformats.org/drawingml/2006/main" name="Office Theme">
+  <a:themeElements>
+    <a:clrScheme name="Office">
+      <a:dk1>
+        <a:sysClr val="windowText" lastClr="000000"/>
+      </a:dk1>
+      <a:lt1>
+        <a:sysClr val="window" lastClr="FFFFFF"/>
+      </a:lt1>
+      <a:dk2>
+        <a:srgbClr val="44546A"/>
+      </a:dk2>
+      <a:lt2>
+        <a:srgbClr val="E7E6E6"/>
+      </a:lt2>
+      <a:accent1>
+        <a:srgbClr val="4472C4"/>
+      </a:accent1>
+      <a:accent2>
+        <a:srgbClr val="ED7D31"/>
+      </a:accent2>
+      <a:accent3>
+        <a:srgbClr val="A5A5A5"/>
+      </a:accent3>
+      <a:accent4>
+        <a:srgbClr val="FFC000"/>
+      </a:accent4>
+      <a:accent5>
+        <a:srgbClr val="5B9BD5"/>
+      </a:accent5>
+      <a:accent6>
+        <a:srgbClr val="70AD47"/>
+      </a:accent6>
+      <a:hlink>
+        <a:srgbClr val="0563C1"/>
+      </a:hlink>
+      <a:folHlink>
+        <a:srgbClr val="954F72"/>
+      </a:folHlink>
+    </a:clrScheme>
+    <a:fontScheme name="Office">
+      <a:majorFont>
+        <a:latin typeface="Calibri Light" panose="020F0302020204030204"/>
+        <a:ea typeface=""/>
+        <a:cs typeface=""/>
+        <a:font script="Jpan" typeface="游ゴシック Light"/>
+        <a:font script="Hang" typeface="맑은 고딕"/>
+        <a:font script="Hans" typeface="等线 Light"/>
+        <a:font script="Hant" typeface="新細明體"/>
+        <a:font script="Arab" typeface="Times New Roman"/>
+        <a:font script="Hebr" typeface="Times New Roman"/>
+        <a:font script="Thai" typeface="Angsana New"/>
+        <a:font script="Ethi" typeface="Nyala"/>
+        <a:font script="Beng" typeface="Vrinda"/>
+        <a:font script="Gujr" typeface="Shruti"/>
+        <a:font script="Khmr" typeface="MoolBoran"/>
+        <a:font script="Knda" typeface="Tunga"/>
+        <a:font script="Guru" typeface="Raavi"/>
+        <a:font script="Cans" typeface="Euphemia"/>
+        <a:font script="Cher" typeface="Plantagenet Cherokee"/>
+        <a:font script="Yiii" typeface="Microsoft Yi Baiti"/>
+        <a:font script="Tibt" typeface="Microsoft Himalaya"/>
+        <a:font script="Thaa" typeface="MV Boli"/>
+        <a:font script="Deva" typeface="Mangal"/>
+        <a:font script="Telu" typeface="Gautami"/>
+        <a:font script="Taml" typeface="Latha"/>
+        <a:font script="Syrc" typeface="Estrangelo Edessa"/>
+        <a:font script="Orya" typeface="Kalinga"/>
+        <a:font script="Mlym" typeface="Kartika"/>
+        <a:font script="Laoo" typeface="DokChampa"/>
+        <a:font script="Sinh" typeface="Iskoola Pota"/>
+        <a:font script="Mong" typeface="Mongolian Baiti"/>
+        <a:font script="Viet" typeface="Times New Roman"/>
+        <a:font script="Uigh" typeface="Microsoft Uighur"/>
+        <a:font script="Geor" typeface="Sylfaen"/>
+        <a:font script="Armn" typeface="Arial"/>
+        <a:font script="Bugi" typeface="Leelawadee UI"/>
+        <a:font script="Bopo" typeface="Microsoft JhengHei"/>
+        <a:font script="Java" typeface="Javanese Text"/>
+        <a:font script="Lisu" typeface="Segoe UI"/>
+        <a:font script="Mymr" typeface="Myanmar Text"/>
+        <a:font script="Nkoo" typeface="Ebrima"/>
+        <a:font script="Olck" typeface="Nirmala UI"/>
+        <a:font script="Osma" typeface="Ebrima"/>
+        <a:font script="Phag" typeface="Phagspa"/>
+        <a:font script="Syrn" typeface="Estrangelo Edessa"/>
+        <a:font script="Syrj" typeface="Estrangelo Edessa"/>
+        <a:font script="Syre" typeface="Estrangelo Edessa"/>
+        <a:font script="Sora" typeface="Nirmala UI"/>
+        <a:font script="Tale" typeface="Microsoft Tai Le"/>
+        <a:font script="Talu" typeface="Microsoft New Tai Lue"/>
+        <a:font script="Tfng" typeface="Ebrima"/>
+      </a:majorFont>
+      <a:minorFont>
+        <a:latin typeface="Calibri" panose="020F0502020204030204"/>
+        <a:ea typeface=""/>
+        <a:cs typeface=""/>
+        <a:font script="Jpan" typeface="游ゴシック"/>
+        <a:font script="Hang" typeface="맑은 고딕"/>
+        <a:font script="Hans" typeface="等线"/>
+        <a:font script="Hant" typeface="新細明體"/>
+        <a:font script="Arab" typeface="Arial"/>
+        <a:font script="Hebr" typeface="Arial"/>
+        <a:font script="Thai" typeface="Cordia New"/>
+        <a:font script="Ethi" typeface="Nyala"/>
+        <a:font script="Beng" typeface="Vrinda"/>
+        <a:font script="Gujr" typeface="Shruti"/>
+        <a:font script="Khmr" typeface="DaunPenh"/>
+        <a:font script="Knda" typeface="Tunga"/>
+        <a:font script="Guru" typeface="Raavi"/>
+        <a:font script="Cans" typeface="Euphemia"/>
+        <a:font script="Cher" typeface="Plantagenet Cherokee"/>
+        <a:font script="Yiii" typeface="Microsoft Yi Baiti"/>
+        <a:font script="Tibt" typeface="Microsoft Himalaya"/>
+        <a:font script="Thaa" typeface="MV Boli"/>
+        <a:font script="Deva" typeface="Mangal"/>
+        <a:font script="Telu" typeface="Gautami"/>
+        <a:font script="Taml" typeface="Latha"/>
+        <a:font script="Syrc" typeface="Estrangelo Edessa"/>
+        <a:font script="Orya" typeface="Kalinga"/>
+        <a:font script="Mlym" typeface="Kartika"/>
+        <a:font script="Laoo" typeface="DokChampa"/>
+        <a:font script="Sinh" typeface="Iskoola Pota"/>
+        <a:font script="Mong" typeface="Mongolian Baiti"/>
+        <a:font script="Viet" typeface="Arial"/>
+        <a:font script="Uigh" typeface="Microsoft Uighur"/>
+        <a:font script="Geor" typeface="Sylfaen"/>
+        <a:font script="Armn" typeface="Arial"/>
+        <a:font script="Bugi" typeface="Leelawadee UI"/>
+        <a:font script="Bopo" typeface="Microsoft JhengHei"/>
+        <a:font script="Java" typeface="Javanese Text"/>
+        <a:font script="Lisu" typeface="Segoe UI"/>
+        <a:font script="Mymr" typeface="Myanmar Text"/>
+        <a:font script="Nkoo" typeface="Ebrima"/>
+        <a:font script="Olck" typeface="Nirmala UI"/>
+        <a:font script="Osma" typeface="Ebrima"/>
+        <a:font script="Phag" typeface="Phagspa"/>
+        <a:font script="Syrn" typeface="Estrangelo Edessa"/>
+        <a:font script="Syrj" typeface="Estrangelo Edessa"/>
+        <a:font script="Syre" typeface="Estrangelo Edessa"/>
+        <a:font script="Sora" typeface="Nirmala UI"/>
+        <a:font script="Tale" typeface="Microsoft Tai Le"/>
+        <a:font script="Talu" typeface="Microsoft New Tai Lue"/>
+        <a:font script="Tfng" typeface="Ebrima"/>
+      </a:minorFont>
+    </a:fontScheme>
+    <a:fmtScheme name="Office">
+      <a:fillStyleLst>
+        <a:solidFill>
+          <a:schemeClr val="phClr"/>
+        </a:solidFill>
+        <a:gradFill rotWithShape="1">
+          <a:gsLst>
+            <a:gs pos="0">
+              <a:schemeClr val="phClr">
+                <a:lumMod val="110000"/>
+                <a:satMod val="105000"/>
+                <a:tint val="67000"/>
+              </a:schemeClr>
+            </a:gs>
+            <a:gs pos="50000">
+              <a:schemeClr val="phClr">
+                <a:lumMod val="105000"/>
+                <a:satMod val="103000"/>
+                <a:tint val="73000"/>
+              </a:schemeClr>
+            </a:gs>
+            <a:gs pos="100000">
+              <a:schemeClr val="phClr">
+                <a:lumMod val="105000"/>
+                <a:satMod val="109000"/>
+                <a:tint val="81000"/>
+              </a:schemeClr>
+            </a:gs>
+          </a:gsLst>
+          <a:lin ang="5400000" scaled="0"/>
+        </a:gradFill>
+        <a:gradFill rotWithShape="1">
+          <a:gsLst>
+            <a:gs pos="0">
+              <a:schemeClr val="phClr">
+                <a:satMod val="103000"/>
+                <a:lumMod val="102000"/>
+                <a:tint val="94000"/>
+              </a:schemeClr>
+            </a:gs>
+            <a:gs pos="50000">
+              <a:schemeClr val="phClr">
+                <a:satMod val="110000"/>
+                <a:lumMod val="100000"/>
+                <a:shade val="100000"/>
+              </a:schemeClr>
+            </a:gs>
+            <a:gs pos="100000">
+              <a:schemeClr val="phClr">
+                <a:lumMod val="99000"/>
+                <a:satMod val="120000"/>
+                <a:shade val="78000"/>
+              </a:schemeClr>
+            </a:gs>
+          </a:gsLst>
+          <a:lin ang="5400000" scaled="0"/>
+        </a:gradFill>
+      </a:fillStyleLst>
+      <a:lnStyleLst>
+        <a:ln w="6350" cap="flat" cmpd="sng" algn="ctr">
+          <a:solidFill>
+            <a:schemeClr val="phClr"/>
+          </a:solidFill>
+          <a:prstDash val="solid"/>
+          <a:miter lim="800000"/>
+        </a:ln>
+        <a:ln w="12700" cap="flat" cmpd="sng" algn="ctr">
+          <a:solidFill>
+            <a:schemeClr val="phClr"/>
+          </a:solidFill>
+          <a:prstDash val="solid"/>
+          <a:miter lim="800000"/>
+        </a:ln>
+        <a:ln w="19050" cap="flat" cmpd="sng" algn="ctr">
+          <a:solidFill>
+            <a:schemeClr val="phClr"/>
+          </a:solidFill>
+          <a:prstDash val="solid"/>
+          <a:miter lim="800000"/>
+        </a:ln>
+      </a:lnStyleLst>
+      <a:effectStyleLst>
+        <a:effectStyle>
+          <a:effectLst/>
+        </a:effectStyle>
+        <a:effectStyle>
+          <a:effectLst/>
+        </a:effectStyle>
+        <a:effectStyle>
+          <a:effectLst>
+            <a:outerShdw blurRad="57150" dist="19050" dir="5400000" algn="ctr" rotWithShape="0">
+              <a:srgbClr val="000000">
+                <a:alpha val="63000"/>
+              </a:srgbClr>
+            </a:outerShdw>
+          </a:effectLst>
+        </a:effectStyle>
+      </a:effectStyleLst>
+      <a:bgFillStyleLst>
+        <a:solidFill>
+          <a:schemeClr val="phClr"/>
+        </a:solidFill>
+        <a:solidFill>
+          <a:schemeClr val="phClr">
+            <a:tint val="95000"/>
+            <a:satMod val="170000"/>
+          </a:schemeClr>
+        </a:solidFill>
+        <a:gradFill rotWithShape="1">
+          <a:gsLst>
+            <a:gs pos="0">
+              <a:schemeClr val="phClr">
+                <a:tint val="93000"/>
+                <a:satMod val="150000"/>
+                <a:shade val="98000"/>
+                <a:lumMod val="102000"/>
+              </a:schemeClr>
+            </a:gs>
+            <a:gs pos="50000">
+              <a:schemeClr val="phClr">
+                <a:tint val="98000"/>
+                <a:satMod val="130000"/>
+                <a:shade val="90000"/>
+                <a:lumMod val="103000"/>
+              </a:schemeClr>
+            </a:gs>
+            <a:gs pos="100000">
+              <a:schemeClr val="phClr">
+                <a:shade val="63000"/>
+                <a:satMod val="120000"/>
+              </a:schemeClr>
+            </a:gs>
+          </a:gsLst>
+          <a:lin ang="5400000" scaled="0"/>
+        </a:gradFill>
+      </a:bgFillStyleLst>
+    </a:fmtScheme>
+  </a:themeElements>
+  <a:objectDefaults/>
+  <a:extraClrSchemeLst/>
+  <a:extLst>
+    <a:ext uri="{05A4C25C-085E-4340-85A3-A5531E510DB2}">
+      <thm15:themeFamily xmlns:thm15="http://schemas.microsoft.com/office/thememl/2012/main" name="Office Theme" id="{62F939B6-93AF-4DB8-9C6B-D6C7DFDC589F}" vid="{4A3C46E8-61CC-4603-A589-7422A47A8E4A}"/>
+    </a:ext>
+  </a:extLst>
+</a:theme>
 </file>
--- a/Loan approval project 3.pptx
+++ b/Loan approval project 3.pptx
@@ -5,24 +5,25 @@
     <p:sldMasterId id="2147483648" r:id="rId1"/>
   </p:sldMasterIdLst>
   <p:notesMasterIdLst>
-    <p:notesMasterId r:id="rId17"/>
+    <p:notesMasterId r:id="rId18"/>
   </p:notesMasterIdLst>
   <p:sldIdLst>
     <p:sldId id="256" r:id="rId2"/>
     <p:sldId id="272" r:id="rId3"/>
     <p:sldId id="267" r:id="rId4"/>
     <p:sldId id="264" r:id="rId5"/>
-    <p:sldId id="266" r:id="rId6"/>
-    <p:sldId id="275" r:id="rId7"/>
-    <p:sldId id="273" r:id="rId8"/>
-    <p:sldId id="271" r:id="rId9"/>
-    <p:sldId id="268" r:id="rId10"/>
-    <p:sldId id="276" r:id="rId11"/>
-    <p:sldId id="278" r:id="rId12"/>
-    <p:sldId id="277" r:id="rId13"/>
-    <p:sldId id="270" r:id="rId14"/>
-    <p:sldId id="280" r:id="rId15"/>
-    <p:sldId id="269" r:id="rId16"/>
+    <p:sldId id="281" r:id="rId6"/>
+    <p:sldId id="266" r:id="rId7"/>
+    <p:sldId id="275" r:id="rId8"/>
+    <p:sldId id="273" r:id="rId9"/>
+    <p:sldId id="271" r:id="rId10"/>
+    <p:sldId id="268" r:id="rId11"/>
+    <p:sldId id="276" r:id="rId12"/>
+    <p:sldId id="278" r:id="rId13"/>
+    <p:sldId id="277" r:id="rId14"/>
+    <p:sldId id="270" r:id="rId15"/>
+    <p:sldId id="280" r:id="rId16"/>
+    <p:sldId id="269" r:id="rId17"/>
   </p:sldIdLst>
   <p:sldSz cx="12192000" cy="6858000"/>
   <p:notesSz cx="6858000" cy="9144000"/>
@@ -129,6 +130,325 @@
 </p:presentation>
 </file>
 
+<file path=ppt/ink/ink1.xml><?xml version="1.0" encoding="utf-8"?>
+<inkml:ink xmlns:inkml="http://www.w3.org/2003/InkML">
+  <inkml:definitions>
+    <inkml:context xml:id="ctx0">
+      <inkml:inkSource xml:id="inkSrc0">
+        <inkml:traceFormat>
+          <inkml:channel name="X" type="integer" min="-2.14748E9" max="2.14748E9" units="cm"/>
+          <inkml:channel name="Y" type="integer" min="-2.14748E9" max="2.14748E9" units="cm"/>
+        </inkml:traceFormat>
+        <inkml:channelProperties>
+          <inkml:channelProperty channel="X" name="resolution" value="1000" units="1/cm"/>
+          <inkml:channelProperty channel="Y" name="resolution" value="1000" units="1/cm"/>
+        </inkml:channelProperties>
+      </inkml:inkSource>
+      <inkml:timestamp xml:id="ts0" timeString="2021-02-25T23:42:36.867"/>
+    </inkml:context>
+    <inkml:brush xml:id="br0">
+      <inkml:brushProperty name="width" value="0.2" units="cm"/>
+      <inkml:brushProperty name="height" value="0.4" units="cm"/>
+      <inkml:brushProperty name="color" value="#FFFC00"/>
+      <inkml:brushProperty name="tip" value="rectangle"/>
+      <inkml:brushProperty name="rasterOp" value="maskPen"/>
+      <inkml:brushProperty name="ignorePressure" value="1"/>
+    </inkml:brush>
+  </inkml:definitions>
+  <inkml:trace contextRef="#ctx0" brushRef="#br0">1 96,'438'0,"-422"-2,0 0,-1 0,1-1,-1-1,0-1,19-8,-16 6,0 0,1 2,31-6,5 6,71-12,-108 13,1 0,0 2,-1 0,1 1,0 1,23 3,-35-2,1 0,-1 1,0 0,0 0,0 1,0 0,-1 0,1 0,-1 1,1 0,-1 0,-1 1,1-1,0 1,-1 1,0-1,-1 1,7 9,0 3</inkml:trace>
+</inkml:ink>
+</file>
+
+<file path=ppt/ink/ink10.xml><?xml version="1.0" encoding="utf-8"?>
+<inkml:ink xmlns:inkml="http://www.w3.org/2003/InkML">
+  <inkml:definitions>
+    <inkml:context xml:id="ctx0">
+      <inkml:inkSource xml:id="inkSrc0">
+        <inkml:traceFormat>
+          <inkml:channel name="X" type="integer" min="-2.14748E9" max="2.14748E9" units="cm"/>
+          <inkml:channel name="Y" type="integer" min="-2.14748E9" max="2.14748E9" units="cm"/>
+        </inkml:traceFormat>
+        <inkml:channelProperties>
+          <inkml:channelProperty channel="X" name="resolution" value="1000" units="1/cm"/>
+          <inkml:channelProperty channel="Y" name="resolution" value="1000" units="1/cm"/>
+        </inkml:channelProperties>
+      </inkml:inkSource>
+      <inkml:timestamp xml:id="ts0" timeString="2021-02-25T23:43:51.171"/>
+    </inkml:context>
+    <inkml:brush xml:id="br0">
+      <inkml:brushProperty name="width" value="0.2" units="cm"/>
+      <inkml:brushProperty name="height" value="0.4" units="cm"/>
+      <inkml:brushProperty name="color" value="#FFFC00"/>
+      <inkml:brushProperty name="tip" value="rectangle"/>
+      <inkml:brushProperty name="rasterOp" value="maskPen"/>
+      <inkml:brushProperty name="ignorePressure" value="1"/>
+    </inkml:brush>
+  </inkml:definitions>
+  <inkml:trace contextRef="#ctx0" brushRef="#br0">0 156,'5'0,"251"-7,-210 3,0-2,-1-2,68-21,-81 19,0 1,1 1,-1 2,1 2,1 1,37 1,569 5,-589-6,0-2,82-19,-75 12,83-7,-131 19,0 0,0 1,0 0,14 3,-23-4,1 1,0-1,0 1,0-1,-1 1,1 0,0 0,-1 0,1 0,-1 0,1 0,-1 1,3 1,-4-2,1 0,-1 0,0 0,1 0,-1 0,0 0,0 0,1 0,-1 0,0 0,0 0,0 0,0 0,-1 0,1 1,0-1,0 0,-1 0,1 0,0 0,-1 0,1-1,-1 1,1 0,-1 0,-1 1,0 2,-1-1,0 0,0 1,-1-1,1-1,0 1,-1 0,0-1,0 0,1 0,-1 0,-1 0,1 0,0-1,-6 1,-10 2,1-1,-26 1,-9 1,-25 6,-105 2,-82-13,96-3,64 2,-130 3,216 1,-1 1,0 1,1 0,0 2,-34 15,32-12,-1-1,0-1,-1-1,-24 4,0-7,1-2,-51-5,15 1,56 2</inkml:trace>
+</inkml:ink>
+</file>
+
+<file path=ppt/ink/ink11.xml><?xml version="1.0" encoding="utf-8"?>
+<inkml:ink xmlns:inkml="http://www.w3.org/2003/InkML">
+  <inkml:definitions>
+    <inkml:context xml:id="ctx0">
+      <inkml:inkSource xml:id="inkSrc0">
+        <inkml:traceFormat>
+          <inkml:channel name="X" type="integer" min="-2.14748E9" max="2.14748E9" units="cm"/>
+          <inkml:channel name="Y" type="integer" min="-2.14748E9" max="2.14748E9" units="cm"/>
+        </inkml:traceFormat>
+        <inkml:channelProperties>
+          <inkml:channelProperty channel="X" name="resolution" value="1000" units="1/cm"/>
+          <inkml:channelProperty channel="Y" name="resolution" value="1000" units="1/cm"/>
+        </inkml:channelProperties>
+      </inkml:inkSource>
+      <inkml:timestamp xml:id="ts0" timeString="2021-02-25T23:44:01.265"/>
+    </inkml:context>
+    <inkml:brush xml:id="br0">
+      <inkml:brushProperty name="width" value="0.2" units="cm"/>
+      <inkml:brushProperty name="height" value="0.4" units="cm"/>
+      <inkml:brushProperty name="color" value="#FFFC00"/>
+      <inkml:brushProperty name="tip" value="rectangle"/>
+      <inkml:brushProperty name="rasterOp" value="maskPen"/>
+      <inkml:brushProperty name="ignorePressure" value="1"/>
+    </inkml:brush>
+  </inkml:definitions>
+  <inkml:trace contextRef="#ctx0" brushRef="#br0">0 0</inkml:trace>
+</inkml:ink>
+</file>
+
+<file path=ppt/ink/ink2.xml><?xml version="1.0" encoding="utf-8"?>
+<inkml:ink xmlns:inkml="http://www.w3.org/2003/InkML">
+  <inkml:definitions>
+    <inkml:context xml:id="ctx0">
+      <inkml:inkSource xml:id="inkSrc0">
+        <inkml:traceFormat>
+          <inkml:channel name="X" type="integer" min="-2.14748E9" max="2.14748E9" units="cm"/>
+          <inkml:channel name="Y" type="integer" min="-2.14748E9" max="2.14748E9" units="cm"/>
+        </inkml:traceFormat>
+        <inkml:channelProperties>
+          <inkml:channelProperty channel="X" name="resolution" value="1000" units="1/cm"/>
+          <inkml:channelProperty channel="Y" name="resolution" value="1000" units="1/cm"/>
+        </inkml:channelProperties>
+      </inkml:inkSource>
+      <inkml:timestamp xml:id="ts0" timeString="2021-02-25T23:42:47.499"/>
+    </inkml:context>
+    <inkml:brush xml:id="br0">
+      <inkml:brushProperty name="width" value="0.2" units="cm"/>
+      <inkml:brushProperty name="height" value="0.4" units="cm"/>
+      <inkml:brushProperty name="color" value="#FFFC00"/>
+      <inkml:brushProperty name="tip" value="rectangle"/>
+      <inkml:brushProperty name="rasterOp" value="maskPen"/>
+      <inkml:brushProperty name="ignorePressure" value="1"/>
+    </inkml:brush>
+  </inkml:definitions>
+  <inkml:trace contextRef="#ctx0" brushRef="#br0">0 70,'42'-2,"0"-1,57-11,-15 1,35-7,-76 13,1 2,0 1,-1 3,52 4,-2 0,180-3,-243 0</inkml:trace>
+</inkml:ink>
+</file>
+
+<file path=ppt/ink/ink3.xml><?xml version="1.0" encoding="utf-8"?>
+<inkml:ink xmlns:inkml="http://www.w3.org/2003/InkML">
+  <inkml:definitions>
+    <inkml:context xml:id="ctx0">
+      <inkml:inkSource xml:id="inkSrc0">
+        <inkml:traceFormat>
+          <inkml:channel name="X" type="integer" min="-2.14748E9" max="2.14748E9" units="cm"/>
+          <inkml:channel name="Y" type="integer" min="-2.14748E9" max="2.14748E9" units="cm"/>
+        </inkml:traceFormat>
+        <inkml:channelProperties>
+          <inkml:channelProperty channel="X" name="resolution" value="1000" units="1/cm"/>
+          <inkml:channelProperty channel="Y" name="resolution" value="1000" units="1/cm"/>
+        </inkml:channelProperties>
+      </inkml:inkSource>
+      <inkml:timestamp xml:id="ts0" timeString="2021-02-25T23:42:52.786"/>
+    </inkml:context>
+    <inkml:brush xml:id="br0">
+      <inkml:brushProperty name="width" value="0.2" units="cm"/>
+      <inkml:brushProperty name="height" value="0.4" units="cm"/>
+      <inkml:brushProperty name="color" value="#FFFC00"/>
+      <inkml:brushProperty name="tip" value="rectangle"/>
+      <inkml:brushProperty name="rasterOp" value="maskPen"/>
+      <inkml:brushProperty name="ignorePressure" value="1"/>
+    </inkml:brush>
+  </inkml:definitions>
+  <inkml:trace contextRef="#ctx0" brushRef="#br0">1 0,'48'2,"67"12,33 1,215-14,-166-2,-176 2,0 1,-1 2,30 7,-6-1,8 6,-33-9</inkml:trace>
+</inkml:ink>
+</file>
+
+<file path=ppt/ink/ink4.xml><?xml version="1.0" encoding="utf-8"?>
+<inkml:ink xmlns:inkml="http://www.w3.org/2003/InkML">
+  <inkml:definitions>
+    <inkml:context xml:id="ctx0">
+      <inkml:inkSource xml:id="inkSrc0">
+        <inkml:traceFormat>
+          <inkml:channel name="X" type="integer" min="-2.14748E9" max="2.14748E9" units="cm"/>
+          <inkml:channel name="Y" type="integer" min="-2.14748E9" max="2.14748E9" units="cm"/>
+        </inkml:traceFormat>
+        <inkml:channelProperties>
+          <inkml:channelProperty channel="X" name="resolution" value="1000" units="1/cm"/>
+          <inkml:channelProperty channel="Y" name="resolution" value="1000" units="1/cm"/>
+        </inkml:channelProperties>
+      </inkml:inkSource>
+      <inkml:timestamp xml:id="ts0" timeString="2021-02-25T23:42:55.295"/>
+    </inkml:context>
+    <inkml:brush xml:id="br0">
+      <inkml:brushProperty name="width" value="0.2" units="cm"/>
+      <inkml:brushProperty name="height" value="0.4" units="cm"/>
+      <inkml:brushProperty name="color" value="#FFFC00"/>
+      <inkml:brushProperty name="tip" value="rectangle"/>
+      <inkml:brushProperty name="rasterOp" value="maskPen"/>
+      <inkml:brushProperty name="ignorePressure" value="1"/>
+    </inkml:brush>
+  </inkml:definitions>
+  <inkml:trace contextRef="#ctx0" brushRef="#br0">1 33,'221'-16,"-9"0,255 17,-441-1</inkml:trace>
+</inkml:ink>
+</file>
+
+<file path=ppt/ink/ink5.xml><?xml version="1.0" encoding="utf-8"?>
+<inkml:ink xmlns:inkml="http://www.w3.org/2003/InkML">
+  <inkml:definitions>
+    <inkml:context xml:id="ctx0">
+      <inkml:inkSource xml:id="inkSrc0">
+        <inkml:traceFormat>
+          <inkml:channel name="X" type="integer" min="-2.14748E9" max="2.14748E9" units="cm"/>
+          <inkml:channel name="Y" type="integer" min="-2.14748E9" max="2.14748E9" units="cm"/>
+        </inkml:traceFormat>
+        <inkml:channelProperties>
+          <inkml:channelProperty channel="X" name="resolution" value="1000" units="1/cm"/>
+          <inkml:channelProperty channel="Y" name="resolution" value="1000" units="1/cm"/>
+        </inkml:channelProperties>
+      </inkml:inkSource>
+      <inkml:timestamp xml:id="ts0" timeString="2021-02-25T23:43:02.841"/>
+    </inkml:context>
+    <inkml:brush xml:id="br0">
+      <inkml:brushProperty name="width" value="0.2" units="cm"/>
+      <inkml:brushProperty name="height" value="0.4" units="cm"/>
+      <inkml:brushProperty name="color" value="#FFFC00"/>
+      <inkml:brushProperty name="tip" value="rectangle"/>
+      <inkml:brushProperty name="rasterOp" value="maskPen"/>
+      <inkml:brushProperty name="ignorePressure" value="1"/>
+    </inkml:brush>
+  </inkml:definitions>
+  <inkml:trace contextRef="#ctx0" brushRef="#br0">0 95,'1308'0,"-1267"-2,0-2,0-2,41-12,-32 7,67-7,304 13,-228 8,-165-3,-1-2,0 0,1-2,30-8,-39 8,1 1,20-2,-14 4</inkml:trace>
+</inkml:ink>
+</file>
+
+<file path=ppt/ink/ink6.xml><?xml version="1.0" encoding="utf-8"?>
+<inkml:ink xmlns:inkml="http://www.w3.org/2003/InkML">
+  <inkml:definitions>
+    <inkml:context xml:id="ctx0">
+      <inkml:inkSource xml:id="inkSrc0">
+        <inkml:traceFormat>
+          <inkml:channel name="X" type="integer" min="-2.14748E9" max="2.14748E9" units="cm"/>
+          <inkml:channel name="Y" type="integer" min="-2.14748E9" max="2.14748E9" units="cm"/>
+        </inkml:traceFormat>
+        <inkml:channelProperties>
+          <inkml:channelProperty channel="X" name="resolution" value="1000" units="1/cm"/>
+          <inkml:channelProperty channel="Y" name="resolution" value="1000" units="1/cm"/>
+        </inkml:channelProperties>
+      </inkml:inkSource>
+      <inkml:timestamp xml:id="ts0" timeString="2021-02-25T23:43:10.129"/>
+    </inkml:context>
+    <inkml:brush xml:id="br0">
+      <inkml:brushProperty name="width" value="0.2" units="cm"/>
+      <inkml:brushProperty name="height" value="0.4" units="cm"/>
+      <inkml:brushProperty name="color" value="#FFFC00"/>
+      <inkml:brushProperty name="tip" value="rectangle"/>
+      <inkml:brushProperty name="rasterOp" value="maskPen"/>
+      <inkml:brushProperty name="ignorePressure" value="1"/>
+    </inkml:brush>
+  </inkml:definitions>
+  <inkml:trace contextRef="#ctx0" brushRef="#br0">1 32,'1131'0,"-915"-15,-3-2,105 19,-285-2</inkml:trace>
+</inkml:ink>
+</file>
+
+<file path=ppt/ink/ink7.xml><?xml version="1.0" encoding="utf-8"?>
+<inkml:ink xmlns:inkml="http://www.w3.org/2003/InkML">
+  <inkml:definitions>
+    <inkml:context xml:id="ctx0">
+      <inkml:inkSource xml:id="inkSrc0">
+        <inkml:traceFormat>
+          <inkml:channel name="X" type="integer" min="-2.14748E9" max="2.14748E9" units="cm"/>
+          <inkml:channel name="Y" type="integer" min="-2.14748E9" max="2.14748E9" units="cm"/>
+        </inkml:traceFormat>
+        <inkml:channelProperties>
+          <inkml:channelProperty channel="X" name="resolution" value="1000" units="1/cm"/>
+          <inkml:channelProperty channel="Y" name="resolution" value="1000" units="1/cm"/>
+        </inkml:channelProperties>
+      </inkml:inkSource>
+      <inkml:timestamp xml:id="ts0" timeString="2021-02-25T23:43:40.351"/>
+    </inkml:context>
+    <inkml:brush xml:id="br0">
+      <inkml:brushProperty name="width" value="0.2" units="cm"/>
+      <inkml:brushProperty name="height" value="0.4" units="cm"/>
+      <inkml:brushProperty name="color" value="#FFFC00"/>
+      <inkml:brushProperty name="tip" value="rectangle"/>
+      <inkml:brushProperty name="rasterOp" value="maskPen"/>
+      <inkml:brushProperty name="ignorePressure" value="1"/>
+    </inkml:brush>
+  </inkml:definitions>
+  <inkml:trace contextRef="#ctx0" brushRef="#br0">1 98,'929'0,"-879"2,63 11,38 3,4-16,173 11,178 8,-485-19,166 15,-35 0,-104-11,-1 3,58 14,-61-10,1-2,77 4,522-12,-286-3,-349 2,0-1,0 0,0 0,0 0,0-1,-1-1,13-4,-19 6,0 1,0-1,0 0,0-1,0 1,0 0,-1 0,1-1,0 1,-1-1,1 0,-1 1,1-1,-1 0,0 0,0 0,0 0,0 0,0 0,0 0,0 0,-1-1,1 1,-1 0,0 0,1-1,-1 1,0 0,0 0,-1-1,1 1,0 0,-1 0,1 0,-2-3,1 2,0 1,-1-1,1 1,-1-1,1 1,-1 0,0-1,0 1,0 0,0 0,0 1,-1-1,1 0,-1 1,1-1,-1 1,1 0,-1 0,0 0,1 0,-1 0,0 1,0-1,0 1,0-1,-4 1,-7 0,1 1,-1 0,1 0,-18 5,-46 6,-1-3,0-4,-108-6,72-1,72 0,-1-3,1-1,-50-14,31 7,17 5,33 7,0 0,0-1,1-1,-1 1,1-2,-1 1,1-1,0-1,1 0,-1 0,-13-12,14 11,0 0,0 0,0 1,-1 0,0 1,0 0,0 0,0 1,0 0,-1 1,1 0,-1 1,0 0,1 1,-13 1,22-1,0 0,1 0,-1 0,0 0,0 0,0 0,0 0,1 1,-1-1,0 0,0 1,1-1,-1 0,0 1,0-1,1 1,-1-1,0 1,1 0,-1-1,1 1,-1-1,1 1,-1 0,1 0,-1-1,1 1,0 0,0 0,-1-1,1 1,0 0,0 0,0 0,0 0,-1-1,2 2,8 37,-1-7,-9-29,0-1,0 1,0-1,0 0,0 1,-1-1,1 0,-1 0,1 0,-1 0,0 0,0-1,0 1,0 0,0-1,0 1,0-1,-1 0,1 0,0 0,-1 0,1 0,-4 0,-9 4,0-1,-22 2,33-5,-87 7,-179-5,137-6,-1439 3,1552 1,1 1,0 1,-23 6,20-4,-42 5,21-8,6 0,0 1,-43 10,55-8,2-1</inkml:trace>
+</inkml:ink>
+</file>
+
+<file path=ppt/ink/ink8.xml><?xml version="1.0" encoding="utf-8"?>
+<inkml:ink xmlns:inkml="http://www.w3.org/2003/InkML">
+  <inkml:definitions>
+    <inkml:context xml:id="ctx0">
+      <inkml:inkSource xml:id="inkSrc0">
+        <inkml:traceFormat>
+          <inkml:channel name="X" type="integer" min="-2.14748E9" max="2.14748E9" units="cm"/>
+          <inkml:channel name="Y" type="integer" min="-2.14748E9" max="2.14748E9" units="cm"/>
+        </inkml:traceFormat>
+        <inkml:channelProperties>
+          <inkml:channelProperty channel="X" name="resolution" value="1000" units="1/cm"/>
+          <inkml:channelProperty channel="Y" name="resolution" value="1000" units="1/cm"/>
+        </inkml:channelProperties>
+      </inkml:inkSource>
+      <inkml:timestamp xml:id="ts0" timeString="2021-02-25T23:43:42.924"/>
+    </inkml:context>
+    <inkml:brush xml:id="br0">
+      <inkml:brushProperty name="width" value="0.2" units="cm"/>
+      <inkml:brushProperty name="height" value="0.4" units="cm"/>
+      <inkml:brushProperty name="color" value="#FFFC00"/>
+      <inkml:brushProperty name="tip" value="rectangle"/>
+      <inkml:brushProperty name="rasterOp" value="maskPen"/>
+      <inkml:brushProperty name="ignorePressure" value="1"/>
+    </inkml:brush>
+  </inkml:definitions>
+  <inkml:trace contextRef="#ctx0" brushRef="#br0">1 1,'1180'0,"-1160"1,-1 1,1 2,0 0,-1 0,27 12,-24-9,0 0,0-2,0 0,25 2,243 6,233 5,-517-19,0 1,0 1,0-1,0 1,0 0,-1 0,1 1,0-1,-1 1,8 4,-10-4,0 0,0 1,0-1,0 1,0 0,-1 0,0 0,1 0,-1 0,0 0,0 1,-1-1,1 1,-1-1,0 1,2 7,-2-7,1 1,-2-1,1 1,0 0,-1-1,0 1,0 0,0-1,0 1,-1 0,0-1,0 1,0-1,-1 1,1-1,-1 0,-3 6,-9 7</inkml:trace>
+</inkml:ink>
+</file>
+
+<file path=ppt/ink/ink9.xml><?xml version="1.0" encoding="utf-8"?>
+<inkml:ink xmlns:inkml="http://www.w3.org/2003/InkML">
+  <inkml:definitions>
+    <inkml:context xml:id="ctx0">
+      <inkml:inkSource xml:id="inkSrc0">
+        <inkml:traceFormat>
+          <inkml:channel name="X" type="integer" min="-2.14748E9" max="2.14748E9" units="cm"/>
+          <inkml:channel name="Y" type="integer" min="-2.14748E9" max="2.14748E9" units="cm"/>
+        </inkml:traceFormat>
+        <inkml:channelProperties>
+          <inkml:channelProperty channel="X" name="resolution" value="1000" units="1/cm"/>
+          <inkml:channelProperty channel="Y" name="resolution" value="1000" units="1/cm"/>
+        </inkml:channelProperties>
+      </inkml:inkSource>
+      <inkml:timestamp xml:id="ts0" timeString="2021-02-25T23:43:47.428"/>
+    </inkml:context>
+    <inkml:brush xml:id="br0">
+      <inkml:brushProperty name="width" value="0.2" units="cm"/>
+      <inkml:brushProperty name="height" value="0.4" units="cm"/>
+      <inkml:brushProperty name="color" value="#FFFC00"/>
+      <inkml:brushProperty name="tip" value="rectangle"/>
+      <inkml:brushProperty name="rasterOp" value="maskPen"/>
+      <inkml:brushProperty name="ignorePressure" value="1"/>
+    </inkml:brush>
+  </inkml:definitions>
+  <inkml:trace contextRef="#ctx0" brushRef="#br0">1 1,'4233'0,"-4209"0</inkml:trace>
+</inkml:ink>
+</file>
+
 <file path=ppt/notesMasters/notesMaster1.xml><?xml version="1.0" encoding="utf-8"?>
 <p:notesMaster xmlns:a="http://schemas.openxmlformats.org/drawingml/2006/main" xmlns:r="http://schemas.openxmlformats.org/officeDocument/2006/relationships" xmlns:p="http://schemas.openxmlformats.org/presentationml/2006/main">
   <p:cSld>
@@ -211,7 +531,7 @@
           <a:p>
             <a:fld id="{6CF55F94-BEC6-1147-918F-329F1030B0F3}" type="datetimeFigureOut">
               <a:rPr lang="en-US" smtClean="0"/>
-              <a:t>2/24/21</a:t>
+              <a:t>2/25/2021</a:t>
             </a:fld>
             <a:endParaRPr lang="en-US"/>
           </a:p>
@@ -543,16 +863,16 @@
           <a:p>
             <a:fld id="{F7E85EFE-828A-A74F-92A0-E2EA5D7C862F}" type="slidenum">
               <a:rPr lang="en-US" smtClean="0"/>
-              <a:t>6</a:t>
+              <a:t>3</a:t>
             </a:fld>
-            <a:endParaRPr lang="en-US"/>
+            <a:endParaRPr lang="en-US" dirty="0"/>
           </a:p>
         </p:txBody>
       </p:sp>
     </p:spTree>
     <p:extLst>
       <p:ext uri="{BB962C8B-B14F-4D97-AF65-F5344CB8AC3E}">
-        <p14:creationId xmlns:p14="http://schemas.microsoft.com/office/powerpoint/2010/main" val="1116778918"/>
+        <p14:creationId xmlns:p14="http://schemas.microsoft.com/office/powerpoint/2010/main" val="2142348702"/>
       </p:ext>
     </p:extLst>
   </p:cSld>
@@ -606,46 +926,7 @@
           <a:bodyPr/>
           <a:lstStyle/>
           <a:p>
-            <a:r>
-              <a:rPr lang="en-US" b="1" dirty="0"/>
-              <a:t>One-Hot Encoded:</a:t>
-            </a:r>
-          </a:p>
-          <a:p>
-            <a:r>
-              <a:rPr lang="en-US" dirty="0"/>
-              <a:t>0 Gender (Male/Female)</a:t>
-            </a:r>
-          </a:p>
-          <a:p>
-            <a:r>
-              <a:rPr lang="en-US" dirty="0"/>
-              <a:t>1 Married (Y/N)</a:t>
-            </a:r>
-          </a:p>
-          <a:p>
-            <a:r>
-              <a:rPr lang="en-US" dirty="0"/>
-              <a:t>2 Dependents (0, 1, 2, 3+)</a:t>
-            </a:r>
-          </a:p>
-          <a:p>
-            <a:r>
-              <a:rPr lang="en-US" dirty="0"/>
-              <a:t>3 Education (Graduate/Not Graduate)</a:t>
-            </a:r>
-          </a:p>
-          <a:p>
-            <a:r>
-              <a:rPr lang="en-US" dirty="0"/>
-              <a:t>4 Self-Employed (Y/N)</a:t>
-            </a:r>
-          </a:p>
-          <a:p>
-            <a:r>
-              <a:rPr lang="en-US" dirty="0"/>
-              <a:t>5 Property type (Urban, Semiurban, Rural)</a:t>
-            </a:r>
+            <a:endParaRPr lang="en-US" dirty="0"/>
           </a:p>
         </p:txBody>
       </p:sp>
@@ -666,7 +947,214 @@
           <a:p>
             <a:fld id="{F7E85EFE-828A-A74F-92A0-E2EA5D7C862F}" type="slidenum">
               <a:rPr lang="en-US" smtClean="0"/>
-              <a:t>9</a:t>
+              <a:t>6</a:t>
+            </a:fld>
+            <a:endParaRPr lang="en-US" dirty="0"/>
+          </a:p>
+        </p:txBody>
+      </p:sp>
+    </p:spTree>
+    <p:extLst>
+      <p:ext uri="{BB962C8B-B14F-4D97-AF65-F5344CB8AC3E}">
+        <p14:creationId xmlns:p14="http://schemas.microsoft.com/office/powerpoint/2010/main" val="416912620"/>
+      </p:ext>
+    </p:extLst>
+  </p:cSld>
+  <p:clrMapOvr>
+    <a:masterClrMapping/>
+  </p:clrMapOvr>
+</p:notes>
+</file>
+
+<file path=ppt/notesSlides/notesSlide3.xml><?xml version="1.0" encoding="utf-8"?>
+<p:notes xmlns:a="http://schemas.openxmlformats.org/drawingml/2006/main" xmlns:r="http://schemas.openxmlformats.org/officeDocument/2006/relationships" xmlns:p="http://schemas.openxmlformats.org/presentationml/2006/main">
+  <p:cSld>
+    <p:spTree>
+      <p:nvGrpSpPr>
+        <p:cNvPr id="1" name=""/>
+        <p:cNvGrpSpPr/>
+        <p:nvPr/>
+      </p:nvGrpSpPr>
+      <p:grpSpPr>
+        <a:xfrm>
+          <a:off x="0" y="0"/>
+          <a:ext cx="0" cy="0"/>
+          <a:chOff x="0" y="0"/>
+          <a:chExt cx="0" cy="0"/>
+        </a:xfrm>
+      </p:grpSpPr>
+      <p:sp>
+        <p:nvSpPr>
+          <p:cNvPr id="2" name="Slide Image Placeholder 1"/>
+          <p:cNvSpPr>
+            <a:spLocks noGrp="1" noRot="1" noChangeAspect="1"/>
+          </p:cNvSpPr>
+          <p:nvPr>
+            <p:ph type="sldImg"/>
+          </p:nvPr>
+        </p:nvSpPr>
+        <p:spPr/>
+      </p:sp>
+      <p:sp>
+        <p:nvSpPr>
+          <p:cNvPr id="3" name="Notes Placeholder 2"/>
+          <p:cNvSpPr>
+            <a:spLocks noGrp="1"/>
+          </p:cNvSpPr>
+          <p:nvPr>
+            <p:ph type="body" idx="1"/>
+          </p:nvPr>
+        </p:nvSpPr>
+        <p:spPr/>
+        <p:txBody>
+          <a:bodyPr/>
+          <a:lstStyle/>
+          <a:p>
+            <a:endParaRPr lang="en-US" dirty="0"/>
+          </a:p>
+        </p:txBody>
+      </p:sp>
+      <p:sp>
+        <p:nvSpPr>
+          <p:cNvPr id="4" name="Slide Number Placeholder 3"/>
+          <p:cNvSpPr>
+            <a:spLocks noGrp="1"/>
+          </p:cNvSpPr>
+          <p:nvPr>
+            <p:ph type="sldNum" sz="quarter" idx="5"/>
+          </p:nvPr>
+        </p:nvSpPr>
+        <p:spPr/>
+        <p:txBody>
+          <a:bodyPr/>
+          <a:lstStyle/>
+          <a:p>
+            <a:fld id="{F7E85EFE-828A-A74F-92A0-E2EA5D7C862F}" type="slidenum">
+              <a:rPr lang="en-US" smtClean="0"/>
+              <a:t>7</a:t>
+            </a:fld>
+            <a:endParaRPr lang="en-US" dirty="0"/>
+          </a:p>
+        </p:txBody>
+      </p:sp>
+    </p:spTree>
+    <p:extLst>
+      <p:ext uri="{BB962C8B-B14F-4D97-AF65-F5344CB8AC3E}">
+        <p14:creationId xmlns:p14="http://schemas.microsoft.com/office/powerpoint/2010/main" val="1116778918"/>
+      </p:ext>
+    </p:extLst>
+  </p:cSld>
+  <p:clrMapOvr>
+    <a:masterClrMapping/>
+  </p:clrMapOvr>
+</p:notes>
+</file>
+
+<file path=ppt/notesSlides/notesSlide4.xml><?xml version="1.0" encoding="utf-8"?>
+<p:notes xmlns:a="http://schemas.openxmlformats.org/drawingml/2006/main" xmlns:r="http://schemas.openxmlformats.org/officeDocument/2006/relationships" xmlns:p="http://schemas.openxmlformats.org/presentationml/2006/main">
+  <p:cSld>
+    <p:spTree>
+      <p:nvGrpSpPr>
+        <p:cNvPr id="1" name=""/>
+        <p:cNvGrpSpPr/>
+        <p:nvPr/>
+      </p:nvGrpSpPr>
+      <p:grpSpPr>
+        <a:xfrm>
+          <a:off x="0" y="0"/>
+          <a:ext cx="0" cy="0"/>
+          <a:chOff x="0" y="0"/>
+          <a:chExt cx="0" cy="0"/>
+        </a:xfrm>
+      </p:grpSpPr>
+      <p:sp>
+        <p:nvSpPr>
+          <p:cNvPr id="2" name="Slide Image Placeholder 1"/>
+          <p:cNvSpPr>
+            <a:spLocks noGrp="1" noRot="1" noChangeAspect="1"/>
+          </p:cNvSpPr>
+          <p:nvPr>
+            <p:ph type="sldImg"/>
+          </p:nvPr>
+        </p:nvSpPr>
+        <p:spPr/>
+      </p:sp>
+      <p:sp>
+        <p:nvSpPr>
+          <p:cNvPr id="3" name="Notes Placeholder 2"/>
+          <p:cNvSpPr>
+            <a:spLocks noGrp="1"/>
+          </p:cNvSpPr>
+          <p:nvPr>
+            <p:ph type="body" idx="1"/>
+          </p:nvPr>
+        </p:nvSpPr>
+        <p:spPr/>
+        <p:txBody>
+          <a:bodyPr/>
+          <a:lstStyle/>
+          <a:p>
+            <a:r>
+              <a:rPr lang="en-US" b="1" dirty="0"/>
+              <a:t>One-Hot Encoded:</a:t>
+            </a:r>
+          </a:p>
+          <a:p>
+            <a:r>
+              <a:rPr lang="en-US" dirty="0"/>
+              <a:t>0 Gender (Male/Female)</a:t>
+            </a:r>
+          </a:p>
+          <a:p>
+            <a:r>
+              <a:rPr lang="en-US" dirty="0"/>
+              <a:t>1 Married (Y/N)</a:t>
+            </a:r>
+          </a:p>
+          <a:p>
+            <a:r>
+              <a:rPr lang="en-US" dirty="0"/>
+              <a:t>2 Dependents (0, 1, 2, 3+)</a:t>
+            </a:r>
+          </a:p>
+          <a:p>
+            <a:r>
+              <a:rPr lang="en-US" dirty="0"/>
+              <a:t>3 Education (Graduate/Not Graduate)</a:t>
+            </a:r>
+          </a:p>
+          <a:p>
+            <a:r>
+              <a:rPr lang="en-US" dirty="0"/>
+              <a:t>4 Self-Employed (Y/N)</a:t>
+            </a:r>
+          </a:p>
+          <a:p>
+            <a:r>
+              <a:rPr lang="en-US" dirty="0"/>
+              <a:t>5 Property type (Urban, Semiurban, Rural)</a:t>
+            </a:r>
+          </a:p>
+        </p:txBody>
+      </p:sp>
+      <p:sp>
+        <p:nvSpPr>
+          <p:cNvPr id="4" name="Slide Number Placeholder 3"/>
+          <p:cNvSpPr>
+            <a:spLocks noGrp="1"/>
+          </p:cNvSpPr>
+          <p:nvPr>
+            <p:ph type="sldNum" sz="quarter" idx="5"/>
+          </p:nvPr>
+        </p:nvSpPr>
+        <p:spPr/>
+        <p:txBody>
+          <a:bodyPr/>
+          <a:lstStyle/>
+          <a:p>
+            <a:fld id="{F7E85EFE-828A-A74F-92A0-E2EA5D7C862F}" type="slidenum">
+              <a:rPr lang="en-US" smtClean="0"/>
+              <a:t>10</a:t>
             </a:fld>
             <a:endParaRPr lang="en-US"/>
           </a:p>
@@ -832,7 +1320,7 @@
           <a:p>
             <a:fld id="{F0037C11-A992-43DC-841C-4ED15B44942C}" type="datetimeFigureOut">
               <a:rPr lang="en-US" smtClean="0"/>
-              <a:t>2/24/21</a:t>
+              <a:t>2/25/2021</a:t>
             </a:fld>
             <a:endParaRPr lang="en-US" dirty="0"/>
           </a:p>
@@ -1030,7 +1518,7 @@
           <a:p>
             <a:fld id="{F0037C11-A992-43DC-841C-4ED15B44942C}" type="datetimeFigureOut">
               <a:rPr lang="en-US" smtClean="0"/>
-              <a:t>2/24/21</a:t>
+              <a:t>2/25/2021</a:t>
             </a:fld>
             <a:endParaRPr lang="en-US" dirty="0"/>
           </a:p>
@@ -1238,7 +1726,7 @@
           <a:p>
             <a:fld id="{F0037C11-A992-43DC-841C-4ED15B44942C}" type="datetimeFigureOut">
               <a:rPr lang="en-US" smtClean="0"/>
-              <a:t>2/24/21</a:t>
+              <a:t>2/25/2021</a:t>
             </a:fld>
             <a:endParaRPr lang="en-US" dirty="0"/>
           </a:p>
@@ -1436,7 +1924,7 @@
           <a:p>
             <a:fld id="{F0037C11-A992-43DC-841C-4ED15B44942C}" type="datetimeFigureOut">
               <a:rPr lang="en-US" smtClean="0"/>
-              <a:t>2/24/21</a:t>
+              <a:t>2/25/2021</a:t>
             </a:fld>
             <a:endParaRPr lang="en-US" dirty="0"/>
           </a:p>
@@ -1711,7 +2199,7 @@
           <a:p>
             <a:fld id="{F0037C11-A992-43DC-841C-4ED15B44942C}" type="datetimeFigureOut">
               <a:rPr lang="en-US" smtClean="0"/>
-              <a:t>2/24/21</a:t>
+              <a:t>2/25/2021</a:t>
             </a:fld>
             <a:endParaRPr lang="en-US" dirty="0"/>
           </a:p>
@@ -1976,7 +2464,7 @@
           <a:p>
             <a:fld id="{F0037C11-A992-43DC-841C-4ED15B44942C}" type="datetimeFigureOut">
               <a:rPr lang="en-US" smtClean="0"/>
-              <a:t>2/24/21</a:t>
+              <a:t>2/25/2021</a:t>
             </a:fld>
             <a:endParaRPr lang="en-US" dirty="0"/>
           </a:p>
@@ -2388,7 +2876,7 @@
           <a:p>
             <a:fld id="{F0037C11-A992-43DC-841C-4ED15B44942C}" type="datetimeFigureOut">
               <a:rPr lang="en-US" smtClean="0"/>
-              <a:t>2/24/21</a:t>
+              <a:t>2/25/2021</a:t>
             </a:fld>
             <a:endParaRPr lang="en-US" dirty="0"/>
           </a:p>
@@ -2529,7 +3017,7 @@
           <a:p>
             <a:fld id="{F0037C11-A992-43DC-841C-4ED15B44942C}" type="datetimeFigureOut">
               <a:rPr lang="en-US" smtClean="0"/>
-              <a:t>2/24/21</a:t>
+              <a:t>2/25/2021</a:t>
             </a:fld>
             <a:endParaRPr lang="en-US" dirty="0"/>
           </a:p>
@@ -2642,7 +3130,7 @@
           <a:p>
             <a:fld id="{F0037C11-A992-43DC-841C-4ED15B44942C}" type="datetimeFigureOut">
               <a:rPr lang="en-US" smtClean="0"/>
-              <a:t>2/24/21</a:t>
+              <a:t>2/25/2021</a:t>
             </a:fld>
             <a:endParaRPr lang="en-US" dirty="0"/>
           </a:p>
@@ -2953,7 +3441,7 @@
           <a:p>
             <a:fld id="{F0037C11-A992-43DC-841C-4ED15B44942C}" type="datetimeFigureOut">
               <a:rPr lang="en-US" smtClean="0"/>
-              <a:t>2/24/21</a:t>
+              <a:t>2/25/2021</a:t>
             </a:fld>
             <a:endParaRPr lang="en-US" dirty="0"/>
           </a:p>
@@ -3241,7 +3729,7 @@
           <a:p>
             <a:fld id="{F0037C11-A992-43DC-841C-4ED15B44942C}" type="datetimeFigureOut">
               <a:rPr lang="en-US" smtClean="0"/>
-              <a:t>2/24/21</a:t>
+              <a:t>2/25/2021</a:t>
             </a:fld>
             <a:endParaRPr lang="en-US" dirty="0"/>
           </a:p>
@@ -3485,7 +3973,7 @@
           <a:p>
             <a:fld id="{F0037C11-A992-43DC-841C-4ED15B44942C}" type="datetimeFigureOut">
               <a:rPr lang="en-US" smtClean="0"/>
-              <a:t>2/24/21</a:t>
+              <a:t>2/25/2021</a:t>
             </a:fld>
             <a:endParaRPr lang="en-US" dirty="0"/>
           </a:p>
@@ -4207,6 +4695,14 @@
 <file path=ppt/slides/slide10.xml><?xml version="1.0" encoding="utf-8"?>
 <p:sld xmlns:a="http://schemas.openxmlformats.org/drawingml/2006/main" xmlns:r="http://schemas.openxmlformats.org/officeDocument/2006/relationships" xmlns:p="http://schemas.openxmlformats.org/presentationml/2006/main">
   <p:cSld>
+    <p:bg>
+      <p:bgPr>
+        <a:solidFill>
+          <a:schemeClr val="bg1"/>
+        </a:solidFill>
+        <a:effectLst/>
+      </p:bgPr>
+    </p:bg>
     <p:spTree>
       <p:nvGrpSpPr>
         <p:cNvPr id="1" name=""/>
@@ -4223,7 +4719,7 @@
       </p:grpSpPr>
       <p:sp>
         <p:nvSpPr>
-          <p:cNvPr id="21" name="Rectangle 20">
+          <p:cNvPr id="17" name="Rectangle 16">
             <a:extLst>
               <a:ext uri="{FF2B5EF4-FFF2-40B4-BE49-F238E27FC236}">
                 <a16:creationId xmlns:a16="http://schemas.microsoft.com/office/drawing/2014/main" id="{823AC064-BC96-4F32-8AE1-B2FD38754823}"/>
@@ -4288,6 +4784,377 @@
       </p:sp>
       <p:sp>
         <p:nvSpPr>
+          <p:cNvPr id="2" name="Title 1">
+            <a:extLst>
+              <a:ext uri="{FF2B5EF4-FFF2-40B4-BE49-F238E27FC236}">
+                <a16:creationId xmlns:a16="http://schemas.microsoft.com/office/drawing/2014/main" id="{F61E1822-5204-43CF-AF8A-BD75BC97F90C}"/>
+              </a:ext>
+            </a:extLst>
+          </p:cNvPr>
+          <p:cNvSpPr>
+            <a:spLocks noGrp="1"/>
+          </p:cNvSpPr>
+          <p:nvPr>
+            <p:ph type="title"/>
+          </p:nvPr>
+        </p:nvSpPr>
+        <p:spPr>
+          <a:xfrm>
+            <a:off x="546351" y="433545"/>
+            <a:ext cx="11139854" cy="930447"/>
+          </a:xfrm>
+        </p:spPr>
+        <p:txBody>
+          <a:bodyPr vert="horz" lIns="91440" tIns="45720" rIns="91440" bIns="45720" rtlCol="0" anchor="b">
+            <a:normAutofit/>
+          </a:bodyPr>
+          <a:lstStyle/>
+          <a:p>
+            <a:pPr algn="ctr"/>
+            <a:r>
+              <a:rPr lang="en-US" sz="2000" dirty="0">
+                <a:solidFill>
+                  <a:srgbClr val="FFFFFF"/>
+                </a:solidFill>
+              </a:rPr>
+              <a:t>Featured factors in loan approval are Credit History, Loan Amount, Applicant and Co-applicant Income. When Credit History is removed importance expands to Suburban location and those with 2-3 Dependents</a:t>
+            </a:r>
+          </a:p>
+        </p:txBody>
+      </p:sp>
+      <p:cxnSp>
+        <p:nvCxnSpPr>
+          <p:cNvPr id="19" name="Straight Connector 18">
+            <a:extLst>
+              <a:ext uri="{FF2B5EF4-FFF2-40B4-BE49-F238E27FC236}">
+                <a16:creationId xmlns:a16="http://schemas.microsoft.com/office/drawing/2014/main" id="{7E7C77BC-7138-40B1-A15B-20F57A494629}"/>
+              </a:ext>
+              <a:ext uri="{C183D7F6-B498-43B3-948B-1728B52AA6E4}">
+                <adec:decorative xmlns:adec="http://schemas.microsoft.com/office/drawing/2017/decorative" val="1"/>
+              </a:ext>
+            </a:extLst>
+          </p:cNvPr>
+          <p:cNvCxnSpPr>
+            <a:cxnSpLocks noGrp="1" noRot="1" noChangeAspect="1" noMove="1" noResize="1" noEditPoints="1" noAdjustHandles="1" noChangeArrowheads="1" noChangeShapeType="1"/>
+          </p:cNvCxnSpPr>
+          <p:nvPr>
+            <p:extLst>
+              <p:ext uri="{386F3935-93C4-4BCD-93E2-E3B085C9AB24}">
+                <p16:designElem xmlns:p16="http://schemas.microsoft.com/office/powerpoint/2015/main" val="1"/>
+              </p:ext>
+            </p:extLst>
+          </p:nvPr>
+        </p:nvCxnSpPr>
+        <p:spPr>
+          <a:xfrm>
+            <a:off x="2230078" y="1522292"/>
+            <a:ext cx="7772400" cy="0"/>
+          </a:xfrm>
+          <a:prstGeom prst="line">
+            <a:avLst/>
+          </a:prstGeom>
+          <a:ln w="22225">
+            <a:solidFill>
+              <a:srgbClr val="D9D9D9"/>
+            </a:solidFill>
+          </a:ln>
+        </p:spPr>
+        <p:style>
+          <a:lnRef idx="1">
+            <a:schemeClr val="accent1"/>
+          </a:lnRef>
+          <a:fillRef idx="0">
+            <a:schemeClr val="accent1"/>
+          </a:fillRef>
+          <a:effectRef idx="0">
+            <a:schemeClr val="accent1"/>
+          </a:effectRef>
+          <a:fontRef idx="minor">
+            <a:schemeClr val="tx1"/>
+          </a:fontRef>
+        </p:style>
+      </p:cxnSp>
+      <p:cxnSp>
+        <p:nvCxnSpPr>
+          <p:cNvPr id="21" name="Straight Connector 20">
+            <a:extLst>
+              <a:ext uri="{FF2B5EF4-FFF2-40B4-BE49-F238E27FC236}">
+                <a16:creationId xmlns:a16="http://schemas.microsoft.com/office/drawing/2014/main" id="{DB146403-F3D6-484B-B2ED-97F9565D0370}"/>
+              </a:ext>
+              <a:ext uri="{C183D7F6-B498-43B3-948B-1728B52AA6E4}">
+                <adec:decorative xmlns:adec="http://schemas.microsoft.com/office/drawing/2017/decorative" val="1"/>
+              </a:ext>
+            </a:extLst>
+          </p:cNvPr>
+          <p:cNvCxnSpPr>
+            <a:cxnSpLocks noGrp="1" noRot="1" noChangeAspect="1" noMove="1" noResize="1" noEditPoints="1" noAdjustHandles="1" noChangeArrowheads="1" noChangeShapeType="1"/>
+          </p:cNvCxnSpPr>
+          <p:nvPr>
+            <p:extLst>
+              <p:ext uri="{386F3935-93C4-4BCD-93E2-E3B085C9AB24}">
+                <p16:designElem xmlns:p16="http://schemas.microsoft.com/office/powerpoint/2015/main" val="1"/>
+              </p:ext>
+            </p:extLst>
+          </p:nvPr>
+        </p:nvCxnSpPr>
+        <p:spPr>
+          <a:xfrm>
+            <a:off x="6116278" y="2596836"/>
+            <a:ext cx="0" cy="3657600"/>
+          </a:xfrm>
+          <a:prstGeom prst="line">
+            <a:avLst/>
+          </a:prstGeom>
+          <a:ln w="101600" cmpd="dbl">
+            <a:solidFill>
+              <a:srgbClr val="595959"/>
+            </a:solidFill>
+          </a:ln>
+        </p:spPr>
+        <p:style>
+          <a:lnRef idx="1">
+            <a:schemeClr val="accent1"/>
+          </a:lnRef>
+          <a:fillRef idx="0">
+            <a:schemeClr val="accent1"/>
+          </a:fillRef>
+          <a:effectRef idx="0">
+            <a:schemeClr val="accent1"/>
+          </a:effectRef>
+          <a:fontRef idx="minor">
+            <a:schemeClr val="tx1"/>
+          </a:fontRef>
+        </p:style>
+      </p:cxnSp>
+      <p:pic>
+        <p:nvPicPr>
+          <p:cNvPr id="20" name="Picture 19">
+            <a:extLst>
+              <a:ext uri="{FF2B5EF4-FFF2-40B4-BE49-F238E27FC236}">
+                <a16:creationId xmlns:a16="http://schemas.microsoft.com/office/drawing/2014/main" id="{2072415A-65B3-7F4B-B9C9-52EB5260CFF7}"/>
+              </a:ext>
+            </a:extLst>
+          </p:cNvPr>
+          <p:cNvPicPr>
+            <a:picLocks noChangeAspect="1"/>
+          </p:cNvPicPr>
+          <p:nvPr/>
+        </p:nvPicPr>
+        <p:blipFill>
+          <a:blip r:embed="rId3">
+            <a:extLst>
+              <a:ext uri="{28A0092B-C50C-407E-A947-70E740481C1C}">
+                <a14:useLocalDpi xmlns:a14="http://schemas.microsoft.com/office/drawing/2010/main" val="0"/>
+              </a:ext>
+            </a:extLst>
+          </a:blip>
+          <a:stretch>
+            <a:fillRect/>
+          </a:stretch>
+        </p:blipFill>
+        <p:spPr>
+          <a:xfrm>
+            <a:off x="6589746" y="2184132"/>
+            <a:ext cx="4874618" cy="4728313"/>
+          </a:xfrm>
+          <a:prstGeom prst="rect">
+            <a:avLst/>
+          </a:prstGeom>
+        </p:spPr>
+      </p:pic>
+      <p:grpSp>
+        <p:nvGrpSpPr>
+          <p:cNvPr id="23" name="Group 22">
+            <a:extLst>
+              <a:ext uri="{FF2B5EF4-FFF2-40B4-BE49-F238E27FC236}">
+                <a16:creationId xmlns:a16="http://schemas.microsoft.com/office/drawing/2014/main" id="{AB7141BF-ABB9-5345-9DEE-3BE9F4D4626E}"/>
+              </a:ext>
+            </a:extLst>
+          </p:cNvPr>
+          <p:cNvGrpSpPr/>
+          <p:nvPr/>
+        </p:nvGrpSpPr>
+        <p:grpSpPr>
+          <a:xfrm>
+            <a:off x="874530" y="2184790"/>
+            <a:ext cx="4744217" cy="4678870"/>
+            <a:chOff x="874530" y="2184790"/>
+            <a:chExt cx="4744217" cy="4678870"/>
+          </a:xfrm>
+        </p:grpSpPr>
+        <p:pic>
+          <p:nvPicPr>
+            <p:cNvPr id="15" name="Picture 14">
+              <a:extLst>
+                <a:ext uri="{FF2B5EF4-FFF2-40B4-BE49-F238E27FC236}">
+                  <a16:creationId xmlns:a16="http://schemas.microsoft.com/office/drawing/2014/main" id="{8B9323F5-273F-A140-8068-97EB48AC55A6}"/>
+                </a:ext>
+              </a:extLst>
+            </p:cNvPr>
+            <p:cNvPicPr>
+              <a:picLocks noChangeAspect="1"/>
+            </p:cNvPicPr>
+            <p:nvPr/>
+          </p:nvPicPr>
+          <p:blipFill>
+            <a:blip r:embed="rId4">
+              <a:extLst>
+                <a:ext uri="{28A0092B-C50C-407E-A947-70E740481C1C}">
+                  <a14:useLocalDpi xmlns:a14="http://schemas.microsoft.com/office/drawing/2010/main" val="0"/>
+                </a:ext>
+              </a:extLst>
+            </a:blip>
+            <a:stretch>
+              <a:fillRect/>
+            </a:stretch>
+          </p:blipFill>
+          <p:spPr>
+            <a:xfrm>
+              <a:off x="874530" y="2184790"/>
+              <a:ext cx="4744217" cy="4678870"/>
+            </a:xfrm>
+            <a:prstGeom prst="rect">
+              <a:avLst/>
+            </a:prstGeom>
+          </p:spPr>
+        </p:pic>
+        <p:sp>
+          <p:nvSpPr>
+            <p:cNvPr id="22" name="TextBox 21">
+              <a:extLst>
+                <a:ext uri="{FF2B5EF4-FFF2-40B4-BE49-F238E27FC236}">
+                  <a16:creationId xmlns:a16="http://schemas.microsoft.com/office/drawing/2014/main" id="{B7176D66-F260-AD40-8236-5DE18415FA6B}"/>
+                </a:ext>
+              </a:extLst>
+            </p:cNvPr>
+            <p:cNvSpPr txBox="1"/>
+            <p:nvPr/>
+          </p:nvSpPr>
+          <p:spPr>
+            <a:xfrm>
+              <a:off x="1684421" y="2489114"/>
+              <a:ext cx="269625" cy="215444"/>
+            </a:xfrm>
+            <a:prstGeom prst="rect">
+              <a:avLst/>
+            </a:prstGeom>
+            <a:noFill/>
+          </p:spPr>
+          <p:txBody>
+            <a:bodyPr wrap="square" rtlCol="0">
+              <a:spAutoFit/>
+            </a:bodyPr>
+            <a:lstStyle/>
+            <a:p>
+              <a:r>
+                <a:rPr lang="en-US" sz="800" dirty="0">
+                  <a:solidFill>
+                    <a:schemeClr val="accent1"/>
+                  </a:solidFill>
+                </a:rPr>
+                <a:t>✱</a:t>
+              </a:r>
+            </a:p>
+          </p:txBody>
+        </p:sp>
+      </p:grpSp>
+    </p:spTree>
+    <p:extLst>
+      <p:ext uri="{BB962C8B-B14F-4D97-AF65-F5344CB8AC3E}">
+        <p14:creationId xmlns:p14="http://schemas.microsoft.com/office/powerpoint/2010/main" val="3585113251"/>
+      </p:ext>
+    </p:extLst>
+  </p:cSld>
+  <p:clrMapOvr>
+    <a:masterClrMapping/>
+  </p:clrMapOvr>
+</p:sld>
+</file>
+
+<file path=ppt/slides/slide11.xml><?xml version="1.0" encoding="utf-8"?>
+<p:sld xmlns:a="http://schemas.openxmlformats.org/drawingml/2006/main" xmlns:r="http://schemas.openxmlformats.org/officeDocument/2006/relationships" xmlns:p="http://schemas.openxmlformats.org/presentationml/2006/main">
+  <p:cSld>
+    <p:spTree>
+      <p:nvGrpSpPr>
+        <p:cNvPr id="1" name=""/>
+        <p:cNvGrpSpPr/>
+        <p:nvPr/>
+      </p:nvGrpSpPr>
+      <p:grpSpPr>
+        <a:xfrm>
+          <a:off x="0" y="0"/>
+          <a:ext cx="0" cy="0"/>
+          <a:chOff x="0" y="0"/>
+          <a:chExt cx="0" cy="0"/>
+        </a:xfrm>
+      </p:grpSpPr>
+      <p:sp>
+        <p:nvSpPr>
+          <p:cNvPr id="21" name="Rectangle 20">
+            <a:extLst>
+              <a:ext uri="{FF2B5EF4-FFF2-40B4-BE49-F238E27FC236}">
+                <a16:creationId xmlns:a16="http://schemas.microsoft.com/office/drawing/2014/main" id="{823AC064-BC96-4F32-8AE1-B2FD38754823}"/>
+              </a:ext>
+              <a:ext uri="{C183D7F6-B498-43B3-948B-1728B52AA6E4}">
+                <adec:decorative xmlns:adec="http://schemas.microsoft.com/office/drawing/2017/decorative" val="1"/>
+              </a:ext>
+            </a:extLst>
+          </p:cNvPr>
+          <p:cNvSpPr>
+            <a:spLocks noGrp="1" noRot="1" noChangeAspect="1" noMove="1" noResize="1" noEditPoints="1" noAdjustHandles="1" noChangeArrowheads="1" noChangeShapeType="1" noTextEdit="1"/>
+          </p:cNvSpPr>
+          <p:nvPr>
+            <p:extLst>
+              <p:ext uri="{386F3935-93C4-4BCD-93E2-E3B085C9AB24}">
+                <p16:designElem xmlns:p16="http://schemas.microsoft.com/office/powerpoint/2015/main" val="1"/>
+              </p:ext>
+            </p:extLst>
+          </p:nvPr>
+        </p:nvSpPr>
+        <p:spPr bwMode="ltGray">
+          <a:xfrm>
+            <a:off x="396882" y="280374"/>
+            <a:ext cx="11438793" cy="1844256"/>
+          </a:xfrm>
+          <a:prstGeom prst="rect">
+            <a:avLst/>
+          </a:prstGeom>
+          <a:solidFill>
+            <a:srgbClr val="404040"/>
+          </a:solidFill>
+          <a:ln w="127000" cap="sq" cmpd="thinThick">
+            <a:solidFill>
+              <a:srgbClr val="404040"/>
+            </a:solidFill>
+          </a:ln>
+        </p:spPr>
+        <p:style>
+          <a:lnRef idx="2">
+            <a:schemeClr val="accent1">
+              <a:shade val="50000"/>
+            </a:schemeClr>
+          </a:lnRef>
+          <a:fillRef idx="1">
+            <a:schemeClr val="accent1"/>
+          </a:fillRef>
+          <a:effectRef idx="0">
+            <a:schemeClr val="accent1"/>
+          </a:effectRef>
+          <a:fontRef idx="minor">
+            <a:schemeClr val="lt1"/>
+          </a:fontRef>
+        </p:style>
+        <p:txBody>
+          <a:bodyPr rtlCol="0" anchor="ctr"/>
+          <a:lstStyle/>
+          <a:p>
+            <a:pPr algn="ctr"/>
+            <a:endParaRPr lang="en-US"/>
+          </a:p>
+        </p:txBody>
+      </p:sp>
+      <p:sp>
+        <p:nvSpPr>
           <p:cNvPr id="16" name="Title 15">
             <a:extLst>
               <a:ext uri="{FF2B5EF4-FFF2-40B4-BE49-F238E27FC236}">
@@ -4445,7 +5312,7 @@
         <p:spPr>
           <a:xfrm>
             <a:off x="893355" y="2780526"/>
-            <a:ext cx="4229071" cy="1569660"/>
+            <a:ext cx="4542148" cy="2308324"/>
           </a:xfrm>
           <a:prstGeom prst="rect">
             <a:avLst/>
@@ -4460,7 +5327,7 @@
           <a:p>
             <a:r>
               <a:rPr lang="en-US" sz="2400" dirty="0"/>
-              <a:t>The statistical model appears to agree with descriptive data, allowing us to predict loan approval with an accuracy of .85</a:t>
+              <a:t>The statistical model appears to agree somewhat with descriptive data but takes a more precise look at predictive variables, allowing us to predict loan approval with an accuracy of .85</a:t>
             </a:r>
           </a:p>
         </p:txBody>
@@ -4556,7 +5423,7 @@
 </p:sld>
 </file>
 
-<file path=ppt/slides/slide11.xml><?xml version="1.0" encoding="utf-8"?>
+<file path=ppt/slides/slide12.xml><?xml version="1.0" encoding="utf-8"?>
 <p:sld xmlns:a="http://schemas.openxmlformats.org/drawingml/2006/main" xmlns:r="http://schemas.openxmlformats.org/officeDocument/2006/relationships" xmlns:p="http://schemas.openxmlformats.org/presentationml/2006/main">
   <p:cSld>
     <p:bg>
@@ -4841,7 +5708,7 @@
 </p:sld>
 </file>
 
-<file path=ppt/slides/slide12.xml><?xml version="1.0" encoding="utf-8"?>
+<file path=ppt/slides/slide13.xml><?xml version="1.0" encoding="utf-8"?>
 <p:sld xmlns:a="http://schemas.openxmlformats.org/drawingml/2006/main" xmlns:r="http://schemas.openxmlformats.org/officeDocument/2006/relationships" xmlns:p="http://schemas.openxmlformats.org/presentationml/2006/main">
   <p:cSld>
     <p:bg>
@@ -5081,7 +5948,7 @@
 </p:sld>
 </file>
 
-<file path=ppt/slides/slide13.xml><?xml version="1.0" encoding="utf-8"?>
+<file path=ppt/slides/slide14.xml><?xml version="1.0" encoding="utf-8"?>
 <p:sld xmlns:a="http://schemas.openxmlformats.org/drawingml/2006/main" xmlns:r="http://schemas.openxmlformats.org/officeDocument/2006/relationships" xmlns:p="http://schemas.openxmlformats.org/presentationml/2006/main">
   <p:cSld>
     <p:bg>
@@ -5289,7 +6156,7 @@
 </p:sld>
 </file>
 
-<file path=ppt/slides/slide14.xml><?xml version="1.0" encoding="utf-8"?>
+<file path=ppt/slides/slide15.xml><?xml version="1.0" encoding="utf-8"?>
 <p:sld xmlns:a="http://schemas.openxmlformats.org/drawingml/2006/main" xmlns:r="http://schemas.openxmlformats.org/officeDocument/2006/relationships" xmlns:p="http://schemas.openxmlformats.org/presentationml/2006/main">
   <p:cSld>
     <p:bg>
@@ -5574,7 +6441,7 @@
 </p:sld>
 </file>
 
-<file path=ppt/slides/slide15.xml><?xml version="1.0" encoding="utf-8"?>
+<file path=ppt/slides/slide16.xml><?xml version="1.0" encoding="utf-8"?>
 <p:sld xmlns:a="http://schemas.openxmlformats.org/drawingml/2006/main" xmlns:r="http://schemas.openxmlformats.org/officeDocument/2006/relationships" xmlns:p="http://schemas.openxmlformats.org/presentationml/2006/main">
   <p:cSld>
     <p:bg>
@@ -5989,7 +6856,7 @@
           <a:lstStyle/>
           <a:p>
             <a:pPr algn="ctr"/>
-            <a:endParaRPr lang="en-US"/>
+            <a:endParaRPr lang="en-US" dirty="0"/>
           </a:p>
         </p:txBody>
       </p:sp>
@@ -6052,7 +6919,7 @@
           <a:lstStyle/>
           <a:p>
             <a:pPr algn="ctr"/>
-            <a:endParaRPr lang="en-US" sz="800"/>
+            <a:endParaRPr lang="en-US" sz="800" dirty="0"/>
           </a:p>
         </p:txBody>
       </p:sp>
@@ -6792,7 +7659,7 @@
             <a:lstStyle/>
             <a:p>
               <a:pPr algn="ctr"/>
-              <a:endParaRPr lang="en-US"/>
+              <a:endParaRPr lang="en-US" dirty="0"/>
             </a:p>
           </p:txBody>
         </p:sp>
@@ -7508,7 +8375,7 @@
             <a:lstStyle/>
             <a:p>
               <a:pPr algn="ctr"/>
-              <a:endParaRPr lang="en-US"/>
+              <a:endParaRPr lang="en-US" dirty="0"/>
             </a:p>
           </p:txBody>
         </p:sp>
@@ -7730,7 +8597,7 @@
             <a:lstStyle/>
             <a:p>
               <a:pPr algn="ctr"/>
-              <a:endParaRPr lang="en-US"/>
+              <a:endParaRPr lang="en-US" dirty="0"/>
             </a:p>
           </p:txBody>
         </p:sp>
@@ -7972,7 +8839,7 @@
             <a:lstStyle/>
             <a:p>
               <a:pPr algn="ctr"/>
-              <a:endParaRPr lang="en-US"/>
+              <a:endParaRPr lang="en-US" dirty="0"/>
             </a:p>
           </p:txBody>
         </p:sp>
@@ -8230,7 +9097,7 @@
         </p:nvSpPr>
         <p:spPr>
           <a:xfrm>
-            <a:off x="838200" y="365125"/>
+            <a:off x="669073" y="90754"/>
             <a:ext cx="10515600" cy="454025"/>
           </a:xfrm>
         </p:spPr>
@@ -8241,18 +9108,18 @@
           <a:lstStyle/>
           <a:p>
             <a:r>
-              <a:rPr lang="en-US" sz="2400" dirty="0"/>
-              <a:t>Data Overview</a:t>
+              <a:rPr lang="en-US" sz="2400" b="1" dirty="0"/>
+              <a:t>Gender and Marriage</a:t>
             </a:r>
           </a:p>
         </p:txBody>
       </p:sp>
       <p:pic>
         <p:nvPicPr>
-          <p:cNvPr id="6" name="Content Placeholder 5" descr="Chart, bar chart, waterfall chart&#10;&#10;Description automatically generated">
-            <a:extLst>
-              <a:ext uri="{FF2B5EF4-FFF2-40B4-BE49-F238E27FC236}">
-                <a16:creationId xmlns:a16="http://schemas.microsoft.com/office/drawing/2014/main" id="{71D70F73-4044-4895-9254-5CA907FAB456}"/>
+          <p:cNvPr id="16" name="Content Placeholder 15" descr="Chart, bar chart, waterfall chart&#10;&#10;Description automatically generated">
+            <a:extLst>
+              <a:ext uri="{FF2B5EF4-FFF2-40B4-BE49-F238E27FC236}">
+                <a16:creationId xmlns:a16="http://schemas.microsoft.com/office/drawing/2014/main" id="{3E6DA9AC-CC2D-4D69-AC42-EFDDADD09EDA}"/>
               </a:ext>
             </a:extLst>
           </p:cNvPr>
@@ -8264,7 +9131,7 @@
           </p:nvPr>
         </p:nvPicPr>
         <p:blipFill>
-          <a:blip r:embed="rId2">
+          <a:blip r:embed="rId3">
             <a:extLst>
               <a:ext uri="{28A0092B-C50C-407E-A947-70E740481C1C}">
                 <a14:useLocalDpi xmlns:a14="http://schemas.microsoft.com/office/drawing/2010/main" val="0"/>
@@ -8277,17 +9144,17 @@
         </p:blipFill>
         <p:spPr>
           <a:xfrm>
-            <a:off x="568960" y="194007"/>
-            <a:ext cx="5327015" cy="6245703"/>
+            <a:off x="367989" y="432867"/>
+            <a:ext cx="4995747" cy="6073581"/>
           </a:xfrm>
         </p:spPr>
       </p:pic>
       <p:pic>
         <p:nvPicPr>
-          <p:cNvPr id="10" name="Content Placeholder 9">
-            <a:extLst>
-              <a:ext uri="{FF2B5EF4-FFF2-40B4-BE49-F238E27FC236}">
-                <a16:creationId xmlns:a16="http://schemas.microsoft.com/office/drawing/2014/main" id="{EB167AA3-CD31-43D4-8B79-7DA671CD889F}"/>
+          <p:cNvPr id="20" name="Content Placeholder 19" descr="Chart, bar chart&#10;&#10;Description automatically generated">
+            <a:extLst>
+              <a:ext uri="{FF2B5EF4-FFF2-40B4-BE49-F238E27FC236}">
+                <a16:creationId xmlns:a16="http://schemas.microsoft.com/office/drawing/2014/main" id="{7AD8B583-BAFF-4F7C-8107-CAB795636A50}"/>
               </a:ext>
             </a:extLst>
           </p:cNvPr>
@@ -8299,21 +9166,61 @@
           </p:nvPr>
         </p:nvPicPr>
         <p:blipFill>
-          <a:blip r:embed="rId3"/>
+          <a:blip r:embed="rId4">
+            <a:extLst>
+              <a:ext uri="{28A0092B-C50C-407E-A947-70E740481C1C}">
+                <a14:useLocalDpi xmlns:a14="http://schemas.microsoft.com/office/drawing/2010/main" val="0"/>
+              </a:ext>
+            </a:extLst>
+          </a:blip>
           <a:stretch>
             <a:fillRect/>
           </a:stretch>
         </p:blipFill>
         <p:spPr>
           <a:xfrm>
-            <a:off x="6374765" y="193097"/>
-            <a:ext cx="5248275" cy="6229928"/>
+            <a:off x="6143067" y="544779"/>
+            <a:ext cx="4995747" cy="5857018"/>
+          </a:xfrm>
+        </p:spPr>
+      </p:pic>
+      <p:sp>
+        <p:nvSpPr>
+          <p:cNvPr id="21" name="TextBox 20">
+            <a:extLst>
+              <a:ext uri="{FF2B5EF4-FFF2-40B4-BE49-F238E27FC236}">
+                <a16:creationId xmlns:a16="http://schemas.microsoft.com/office/drawing/2014/main" id="{419CAADF-0939-450E-B719-9560B02E58D2}"/>
+              </a:ext>
+            </a:extLst>
+          </p:cNvPr>
+          <p:cNvSpPr txBox="1"/>
+          <p:nvPr/>
+        </p:nvSpPr>
+        <p:spPr>
+          <a:xfrm>
+            <a:off x="6936058" y="133100"/>
+            <a:ext cx="3624147" cy="461665"/>
           </a:xfrm>
           <a:prstGeom prst="rect">
             <a:avLst/>
           </a:prstGeom>
+          <a:noFill/>
         </p:spPr>
-      </p:pic>
+        <p:txBody>
+          <a:bodyPr wrap="square" rtlCol="0">
+            <a:spAutoFit/>
+          </a:bodyPr>
+          <a:lstStyle/>
+          <a:p>
+            <a:r>
+              <a:rPr lang="en-US" sz="2400" b="1" dirty="0">
+                <a:latin typeface="+mj-lt"/>
+              </a:rPr>
+              <a:t>Location</a:t>
+            </a:r>
+          </a:p>
+        </p:txBody>
+      </p:sp>
     </p:spTree>
     <p:extLst>
       <p:ext uri="{BB962C8B-B14F-4D97-AF65-F5344CB8AC3E}">
@@ -8411,7 +9318,7 @@
           <a:lstStyle/>
           <a:p>
             <a:pPr algn="ctr"/>
-            <a:endParaRPr lang="en-US"/>
+            <a:endParaRPr lang="en-US" dirty="0"/>
           </a:p>
         </p:txBody>
       </p:sp>
@@ -8433,19 +9340,19 @@
         </p:nvSpPr>
         <p:spPr>
           <a:xfrm>
-            <a:off x="556532" y="643467"/>
-            <a:ext cx="11210925" cy="744836"/>
+            <a:off x="-3304" y="660037"/>
+            <a:ext cx="11210925" cy="736551"/>
           </a:xfrm>
         </p:spPr>
         <p:txBody>
           <a:bodyPr vert="horz" lIns="91440" tIns="45720" rIns="91440" bIns="45720" rtlCol="0" anchor="ctr">
-            <a:normAutofit/>
+            <a:noAutofit/>
           </a:bodyPr>
           <a:lstStyle/>
           <a:p>
             <a:pPr algn="ctr"/>
             <a:r>
-              <a:rPr lang="en-US" sz="2200" kern="1200" dirty="0">
+              <a:rPr lang="en-US" sz="3200" kern="1200" dirty="0">
                 <a:solidFill>
                   <a:schemeClr val="bg1"/>
                 </a:solidFill>
@@ -8453,7 +9360,7 @@
                 <a:ea typeface="+mj-ea"/>
                 <a:cs typeface="+mj-cs"/>
               </a:rPr>
-              <a:t>Income vs Loan amount: 2 incomes more consistent with higher loan</a:t>
+              <a:t>Income vs Loan amount: Applicant income alone is a better indicator of a higher loan amount than co-applicant income alone</a:t>
             </a:r>
           </a:p>
         </p:txBody>
@@ -8509,6 +9416,14 @@
 <file path=ppt/slides/slide5.xml><?xml version="1.0" encoding="utf-8"?>
 <p:sld xmlns:a="http://schemas.openxmlformats.org/drawingml/2006/main" xmlns:r="http://schemas.openxmlformats.org/officeDocument/2006/relationships" xmlns:p="http://schemas.openxmlformats.org/presentationml/2006/main">
   <p:cSld>
+    <p:bg>
+      <p:bgPr>
+        <a:solidFill>
+          <a:schemeClr val="bg1"/>
+        </a:solidFill>
+        <a:effectLst/>
+      </p:bgPr>
+    </p:bg>
     <p:spTree>
       <p:nvGrpSpPr>
         <p:cNvPr id="1" name=""/>
@@ -8523,12 +9438,117 @@
           <a:chExt cx="0" cy="0"/>
         </a:xfrm>
       </p:grpSpPr>
+      <p:sp>
+        <p:nvSpPr>
+          <p:cNvPr id="13" name="Rectangle 12">
+            <a:extLst>
+              <a:ext uri="{FF2B5EF4-FFF2-40B4-BE49-F238E27FC236}">
+                <a16:creationId xmlns:a16="http://schemas.microsoft.com/office/drawing/2014/main" id="{EBF87945-A001-489F-9D9B-7D9435F0B9CA}"/>
+              </a:ext>
+              <a:ext uri="{C183D7F6-B498-43B3-948B-1728B52AA6E4}">
+                <adec:decorative xmlns:adec="http://schemas.microsoft.com/office/drawing/2017/decorative" val="1"/>
+              </a:ext>
+            </a:extLst>
+          </p:cNvPr>
+          <p:cNvSpPr>
+            <a:spLocks noGrp="1" noRot="1" noChangeAspect="1" noMove="1" noResize="1" noEditPoints="1" noAdjustHandles="1" noChangeArrowheads="1" noChangeShapeType="1" noTextEdit="1"/>
+          </p:cNvSpPr>
+          <p:nvPr>
+            <p:extLst>
+              <p:ext uri="{386F3935-93C4-4BCD-93E2-E3B085C9AB24}">
+                <p16:designElem xmlns:p16="http://schemas.microsoft.com/office/powerpoint/2015/main" val="1"/>
+              </p:ext>
+            </p:extLst>
+          </p:nvPr>
+        </p:nvSpPr>
+        <p:spPr>
+          <a:xfrm>
+            <a:off x="548639" y="347471"/>
+            <a:ext cx="11100816" cy="1801368"/>
+          </a:xfrm>
+          <a:prstGeom prst="rect">
+            <a:avLst/>
+          </a:prstGeom>
+          <a:solidFill>
+            <a:schemeClr val="tx1">
+              <a:lumMod val="75000"/>
+              <a:lumOff val="25000"/>
+            </a:schemeClr>
+          </a:solidFill>
+          <a:ln>
+            <a:noFill/>
+          </a:ln>
+        </p:spPr>
+        <p:style>
+          <a:lnRef idx="2">
+            <a:schemeClr val="accent1">
+              <a:shade val="50000"/>
+            </a:schemeClr>
+          </a:lnRef>
+          <a:fillRef idx="1">
+            <a:schemeClr val="accent1"/>
+          </a:fillRef>
+          <a:effectRef idx="0">
+            <a:schemeClr val="accent1"/>
+          </a:effectRef>
+          <a:fontRef idx="minor">
+            <a:schemeClr val="lt1"/>
+          </a:fontRef>
+        </p:style>
+        <p:txBody>
+          <a:bodyPr rtlCol="0" anchor="ctr"/>
+          <a:lstStyle/>
+          <a:p>
+            <a:pPr algn="ctr"/>
+            <a:endParaRPr lang="en-US" dirty="0"/>
+          </a:p>
+        </p:txBody>
+      </p:sp>
+      <p:sp>
+        <p:nvSpPr>
+          <p:cNvPr id="4" name="Title 3">
+            <a:extLst>
+              <a:ext uri="{FF2B5EF4-FFF2-40B4-BE49-F238E27FC236}">
+                <a16:creationId xmlns:a16="http://schemas.microsoft.com/office/drawing/2014/main" id="{15454226-C709-4077-937C-5A5F18BC1962}"/>
+              </a:ext>
+            </a:extLst>
+          </p:cNvPr>
+          <p:cNvSpPr>
+            <a:spLocks noGrp="1"/>
+          </p:cNvSpPr>
+          <p:nvPr>
+            <p:ph type="title"/>
+          </p:nvPr>
+        </p:nvSpPr>
+        <p:spPr>
+          <a:xfrm>
+            <a:off x="838200" y="585217"/>
+            <a:ext cx="10413380" cy="1076316"/>
+          </a:xfrm>
+        </p:spPr>
+        <p:txBody>
+          <a:bodyPr vert="horz" lIns="91440" tIns="45720" rIns="91440" bIns="45720" rtlCol="0" anchor="ctr">
+            <a:normAutofit/>
+          </a:bodyPr>
+          <a:lstStyle/>
+          <a:p>
+            <a:r>
+              <a:rPr lang="en-US" sz="3200" dirty="0">
+                <a:solidFill>
+                  <a:schemeClr val="bg1"/>
+                </a:solidFill>
+              </a:rPr>
+              <a:t>Combining applicant and co-applicant incomes appears to indicate a better fit for loan approval than either one alone</a:t>
+            </a:r>
+          </a:p>
+        </p:txBody>
+      </p:sp>
       <p:pic>
         <p:nvPicPr>
-          <p:cNvPr id="12" name="Content Placeholder 11" descr="Chart, scatter chart&#10;&#10;Description automatically generated">
-            <a:extLst>
-              <a:ext uri="{FF2B5EF4-FFF2-40B4-BE49-F238E27FC236}">
-                <a16:creationId xmlns:a16="http://schemas.microsoft.com/office/drawing/2014/main" id="{3A341240-58CE-41F1-A932-36E5D33D6D8E}"/>
+          <p:cNvPr id="8" name="Content Placeholder 7" descr="Chart, scatter chart&#10;&#10;Description automatically generated">
+            <a:extLst>
+              <a:ext uri="{FF2B5EF4-FFF2-40B4-BE49-F238E27FC236}">
+                <a16:creationId xmlns:a16="http://schemas.microsoft.com/office/drawing/2014/main" id="{80EBF24E-0090-4132-AD21-DAD292C19404}"/>
               </a:ext>
             </a:extLst>
           </p:cNvPr>
@@ -8539,7 +9559,7 @@
             <p:ph sz="half" idx="1"/>
           </p:nvPr>
         </p:nvPicPr>
-        <p:blipFill>
+        <p:blipFill rotWithShape="1">
           <a:blip r:embed="rId2">
             <a:extLst>
               <a:ext uri="{28A0092B-C50C-407E-A947-70E740481C1C}">
@@ -8547,59 +9567,53 @@
               </a:ext>
             </a:extLst>
           </a:blip>
-          <a:stretch>
-            <a:fillRect/>
-          </a:stretch>
+          <a:srcRect r="5437" b="-2"/>
+          <a:stretch/>
         </p:blipFill>
         <p:spPr>
           <a:xfrm>
-            <a:off x="417250" y="506028"/>
-            <a:ext cx="4758432" cy="6198250"/>
-          </a:xfrm>
-        </p:spPr>
-      </p:pic>
-      <p:pic>
-        <p:nvPicPr>
-          <p:cNvPr id="28" name="Content Placeholder 14" descr="Table&#10;&#10;Description automatically generated">
-            <a:extLst>
-              <a:ext uri="{FF2B5EF4-FFF2-40B4-BE49-F238E27FC236}">
-                <a16:creationId xmlns:a16="http://schemas.microsoft.com/office/drawing/2014/main" id="{4AB79352-D5FD-4974-A6E0-43087E4BAB84}"/>
-              </a:ext>
-            </a:extLst>
-          </p:cNvPr>
-          <p:cNvPicPr>
-            <a:picLocks noGrp="1" noChangeAspect="1"/>
-          </p:cNvPicPr>
-          <p:nvPr>
-            <p:ph sz="half" idx="2"/>
-          </p:nvPr>
-        </p:nvPicPr>
-        <p:blipFill>
-          <a:blip r:embed="rId3">
-            <a:extLst>
-              <a:ext uri="{28A0092B-C50C-407E-A947-70E740481C1C}">
-                <a14:useLocalDpi xmlns:a14="http://schemas.microsoft.com/office/drawing/2010/main" val="0"/>
-              </a:ext>
-            </a:extLst>
-          </a:blip>
-          <a:stretch>
-            <a:fillRect/>
-          </a:stretch>
-        </p:blipFill>
-        <p:spPr>
-          <a:xfrm>
-            <a:off x="5609215" y="1260629"/>
-            <a:ext cx="5624038" cy="4696288"/>
+            <a:off x="841246" y="2386585"/>
+            <a:ext cx="8138279" cy="4270251"/>
           </a:xfrm>
           <a:prstGeom prst="rect">
             <a:avLst/>
           </a:prstGeom>
         </p:spPr>
       </p:pic>
+    </p:spTree>
+    <p:extLst>
+      <p:ext uri="{BB962C8B-B14F-4D97-AF65-F5344CB8AC3E}">
+        <p14:creationId xmlns:p14="http://schemas.microsoft.com/office/powerpoint/2010/main" val="1197268460"/>
+      </p:ext>
+    </p:extLst>
+  </p:cSld>
+  <p:clrMapOvr>
+    <a:masterClrMapping/>
+  </p:clrMapOvr>
+</p:sld>
+</file>
+
+<file path=ppt/slides/slide6.xml><?xml version="1.0" encoding="utf-8"?>
+<p:sld xmlns:a="http://schemas.openxmlformats.org/drawingml/2006/main" xmlns:r="http://schemas.openxmlformats.org/officeDocument/2006/relationships" xmlns:p="http://schemas.openxmlformats.org/presentationml/2006/main">
+  <p:cSld>
+    <p:spTree>
+      <p:nvGrpSpPr>
+        <p:cNvPr id="1" name=""/>
+        <p:cNvGrpSpPr/>
+        <p:nvPr/>
+      </p:nvGrpSpPr>
+      <p:grpSpPr>
+        <a:xfrm>
+          <a:off x="0" y="0"/>
+          <a:ext cx="0" cy="0"/>
+          <a:chOff x="0" y="0"/>
+          <a:chExt cx="0" cy="0"/>
+        </a:xfrm>
+      </p:grpSpPr>
       <p:sp>
         <p:nvSpPr>
           <p:cNvPr id="4" name="TextBox 3">
-            <a:hlinkClick r:id="rId4"/>
+            <a:hlinkClick r:id="rId3"/>
             <a:extLst>
               <a:ext uri="{FF2B5EF4-FFF2-40B4-BE49-F238E27FC236}">
                 <a16:creationId xmlns:a16="http://schemas.microsoft.com/office/drawing/2014/main" id="{141B29ED-2F0F-F24A-854C-7585EEDE1018}"/>
@@ -8634,7 +9648,7 @@
                 <a:latin typeface="+mj-lt"/>
                 <a:ea typeface="+mj-ea"/>
                 <a:cs typeface="+mj-cs"/>
-                <a:hlinkClick r:id="rId4"/>
+                <a:hlinkClick r:id="rId3"/>
               </a:rPr>
               <a:t>https://public.tableau.com/profile/</a:t>
             </a:r>
@@ -8647,7 +9661,7 @@
                 <a:latin typeface="+mj-lt"/>
                 <a:ea typeface="+mj-ea"/>
                 <a:cs typeface="+mj-cs"/>
-                <a:hlinkClick r:id="rId4"/>
+                <a:hlinkClick r:id="rId3"/>
               </a:rPr>
               <a:t>ireneokada</a:t>
             </a:r>
@@ -8668,6 +9682,674 @@
                 <a:schemeClr val="tx2"/>
               </a:solidFill>
             </a:endParaRPr>
+          </a:p>
+        </p:txBody>
+      </p:sp>
+      <p:pic>
+        <p:nvPicPr>
+          <p:cNvPr id="6" name="Content Placeholder 5" descr="Chart, bar chart&#10;&#10;Description automatically generated">
+            <a:extLst>
+              <a:ext uri="{FF2B5EF4-FFF2-40B4-BE49-F238E27FC236}">
+                <a16:creationId xmlns:a16="http://schemas.microsoft.com/office/drawing/2014/main" id="{37B1D905-19F8-46D3-B63D-1AA814540F33}"/>
+              </a:ext>
+            </a:extLst>
+          </p:cNvPr>
+          <p:cNvPicPr>
+            <a:picLocks noGrp="1" noChangeAspect="1"/>
+          </p:cNvPicPr>
+          <p:nvPr>
+            <p:ph sz="half" idx="1"/>
+          </p:nvPr>
+        </p:nvPicPr>
+        <p:blipFill>
+          <a:blip r:embed="rId4">
+            <a:extLst>
+              <a:ext uri="{28A0092B-C50C-407E-A947-70E740481C1C}">
+                <a14:useLocalDpi xmlns:a14="http://schemas.microsoft.com/office/drawing/2010/main" val="0"/>
+              </a:ext>
+            </a:extLst>
+          </a:blip>
+          <a:stretch>
+            <a:fillRect/>
+          </a:stretch>
+        </p:blipFill>
+        <p:spPr>
+          <a:xfrm>
+            <a:off x="379141" y="489836"/>
+            <a:ext cx="4853624" cy="5875888"/>
+          </a:xfrm>
+        </p:spPr>
+      </p:pic>
+      <p:pic>
+        <p:nvPicPr>
+          <p:cNvPr id="10" name="Content Placeholder 9" descr="Table&#10;&#10;Description automatically generated">
+            <a:extLst>
+              <a:ext uri="{FF2B5EF4-FFF2-40B4-BE49-F238E27FC236}">
+                <a16:creationId xmlns:a16="http://schemas.microsoft.com/office/drawing/2014/main" id="{24C427EA-9A41-4896-BA4A-77740049D823}"/>
+              </a:ext>
+            </a:extLst>
+          </p:cNvPr>
+          <p:cNvPicPr>
+            <a:picLocks noGrp="1" noChangeAspect="1"/>
+          </p:cNvPicPr>
+          <p:nvPr>
+            <p:ph sz="half" idx="2"/>
+          </p:nvPr>
+        </p:nvPicPr>
+        <p:blipFill>
+          <a:blip r:embed="rId5">
+            <a:extLst>
+              <a:ext uri="{28A0092B-C50C-407E-A947-70E740481C1C}">
+                <a14:useLocalDpi xmlns:a14="http://schemas.microsoft.com/office/drawing/2010/main" val="0"/>
+              </a:ext>
+            </a:extLst>
+          </a:blip>
+          <a:stretch>
+            <a:fillRect/>
+          </a:stretch>
+        </p:blipFill>
+        <p:spPr>
+          <a:xfrm>
+            <a:off x="6157313" y="1304692"/>
+            <a:ext cx="6028028" cy="5061031"/>
+          </a:xfrm>
+        </p:spPr>
+      </p:pic>
+      <mc:AlternateContent xmlns:mc="http://schemas.openxmlformats.org/markup-compatibility/2006">
+        <mc:Choice xmlns:p14="http://schemas.microsoft.com/office/powerpoint/2010/main" Requires="p14">
+          <p:contentPart p14:bwMode="auto" r:id="rId6">
+            <p14:nvContentPartPr>
+              <p14:cNvPr id="11" name="Ink 10">
+                <a:extLst>
+                  <a:ext uri="{FF2B5EF4-FFF2-40B4-BE49-F238E27FC236}">
+                    <a16:creationId xmlns:a16="http://schemas.microsoft.com/office/drawing/2014/main" id="{ED5CABA7-1CA9-450D-AD25-6C68531213F5}"/>
+                  </a:ext>
+                </a:extLst>
+              </p14:cNvPr>
+              <p14:cNvContentPartPr/>
+              <p14:nvPr/>
+            </p14:nvContentPartPr>
+            <p14:xfrm>
+              <a:off x="10280933" y="3979940"/>
+              <a:ext cx="410760" cy="36000"/>
+            </p14:xfrm>
+          </p:contentPart>
+        </mc:Choice>
+        <mc:Fallback>
+          <p:pic>
+            <p:nvPicPr>
+              <p:cNvPr id="11" name="Ink 10">
+                <a:extLst>
+                  <a:ext uri="{FF2B5EF4-FFF2-40B4-BE49-F238E27FC236}">
+                    <a16:creationId xmlns:a16="http://schemas.microsoft.com/office/drawing/2014/main" id="{ED5CABA7-1CA9-450D-AD25-6C68531213F5}"/>
+                  </a:ext>
+                </a:extLst>
+              </p:cNvPr>
+              <p:cNvPicPr/>
+              <p:nvPr/>
+            </p:nvPicPr>
+            <p:blipFill>
+              <a:blip r:embed="rId7"/>
+              <a:stretch>
+                <a:fillRect/>
+              </a:stretch>
+            </p:blipFill>
+            <p:spPr>
+              <a:xfrm>
+                <a:off x="10245293" y="3907940"/>
+                <a:ext cx="482400" cy="179640"/>
+              </a:xfrm>
+              <a:prstGeom prst="rect">
+                <a:avLst/>
+              </a:prstGeom>
+            </p:spPr>
+          </p:pic>
+        </mc:Fallback>
+      </mc:AlternateContent>
+      <mc:AlternateContent xmlns:mc="http://schemas.openxmlformats.org/markup-compatibility/2006">
+        <mc:Choice xmlns:p14="http://schemas.microsoft.com/office/powerpoint/2010/main" Requires="p14">
+          <p:contentPart p14:bwMode="auto" r:id="rId8">
+            <p14:nvContentPartPr>
+              <p14:cNvPr id="13" name="Ink 12">
+                <a:extLst>
+                  <a:ext uri="{FF2B5EF4-FFF2-40B4-BE49-F238E27FC236}">
+                    <a16:creationId xmlns:a16="http://schemas.microsoft.com/office/drawing/2014/main" id="{569C1C1B-92F1-445E-A77D-E3F93A6DED96}"/>
+                  </a:ext>
+                </a:extLst>
+              </p14:cNvPr>
+              <p14:cNvContentPartPr/>
+              <p14:nvPr/>
+            </p14:nvContentPartPr>
+            <p14:xfrm>
+              <a:off x="10325933" y="4457660"/>
+              <a:ext cx="378720" cy="25200"/>
+            </p14:xfrm>
+          </p:contentPart>
+        </mc:Choice>
+        <mc:Fallback>
+          <p:pic>
+            <p:nvPicPr>
+              <p:cNvPr id="13" name="Ink 12">
+                <a:extLst>
+                  <a:ext uri="{FF2B5EF4-FFF2-40B4-BE49-F238E27FC236}">
+                    <a16:creationId xmlns:a16="http://schemas.microsoft.com/office/drawing/2014/main" id="{569C1C1B-92F1-445E-A77D-E3F93A6DED96}"/>
+                  </a:ext>
+                </a:extLst>
+              </p:cNvPr>
+              <p:cNvPicPr/>
+              <p:nvPr/>
+            </p:nvPicPr>
+            <p:blipFill>
+              <a:blip r:embed="rId9"/>
+              <a:stretch>
+                <a:fillRect/>
+              </a:stretch>
+            </p:blipFill>
+            <p:spPr>
+              <a:xfrm>
+                <a:off x="10289933" y="4386020"/>
+                <a:ext cx="450360" cy="168840"/>
+              </a:xfrm>
+              <a:prstGeom prst="rect">
+                <a:avLst/>
+              </a:prstGeom>
+            </p:spPr>
+          </p:pic>
+        </mc:Fallback>
+      </mc:AlternateContent>
+      <mc:AlternateContent xmlns:mc="http://schemas.openxmlformats.org/markup-compatibility/2006">
+        <mc:Choice xmlns:p14="http://schemas.microsoft.com/office/powerpoint/2010/main" Requires="p14">
+          <p:contentPart p14:bwMode="auto" r:id="rId10">
+            <p14:nvContentPartPr>
+              <p14:cNvPr id="14" name="Ink 13">
+                <a:extLst>
+                  <a:ext uri="{FF2B5EF4-FFF2-40B4-BE49-F238E27FC236}">
+                    <a16:creationId xmlns:a16="http://schemas.microsoft.com/office/drawing/2014/main" id="{20DA80C0-E2B3-4CEF-99D8-EFB533A38801}"/>
+                  </a:ext>
+                </a:extLst>
+              </p14:cNvPr>
+              <p14:cNvContentPartPr/>
+              <p14:nvPr/>
+            </p14:nvContentPartPr>
+            <p14:xfrm>
+              <a:off x="10280933" y="4973180"/>
+              <a:ext cx="395640" cy="29880"/>
+            </p14:xfrm>
+          </p:contentPart>
+        </mc:Choice>
+        <mc:Fallback>
+          <p:pic>
+            <p:nvPicPr>
+              <p:cNvPr id="14" name="Ink 13">
+                <a:extLst>
+                  <a:ext uri="{FF2B5EF4-FFF2-40B4-BE49-F238E27FC236}">
+                    <a16:creationId xmlns:a16="http://schemas.microsoft.com/office/drawing/2014/main" id="{20DA80C0-E2B3-4CEF-99D8-EFB533A38801}"/>
+                  </a:ext>
+                </a:extLst>
+              </p:cNvPr>
+              <p:cNvPicPr/>
+              <p:nvPr/>
+            </p:nvPicPr>
+            <p:blipFill>
+              <a:blip r:embed="rId11"/>
+              <a:stretch>
+                <a:fillRect/>
+              </a:stretch>
+            </p:blipFill>
+            <p:spPr>
+              <a:xfrm>
+                <a:off x="10245293" y="4901180"/>
+                <a:ext cx="467280" cy="173520"/>
+              </a:xfrm>
+              <a:prstGeom prst="rect">
+                <a:avLst/>
+              </a:prstGeom>
+            </p:spPr>
+          </p:pic>
+        </mc:Fallback>
+      </mc:AlternateContent>
+      <mc:AlternateContent xmlns:mc="http://schemas.openxmlformats.org/markup-compatibility/2006">
+        <mc:Choice xmlns:p14="http://schemas.microsoft.com/office/powerpoint/2010/main" Requires="p14">
+          <p:contentPart p14:bwMode="auto" r:id="rId12">
+            <p14:nvContentPartPr>
+              <p14:cNvPr id="15" name="Ink 14">
+                <a:extLst>
+                  <a:ext uri="{FF2B5EF4-FFF2-40B4-BE49-F238E27FC236}">
+                    <a16:creationId xmlns:a16="http://schemas.microsoft.com/office/drawing/2014/main" id="{853C3F1A-EFA2-47A0-9EF5-6C10757DA774}"/>
+                  </a:ext>
+                </a:extLst>
+              </p14:cNvPr>
+              <p14:cNvContentPartPr/>
+              <p14:nvPr/>
+            </p14:nvContentPartPr>
+            <p14:xfrm>
+              <a:off x="10280933" y="5385020"/>
+              <a:ext cx="333720" cy="11880"/>
+            </p14:xfrm>
+          </p:contentPart>
+        </mc:Choice>
+        <mc:Fallback>
+          <p:pic>
+            <p:nvPicPr>
+              <p:cNvPr id="15" name="Ink 14">
+                <a:extLst>
+                  <a:ext uri="{FF2B5EF4-FFF2-40B4-BE49-F238E27FC236}">
+                    <a16:creationId xmlns:a16="http://schemas.microsoft.com/office/drawing/2014/main" id="{853C3F1A-EFA2-47A0-9EF5-6C10757DA774}"/>
+                  </a:ext>
+                </a:extLst>
+              </p:cNvPr>
+              <p:cNvPicPr/>
+              <p:nvPr/>
+            </p:nvPicPr>
+            <p:blipFill>
+              <a:blip r:embed="rId13"/>
+              <a:stretch>
+                <a:fillRect/>
+              </a:stretch>
+            </p:blipFill>
+            <p:spPr>
+              <a:xfrm>
+                <a:off x="10245293" y="5313380"/>
+                <a:ext cx="405360" cy="155520"/>
+              </a:xfrm>
+              <a:prstGeom prst="rect">
+                <a:avLst/>
+              </a:prstGeom>
+            </p:spPr>
+          </p:pic>
+        </mc:Fallback>
+      </mc:AlternateContent>
+      <mc:AlternateContent xmlns:mc="http://schemas.openxmlformats.org/markup-compatibility/2006">
+        <mc:Choice xmlns:p14="http://schemas.microsoft.com/office/powerpoint/2010/main" Requires="p14">
+          <p:contentPart p14:bwMode="auto" r:id="rId14">
+            <p14:nvContentPartPr>
+              <p14:cNvPr id="16" name="Ink 15">
+                <a:extLst>
+                  <a:ext uri="{FF2B5EF4-FFF2-40B4-BE49-F238E27FC236}">
+                    <a16:creationId xmlns:a16="http://schemas.microsoft.com/office/drawing/2014/main" id="{C3363C91-9106-4B28-84F3-5D721CDC010F}"/>
+                  </a:ext>
+                </a:extLst>
+              </p14:cNvPr>
+              <p14:cNvContentPartPr/>
+              <p14:nvPr/>
+            </p14:nvContentPartPr>
+            <p14:xfrm>
+              <a:off x="10270133" y="5864540"/>
+              <a:ext cx="924120" cy="34560"/>
+            </p14:xfrm>
+          </p:contentPart>
+        </mc:Choice>
+        <mc:Fallback>
+          <p:pic>
+            <p:nvPicPr>
+              <p:cNvPr id="16" name="Ink 15">
+                <a:extLst>
+                  <a:ext uri="{FF2B5EF4-FFF2-40B4-BE49-F238E27FC236}">
+                    <a16:creationId xmlns:a16="http://schemas.microsoft.com/office/drawing/2014/main" id="{C3363C91-9106-4B28-84F3-5D721CDC010F}"/>
+                  </a:ext>
+                </a:extLst>
+              </p:cNvPr>
+              <p:cNvPicPr/>
+              <p:nvPr/>
+            </p:nvPicPr>
+            <p:blipFill>
+              <a:blip r:embed="rId15"/>
+              <a:stretch>
+                <a:fillRect/>
+              </a:stretch>
+            </p:blipFill>
+            <p:spPr>
+              <a:xfrm>
+                <a:off x="10234133" y="5792900"/>
+                <a:ext cx="995760" cy="178200"/>
+              </a:xfrm>
+              <a:prstGeom prst="rect">
+                <a:avLst/>
+              </a:prstGeom>
+            </p:spPr>
+          </p:pic>
+        </mc:Fallback>
+      </mc:AlternateContent>
+      <mc:AlternateContent xmlns:mc="http://schemas.openxmlformats.org/markup-compatibility/2006">
+        <mc:Choice xmlns:p14="http://schemas.microsoft.com/office/powerpoint/2010/main" Requires="p14">
+          <p:contentPart p14:bwMode="auto" r:id="rId16">
+            <p14:nvContentPartPr>
+              <p14:cNvPr id="17" name="Ink 16">
+                <a:extLst>
+                  <a:ext uri="{FF2B5EF4-FFF2-40B4-BE49-F238E27FC236}">
+                    <a16:creationId xmlns:a16="http://schemas.microsoft.com/office/drawing/2014/main" id="{867828EB-3705-4193-A094-64A74661654F}"/>
+                  </a:ext>
+                </a:extLst>
+              </p14:cNvPr>
+              <p14:cNvContentPartPr/>
+              <p14:nvPr/>
+            </p14:nvContentPartPr>
+            <p14:xfrm>
+              <a:off x="10537613" y="4983620"/>
+              <a:ext cx="688680" cy="11880"/>
+            </p14:xfrm>
+          </p:contentPart>
+        </mc:Choice>
+        <mc:Fallback>
+          <p:pic>
+            <p:nvPicPr>
+              <p:cNvPr id="17" name="Ink 16">
+                <a:extLst>
+                  <a:ext uri="{FF2B5EF4-FFF2-40B4-BE49-F238E27FC236}">
+                    <a16:creationId xmlns:a16="http://schemas.microsoft.com/office/drawing/2014/main" id="{867828EB-3705-4193-A094-64A74661654F}"/>
+                  </a:ext>
+                </a:extLst>
+              </p:cNvPr>
+              <p:cNvPicPr/>
+              <p:nvPr/>
+            </p:nvPicPr>
+            <p:blipFill>
+              <a:blip r:embed="rId17"/>
+              <a:stretch>
+                <a:fillRect/>
+              </a:stretch>
+            </p:blipFill>
+            <p:spPr>
+              <a:xfrm>
+                <a:off x="10501973" y="4911620"/>
+                <a:ext cx="760320" cy="155520"/>
+              </a:xfrm>
+              <a:prstGeom prst="rect">
+                <a:avLst/>
+              </a:prstGeom>
+            </p:spPr>
+          </p:pic>
+        </mc:Fallback>
+      </mc:AlternateContent>
+      <mc:AlternateContent xmlns:mc="http://schemas.openxmlformats.org/markup-compatibility/2006">
+        <mc:Choice xmlns:p14="http://schemas.microsoft.com/office/powerpoint/2010/main" Requires="p14">
+          <p:contentPart p14:bwMode="auto" r:id="rId18">
+            <p14:nvContentPartPr>
+              <p14:cNvPr id="18" name="Ink 17">
+                <a:extLst>
+                  <a:ext uri="{FF2B5EF4-FFF2-40B4-BE49-F238E27FC236}">
+                    <a16:creationId xmlns:a16="http://schemas.microsoft.com/office/drawing/2014/main" id="{B870BA24-85EF-4156-B0DD-A4F4443C58BF}"/>
+                  </a:ext>
+                </a:extLst>
+              </p14:cNvPr>
+              <p14:cNvContentPartPr/>
+              <p14:nvPr/>
+            </p14:nvContentPartPr>
+            <p14:xfrm>
+              <a:off x="9700973" y="5384300"/>
+              <a:ext cx="1484640" cy="91800"/>
+            </p14:xfrm>
+          </p:contentPart>
+        </mc:Choice>
+        <mc:Fallback>
+          <p:pic>
+            <p:nvPicPr>
+              <p:cNvPr id="18" name="Ink 17">
+                <a:extLst>
+                  <a:ext uri="{FF2B5EF4-FFF2-40B4-BE49-F238E27FC236}">
+                    <a16:creationId xmlns:a16="http://schemas.microsoft.com/office/drawing/2014/main" id="{B870BA24-85EF-4156-B0DD-A4F4443C58BF}"/>
+                  </a:ext>
+                </a:extLst>
+              </p:cNvPr>
+              <p:cNvPicPr/>
+              <p:nvPr/>
+            </p:nvPicPr>
+            <p:blipFill>
+              <a:blip r:embed="rId19"/>
+              <a:stretch>
+                <a:fillRect/>
+              </a:stretch>
+            </p:blipFill>
+            <p:spPr>
+              <a:xfrm>
+                <a:off x="9665333" y="5312660"/>
+                <a:ext cx="1556280" cy="235440"/>
+              </a:xfrm>
+              <a:prstGeom prst="rect">
+                <a:avLst/>
+              </a:prstGeom>
+            </p:spPr>
+          </p:pic>
+        </mc:Fallback>
+      </mc:AlternateContent>
+      <mc:AlternateContent xmlns:mc="http://schemas.openxmlformats.org/markup-compatibility/2006">
+        <mc:Choice xmlns:p14="http://schemas.microsoft.com/office/powerpoint/2010/main" Requires="p14">
+          <p:contentPart p14:bwMode="auto" r:id="rId20">
+            <p14:nvContentPartPr>
+              <p14:cNvPr id="19" name="Ink 18">
+                <a:extLst>
+                  <a:ext uri="{FF2B5EF4-FFF2-40B4-BE49-F238E27FC236}">
+                    <a16:creationId xmlns:a16="http://schemas.microsoft.com/office/drawing/2014/main" id="{7FE52CBA-E394-44BE-A2CE-7E09A382B168}"/>
+                  </a:ext>
+                </a:extLst>
+              </p14:cNvPr>
+              <p14:cNvContentPartPr/>
+              <p14:nvPr/>
+            </p14:nvContentPartPr>
+            <p14:xfrm>
+              <a:off x="9634013" y="4939700"/>
+              <a:ext cx="860040" cy="97560"/>
+            </p14:xfrm>
+          </p:contentPart>
+        </mc:Choice>
+        <mc:Fallback>
+          <p:pic>
+            <p:nvPicPr>
+              <p:cNvPr id="19" name="Ink 18">
+                <a:extLst>
+                  <a:ext uri="{FF2B5EF4-FFF2-40B4-BE49-F238E27FC236}">
+                    <a16:creationId xmlns:a16="http://schemas.microsoft.com/office/drawing/2014/main" id="{7FE52CBA-E394-44BE-A2CE-7E09A382B168}"/>
+                  </a:ext>
+                </a:extLst>
+              </p:cNvPr>
+              <p:cNvPicPr/>
+              <p:nvPr/>
+            </p:nvPicPr>
+            <p:blipFill>
+              <a:blip r:embed="rId21"/>
+              <a:stretch>
+                <a:fillRect/>
+              </a:stretch>
+            </p:blipFill>
+            <p:spPr>
+              <a:xfrm>
+                <a:off x="9598373" y="4868060"/>
+                <a:ext cx="931680" cy="241200"/>
+              </a:xfrm>
+              <a:prstGeom prst="rect">
+                <a:avLst/>
+              </a:prstGeom>
+            </p:spPr>
+          </p:pic>
+        </mc:Fallback>
+      </mc:AlternateContent>
+      <mc:AlternateContent xmlns:mc="http://schemas.openxmlformats.org/markup-compatibility/2006">
+        <mc:Choice xmlns:p14="http://schemas.microsoft.com/office/powerpoint/2010/main" Requires="p14">
+          <p:contentPart p14:bwMode="auto" r:id="rId22">
+            <p14:nvContentPartPr>
+              <p14:cNvPr id="20" name="Ink 19">
+                <a:extLst>
+                  <a:ext uri="{FF2B5EF4-FFF2-40B4-BE49-F238E27FC236}">
+                    <a16:creationId xmlns:a16="http://schemas.microsoft.com/office/drawing/2014/main" id="{41621C75-730E-41A5-88D5-48BBE4FC896E}"/>
+                  </a:ext>
+                </a:extLst>
+              </p14:cNvPr>
+              <p14:cNvContentPartPr/>
+              <p14:nvPr/>
+            </p14:nvContentPartPr>
+            <p14:xfrm>
+              <a:off x="9689813" y="4482500"/>
+              <a:ext cx="1532880" cy="360"/>
+            </p14:xfrm>
+          </p:contentPart>
+        </mc:Choice>
+        <mc:Fallback>
+          <p:pic>
+            <p:nvPicPr>
+              <p:cNvPr id="20" name="Ink 19">
+                <a:extLst>
+                  <a:ext uri="{FF2B5EF4-FFF2-40B4-BE49-F238E27FC236}">
+                    <a16:creationId xmlns:a16="http://schemas.microsoft.com/office/drawing/2014/main" id="{41621C75-730E-41A5-88D5-48BBE4FC896E}"/>
+                  </a:ext>
+                </a:extLst>
+              </p:cNvPr>
+              <p:cNvPicPr/>
+              <p:nvPr/>
+            </p:nvPicPr>
+            <p:blipFill>
+              <a:blip r:embed="rId23"/>
+              <a:stretch>
+                <a:fillRect/>
+              </a:stretch>
+            </p:blipFill>
+            <p:spPr>
+              <a:xfrm>
+                <a:off x="9654173" y="4410860"/>
+                <a:ext cx="1604520" cy="144000"/>
+              </a:xfrm>
+              <a:prstGeom prst="rect">
+                <a:avLst/>
+              </a:prstGeom>
+            </p:spPr>
+          </p:pic>
+        </mc:Fallback>
+      </mc:AlternateContent>
+      <mc:AlternateContent xmlns:mc="http://schemas.openxmlformats.org/markup-compatibility/2006">
+        <mc:Choice xmlns:p14="http://schemas.microsoft.com/office/powerpoint/2010/main" Requires="p14">
+          <p:contentPart p14:bwMode="auto" r:id="rId24">
+            <p14:nvContentPartPr>
+              <p14:cNvPr id="21" name="Ink 20">
+                <a:extLst>
+                  <a:ext uri="{FF2B5EF4-FFF2-40B4-BE49-F238E27FC236}">
+                    <a16:creationId xmlns:a16="http://schemas.microsoft.com/office/drawing/2014/main" id="{8079A857-F57C-493E-8B5A-524CF29D37DB}"/>
+                  </a:ext>
+                </a:extLst>
+              </p14:cNvPr>
+              <p14:cNvContentPartPr/>
+              <p14:nvPr/>
+            </p14:nvContentPartPr>
+            <p14:xfrm>
+              <a:off x="9679013" y="5842580"/>
+              <a:ext cx="699840" cy="80640"/>
+            </p14:xfrm>
+          </p:contentPart>
+        </mc:Choice>
+        <mc:Fallback>
+          <p:pic>
+            <p:nvPicPr>
+              <p:cNvPr id="21" name="Ink 20">
+                <a:extLst>
+                  <a:ext uri="{FF2B5EF4-FFF2-40B4-BE49-F238E27FC236}">
+                    <a16:creationId xmlns:a16="http://schemas.microsoft.com/office/drawing/2014/main" id="{8079A857-F57C-493E-8B5A-524CF29D37DB}"/>
+                  </a:ext>
+                </a:extLst>
+              </p:cNvPr>
+              <p:cNvPicPr/>
+              <p:nvPr/>
+            </p:nvPicPr>
+            <p:blipFill>
+              <a:blip r:embed="rId25"/>
+              <a:stretch>
+                <a:fillRect/>
+              </a:stretch>
+            </p:blipFill>
+            <p:spPr>
+              <a:xfrm>
+                <a:off x="9643013" y="5770580"/>
+                <a:ext cx="771480" cy="224280"/>
+              </a:xfrm>
+              <a:prstGeom prst="rect">
+                <a:avLst/>
+              </a:prstGeom>
+            </p:spPr>
+          </p:pic>
+        </mc:Fallback>
+      </mc:AlternateContent>
+      <mc:AlternateContent xmlns:mc="http://schemas.openxmlformats.org/markup-compatibility/2006">
+        <mc:Choice xmlns:p14="http://schemas.microsoft.com/office/powerpoint/2010/main" Requires="p14">
+          <p:contentPart p14:bwMode="auto" r:id="rId26">
+            <p14:nvContentPartPr>
+              <p14:cNvPr id="22" name="Ink 21">
+                <a:extLst>
+                  <a:ext uri="{FF2B5EF4-FFF2-40B4-BE49-F238E27FC236}">
+                    <a16:creationId xmlns:a16="http://schemas.microsoft.com/office/drawing/2014/main" id="{99787CCF-BD97-4E94-9241-0AA7E21464CF}"/>
+                  </a:ext>
+                </a:extLst>
+              </p14:cNvPr>
+              <p14:cNvContentPartPr/>
+              <p14:nvPr/>
+            </p14:nvContentPartPr>
+            <p14:xfrm>
+              <a:off x="7281413" y="1683500"/>
+              <a:ext cx="360" cy="360"/>
+            </p14:xfrm>
+          </p:contentPart>
+        </mc:Choice>
+        <mc:Fallback>
+          <p:pic>
+            <p:nvPicPr>
+              <p:cNvPr id="22" name="Ink 21">
+                <a:extLst>
+                  <a:ext uri="{FF2B5EF4-FFF2-40B4-BE49-F238E27FC236}">
+                    <a16:creationId xmlns:a16="http://schemas.microsoft.com/office/drawing/2014/main" id="{99787CCF-BD97-4E94-9241-0AA7E21464CF}"/>
+                  </a:ext>
+                </a:extLst>
+              </p:cNvPr>
+              <p:cNvPicPr/>
+              <p:nvPr/>
+            </p:nvPicPr>
+            <p:blipFill>
+              <a:blip r:embed="rId27"/>
+              <a:stretch>
+                <a:fillRect/>
+              </a:stretch>
+            </p:blipFill>
+            <p:spPr>
+              <a:xfrm>
+                <a:off x="7245413" y="1611500"/>
+                <a:ext cx="72000" cy="144000"/>
+              </a:xfrm>
+              <a:prstGeom prst="rect">
+                <a:avLst/>
+              </a:prstGeom>
+            </p:spPr>
+          </p:pic>
+        </mc:Fallback>
+      </mc:AlternateContent>
+      <p:sp>
+        <p:nvSpPr>
+          <p:cNvPr id="23" name="TextBox 22">
+            <a:extLst>
+              <a:ext uri="{FF2B5EF4-FFF2-40B4-BE49-F238E27FC236}">
+                <a16:creationId xmlns:a16="http://schemas.microsoft.com/office/drawing/2014/main" id="{6FEA0F4C-210F-4911-A68C-FC3D6D39FBF2}"/>
+              </a:ext>
+            </a:extLst>
+          </p:cNvPr>
+          <p:cNvSpPr txBox="1"/>
+          <p:nvPr/>
+        </p:nvSpPr>
+        <p:spPr>
+          <a:xfrm>
+            <a:off x="6157313" y="355037"/>
+            <a:ext cx="5440826" cy="923330"/>
+          </a:xfrm>
+          <a:prstGeom prst="rect">
+            <a:avLst/>
+          </a:prstGeom>
+          <a:noFill/>
+        </p:spPr>
+        <p:txBody>
+          <a:bodyPr wrap="square" rtlCol="0">
+            <a:spAutoFit/>
+          </a:bodyPr>
+          <a:lstStyle/>
+          <a:p>
+            <a:r>
+              <a:rPr lang="en-US" b="1" dirty="0">
+                <a:latin typeface="+mj-lt"/>
+              </a:rPr>
+              <a:t>Higher loan amounts are approved for graduates vs non-graduates. Self- employment also appears to be a positive factor</a:t>
+            </a:r>
           </a:p>
         </p:txBody>
       </p:sp>
@@ -8684,7 +10366,7 @@
 </p:sld>
 </file>
 
-<file path=ppt/slides/slide6.xml><?xml version="1.0" encoding="utf-8"?>
+<file path=ppt/slides/slide7.xml><?xml version="1.0" encoding="utf-8"?>
 <p:sld xmlns:a="http://schemas.openxmlformats.org/drawingml/2006/main" xmlns:r="http://schemas.openxmlformats.org/officeDocument/2006/relationships" xmlns:p="http://schemas.openxmlformats.org/presentationml/2006/main">
   <p:cSld>
     <p:spTree>
@@ -8762,7 +10444,7 @@
           <a:lstStyle/>
           <a:p>
             <a:pPr algn="ctr"/>
-            <a:endParaRPr lang="en-US"/>
+            <a:endParaRPr lang="en-US" dirty="0"/>
           </a:p>
         </p:txBody>
       </p:sp>
@@ -8925,7 +10607,7 @@
         <p:spPr>
           <a:xfrm>
             <a:off x="505794" y="2596836"/>
-            <a:ext cx="4889170" cy="2862322"/>
+            <a:ext cx="4889170" cy="3170099"/>
           </a:xfrm>
           <a:prstGeom prst="rect">
             <a:avLst/>
@@ -8943,14 +10625,17 @@
           <a:p>
             <a:r>
               <a:rPr lang="en-US" sz="2000" dirty="0"/>
-              <a:t>Overall: approval rates were higher for men, those who are married,  suburbanites, graduates and those with a co-applicant </a:t>
+              <a:t>Approval Rates:</a:t>
             </a:r>
           </a:p>
           <a:p>
             <a:endParaRPr lang="en-US" sz="2000" dirty="0"/>
           </a:p>
           <a:p>
-            <a:endParaRPr lang="en-US" sz="2000" dirty="0"/>
+            <a:r>
+              <a:rPr lang="en-US" sz="2000" dirty="0"/>
+              <a:t>Overall approval rates were similar for men and women, but higher for those who were married,  graduates and those who lived in the suburbs</a:t>
+            </a:r>
           </a:p>
           <a:p>
             <a:endParaRPr lang="en-US" sz="2000" dirty="0"/>
@@ -8978,7 +10663,7 @@
         <p:spPr>
           <a:xfrm>
             <a:off x="6797036" y="2598768"/>
-            <a:ext cx="4889170" cy="2862322"/>
+            <a:ext cx="4889170" cy="3477875"/>
           </a:xfrm>
           <a:prstGeom prst="rect">
             <a:avLst/>
@@ -8996,7 +10681,16 @@
           <a:p>
             <a:r>
               <a:rPr lang="en-US" sz="2000" dirty="0"/>
-              <a:t>Overall: average loan amounts seem higher for graduates, those with a co-applicant and those with &gt;1 dependent</a:t>
+              <a:t>Loan Amounts:</a:t>
+            </a:r>
+          </a:p>
+          <a:p>
+            <a:endParaRPr lang="en-US" sz="2000" dirty="0"/>
+          </a:p>
+          <a:p>
+            <a:r>
+              <a:rPr lang="en-US" sz="2000" dirty="0"/>
+              <a:t>Overall average loan amounts seem higher for graduates, those with a co-applicant and those with &gt;1 dependent</a:t>
             </a:r>
           </a:p>
           <a:p>
@@ -9029,7 +10723,7 @@
 </p:sld>
 </file>
 
-<file path=ppt/slides/slide7.xml><?xml version="1.0" encoding="utf-8"?>
+<file path=ppt/slides/slide8.xml><?xml version="1.0" encoding="utf-8"?>
 <p:sld xmlns:a="http://schemas.openxmlformats.org/drawingml/2006/main" xmlns:r="http://schemas.openxmlformats.org/officeDocument/2006/relationships" xmlns:p="http://schemas.openxmlformats.org/presentationml/2006/main">
   <p:cSld>
     <p:bg>
@@ -9110,7 +10804,7 @@
           <a:lstStyle/>
           <a:p>
             <a:pPr algn="ctr"/>
-            <a:endParaRPr lang="en-US"/>
+            <a:endParaRPr lang="en-US" dirty="0"/>
           </a:p>
         </p:txBody>
       </p:sp>
@@ -9735,7 +11429,7 @@
 </p:sld>
 </file>
 
-<file path=ppt/slides/slide8.xml><?xml version="1.0" encoding="utf-8"?>
+<file path=ppt/slides/slide9.xml><?xml version="1.0" encoding="utf-8"?>
 <p:sld xmlns:a="http://schemas.openxmlformats.org/drawingml/2006/main" xmlns:r="http://schemas.openxmlformats.org/officeDocument/2006/relationships" xmlns:p="http://schemas.openxmlformats.org/presentationml/2006/main">
   <p:cSld>
     <p:bg>
@@ -9816,7 +11510,7 @@
           <a:lstStyle/>
           <a:p>
             <a:pPr algn="ctr"/>
-            <a:endParaRPr lang="en-US"/>
+            <a:endParaRPr lang="en-US" dirty="0"/>
           </a:p>
         </p:txBody>
       </p:sp>
@@ -9950,7 +11644,7 @@
             </a:bodyPr>
             <a:lstStyle/>
             <a:p>
-              <a:endParaRPr lang="en-US"/>
+              <a:endParaRPr lang="en-US" dirty="0"/>
             </a:p>
           </p:txBody>
         </p:sp>
@@ -10053,7 +11747,7 @@
             </a:bodyPr>
             <a:lstStyle/>
             <a:p>
-              <a:endParaRPr lang="en-US"/>
+              <a:endParaRPr lang="en-US" dirty="0"/>
             </a:p>
           </p:txBody>
         </p:sp>
@@ -10156,7 +11850,7 @@
             </a:bodyPr>
             <a:lstStyle/>
             <a:p>
-              <a:endParaRPr lang="en-US"/>
+              <a:endParaRPr lang="en-US" dirty="0"/>
             </a:p>
           </p:txBody>
         </p:sp>
@@ -10259,7 +11953,7 @@
             </a:bodyPr>
             <a:lstStyle/>
             <a:p>
-              <a:endParaRPr lang="en-US"/>
+              <a:endParaRPr lang="en-US" dirty="0"/>
             </a:p>
           </p:txBody>
         </p:sp>
@@ -10309,7 +12003,7 @@
             </a:bodyPr>
             <a:lstStyle/>
             <a:p>
-              <a:endParaRPr lang="en-US"/>
+              <a:endParaRPr lang="en-US" dirty="0"/>
             </a:p>
           </p:txBody>
         </p:sp>
@@ -10518,385 +12212,6 @@
     <p:extLst>
       <p:ext uri="{BB962C8B-B14F-4D97-AF65-F5344CB8AC3E}">
         <p14:creationId xmlns:p14="http://schemas.microsoft.com/office/powerpoint/2010/main" val="2484267060"/>
-      </p:ext>
-    </p:extLst>
-  </p:cSld>
-  <p:clrMapOvr>
-    <a:masterClrMapping/>
-  </p:clrMapOvr>
-</p:sld>
-</file>
-
-<file path=ppt/slides/slide9.xml><?xml version="1.0" encoding="utf-8"?>
-<p:sld xmlns:a="http://schemas.openxmlformats.org/drawingml/2006/main" xmlns:r="http://schemas.openxmlformats.org/officeDocument/2006/relationships" xmlns:p="http://schemas.openxmlformats.org/presentationml/2006/main">
-  <p:cSld>
-    <p:bg>
-      <p:bgPr>
-        <a:solidFill>
-          <a:schemeClr val="bg1"/>
-        </a:solidFill>
-        <a:effectLst/>
-      </p:bgPr>
-    </p:bg>
-    <p:spTree>
-      <p:nvGrpSpPr>
-        <p:cNvPr id="1" name=""/>
-        <p:cNvGrpSpPr/>
-        <p:nvPr/>
-      </p:nvGrpSpPr>
-      <p:grpSpPr>
-        <a:xfrm>
-          <a:off x="0" y="0"/>
-          <a:ext cx="0" cy="0"/>
-          <a:chOff x="0" y="0"/>
-          <a:chExt cx="0" cy="0"/>
-        </a:xfrm>
-      </p:grpSpPr>
-      <p:sp>
-        <p:nvSpPr>
-          <p:cNvPr id="17" name="Rectangle 16">
-            <a:extLst>
-              <a:ext uri="{FF2B5EF4-FFF2-40B4-BE49-F238E27FC236}">
-                <a16:creationId xmlns:a16="http://schemas.microsoft.com/office/drawing/2014/main" id="{823AC064-BC96-4F32-8AE1-B2FD38754823}"/>
-              </a:ext>
-              <a:ext uri="{C183D7F6-B498-43B3-948B-1728B52AA6E4}">
-                <adec:decorative xmlns:adec="http://schemas.microsoft.com/office/drawing/2017/decorative" val="1"/>
-              </a:ext>
-            </a:extLst>
-          </p:cNvPr>
-          <p:cNvSpPr>
-            <a:spLocks noGrp="1" noRot="1" noChangeAspect="1" noMove="1" noResize="1" noEditPoints="1" noAdjustHandles="1" noChangeArrowheads="1" noChangeShapeType="1" noTextEdit="1"/>
-          </p:cNvSpPr>
-          <p:nvPr>
-            <p:extLst>
-              <p:ext uri="{386F3935-93C4-4BCD-93E2-E3B085C9AB24}">
-                <p16:designElem xmlns:p16="http://schemas.microsoft.com/office/powerpoint/2015/main" val="1"/>
-              </p:ext>
-            </p:extLst>
-          </p:nvPr>
-        </p:nvSpPr>
-        <p:spPr bwMode="ltGray">
-          <a:xfrm>
-            <a:off x="396882" y="280374"/>
-            <a:ext cx="11438793" cy="1844256"/>
-          </a:xfrm>
-          <a:prstGeom prst="rect">
-            <a:avLst/>
-          </a:prstGeom>
-          <a:solidFill>
-            <a:srgbClr val="404040"/>
-          </a:solidFill>
-          <a:ln w="127000" cap="sq" cmpd="thinThick">
-            <a:solidFill>
-              <a:srgbClr val="404040"/>
-            </a:solidFill>
-          </a:ln>
-        </p:spPr>
-        <p:style>
-          <a:lnRef idx="2">
-            <a:schemeClr val="accent1">
-              <a:shade val="50000"/>
-            </a:schemeClr>
-          </a:lnRef>
-          <a:fillRef idx="1">
-            <a:schemeClr val="accent1"/>
-          </a:fillRef>
-          <a:effectRef idx="0">
-            <a:schemeClr val="accent1"/>
-          </a:effectRef>
-          <a:fontRef idx="minor">
-            <a:schemeClr val="lt1"/>
-          </a:fontRef>
-        </p:style>
-        <p:txBody>
-          <a:bodyPr rtlCol="0" anchor="ctr"/>
-          <a:lstStyle/>
-          <a:p>
-            <a:pPr algn="ctr"/>
-            <a:endParaRPr lang="en-US"/>
-          </a:p>
-        </p:txBody>
-      </p:sp>
-      <p:sp>
-        <p:nvSpPr>
-          <p:cNvPr id="2" name="Title 1">
-            <a:extLst>
-              <a:ext uri="{FF2B5EF4-FFF2-40B4-BE49-F238E27FC236}">
-                <a16:creationId xmlns:a16="http://schemas.microsoft.com/office/drawing/2014/main" id="{F61E1822-5204-43CF-AF8A-BD75BC97F90C}"/>
-              </a:ext>
-            </a:extLst>
-          </p:cNvPr>
-          <p:cNvSpPr>
-            <a:spLocks noGrp="1"/>
-          </p:cNvSpPr>
-          <p:nvPr>
-            <p:ph type="title"/>
-          </p:nvPr>
-        </p:nvSpPr>
-        <p:spPr>
-          <a:xfrm>
-            <a:off x="546351" y="433545"/>
-            <a:ext cx="11139854" cy="930447"/>
-          </a:xfrm>
-        </p:spPr>
-        <p:txBody>
-          <a:bodyPr vert="horz" lIns="91440" tIns="45720" rIns="91440" bIns="45720" rtlCol="0" anchor="b">
-            <a:normAutofit/>
-          </a:bodyPr>
-          <a:lstStyle/>
-          <a:p>
-            <a:pPr algn="ctr"/>
-            <a:r>
-              <a:rPr lang="en-US" sz="2000" dirty="0">
-                <a:solidFill>
-                  <a:srgbClr val="FFFFFF"/>
-                </a:solidFill>
-              </a:rPr>
-              <a:t>Featured factors in loan approval are Credit History, Loan Amount, Applicant and Co-applicant Income. When Credit History is removed importance expands to Suburban location and those with 2-3 Dependents</a:t>
-            </a:r>
-          </a:p>
-        </p:txBody>
-      </p:sp>
-      <p:cxnSp>
-        <p:nvCxnSpPr>
-          <p:cNvPr id="19" name="Straight Connector 18">
-            <a:extLst>
-              <a:ext uri="{FF2B5EF4-FFF2-40B4-BE49-F238E27FC236}">
-                <a16:creationId xmlns:a16="http://schemas.microsoft.com/office/drawing/2014/main" id="{7E7C77BC-7138-40B1-A15B-20F57A494629}"/>
-              </a:ext>
-              <a:ext uri="{C183D7F6-B498-43B3-948B-1728B52AA6E4}">
-                <adec:decorative xmlns:adec="http://schemas.microsoft.com/office/drawing/2017/decorative" val="1"/>
-              </a:ext>
-            </a:extLst>
-          </p:cNvPr>
-          <p:cNvCxnSpPr>
-            <a:cxnSpLocks noGrp="1" noRot="1" noChangeAspect="1" noMove="1" noResize="1" noEditPoints="1" noAdjustHandles="1" noChangeArrowheads="1" noChangeShapeType="1"/>
-          </p:cNvCxnSpPr>
-          <p:nvPr>
-            <p:extLst>
-              <p:ext uri="{386F3935-93C4-4BCD-93E2-E3B085C9AB24}">
-                <p16:designElem xmlns:p16="http://schemas.microsoft.com/office/powerpoint/2015/main" val="1"/>
-              </p:ext>
-            </p:extLst>
-          </p:nvPr>
-        </p:nvCxnSpPr>
-        <p:spPr>
-          <a:xfrm>
-            <a:off x="2230078" y="1522292"/>
-            <a:ext cx="7772400" cy="0"/>
-          </a:xfrm>
-          <a:prstGeom prst="line">
-            <a:avLst/>
-          </a:prstGeom>
-          <a:ln w="22225">
-            <a:solidFill>
-              <a:srgbClr val="D9D9D9"/>
-            </a:solidFill>
-          </a:ln>
-        </p:spPr>
-        <p:style>
-          <a:lnRef idx="1">
-            <a:schemeClr val="accent1"/>
-          </a:lnRef>
-          <a:fillRef idx="0">
-            <a:schemeClr val="accent1"/>
-          </a:fillRef>
-          <a:effectRef idx="0">
-            <a:schemeClr val="accent1"/>
-          </a:effectRef>
-          <a:fontRef idx="minor">
-            <a:schemeClr val="tx1"/>
-          </a:fontRef>
-        </p:style>
-      </p:cxnSp>
-      <p:cxnSp>
-        <p:nvCxnSpPr>
-          <p:cNvPr id="21" name="Straight Connector 20">
-            <a:extLst>
-              <a:ext uri="{FF2B5EF4-FFF2-40B4-BE49-F238E27FC236}">
-                <a16:creationId xmlns:a16="http://schemas.microsoft.com/office/drawing/2014/main" id="{DB146403-F3D6-484B-B2ED-97F9565D0370}"/>
-              </a:ext>
-              <a:ext uri="{C183D7F6-B498-43B3-948B-1728B52AA6E4}">
-                <adec:decorative xmlns:adec="http://schemas.microsoft.com/office/drawing/2017/decorative" val="1"/>
-              </a:ext>
-            </a:extLst>
-          </p:cNvPr>
-          <p:cNvCxnSpPr>
-            <a:cxnSpLocks noGrp="1" noRot="1" noChangeAspect="1" noMove="1" noResize="1" noEditPoints="1" noAdjustHandles="1" noChangeArrowheads="1" noChangeShapeType="1"/>
-          </p:cNvCxnSpPr>
-          <p:nvPr>
-            <p:extLst>
-              <p:ext uri="{386F3935-93C4-4BCD-93E2-E3B085C9AB24}">
-                <p16:designElem xmlns:p16="http://schemas.microsoft.com/office/powerpoint/2015/main" val="1"/>
-              </p:ext>
-            </p:extLst>
-          </p:nvPr>
-        </p:nvCxnSpPr>
-        <p:spPr>
-          <a:xfrm>
-            <a:off x="6116278" y="2596836"/>
-            <a:ext cx="0" cy="3657600"/>
-          </a:xfrm>
-          <a:prstGeom prst="line">
-            <a:avLst/>
-          </a:prstGeom>
-          <a:ln w="101600" cmpd="dbl">
-            <a:solidFill>
-              <a:srgbClr val="595959"/>
-            </a:solidFill>
-          </a:ln>
-        </p:spPr>
-        <p:style>
-          <a:lnRef idx="1">
-            <a:schemeClr val="accent1"/>
-          </a:lnRef>
-          <a:fillRef idx="0">
-            <a:schemeClr val="accent1"/>
-          </a:fillRef>
-          <a:effectRef idx="0">
-            <a:schemeClr val="accent1"/>
-          </a:effectRef>
-          <a:fontRef idx="minor">
-            <a:schemeClr val="tx1"/>
-          </a:fontRef>
-        </p:style>
-      </p:cxnSp>
-      <p:pic>
-        <p:nvPicPr>
-          <p:cNvPr id="20" name="Picture 19">
-            <a:extLst>
-              <a:ext uri="{FF2B5EF4-FFF2-40B4-BE49-F238E27FC236}">
-                <a16:creationId xmlns:a16="http://schemas.microsoft.com/office/drawing/2014/main" id="{2072415A-65B3-7F4B-B9C9-52EB5260CFF7}"/>
-              </a:ext>
-            </a:extLst>
-          </p:cNvPr>
-          <p:cNvPicPr>
-            <a:picLocks noChangeAspect="1"/>
-          </p:cNvPicPr>
-          <p:nvPr/>
-        </p:nvPicPr>
-        <p:blipFill>
-          <a:blip r:embed="rId3">
-            <a:extLst>
-              <a:ext uri="{28A0092B-C50C-407E-A947-70E740481C1C}">
-                <a14:useLocalDpi xmlns:a14="http://schemas.microsoft.com/office/drawing/2010/main" val="0"/>
-              </a:ext>
-            </a:extLst>
-          </a:blip>
-          <a:stretch>
-            <a:fillRect/>
-          </a:stretch>
-        </p:blipFill>
-        <p:spPr>
-          <a:xfrm>
-            <a:off x="6589746" y="2184132"/>
-            <a:ext cx="4874618" cy="4728313"/>
-          </a:xfrm>
-          <a:prstGeom prst="rect">
-            <a:avLst/>
-          </a:prstGeom>
-        </p:spPr>
-      </p:pic>
-      <p:grpSp>
-        <p:nvGrpSpPr>
-          <p:cNvPr id="23" name="Group 22">
-            <a:extLst>
-              <a:ext uri="{FF2B5EF4-FFF2-40B4-BE49-F238E27FC236}">
-                <a16:creationId xmlns:a16="http://schemas.microsoft.com/office/drawing/2014/main" id="{AB7141BF-ABB9-5345-9DEE-3BE9F4D4626E}"/>
-              </a:ext>
-            </a:extLst>
-          </p:cNvPr>
-          <p:cNvGrpSpPr/>
-          <p:nvPr/>
-        </p:nvGrpSpPr>
-        <p:grpSpPr>
-          <a:xfrm>
-            <a:off x="874530" y="2184790"/>
-            <a:ext cx="4744217" cy="4678870"/>
-            <a:chOff x="874530" y="2184790"/>
-            <a:chExt cx="4744217" cy="4678870"/>
-          </a:xfrm>
-        </p:grpSpPr>
-        <p:pic>
-          <p:nvPicPr>
-            <p:cNvPr id="15" name="Picture 14">
-              <a:extLst>
-                <a:ext uri="{FF2B5EF4-FFF2-40B4-BE49-F238E27FC236}">
-                  <a16:creationId xmlns:a16="http://schemas.microsoft.com/office/drawing/2014/main" id="{8B9323F5-273F-A140-8068-97EB48AC55A6}"/>
-                </a:ext>
-              </a:extLst>
-            </p:cNvPr>
-            <p:cNvPicPr>
-              <a:picLocks noChangeAspect="1"/>
-            </p:cNvPicPr>
-            <p:nvPr/>
-          </p:nvPicPr>
-          <p:blipFill>
-            <a:blip r:embed="rId4">
-              <a:extLst>
-                <a:ext uri="{28A0092B-C50C-407E-A947-70E740481C1C}">
-                  <a14:useLocalDpi xmlns:a14="http://schemas.microsoft.com/office/drawing/2010/main" val="0"/>
-                </a:ext>
-              </a:extLst>
-            </a:blip>
-            <a:stretch>
-              <a:fillRect/>
-            </a:stretch>
-          </p:blipFill>
-          <p:spPr>
-            <a:xfrm>
-              <a:off x="874530" y="2184790"/>
-              <a:ext cx="4744217" cy="4678870"/>
-            </a:xfrm>
-            <a:prstGeom prst="rect">
-              <a:avLst/>
-            </a:prstGeom>
-          </p:spPr>
-        </p:pic>
-        <p:sp>
-          <p:nvSpPr>
-            <p:cNvPr id="22" name="TextBox 21">
-              <a:extLst>
-                <a:ext uri="{FF2B5EF4-FFF2-40B4-BE49-F238E27FC236}">
-                  <a16:creationId xmlns:a16="http://schemas.microsoft.com/office/drawing/2014/main" id="{B7176D66-F260-AD40-8236-5DE18415FA6B}"/>
-                </a:ext>
-              </a:extLst>
-            </p:cNvPr>
-            <p:cNvSpPr txBox="1"/>
-            <p:nvPr/>
-          </p:nvSpPr>
-          <p:spPr>
-            <a:xfrm>
-              <a:off x="1684421" y="2489114"/>
-              <a:ext cx="269625" cy="215444"/>
-            </a:xfrm>
-            <a:prstGeom prst="rect">
-              <a:avLst/>
-            </a:prstGeom>
-            <a:noFill/>
-          </p:spPr>
-          <p:txBody>
-            <a:bodyPr wrap="square" rtlCol="0">
-              <a:spAutoFit/>
-            </a:bodyPr>
-            <a:lstStyle/>
-            <a:p>
-              <a:r>
-                <a:rPr lang="en-US" sz="800" dirty="0">
-                  <a:solidFill>
-                    <a:schemeClr val="accent1"/>
-                  </a:solidFill>
-                </a:rPr>
-                <a:t>✱</a:t>
-              </a:r>
-            </a:p>
-          </p:txBody>
-        </p:sp>
-      </p:grpSp>
-    </p:spTree>
-    <p:extLst>
-      <p:ext uri="{BB962C8B-B14F-4D97-AF65-F5344CB8AC3E}">
-        <p14:creationId xmlns:p14="http://schemas.microsoft.com/office/powerpoint/2010/main" val="3585113251"/>
       </p:ext>
     </p:extLst>
   </p:cSld>
